--- a/nodejs.pptx
+++ b/nodejs.pptx
@@ -15,10 +15,12 @@
     <p:sldId id="263" r:id="rId9"/>
     <p:sldId id="264" r:id="rId10"/>
     <p:sldId id="267" r:id="rId11"/>
-    <p:sldId id="266" r:id="rId12"/>
-    <p:sldId id="268" r:id="rId13"/>
-    <p:sldId id="269" r:id="rId14"/>
-    <p:sldId id="265" r:id="rId15"/>
+    <p:sldId id="270" r:id="rId12"/>
+    <p:sldId id="266" r:id="rId13"/>
+    <p:sldId id="271" r:id="rId14"/>
+    <p:sldId id="268" r:id="rId15"/>
+    <p:sldId id="269" r:id="rId16"/>
+    <p:sldId id="265" r:id="rId17"/>
   </p:sldIdLst>
   <p:sldSz cx="12192000" cy="6858000"/>
   <p:notesSz cx="6858000" cy="9144000"/>
@@ -117,6 +119,11 @@
       </a:defRPr>
     </a:lvl9pPr>
   </p:defaultTextStyle>
+  <p:extLst>
+    <p:ext uri="{EFAFB233-063F-42B5-8137-9DF3F51BA10A}">
+      <p15:sldGuideLst xmlns:p15="http://schemas.microsoft.com/office/powerpoint/2012/main"/>
+    </p:ext>
+  </p:extLst>
 </p:presentation>
 </file>
 
@@ -267,7 +274,7 @@
           <a:p>
             <a:fld id="{D0BD7BBD-4935-47A1-8381-E923F5B1B7D4}" type="datetimeFigureOut">
               <a:rPr lang="en-US" smtClean="0"/>
-              <a:t>8/4/2020</a:t>
+              <a:t>11/17/2020</a:t>
             </a:fld>
             <a:endParaRPr lang="en-US"/>
           </a:p>
@@ -465,7 +472,7 @@
           <a:p>
             <a:fld id="{D0BD7BBD-4935-47A1-8381-E923F5B1B7D4}" type="datetimeFigureOut">
               <a:rPr lang="en-US" smtClean="0"/>
-              <a:t>8/4/2020</a:t>
+              <a:t>11/17/2020</a:t>
             </a:fld>
             <a:endParaRPr lang="en-US"/>
           </a:p>
@@ -673,7 +680,7 @@
           <a:p>
             <a:fld id="{D0BD7BBD-4935-47A1-8381-E923F5B1B7D4}" type="datetimeFigureOut">
               <a:rPr lang="en-US" smtClean="0"/>
-              <a:t>8/4/2020</a:t>
+              <a:t>11/17/2020</a:t>
             </a:fld>
             <a:endParaRPr lang="en-US"/>
           </a:p>
@@ -1299,7 +1306,7 @@
           <a:p>
             <a:fld id="{0D52139E-80E8-44B2-89BA-FFDE8054A662}" type="datetime1">
               <a:rPr lang="en-GB"/>
-              <a:t>04/08/2020</a:t>
+              <a:t>17/11/2020</a:t>
             </a:fld>
             <a:endParaRPr lang="en-GB" dirty="0"/>
           </a:p>
@@ -1549,7 +1556,7 @@
           <a:p>
             <a:fld id="{D0BD7BBD-4935-47A1-8381-E923F5B1B7D4}" type="datetimeFigureOut">
               <a:rPr lang="en-US" smtClean="0"/>
-              <a:t>8/4/2020</a:t>
+              <a:t>11/17/2020</a:t>
             </a:fld>
             <a:endParaRPr lang="en-US"/>
           </a:p>
@@ -1824,7 +1831,7 @@
           <a:p>
             <a:fld id="{D0BD7BBD-4935-47A1-8381-E923F5B1B7D4}" type="datetimeFigureOut">
               <a:rPr lang="en-US" smtClean="0"/>
-              <a:t>8/4/2020</a:t>
+              <a:t>11/17/2020</a:t>
             </a:fld>
             <a:endParaRPr lang="en-US"/>
           </a:p>
@@ -2089,7 +2096,7 @@
           <a:p>
             <a:fld id="{D0BD7BBD-4935-47A1-8381-E923F5B1B7D4}" type="datetimeFigureOut">
               <a:rPr lang="en-US" smtClean="0"/>
-              <a:t>8/4/2020</a:t>
+              <a:t>11/17/2020</a:t>
             </a:fld>
             <a:endParaRPr lang="en-US"/>
           </a:p>
@@ -2501,7 +2508,7 @@
           <a:p>
             <a:fld id="{D0BD7BBD-4935-47A1-8381-E923F5B1B7D4}" type="datetimeFigureOut">
               <a:rPr lang="en-US" smtClean="0"/>
-              <a:t>8/4/2020</a:t>
+              <a:t>11/17/2020</a:t>
             </a:fld>
             <a:endParaRPr lang="en-US"/>
           </a:p>
@@ -2642,7 +2649,7 @@
           <a:p>
             <a:fld id="{D0BD7BBD-4935-47A1-8381-E923F5B1B7D4}" type="datetimeFigureOut">
               <a:rPr lang="en-US" smtClean="0"/>
-              <a:t>8/4/2020</a:t>
+              <a:t>11/17/2020</a:t>
             </a:fld>
             <a:endParaRPr lang="en-US"/>
           </a:p>
@@ -2755,7 +2762,7 @@
           <a:p>
             <a:fld id="{D0BD7BBD-4935-47A1-8381-E923F5B1B7D4}" type="datetimeFigureOut">
               <a:rPr lang="en-US" smtClean="0"/>
-              <a:t>8/4/2020</a:t>
+              <a:t>11/17/2020</a:t>
             </a:fld>
             <a:endParaRPr lang="en-US"/>
           </a:p>
@@ -3066,7 +3073,7 @@
           <a:p>
             <a:fld id="{D0BD7BBD-4935-47A1-8381-E923F5B1B7D4}" type="datetimeFigureOut">
               <a:rPr lang="en-US" smtClean="0"/>
-              <a:t>8/4/2020</a:t>
+              <a:t>11/17/2020</a:t>
             </a:fld>
             <a:endParaRPr lang="en-US"/>
           </a:p>
@@ -3354,7 +3361,7 @@
           <a:p>
             <a:fld id="{D0BD7BBD-4935-47A1-8381-E923F5B1B7D4}" type="datetimeFigureOut">
               <a:rPr lang="en-US" smtClean="0"/>
-              <a:t>8/4/2020</a:t>
+              <a:t>11/17/2020</a:t>
             </a:fld>
             <a:endParaRPr lang="en-US"/>
           </a:p>
@@ -3595,7 +3602,7 @@
           <a:p>
             <a:fld id="{D0BD7BBD-4935-47A1-8381-E923F5B1B7D4}" type="datetimeFigureOut">
               <a:rPr lang="en-US" smtClean="0"/>
-              <a:t>8/4/2020</a:t>
+              <a:t>11/17/2020</a:t>
             </a:fld>
             <a:endParaRPr lang="en-US"/>
           </a:p>
@@ -4201,170 +4208,67 @@
           <a:p>
             <a:r>
               <a:rPr lang="en-US" sz="4400" dirty="0"/>
-              <a:t>How this compares to async/await in C#?</a:t>
-            </a:r>
-          </a:p>
-        </p:txBody>
-      </p:sp>
-      <p:sp>
-        <p:nvSpPr>
-          <p:cNvPr id="6" name="TextBox 5">
-            <a:extLst>
-              <a:ext uri="{FF2B5EF4-FFF2-40B4-BE49-F238E27FC236}">
-                <a16:creationId xmlns:a16="http://schemas.microsoft.com/office/drawing/2014/main" id="{73074ED7-57DF-4965-BA2D-D62CB167BC7D}"/>
-              </a:ext>
-            </a:extLst>
-          </p:cNvPr>
-          <p:cNvSpPr txBox="1"/>
+              <a:t>Blocking I/O vs Non-blocking I/O</a:t>
+            </a:r>
+          </a:p>
+        </p:txBody>
+      </p:sp>
+      <p:sp>
+        <p:nvSpPr>
+          <p:cNvPr id="2" name="Rectangle 1">
+            <a:extLst>
+              <a:ext uri="{FF2B5EF4-FFF2-40B4-BE49-F238E27FC236}">
+                <a16:creationId xmlns:a16="http://schemas.microsoft.com/office/drawing/2014/main" id="{BC985C36-A6BA-4692-9809-2FFD384D5861}"/>
+              </a:ext>
+            </a:extLst>
+          </p:cNvPr>
+          <p:cNvSpPr/>
           <p:nvPr/>
         </p:nvSpPr>
         <p:spPr>
           <a:xfrm>
-            <a:off x="6096000" y="2578077"/>
-            <a:ext cx="4853099" cy="830997"/>
+            <a:off x="906087" y="1413164"/>
+            <a:ext cx="9468197" cy="5170516"/>
           </a:xfrm>
           <a:prstGeom prst="rect">
             <a:avLst/>
           </a:prstGeom>
-          <a:noFill/>
+          <a:solidFill>
+            <a:schemeClr val="accent4"/>
+          </a:solidFill>
+          <a:ln>
+            <a:noFill/>
+          </a:ln>
         </p:spPr>
-        <p:txBody>
-          <a:bodyPr wrap="square" rtlCol="0">
-            <a:spAutoFit/>
-          </a:bodyPr>
-          <a:lstStyle/>
-          <a:p>
-            <a:pPr marL="342900" lvl="0" indent="-342900" eaLnBrk="0" fontAlgn="base" hangingPunct="0">
-              <a:spcBef>
-                <a:spcPct val="0"/>
-              </a:spcBef>
-              <a:spcAft>
-                <a:spcPct val="0"/>
-              </a:spcAft>
-              <a:buFont typeface="Arial" panose="020B0604020202020204" pitchFamily="34" charset="0"/>
-              <a:buChar char="•"/>
-            </a:pPr>
-            <a:r>
-              <a:rPr kumimoji="0" lang="en-US" altLang="en-US" sz="2400" b="0" i="0" u="none" strike="noStrike" cap="none" normalizeH="0" baseline="0" dirty="0">
-                <a:ln>
-                  <a:noFill/>
-                </a:ln>
-                <a:solidFill>
-                  <a:schemeClr val="bg1"/>
-                </a:solidFill>
-                <a:effectLst/>
-                <a:latin typeface="Source Sans Pro" panose="020B0503030403020204" pitchFamily="34" charset="0"/>
-              </a:rPr>
-              <a:t>Multi-threaded (user code can resume in different thread)</a:t>
-            </a:r>
-          </a:p>
-        </p:txBody>
-      </p:sp>
-      <p:sp>
-        <p:nvSpPr>
-          <p:cNvPr id="7" name="TextBox 6">
-            <a:extLst>
-              <a:ext uri="{FF2B5EF4-FFF2-40B4-BE49-F238E27FC236}">
-                <a16:creationId xmlns:a16="http://schemas.microsoft.com/office/drawing/2014/main" id="{07C7CCAE-4856-4D6C-AFB0-92FA5C7016A2}"/>
-              </a:ext>
-            </a:extLst>
-          </p:cNvPr>
-          <p:cNvSpPr txBox="1"/>
-          <p:nvPr/>
-        </p:nvSpPr>
-        <p:spPr>
-          <a:xfrm>
-            <a:off x="440142" y="2654552"/>
-            <a:ext cx="4578425" cy="461665"/>
-          </a:xfrm>
-          <a:prstGeom prst="rect">
-            <a:avLst/>
-          </a:prstGeom>
-          <a:noFill/>
-        </p:spPr>
-        <p:txBody>
-          <a:bodyPr wrap="square" rtlCol="0">
-            <a:spAutoFit/>
-          </a:bodyPr>
-          <a:lstStyle/>
-          <a:p>
-            <a:pPr marL="342900" lvl="0" indent="-342900" eaLnBrk="0" fontAlgn="base" hangingPunct="0">
-              <a:spcBef>
-                <a:spcPct val="0"/>
-              </a:spcBef>
-              <a:spcAft>
-                <a:spcPct val="0"/>
-              </a:spcAft>
-              <a:buFont typeface="Arial" panose="020B0604020202020204" pitchFamily="34" charset="0"/>
-              <a:buChar char="•"/>
-            </a:pPr>
-            <a:r>
-              <a:rPr lang="en-US" altLang="en-US" sz="2400" dirty="0">
-                <a:solidFill>
-                  <a:schemeClr val="bg1"/>
-                </a:solidFill>
-                <a:latin typeface="Source Sans Pro" panose="020B0503030403020204" pitchFamily="34" charset="0"/>
-              </a:rPr>
-              <a:t>Single threaded (for user code)</a:t>
-            </a:r>
-            <a:endParaRPr kumimoji="0" lang="en-US" altLang="en-US" sz="2400" b="0" i="0" u="none" strike="noStrike" cap="none" normalizeH="0" baseline="0" dirty="0">
-              <a:ln>
-                <a:noFill/>
-              </a:ln>
-              <a:solidFill>
-                <a:schemeClr val="bg1"/>
-              </a:solidFill>
-              <a:effectLst/>
-              <a:latin typeface="Source Sans Pro" panose="020B0503030403020204" pitchFamily="34" charset="0"/>
-            </a:endParaRPr>
+        <p:style>
+          <a:lnRef idx="0">
+            <a:scrgbClr r="0" g="0" b="0"/>
+          </a:lnRef>
+          <a:fillRef idx="0">
+            <a:scrgbClr r="0" g="0" b="0"/>
+          </a:fillRef>
+          <a:effectRef idx="0">
+            <a:scrgbClr r="0" g="0" b="0"/>
+          </a:effectRef>
+          <a:fontRef idx="minor">
+            <a:schemeClr val="lt1"/>
+          </a:fontRef>
+        </p:style>
+        <p:txBody>
+          <a:bodyPr rtlCol="0" anchor="ctr"/>
+          <a:lstStyle/>
+          <a:p>
+            <a:pPr algn="ctr"/>
+            <a:endParaRPr lang="en-US"/>
           </a:p>
         </p:txBody>
       </p:sp>
       <p:pic>
         <p:nvPicPr>
-          <p:cNvPr id="9" name="Graphic 8">
-            <a:extLst>
-              <a:ext uri="{FF2B5EF4-FFF2-40B4-BE49-F238E27FC236}">
-                <a16:creationId xmlns:a16="http://schemas.microsoft.com/office/drawing/2014/main" id="{97E5DB9E-DA19-4E9C-8813-7B169B417270}"/>
-              </a:ext>
-            </a:extLst>
-          </p:cNvPr>
-          <p:cNvPicPr>
-            <a:picLocks noChangeAspect="1"/>
-          </p:cNvPicPr>
-          <p:nvPr/>
-        </p:nvPicPr>
-        <p:blipFill>
-          <a:blip r:embed="rId3">
-            <a:extLst>
-              <a:ext uri="{28A0092B-C50C-407E-A947-70E740481C1C}">
-                <a14:useLocalDpi xmlns:a14="http://schemas.microsoft.com/office/drawing/2010/main" val="0"/>
-              </a:ext>
-              <a:ext uri="{96DAC541-7B7A-43D3-8B79-37D633B846F1}">
-                <asvg:svgBlip xmlns:asvg="http://schemas.microsoft.com/office/drawing/2016/SVG/main" r:embed="rId4"/>
-              </a:ext>
-            </a:extLst>
-          </a:blip>
-          <a:stretch>
-            <a:fillRect/>
-          </a:stretch>
-        </p:blipFill>
-        <p:spPr>
-          <a:xfrm>
-            <a:off x="1403498" y="1520825"/>
-            <a:ext cx="1648046" cy="1008380"/>
-          </a:xfrm>
-          <a:prstGeom prst="rect">
-            <a:avLst/>
-          </a:prstGeom>
-        </p:spPr>
-      </p:pic>
-      <p:pic>
-        <p:nvPicPr>
-          <p:cNvPr id="11266" name="Picture 2" descr="NET Framework - Wikipedia">
-            <a:extLst>
-              <a:ext uri="{FF2B5EF4-FFF2-40B4-BE49-F238E27FC236}">
-                <a16:creationId xmlns:a16="http://schemas.microsoft.com/office/drawing/2014/main" id="{E35EFC6A-652A-462E-A3A8-EDB5F053FC81}"/>
+          <p:cNvPr id="1026" name="Picture 2">
+            <a:extLst>
+              <a:ext uri="{FF2B5EF4-FFF2-40B4-BE49-F238E27FC236}">
+                <a16:creationId xmlns:a16="http://schemas.microsoft.com/office/drawing/2014/main" id="{9F8144BD-0C4A-48C6-902B-0B19665FFFB9}"/>
               </a:ext>
             </a:extLst>
           </p:cNvPr>
@@ -4374,7 +4278,7 @@
           <p:nvPr/>
         </p:nvPicPr>
         <p:blipFill>
-          <a:blip r:embed="rId5">
+          <a:blip r:embed="rId3">
             <a:extLst>
               <a:ext uri="{28A0092B-C50C-407E-A947-70E740481C1C}">
                 <a14:useLocalDpi xmlns:a14="http://schemas.microsoft.com/office/drawing/2010/main" val="0"/>
@@ -4388,8 +4292,8 @@
         </p:blipFill>
         <p:spPr bwMode="auto">
           <a:xfrm>
-            <a:off x="7709539" y="1250128"/>
-            <a:ext cx="1295400" cy="1295400"/>
+            <a:off x="1281910" y="1778872"/>
+            <a:ext cx="8716550" cy="4439099"/>
           </a:xfrm>
           <a:prstGeom prst="rect">
             <a:avLst/>
@@ -4406,330 +4310,6 @@
           </a:extLst>
         </p:spPr>
       </p:pic>
-      <p:sp>
-        <p:nvSpPr>
-          <p:cNvPr id="10" name="TextBox 9">
-            <a:extLst>
-              <a:ext uri="{FF2B5EF4-FFF2-40B4-BE49-F238E27FC236}">
-                <a16:creationId xmlns:a16="http://schemas.microsoft.com/office/drawing/2014/main" id="{0FB7E657-1752-4CB7-A1C4-8B6A4D9E365F}"/>
-              </a:ext>
-            </a:extLst>
-          </p:cNvPr>
-          <p:cNvSpPr txBox="1"/>
-          <p:nvPr/>
-        </p:nvSpPr>
-        <p:spPr>
-          <a:xfrm>
-            <a:off x="440141" y="3719153"/>
-            <a:ext cx="4578425" cy="461665"/>
-          </a:xfrm>
-          <a:prstGeom prst="rect">
-            <a:avLst/>
-          </a:prstGeom>
-          <a:noFill/>
-        </p:spPr>
-        <p:txBody>
-          <a:bodyPr wrap="square" rtlCol="0">
-            <a:spAutoFit/>
-          </a:bodyPr>
-          <a:lstStyle/>
-          <a:p>
-            <a:pPr marL="342900" lvl="0" indent="-342900" eaLnBrk="0" fontAlgn="base" hangingPunct="0">
-              <a:spcBef>
-                <a:spcPct val="0"/>
-              </a:spcBef>
-              <a:spcAft>
-                <a:spcPct val="0"/>
-              </a:spcAft>
-              <a:buFont typeface="Arial" panose="020B0604020202020204" pitchFamily="34" charset="0"/>
-              <a:buChar char="•"/>
-            </a:pPr>
-            <a:r>
-              <a:rPr kumimoji="0" lang="en-US" altLang="en-US" sz="2400" b="0" i="0" u="none" strike="noStrike" cap="none" normalizeH="0" baseline="0" dirty="0">
-                <a:ln>
-                  <a:noFill/>
-                </a:ln>
-                <a:solidFill>
-                  <a:schemeClr val="bg1"/>
-                </a:solidFill>
-                <a:effectLst/>
-                <a:latin typeface="Source Sans Pro" panose="020B0503030403020204" pitchFamily="34" charset="0"/>
-              </a:rPr>
-              <a:t>Based on Event Loop</a:t>
-            </a:r>
-          </a:p>
-        </p:txBody>
-      </p:sp>
-      <p:sp>
-        <p:nvSpPr>
-          <p:cNvPr id="12" name="TextBox 11">
-            <a:extLst>
-              <a:ext uri="{FF2B5EF4-FFF2-40B4-BE49-F238E27FC236}">
-                <a16:creationId xmlns:a16="http://schemas.microsoft.com/office/drawing/2014/main" id="{E663654F-41BE-499E-80EC-A92DF96DD814}"/>
-              </a:ext>
-            </a:extLst>
-          </p:cNvPr>
-          <p:cNvSpPr txBox="1"/>
-          <p:nvPr/>
-        </p:nvSpPr>
-        <p:spPr>
-          <a:xfrm>
-            <a:off x="6092552" y="5460176"/>
-            <a:ext cx="4578425" cy="1200329"/>
-          </a:xfrm>
-          <a:prstGeom prst="rect">
-            <a:avLst/>
-          </a:prstGeom>
-          <a:noFill/>
-        </p:spPr>
-        <p:txBody>
-          <a:bodyPr wrap="square" rtlCol="0">
-            <a:spAutoFit/>
-          </a:bodyPr>
-          <a:lstStyle/>
-          <a:p>
-            <a:pPr marL="342900" lvl="0" indent="-342900" eaLnBrk="0" fontAlgn="base" hangingPunct="0">
-              <a:spcBef>
-                <a:spcPct val="0"/>
-              </a:spcBef>
-              <a:spcAft>
-                <a:spcPct val="0"/>
-              </a:spcAft>
-              <a:buFont typeface="Arial" panose="020B0604020202020204" pitchFamily="34" charset="0"/>
-              <a:buChar char="•"/>
-            </a:pPr>
-            <a:r>
-              <a:rPr kumimoji="0" lang="en-US" altLang="en-US" sz="2400" b="0" i="0" u="none" strike="noStrike" cap="none" normalizeH="0" baseline="0" dirty="0">
-                <a:ln>
-                  <a:noFill/>
-                </a:ln>
-                <a:solidFill>
-                  <a:schemeClr val="bg1"/>
-                </a:solidFill>
-                <a:effectLst/>
-                <a:latin typeface="Source Sans Pro" panose="020B0503030403020204" pitchFamily="34" charset="0"/>
-              </a:rPr>
-              <a:t>I/O blocks the thread (sleep) – limits amount of concurrent connections</a:t>
-            </a:r>
-          </a:p>
-        </p:txBody>
-      </p:sp>
-      <p:sp>
-        <p:nvSpPr>
-          <p:cNvPr id="13" name="TextBox 12">
-            <a:extLst>
-              <a:ext uri="{FF2B5EF4-FFF2-40B4-BE49-F238E27FC236}">
-                <a16:creationId xmlns:a16="http://schemas.microsoft.com/office/drawing/2014/main" id="{5A02F08F-45D7-4424-9E9F-D11BFDF51F16}"/>
-              </a:ext>
-            </a:extLst>
-          </p:cNvPr>
-          <p:cNvSpPr txBox="1"/>
-          <p:nvPr/>
-        </p:nvSpPr>
-        <p:spPr>
-          <a:xfrm>
-            <a:off x="6096000" y="3445601"/>
-            <a:ext cx="4578425" cy="1200329"/>
-          </a:xfrm>
-          <a:prstGeom prst="rect">
-            <a:avLst/>
-          </a:prstGeom>
-          <a:noFill/>
-        </p:spPr>
-        <p:txBody>
-          <a:bodyPr wrap="square" rtlCol="0">
-            <a:spAutoFit/>
-          </a:bodyPr>
-          <a:lstStyle/>
-          <a:p>
-            <a:pPr marL="342900" lvl="0" indent="-342900" eaLnBrk="0" fontAlgn="base" hangingPunct="0">
-              <a:spcBef>
-                <a:spcPct val="0"/>
-              </a:spcBef>
-              <a:spcAft>
-                <a:spcPct val="0"/>
-              </a:spcAft>
-              <a:buFont typeface="Arial" panose="020B0604020202020204" pitchFamily="34" charset="0"/>
-              <a:buChar char="•"/>
-            </a:pPr>
-            <a:r>
-              <a:rPr kumimoji="0" lang="en-US" altLang="en-US" sz="2400" b="0" i="0" u="none" strike="noStrike" cap="none" normalizeH="0" baseline="0" dirty="0">
-                <a:ln>
-                  <a:noFill/>
-                </a:ln>
-                <a:solidFill>
-                  <a:schemeClr val="bg1"/>
-                </a:solidFill>
-                <a:effectLst/>
-                <a:latin typeface="Source Sans Pro" panose="020B0503030403020204" pitchFamily="34" charset="0"/>
-              </a:rPr>
-              <a:t>Event Loop can be implemented, but worker threads are used.</a:t>
-            </a:r>
-          </a:p>
-        </p:txBody>
-      </p:sp>
-      <p:sp>
-        <p:nvSpPr>
-          <p:cNvPr id="14" name="TextBox 13">
-            <a:extLst>
-              <a:ext uri="{FF2B5EF4-FFF2-40B4-BE49-F238E27FC236}">
-                <a16:creationId xmlns:a16="http://schemas.microsoft.com/office/drawing/2014/main" id="{B794B583-1AF6-484C-BBC1-8C8E81DF219D}"/>
-              </a:ext>
-            </a:extLst>
-          </p:cNvPr>
-          <p:cNvSpPr txBox="1"/>
-          <p:nvPr/>
-        </p:nvSpPr>
-        <p:spPr>
-          <a:xfrm>
-            <a:off x="6092552" y="4822220"/>
-            <a:ext cx="4853099" cy="461665"/>
-          </a:xfrm>
-          <a:prstGeom prst="rect">
-            <a:avLst/>
-          </a:prstGeom>
-          <a:noFill/>
-        </p:spPr>
-        <p:txBody>
-          <a:bodyPr wrap="square" rtlCol="0">
-            <a:spAutoFit/>
-          </a:bodyPr>
-          <a:lstStyle/>
-          <a:p>
-            <a:pPr marL="342900" lvl="0" indent="-342900" eaLnBrk="0" fontAlgn="base" hangingPunct="0">
-              <a:spcBef>
-                <a:spcPct val="0"/>
-              </a:spcBef>
-              <a:spcAft>
-                <a:spcPct val="0"/>
-              </a:spcAft>
-              <a:buFont typeface="Arial" panose="020B0604020202020204" pitchFamily="34" charset="0"/>
-              <a:buChar char="•"/>
-            </a:pPr>
-            <a:r>
-              <a:rPr kumimoji="0" lang="en-US" altLang="en-US" sz="2400" b="0" i="0" u="none" strike="noStrike" cap="none" normalizeH="0" baseline="0" dirty="0">
-                <a:ln>
-                  <a:noFill/>
-                </a:ln>
-                <a:solidFill>
-                  <a:schemeClr val="bg1"/>
-                </a:solidFill>
-                <a:effectLst/>
-                <a:latin typeface="Source Sans Pro" panose="020B0503030403020204" pitchFamily="34" charset="0"/>
-              </a:rPr>
-              <a:t>1 thread per request</a:t>
-            </a:r>
-          </a:p>
-        </p:txBody>
-      </p:sp>
-      <p:sp>
-        <p:nvSpPr>
-          <p:cNvPr id="15" name="TextBox 14">
-            <a:extLst>
-              <a:ext uri="{FF2B5EF4-FFF2-40B4-BE49-F238E27FC236}">
-                <a16:creationId xmlns:a16="http://schemas.microsoft.com/office/drawing/2014/main" id="{A8B3B943-5B52-43A8-95FB-573CC8273D22}"/>
-              </a:ext>
-            </a:extLst>
-          </p:cNvPr>
-          <p:cNvSpPr txBox="1"/>
-          <p:nvPr/>
-        </p:nvSpPr>
-        <p:spPr>
-          <a:xfrm>
-            <a:off x="440141" y="4783754"/>
-            <a:ext cx="4853099" cy="461665"/>
-          </a:xfrm>
-          <a:prstGeom prst="rect">
-            <a:avLst/>
-          </a:prstGeom>
-          <a:noFill/>
-        </p:spPr>
-        <p:txBody>
-          <a:bodyPr wrap="square" rtlCol="0">
-            <a:spAutoFit/>
-          </a:bodyPr>
-          <a:lstStyle/>
-          <a:p>
-            <a:pPr marL="342900" lvl="0" indent="-342900" eaLnBrk="0" fontAlgn="base" hangingPunct="0">
-              <a:spcBef>
-                <a:spcPct val="0"/>
-              </a:spcBef>
-              <a:spcAft>
-                <a:spcPct val="0"/>
-              </a:spcAft>
-              <a:buFont typeface="Arial" panose="020B0604020202020204" pitchFamily="34" charset="0"/>
-              <a:buChar char="•"/>
-            </a:pPr>
-            <a:r>
-              <a:rPr kumimoji="0" lang="en-US" altLang="en-US" sz="2400" b="0" i="0" u="none" strike="noStrike" cap="none" normalizeH="0" baseline="0" dirty="0">
-                <a:ln>
-                  <a:noFill/>
-                </a:ln>
-                <a:solidFill>
-                  <a:schemeClr val="bg1"/>
-                </a:solidFill>
-                <a:effectLst/>
-                <a:latin typeface="Source Sans Pro" panose="020B0503030403020204" pitchFamily="34" charset="0"/>
-              </a:rPr>
-              <a:t>1 thread per all the requests</a:t>
-            </a:r>
-          </a:p>
-        </p:txBody>
-      </p:sp>
-      <p:sp>
-        <p:nvSpPr>
-          <p:cNvPr id="16" name="TextBox 15">
-            <a:extLst>
-              <a:ext uri="{FF2B5EF4-FFF2-40B4-BE49-F238E27FC236}">
-                <a16:creationId xmlns:a16="http://schemas.microsoft.com/office/drawing/2014/main" id="{990123B4-0C4D-467F-AA11-E3C07DD87917}"/>
-              </a:ext>
-            </a:extLst>
-          </p:cNvPr>
-          <p:cNvSpPr txBox="1"/>
-          <p:nvPr/>
-        </p:nvSpPr>
-        <p:spPr>
-          <a:xfrm>
-            <a:off x="440141" y="5465850"/>
-            <a:ext cx="4853099" cy="1200329"/>
-          </a:xfrm>
-          <a:prstGeom prst="rect">
-            <a:avLst/>
-          </a:prstGeom>
-          <a:noFill/>
-        </p:spPr>
-        <p:txBody>
-          <a:bodyPr wrap="square" rtlCol="0">
-            <a:spAutoFit/>
-          </a:bodyPr>
-          <a:lstStyle/>
-          <a:p>
-            <a:pPr marL="342900" lvl="0" indent="-342900" eaLnBrk="0" fontAlgn="base" hangingPunct="0">
-              <a:spcBef>
-                <a:spcPct val="0"/>
-              </a:spcBef>
-              <a:spcAft>
-                <a:spcPct val="0"/>
-              </a:spcAft>
-              <a:buFont typeface="Arial" panose="020B0604020202020204" pitchFamily="34" charset="0"/>
-              <a:buChar char="•"/>
-            </a:pPr>
-            <a:r>
-              <a:rPr kumimoji="0" lang="en-US" altLang="en-US" sz="2400" b="0" i="0" u="none" strike="noStrike" cap="none" normalizeH="0" baseline="0" dirty="0">
-                <a:ln>
-                  <a:noFill/>
-                </a:ln>
-                <a:solidFill>
-                  <a:schemeClr val="bg1"/>
-                </a:solidFill>
-                <a:effectLst/>
-                <a:latin typeface="Source Sans Pro" panose="020B0503030403020204" pitchFamily="34" charset="0"/>
-              </a:rPr>
-              <a:t>I/O doesn’t block the thread (idle) – it’s ready for handling other requests</a:t>
-            </a:r>
-          </a:p>
-        </p:txBody>
-      </p:sp>
     </p:spTree>
     <p:custDataLst>
       <p:tags r:id="rId1"/>
@@ -4806,23 +4386,120 @@
         </p:spPr>
         <p:txBody>
           <a:bodyPr>
-            <a:normAutofit fontScale="90000"/>
+            <a:noAutofit/>
           </a:bodyPr>
           <a:lstStyle/>
           <a:p>
             <a:r>
-              <a:rPr lang="en-US" dirty="0"/>
-              <a:t>Is Node JS single threaded?</a:t>
-            </a:r>
-          </a:p>
-        </p:txBody>
-      </p:sp>
-      <p:sp>
-        <p:nvSpPr>
-          <p:cNvPr id="5" name="TextBox 4">
-            <a:extLst>
-              <a:ext uri="{FF2B5EF4-FFF2-40B4-BE49-F238E27FC236}">
-                <a16:creationId xmlns:a16="http://schemas.microsoft.com/office/drawing/2014/main" id="{54796B49-767A-4AFB-8125-DA3D12EA5BED}"/>
+              <a:rPr lang="en-US" sz="4400" dirty="0"/>
+              <a:t>Blocking I/O vs Non-blocking I/O</a:t>
+            </a:r>
+          </a:p>
+        </p:txBody>
+      </p:sp>
+      <p:sp>
+        <p:nvSpPr>
+          <p:cNvPr id="2" name="Rectangle 1">
+            <a:extLst>
+              <a:ext uri="{FF2B5EF4-FFF2-40B4-BE49-F238E27FC236}">
+                <a16:creationId xmlns:a16="http://schemas.microsoft.com/office/drawing/2014/main" id="{BC985C36-A6BA-4692-9809-2FFD384D5861}"/>
+              </a:ext>
+            </a:extLst>
+          </p:cNvPr>
+          <p:cNvSpPr/>
+          <p:nvPr/>
+        </p:nvSpPr>
+        <p:spPr>
+          <a:xfrm>
+            <a:off x="4854633" y="2299758"/>
+            <a:ext cx="6857999" cy="4109355"/>
+          </a:xfrm>
+          <a:prstGeom prst="rect">
+            <a:avLst/>
+          </a:prstGeom>
+          <a:solidFill>
+            <a:schemeClr val="accent4"/>
+          </a:solidFill>
+          <a:ln>
+            <a:noFill/>
+          </a:ln>
+        </p:spPr>
+        <p:style>
+          <a:lnRef idx="0">
+            <a:scrgbClr r="0" g="0" b="0"/>
+          </a:lnRef>
+          <a:fillRef idx="0">
+            <a:scrgbClr r="0" g="0" b="0"/>
+          </a:fillRef>
+          <a:effectRef idx="0">
+            <a:scrgbClr r="0" g="0" b="0"/>
+          </a:effectRef>
+          <a:fontRef idx="minor">
+            <a:schemeClr val="lt1"/>
+          </a:fontRef>
+        </p:style>
+        <p:txBody>
+          <a:bodyPr rtlCol="0" anchor="ctr"/>
+          <a:lstStyle/>
+          <a:p>
+            <a:pPr algn="ctr"/>
+            <a:endParaRPr lang="en-US"/>
+          </a:p>
+        </p:txBody>
+      </p:sp>
+      <p:pic>
+        <p:nvPicPr>
+          <p:cNvPr id="1026" name="Picture 2">
+            <a:extLst>
+              <a:ext uri="{FF2B5EF4-FFF2-40B4-BE49-F238E27FC236}">
+                <a16:creationId xmlns:a16="http://schemas.microsoft.com/office/drawing/2014/main" id="{9F8144BD-0C4A-48C6-902B-0B19665FFFB9}"/>
+              </a:ext>
+            </a:extLst>
+          </p:cNvPr>
+          <p:cNvPicPr>
+            <a:picLocks noChangeAspect="1" noChangeArrowheads="1"/>
+          </p:cNvPicPr>
+          <p:nvPr/>
+        </p:nvPicPr>
+        <p:blipFill>
+          <a:blip r:embed="rId3">
+            <a:extLst>
+              <a:ext uri="{28A0092B-C50C-407E-A947-70E740481C1C}">
+                <a14:useLocalDpi xmlns:a14="http://schemas.microsoft.com/office/drawing/2010/main" val="0"/>
+              </a:ext>
+            </a:extLst>
+          </a:blip>
+          <a:srcRect/>
+          <a:stretch>
+            <a:fillRect/>
+          </a:stretch>
+        </p:blipFill>
+        <p:spPr bwMode="auto">
+          <a:xfrm>
+            <a:off x="5112327" y="2733007"/>
+            <a:ext cx="6367622" cy="3242855"/>
+          </a:xfrm>
+          <a:prstGeom prst="rect">
+            <a:avLst/>
+          </a:prstGeom>
+          <a:noFill/>
+          <a:extLst>
+            <a:ext uri="{909E8E84-426E-40DD-AFC4-6F175D3DCCD1}">
+              <a14:hiddenFill xmlns:a14="http://schemas.microsoft.com/office/drawing/2010/main">
+                <a:solidFill>
+                  <a:srgbClr val="FFFFFF"/>
+                </a:solidFill>
+              </a14:hiddenFill>
+            </a:ext>
+          </a:extLst>
+        </p:spPr>
+      </p:pic>
+      <p:sp>
+        <p:nvSpPr>
+          <p:cNvPr id="6" name="TextBox 5">
+            <a:extLst>
+              <a:ext uri="{FF2B5EF4-FFF2-40B4-BE49-F238E27FC236}">
+                <a16:creationId xmlns:a16="http://schemas.microsoft.com/office/drawing/2014/main" id="{C6ED08E2-0F14-4DF8-8248-E5F735F2C60B}"/>
               </a:ext>
             </a:extLst>
           </p:cNvPr>
@@ -4831,8 +4508,8 @@
         </p:nvSpPr>
         <p:spPr>
           <a:xfrm>
-            <a:off x="198488" y="1831261"/>
-            <a:ext cx="9817381" cy="461665"/>
+            <a:off x="579120" y="2344201"/>
+            <a:ext cx="4533207" cy="1200329"/>
           </a:xfrm>
           <a:prstGeom prst="rect">
             <a:avLst/>
@@ -4854,17 +4531,77 @@
               </a:spcAft>
             </a:pPr>
             <a:r>
-              <a:rPr kumimoji="0" lang="en-US" altLang="en-US" sz="2400" b="0" i="0" u="none" strike="noStrike" cap="none" normalizeH="0" baseline="0" dirty="0">
-                <a:ln>
-                  <a:noFill/>
-                </a:ln>
-                <a:solidFill>
-                  <a:schemeClr val="bg1"/>
-                </a:solidFill>
-                <a:effectLst/>
+              <a:rPr lang="en-US" altLang="en-US" sz="3600" dirty="0">
+                <a:solidFill>
+                  <a:schemeClr val="bg1"/>
+                </a:solidFill>
                 <a:latin typeface="Source Sans Pro" panose="020B0503030403020204" pitchFamily="34" charset="0"/>
               </a:rPr>
-              <a:t>Not really...</a:t>
+              <a:t>I/O is the bottleneck, not computations!</a:t>
+            </a:r>
+            <a:endParaRPr kumimoji="0" lang="en-US" altLang="en-US" sz="3600" b="0" i="0" u="none" strike="noStrike" cap="none" normalizeH="0" baseline="0" dirty="0">
+              <a:ln>
+                <a:noFill/>
+              </a:ln>
+              <a:solidFill>
+                <a:schemeClr val="bg1"/>
+              </a:solidFill>
+              <a:effectLst/>
+              <a:latin typeface="Source Sans Pro" panose="020B0503030403020204" pitchFamily="34" charset="0"/>
+            </a:endParaRPr>
+          </a:p>
+        </p:txBody>
+      </p:sp>
+      <p:sp>
+        <p:nvSpPr>
+          <p:cNvPr id="3" name="TextBox 2">
+            <a:extLst>
+              <a:ext uri="{FF2B5EF4-FFF2-40B4-BE49-F238E27FC236}">
+                <a16:creationId xmlns:a16="http://schemas.microsoft.com/office/drawing/2014/main" id="{9365FAFC-D9E9-46E8-A503-B9A545A55E97}"/>
+              </a:ext>
+            </a:extLst>
+          </p:cNvPr>
+          <p:cNvSpPr txBox="1"/>
+          <p:nvPr/>
+        </p:nvSpPr>
+        <p:spPr>
+          <a:xfrm>
+            <a:off x="479368" y="5975862"/>
+            <a:ext cx="989214" cy="369332"/>
+          </a:xfrm>
+          <a:prstGeom prst="rect">
+            <a:avLst/>
+          </a:prstGeom>
+          <a:solidFill>
+            <a:schemeClr val="accent6"/>
+          </a:solidFill>
+          <a:ln>
+            <a:noFill/>
+          </a:ln>
+        </p:spPr>
+        <p:style>
+          <a:lnRef idx="0">
+            <a:scrgbClr r="0" g="0" b="0"/>
+          </a:lnRef>
+          <a:fillRef idx="0">
+            <a:scrgbClr r="0" g="0" b="0"/>
+          </a:fillRef>
+          <a:effectRef idx="0">
+            <a:scrgbClr r="0" g="0" b="0"/>
+          </a:effectRef>
+          <a:fontRef idx="minor">
+            <a:schemeClr val="lt1"/>
+          </a:fontRef>
+        </p:style>
+        <p:txBody>
+          <a:bodyPr wrap="square" rtlCol="0">
+            <a:spAutoFit/>
+          </a:bodyPr>
+          <a:lstStyle/>
+          <a:p>
+            <a:r>
+              <a:rPr lang="en-US" dirty="0"/>
+              <a:t>Demo 1</a:t>
             </a:r>
           </a:p>
         </p:txBody>
@@ -4875,7 +4612,7 @@
     </p:custDataLst>
     <p:extLst>
       <p:ext uri="{BB962C8B-B14F-4D97-AF65-F5344CB8AC3E}">
-        <p14:creationId xmlns:p14="http://schemas.microsoft.com/office/powerpoint/2010/main" val="1254584009"/>
+        <p14:creationId xmlns:p14="http://schemas.microsoft.com/office/powerpoint/2010/main" val="197732718"/>
       </p:ext>
     </p:extLst>
   </p:cSld>
@@ -4945,23 +4682,23 @@
         </p:spPr>
         <p:txBody>
           <a:bodyPr>
-            <a:noAutofit/>
+            <a:normAutofit fontScale="90000"/>
           </a:bodyPr>
           <a:lstStyle/>
           <a:p>
             <a:r>
-              <a:rPr lang="en-US" sz="4400" dirty="0"/>
-              <a:t>My CPU has like 100 cores, how do I make them all work?</a:t>
-            </a:r>
-          </a:p>
-        </p:txBody>
-      </p:sp>
-      <p:sp>
-        <p:nvSpPr>
-          <p:cNvPr id="17" name="TextBox 16">
-            <a:extLst>
-              <a:ext uri="{FF2B5EF4-FFF2-40B4-BE49-F238E27FC236}">
-                <a16:creationId xmlns:a16="http://schemas.microsoft.com/office/drawing/2014/main" id="{0A9CE5F3-BD21-4FF2-95EB-977C7C808CD4}"/>
+              <a:rPr lang="en-US" dirty="0"/>
+              <a:t>Is Node JS single threaded?</a:t>
+            </a:r>
+          </a:p>
+        </p:txBody>
+      </p:sp>
+      <p:sp>
+        <p:nvSpPr>
+          <p:cNvPr id="5" name="TextBox 4">
+            <a:extLst>
+              <a:ext uri="{FF2B5EF4-FFF2-40B4-BE49-F238E27FC236}">
+                <a16:creationId xmlns:a16="http://schemas.microsoft.com/office/drawing/2014/main" id="{54796B49-767A-4AFB-8125-DA3D12EA5BED}"/>
               </a:ext>
             </a:extLst>
           </p:cNvPr>
@@ -4970,8 +4707,8 @@
         </p:nvSpPr>
         <p:spPr>
           <a:xfrm>
-            <a:off x="777490" y="1981446"/>
-            <a:ext cx="9817381" cy="1200329"/>
+            <a:off x="198488" y="1831261"/>
+            <a:ext cx="9817381" cy="2492990"/>
           </a:xfrm>
           <a:prstGeom prst="rect">
             <a:avLst/>
@@ -5003,7 +4740,7 @@
                 <a:effectLst/>
                 <a:latin typeface="Source Sans Pro" panose="020B0503030403020204" pitchFamily="34" charset="0"/>
               </a:rPr>
-              <a:t>Clusters!</a:t>
+              <a:t>Not really...</a:t>
             </a:r>
           </a:p>
           <a:p>
@@ -5032,10 +4769,50 @@
               </a:spcAft>
             </a:pPr>
             <a:r>
-              <a:rPr lang="en-US" sz="2400" dirty="0">
-                <a:solidFill>
-                  <a:schemeClr val="bg1"/>
-                </a:solidFill>
+              <a:rPr kumimoji="0" lang="en-US" altLang="en-US" sz="2400" b="0" i="0" u="none" strike="noStrike" cap="none" normalizeH="0" baseline="0" dirty="0">
+                <a:ln>
+                  <a:noFill/>
+                </a:ln>
+                <a:solidFill>
+                  <a:schemeClr val="bg1"/>
+                </a:solidFill>
+                <a:effectLst/>
+                <a:latin typeface="Source Sans Pro" panose="020B0503030403020204" pitchFamily="34" charset="0"/>
+              </a:rPr>
+              <a:t>We can create Worker threads for long running, blocking operations.</a:t>
+            </a:r>
+          </a:p>
+          <a:p>
+            <a:pPr lvl="0" eaLnBrk="0" fontAlgn="base" hangingPunct="0">
+              <a:spcBef>
+                <a:spcPct val="0"/>
+              </a:spcBef>
+              <a:spcAft>
+                <a:spcPct val="0"/>
+              </a:spcAft>
+            </a:pPr>
+            <a:endParaRPr lang="en-US" altLang="en-US" sz="2400" dirty="0">
+              <a:solidFill>
+                <a:schemeClr val="bg1"/>
+              </a:solidFill>
+              <a:latin typeface="Source Sans Pro" panose="020B0503030403020204" pitchFamily="34" charset="0"/>
+            </a:endParaRPr>
+          </a:p>
+          <a:p>
+            <a:pPr lvl="0" eaLnBrk="0" fontAlgn="base" hangingPunct="0">
+              <a:spcBef>
+                <a:spcPct val="0"/>
+              </a:spcBef>
+              <a:spcAft>
+                <a:spcPct val="0"/>
+              </a:spcAft>
+            </a:pPr>
+            <a:r>
+              <a:rPr lang="en-US" altLang="en-US" dirty="0">
+                <a:solidFill>
+                  <a:srgbClr val="00B0F0"/>
+                </a:solidFill>
+                <a:latin typeface="Source Sans Pro" panose="020B0503030403020204" pitchFamily="34" charset="0"/>
                 <a:hlinkClick r:id="rId3">
                   <a:extLst>
                     <a:ext uri="{A12FA001-AC4F-418D-AE19-62706E023703}">
@@ -5044,8 +4821,56 @@
                   </a:extLst>
                 </a:hlinkClick>
               </a:rPr>
-              <a:t>https://nodejs.org/api/cluster.html</a:t>
-            </a:r>
+              <a:t>https://nodejs.org/api/worker_threads.html</a:t>
+            </a:r>
+            <a:endParaRPr lang="en-US" altLang="en-US" dirty="0">
+              <a:solidFill>
+                <a:srgbClr val="00B0F0"/>
+              </a:solidFill>
+              <a:latin typeface="Source Sans Pro" panose="020B0503030403020204" pitchFamily="34" charset="0"/>
+            </a:endParaRPr>
+          </a:p>
+          <a:p>
+            <a:pPr lvl="0" eaLnBrk="0" fontAlgn="base" hangingPunct="0">
+              <a:spcBef>
+                <a:spcPct val="0"/>
+              </a:spcBef>
+              <a:spcAft>
+                <a:spcPct val="0"/>
+              </a:spcAft>
+            </a:pPr>
+            <a:r>
+              <a:rPr lang="en-US" altLang="en-US" dirty="0">
+                <a:solidFill>
+                  <a:srgbClr val="00B0F0"/>
+                </a:solidFill>
+                <a:latin typeface="Source Sans Pro" panose="020B0503030403020204" pitchFamily="34" charset="0"/>
+                <a:hlinkClick r:id="rId4">
+                  <a:extLst>
+                    <a:ext uri="{A12FA001-AC4F-418D-AE19-62706E023703}">
+                      <ahyp:hlinkClr xmlns:ahyp="http://schemas.microsoft.com/office/drawing/2018/hyperlinkcolor" val="tx"/>
+                    </a:ext>
+                  </a:extLst>
+                </a:hlinkClick>
+              </a:rPr>
+              <a:t>https://developer.mozilla.org/en-US/docs/Web/API/Web_Workers_API/Using_web_workers</a:t>
+            </a:r>
+            <a:endParaRPr lang="en-US" altLang="en-US" dirty="0">
+              <a:solidFill>
+                <a:srgbClr val="00B0F0"/>
+              </a:solidFill>
+              <a:latin typeface="Source Sans Pro" panose="020B0503030403020204" pitchFamily="34" charset="0"/>
+            </a:endParaRPr>
+          </a:p>
+          <a:p>
+            <a:pPr lvl="0" eaLnBrk="0" fontAlgn="base" hangingPunct="0">
+              <a:spcBef>
+                <a:spcPct val="0"/>
+              </a:spcBef>
+              <a:spcAft>
+                <a:spcPct val="0"/>
+              </a:spcAft>
+            </a:pPr>
             <a:endParaRPr kumimoji="0" lang="en-US" altLang="en-US" sz="2400" b="0" i="0" u="none" strike="noStrike" cap="none" normalizeH="0" baseline="0" dirty="0">
               <a:ln>
                 <a:noFill/>
@@ -5059,13 +4884,67 @@
           </a:p>
         </p:txBody>
       </p:sp>
+      <p:sp>
+        <p:nvSpPr>
+          <p:cNvPr id="6" name="TextBox 5">
+            <a:extLst>
+              <a:ext uri="{FF2B5EF4-FFF2-40B4-BE49-F238E27FC236}">
+                <a16:creationId xmlns:a16="http://schemas.microsoft.com/office/drawing/2014/main" id="{E7094F9A-D26E-4D1E-ACC6-AA634A3311DB}"/>
+              </a:ext>
+            </a:extLst>
+          </p:cNvPr>
+          <p:cNvSpPr txBox="1"/>
+          <p:nvPr/>
+        </p:nvSpPr>
+        <p:spPr>
+          <a:xfrm>
+            <a:off x="479368" y="5975862"/>
+            <a:ext cx="989214" cy="369332"/>
+          </a:xfrm>
+          <a:prstGeom prst="rect">
+            <a:avLst/>
+          </a:prstGeom>
+          <a:solidFill>
+            <a:schemeClr val="accent6"/>
+          </a:solidFill>
+          <a:ln>
+            <a:noFill/>
+          </a:ln>
+        </p:spPr>
+        <p:style>
+          <a:lnRef idx="0">
+            <a:scrgbClr r="0" g="0" b="0"/>
+          </a:lnRef>
+          <a:fillRef idx="0">
+            <a:scrgbClr r="0" g="0" b="0"/>
+          </a:fillRef>
+          <a:effectRef idx="0">
+            <a:scrgbClr r="0" g="0" b="0"/>
+          </a:effectRef>
+          <a:fontRef idx="minor">
+            <a:schemeClr val="lt1"/>
+          </a:fontRef>
+        </p:style>
+        <p:txBody>
+          <a:bodyPr wrap="square" rtlCol="0">
+            <a:spAutoFit/>
+          </a:bodyPr>
+          <a:lstStyle/>
+          <a:p>
+            <a:r>
+              <a:rPr lang="en-US" dirty="0"/>
+              <a:t>Demo 2</a:t>
+            </a:r>
+          </a:p>
+        </p:txBody>
+      </p:sp>
     </p:spTree>
     <p:custDataLst>
       <p:tags r:id="rId1"/>
     </p:custDataLst>
     <p:extLst>
       <p:ext uri="{BB962C8B-B14F-4D97-AF65-F5344CB8AC3E}">
-        <p14:creationId xmlns:p14="http://schemas.microsoft.com/office/powerpoint/2010/main" val="443923450"/>
+        <p14:creationId xmlns:p14="http://schemas.microsoft.com/office/powerpoint/2010/main" val="1254584009"/>
       </p:ext>
     </p:extLst>
   </p:cSld>
@@ -5135,13 +5014,13 @@
         </p:spPr>
         <p:txBody>
           <a:bodyPr>
-            <a:normAutofit fontScale="90000"/>
+            <a:noAutofit/>
           </a:bodyPr>
           <a:lstStyle/>
           <a:p>
             <a:r>
-              <a:rPr lang="en-US" dirty="0"/>
-              <a:t>Real programmers code in C++</a:t>
+              <a:rPr lang="en-US" sz="4800" dirty="0"/>
+              <a:t>Async calls also enable long-polling</a:t>
             </a:r>
           </a:p>
         </p:txBody>
@@ -5160,8 +5039,8 @@
         </p:nvSpPr>
         <p:spPr>
           <a:xfrm>
-            <a:off x="681797" y="1545511"/>
-            <a:ext cx="9817381" cy="2308324"/>
+            <a:off x="198488" y="1831261"/>
+            <a:ext cx="9817381" cy="1200329"/>
           </a:xfrm>
           <a:prstGeom prst="rect">
             <a:avLst/>
@@ -5193,7 +5072,33 @@
                 <a:effectLst/>
                 <a:latin typeface="Source Sans Pro" panose="020B0503030403020204" pitchFamily="34" charset="0"/>
               </a:rPr>
-              <a:t>If you want something to run REALLY fast, you can always write native modules with C++!</a:t>
+              <a:t>This is a kind of alternative to </a:t>
+            </a:r>
+            <a:r>
+              <a:rPr kumimoji="0" lang="en-US" altLang="en-US" sz="2400" b="0" i="0" u="none" strike="noStrike" cap="none" normalizeH="0" baseline="0" dirty="0" err="1">
+                <a:ln>
+                  <a:noFill/>
+                </a:ln>
+                <a:solidFill>
+                  <a:schemeClr val="bg1"/>
+                </a:solidFill>
+                <a:effectLst/>
+                <a:latin typeface="Source Sans Pro" panose="020B0503030403020204" pitchFamily="34" charset="0"/>
+              </a:rPr>
+              <a:t>Websockets</a:t>
+            </a:r>
+            <a:r>
+              <a:rPr kumimoji="0" lang="en-US" altLang="en-US" sz="2400" b="0" i="0" u="none" strike="noStrike" cap="none" normalizeH="0" baseline="0" dirty="0">
+                <a:ln>
+                  <a:noFill/>
+                </a:ln>
+                <a:solidFill>
+                  <a:schemeClr val="bg1"/>
+                </a:solidFill>
+                <a:effectLst/>
+                <a:latin typeface="Source Sans Pro" panose="020B0503030403020204" pitchFamily="34" charset="0"/>
+              </a:rPr>
+              <a:t>.</a:t>
             </a:r>
           </a:p>
           <a:p>
@@ -5222,32 +5127,71 @@
               </a:spcAft>
             </a:pPr>
             <a:r>
-              <a:rPr lang="en-US" altLang="en-US" sz="2400" dirty="0">
-                <a:solidFill>
-                  <a:schemeClr val="bg1"/>
-                </a:solidFill>
+              <a:rPr kumimoji="0" lang="en-US" altLang="en-US" sz="2400" b="0" i="0" u="none" strike="noStrike" cap="none" normalizeH="0" baseline="0" dirty="0">
+                <a:ln>
+                  <a:noFill/>
+                </a:ln>
+                <a:solidFill>
+                  <a:schemeClr val="bg1"/>
+                </a:solidFill>
+                <a:effectLst/>
                 <a:latin typeface="Source Sans Pro" panose="020B0503030403020204" pitchFamily="34" charset="0"/>
               </a:rPr>
-              <a:t>Node-gyp – “Generate Your Project” – python tool for generating projects, used in building native libs.</a:t>
-            </a:r>
-          </a:p>
-          <a:p>
-            <a:pPr lvl="0" eaLnBrk="0" fontAlgn="base" hangingPunct="0">
-              <a:spcBef>
-                <a:spcPct val="0"/>
-              </a:spcBef>
-              <a:spcAft>
-                <a:spcPct val="0"/>
-              </a:spcAft>
-            </a:pPr>
-            <a:r>
-              <a:rPr lang="en-US" altLang="en-US" sz="2400" dirty="0">
-                <a:solidFill>
-                  <a:schemeClr val="bg1"/>
-                </a:solidFill>
-                <a:latin typeface="Source Sans Pro" panose="020B0503030403020204" pitchFamily="34" charset="0"/>
-              </a:rPr>
-              <a:t>That’s how node-sass works, by the way.</a:t>
+              <a:t>Client makes a request and waits for response. It might take a while…</a:t>
+            </a:r>
+          </a:p>
+        </p:txBody>
+      </p:sp>
+      <p:sp>
+        <p:nvSpPr>
+          <p:cNvPr id="6" name="TextBox 5">
+            <a:extLst>
+              <a:ext uri="{FF2B5EF4-FFF2-40B4-BE49-F238E27FC236}">
+                <a16:creationId xmlns:a16="http://schemas.microsoft.com/office/drawing/2014/main" id="{E7094F9A-D26E-4D1E-ACC6-AA634A3311DB}"/>
+              </a:ext>
+            </a:extLst>
+          </p:cNvPr>
+          <p:cNvSpPr txBox="1"/>
+          <p:nvPr/>
+        </p:nvSpPr>
+        <p:spPr>
+          <a:xfrm>
+            <a:off x="479368" y="5975862"/>
+            <a:ext cx="989214" cy="369332"/>
+          </a:xfrm>
+          <a:prstGeom prst="rect">
+            <a:avLst/>
+          </a:prstGeom>
+          <a:solidFill>
+            <a:schemeClr val="accent6"/>
+          </a:solidFill>
+          <a:ln>
+            <a:noFill/>
+          </a:ln>
+        </p:spPr>
+        <p:style>
+          <a:lnRef idx="0">
+            <a:scrgbClr r="0" g="0" b="0"/>
+          </a:lnRef>
+          <a:fillRef idx="0">
+            <a:scrgbClr r="0" g="0" b="0"/>
+          </a:fillRef>
+          <a:effectRef idx="0">
+            <a:scrgbClr r="0" g="0" b="0"/>
+          </a:effectRef>
+          <a:fontRef idx="minor">
+            <a:schemeClr val="lt1"/>
+          </a:fontRef>
+        </p:style>
+        <p:txBody>
+          <a:bodyPr wrap="square" rtlCol="0">
+            <a:spAutoFit/>
+          </a:bodyPr>
+          <a:lstStyle/>
+          <a:p>
+            <a:r>
+              <a:rPr lang="en-US" dirty="0"/>
+              <a:t>Demo 3</a:t>
             </a:r>
           </a:p>
         </p:txBody>
@@ -5258,7 +5202,7 @@
     </p:custDataLst>
     <p:extLst>
       <p:ext uri="{BB962C8B-B14F-4D97-AF65-F5344CB8AC3E}">
-        <p14:creationId xmlns:p14="http://schemas.microsoft.com/office/powerpoint/2010/main" val="707621133"/>
+        <p14:creationId xmlns:p14="http://schemas.microsoft.com/office/powerpoint/2010/main" val="1877388812"/>
       </p:ext>
     </p:extLst>
   </p:cSld>
@@ -5328,24 +5272,23 @@
         </p:spPr>
         <p:txBody>
           <a:bodyPr>
-            <a:normAutofit fontScale="90000"/>
+            <a:noAutofit/>
           </a:bodyPr>
           <a:lstStyle/>
           <a:p>
             <a:r>
-              <a:rPr lang="lt-LT" dirty="0"/>
-              <a:t>Links</a:t>
-            </a:r>
-            <a:endParaRPr lang="en-US" dirty="0"/>
-          </a:p>
-        </p:txBody>
-      </p:sp>
-      <p:sp>
-        <p:nvSpPr>
-          <p:cNvPr id="5" name="TextBox 4">
-            <a:extLst>
-              <a:ext uri="{FF2B5EF4-FFF2-40B4-BE49-F238E27FC236}">
-                <a16:creationId xmlns:a16="http://schemas.microsoft.com/office/drawing/2014/main" id="{54796B49-767A-4AFB-8125-DA3D12EA5BED}"/>
+              <a:rPr lang="en-US" sz="4400" dirty="0"/>
+              <a:t>My CPU has like 100 cores, how do I make them all work?</a:t>
+            </a:r>
+          </a:p>
+        </p:txBody>
+      </p:sp>
+      <p:sp>
+        <p:nvSpPr>
+          <p:cNvPr id="17" name="TextBox 16">
+            <a:extLst>
+              <a:ext uri="{FF2B5EF4-FFF2-40B4-BE49-F238E27FC236}">
+                <a16:creationId xmlns:a16="http://schemas.microsoft.com/office/drawing/2014/main" id="{0A9CE5F3-BD21-4FF2-95EB-977C7C808CD4}"/>
               </a:ext>
             </a:extLst>
           </p:cNvPr>
@@ -5354,8 +5297,8 @@
         </p:nvSpPr>
         <p:spPr>
           <a:xfrm>
-            <a:off x="681797" y="1545511"/>
-            <a:ext cx="9817381" cy="3785652"/>
+            <a:off x="684568" y="2006385"/>
+            <a:ext cx="9817381" cy="1200329"/>
           </a:xfrm>
           <a:prstGeom prst="rect">
             <a:avLst/>
@@ -5368,20 +5311,57 @@
           </a:bodyPr>
           <a:lstStyle/>
           <a:p>
-            <a:pPr marL="342900" lvl="0" indent="-342900" eaLnBrk="0" fontAlgn="base" hangingPunct="0">
+            <a:pPr lvl="0" eaLnBrk="0" fontAlgn="base" hangingPunct="0">
               <a:spcBef>
                 <a:spcPct val="0"/>
               </a:spcBef>
               <a:spcAft>
                 <a:spcPct val="0"/>
               </a:spcAft>
-              <a:buFont typeface="Arial" panose="020B0604020202020204" pitchFamily="34" charset="0"/>
-              <a:buChar char="•"/>
             </a:pPr>
             <a:r>
+              <a:rPr kumimoji="0" lang="en-US" altLang="en-US" sz="2400" b="0" i="0" u="none" strike="noStrike" cap="none" normalizeH="0" baseline="0" dirty="0">
+                <a:ln>
+                  <a:noFill/>
+                </a:ln>
+                <a:solidFill>
+                  <a:schemeClr val="bg1"/>
+                </a:solidFill>
+                <a:effectLst/>
+                <a:latin typeface="Source Sans Pro" panose="020B0503030403020204" pitchFamily="34" charset="0"/>
+              </a:rPr>
+              <a:t>Clusters!</a:t>
+            </a:r>
+          </a:p>
+          <a:p>
+            <a:pPr lvl="0" eaLnBrk="0" fontAlgn="base" hangingPunct="0">
+              <a:spcBef>
+                <a:spcPct val="0"/>
+              </a:spcBef>
+              <a:spcAft>
+                <a:spcPct val="0"/>
+              </a:spcAft>
+            </a:pPr>
+            <a:endParaRPr lang="en-US" altLang="en-US" sz="2400" dirty="0">
+              <a:solidFill>
+                <a:schemeClr val="bg1"/>
+              </a:solidFill>
+              <a:latin typeface="Source Sans Pro" panose="020B0503030403020204" pitchFamily="34" charset="0"/>
+            </a:endParaRPr>
+          </a:p>
+          <a:p>
+            <a:pPr lvl="0" eaLnBrk="0" fontAlgn="base" hangingPunct="0">
+              <a:spcBef>
+                <a:spcPct val="0"/>
+              </a:spcBef>
+              <a:spcAft>
+                <a:spcPct val="0"/>
+              </a:spcAft>
+            </a:pPr>
+            <a:r>
               <a:rPr lang="en-US" sz="2400" dirty="0">
                 <a:solidFill>
-                  <a:schemeClr val="bg1"/>
+                  <a:srgbClr val="00B0F0"/>
                 </a:solidFill>
                 <a:hlinkClick r:id="rId3">
                   <a:extLst>
@@ -5391,11 +5371,444 @@
                   </a:extLst>
                 </a:hlinkClick>
               </a:rPr>
+              <a:t>https://nodejs.org/api/cluster.html</a:t>
+            </a:r>
+            <a:endParaRPr kumimoji="0" lang="en-US" altLang="en-US" sz="2400" b="0" i="0" u="none" strike="noStrike" cap="none" normalizeH="0" baseline="0" dirty="0">
+              <a:ln>
+                <a:noFill/>
+              </a:ln>
+              <a:solidFill>
+                <a:srgbClr val="00B0F0"/>
+              </a:solidFill>
+              <a:effectLst/>
+              <a:latin typeface="Source Sans Pro" panose="020B0503030403020204" pitchFamily="34" charset="0"/>
+            </a:endParaRPr>
+          </a:p>
+        </p:txBody>
+      </p:sp>
+      <p:sp>
+        <p:nvSpPr>
+          <p:cNvPr id="5" name="TextBox 4">
+            <a:extLst>
+              <a:ext uri="{FF2B5EF4-FFF2-40B4-BE49-F238E27FC236}">
+                <a16:creationId xmlns:a16="http://schemas.microsoft.com/office/drawing/2014/main" id="{B24B3ED8-FDD0-4504-BC73-8DB9727F1840}"/>
+              </a:ext>
+            </a:extLst>
+          </p:cNvPr>
+          <p:cNvSpPr txBox="1"/>
+          <p:nvPr/>
+        </p:nvSpPr>
+        <p:spPr>
+          <a:xfrm>
+            <a:off x="479368" y="5975862"/>
+            <a:ext cx="989214" cy="369332"/>
+          </a:xfrm>
+          <a:prstGeom prst="rect">
+            <a:avLst/>
+          </a:prstGeom>
+          <a:solidFill>
+            <a:schemeClr val="accent6"/>
+          </a:solidFill>
+          <a:ln>
+            <a:noFill/>
+          </a:ln>
+        </p:spPr>
+        <p:style>
+          <a:lnRef idx="0">
+            <a:scrgbClr r="0" g="0" b="0"/>
+          </a:lnRef>
+          <a:fillRef idx="0">
+            <a:scrgbClr r="0" g="0" b="0"/>
+          </a:fillRef>
+          <a:effectRef idx="0">
+            <a:scrgbClr r="0" g="0" b="0"/>
+          </a:effectRef>
+          <a:fontRef idx="minor">
+            <a:schemeClr val="lt1"/>
+          </a:fontRef>
+        </p:style>
+        <p:txBody>
+          <a:bodyPr wrap="square" rtlCol="0">
+            <a:spAutoFit/>
+          </a:bodyPr>
+          <a:lstStyle/>
+          <a:p>
+            <a:r>
+              <a:rPr lang="en-US" dirty="0"/>
+              <a:t>Demo 4</a:t>
+            </a:r>
+          </a:p>
+        </p:txBody>
+      </p:sp>
+    </p:spTree>
+    <p:custDataLst>
+      <p:tags r:id="rId1"/>
+    </p:custDataLst>
+    <p:extLst>
+      <p:ext uri="{BB962C8B-B14F-4D97-AF65-F5344CB8AC3E}">
+        <p14:creationId xmlns:p14="http://schemas.microsoft.com/office/powerpoint/2010/main" val="443923450"/>
+      </p:ext>
+    </p:extLst>
+  </p:cSld>
+  <p:clrMapOvr>
+    <a:masterClrMapping/>
+  </p:clrMapOvr>
+</p:sld>
+</file>
+
+<file path=ppt/slides/slide15.xml><?xml version="1.0" encoding="utf-8"?>
+<p:sld xmlns:a="http://schemas.openxmlformats.org/drawingml/2006/main" xmlns:r="http://schemas.openxmlformats.org/officeDocument/2006/relationships" xmlns:p="http://schemas.openxmlformats.org/presentationml/2006/main">
+  <p:cSld>
+    <p:spTree>
+      <p:nvGrpSpPr>
+        <p:cNvPr id="1" name=""/>
+        <p:cNvGrpSpPr/>
+        <p:nvPr/>
+      </p:nvGrpSpPr>
+      <p:grpSpPr>
+        <a:xfrm>
+          <a:off x="0" y="0"/>
+          <a:ext cx="0" cy="0"/>
+          <a:chOff x="0" y="0"/>
+          <a:chExt cx="0" cy="0"/>
+        </a:xfrm>
+      </p:grpSpPr>
+      <p:sp>
+        <p:nvSpPr>
+          <p:cNvPr id="11" name="Text Placeholder 10"/>
+          <p:cNvSpPr>
+            <a:spLocks noGrp="1"/>
+          </p:cNvSpPr>
+          <p:nvPr>
+            <p:ph type="body" sz="quarter" idx="30"/>
+          </p:nvPr>
+        </p:nvSpPr>
+        <p:spPr/>
+        <p:txBody>
+          <a:bodyPr/>
+          <a:lstStyle/>
+          <a:p>
+            <a:endParaRPr lang="en-GB"/>
+          </a:p>
+        </p:txBody>
+      </p:sp>
+      <p:sp>
+        <p:nvSpPr>
+          <p:cNvPr id="8" name="Title 4">
+            <a:extLst>
+              <a:ext uri="{FF2B5EF4-FFF2-40B4-BE49-F238E27FC236}">
+                <a16:creationId xmlns:a16="http://schemas.microsoft.com/office/drawing/2014/main" id="{EA1C5765-6A57-4B84-B56A-292D99C2E16F}"/>
+              </a:ext>
+            </a:extLst>
+          </p:cNvPr>
+          <p:cNvSpPr>
+            <a:spLocks noGrp="1"/>
+          </p:cNvSpPr>
+          <p:nvPr>
+            <p:ph type="ctrTitle"/>
+          </p:nvPr>
+        </p:nvSpPr>
+        <p:spPr>
+          <a:xfrm>
+            <a:off x="198488" y="379719"/>
+            <a:ext cx="10300690" cy="761386"/>
+          </a:xfrm>
+        </p:spPr>
+        <p:txBody>
+          <a:bodyPr>
+            <a:normAutofit fontScale="90000"/>
+          </a:bodyPr>
+          <a:lstStyle/>
+          <a:p>
+            <a:r>
+              <a:rPr lang="en-US" dirty="0"/>
+              <a:t>Real programmers code in C++</a:t>
+            </a:r>
+          </a:p>
+        </p:txBody>
+      </p:sp>
+      <p:sp>
+        <p:nvSpPr>
+          <p:cNvPr id="5" name="TextBox 4">
+            <a:extLst>
+              <a:ext uri="{FF2B5EF4-FFF2-40B4-BE49-F238E27FC236}">
+                <a16:creationId xmlns:a16="http://schemas.microsoft.com/office/drawing/2014/main" id="{54796B49-767A-4AFB-8125-DA3D12EA5BED}"/>
+              </a:ext>
+            </a:extLst>
+          </p:cNvPr>
+          <p:cNvSpPr txBox="1"/>
+          <p:nvPr/>
+        </p:nvSpPr>
+        <p:spPr>
+          <a:xfrm>
+            <a:off x="681797" y="1545511"/>
+            <a:ext cx="9817381" cy="1938992"/>
+          </a:xfrm>
+          <a:prstGeom prst="rect">
+            <a:avLst/>
+          </a:prstGeom>
+          <a:noFill/>
+        </p:spPr>
+        <p:txBody>
+          <a:bodyPr wrap="square" rtlCol="0">
+            <a:spAutoFit/>
+          </a:bodyPr>
+          <a:lstStyle/>
+          <a:p>
+            <a:pPr lvl="0" eaLnBrk="0" fontAlgn="base" hangingPunct="0">
+              <a:spcBef>
+                <a:spcPct val="0"/>
+              </a:spcBef>
+              <a:spcAft>
+                <a:spcPct val="0"/>
+              </a:spcAft>
+            </a:pPr>
+            <a:r>
+              <a:rPr kumimoji="0" lang="en-US" altLang="en-US" sz="2400" b="0" i="0" u="none" strike="noStrike" cap="none" normalizeH="0" baseline="0" dirty="0">
+                <a:ln>
+                  <a:noFill/>
+                </a:ln>
+                <a:solidFill>
+                  <a:schemeClr val="bg1"/>
+                </a:solidFill>
+                <a:effectLst/>
+                <a:latin typeface="Source Sans Pro" panose="020B0503030403020204" pitchFamily="34" charset="0"/>
+              </a:rPr>
+              <a:t>If you want something to run REALLY fast, you can always write native modules with C++!</a:t>
+            </a:r>
+          </a:p>
+          <a:p>
+            <a:pPr lvl="0" eaLnBrk="0" fontAlgn="base" hangingPunct="0">
+              <a:spcBef>
+                <a:spcPct val="0"/>
+              </a:spcBef>
+              <a:spcAft>
+                <a:spcPct val="0"/>
+              </a:spcAft>
+            </a:pPr>
+            <a:endParaRPr lang="en-US" altLang="en-US" sz="2400" dirty="0">
+              <a:solidFill>
+                <a:schemeClr val="bg1"/>
+              </a:solidFill>
+              <a:latin typeface="Source Sans Pro" panose="020B0503030403020204" pitchFamily="34" charset="0"/>
+            </a:endParaRPr>
+          </a:p>
+          <a:p>
+            <a:pPr lvl="0" eaLnBrk="0" fontAlgn="base" hangingPunct="0">
+              <a:spcBef>
+                <a:spcPct val="0"/>
+              </a:spcBef>
+              <a:spcAft>
+                <a:spcPct val="0"/>
+              </a:spcAft>
+            </a:pPr>
+            <a:r>
+              <a:rPr lang="en-US" altLang="en-US" sz="2400" dirty="0">
+                <a:solidFill>
+                  <a:schemeClr val="bg1"/>
+                </a:solidFill>
+                <a:latin typeface="Source Sans Pro" panose="020B0503030403020204" pitchFamily="34" charset="0"/>
+              </a:rPr>
+              <a:t>Node-gyp – “Generate Your Project” – python tool for generating projects, used in building native libs.</a:t>
+            </a:r>
+          </a:p>
+        </p:txBody>
+      </p:sp>
+      <p:sp>
+        <p:nvSpPr>
+          <p:cNvPr id="6" name="TextBox 5">
+            <a:extLst>
+              <a:ext uri="{FF2B5EF4-FFF2-40B4-BE49-F238E27FC236}">
+                <a16:creationId xmlns:a16="http://schemas.microsoft.com/office/drawing/2014/main" id="{407A9CB6-3176-404D-A918-4F62DD0D0FD4}"/>
+              </a:ext>
+            </a:extLst>
+          </p:cNvPr>
+          <p:cNvSpPr txBox="1"/>
+          <p:nvPr/>
+        </p:nvSpPr>
+        <p:spPr>
+          <a:xfrm>
+            <a:off x="479368" y="5975862"/>
+            <a:ext cx="989214" cy="369332"/>
+          </a:xfrm>
+          <a:prstGeom prst="rect">
+            <a:avLst/>
+          </a:prstGeom>
+          <a:solidFill>
+            <a:schemeClr val="accent6"/>
+          </a:solidFill>
+          <a:ln>
+            <a:noFill/>
+          </a:ln>
+        </p:spPr>
+        <p:style>
+          <a:lnRef idx="0">
+            <a:scrgbClr r="0" g="0" b="0"/>
+          </a:lnRef>
+          <a:fillRef idx="0">
+            <a:scrgbClr r="0" g="0" b="0"/>
+          </a:fillRef>
+          <a:effectRef idx="0">
+            <a:scrgbClr r="0" g="0" b="0"/>
+          </a:effectRef>
+          <a:fontRef idx="minor">
+            <a:schemeClr val="lt1"/>
+          </a:fontRef>
+        </p:style>
+        <p:txBody>
+          <a:bodyPr wrap="square" rtlCol="0">
+            <a:spAutoFit/>
+          </a:bodyPr>
+          <a:lstStyle/>
+          <a:p>
+            <a:r>
+              <a:rPr lang="en-US" dirty="0"/>
+              <a:t>Demo 5</a:t>
+            </a:r>
+          </a:p>
+        </p:txBody>
+      </p:sp>
+    </p:spTree>
+    <p:custDataLst>
+      <p:tags r:id="rId1"/>
+    </p:custDataLst>
+    <p:extLst>
+      <p:ext uri="{BB962C8B-B14F-4D97-AF65-F5344CB8AC3E}">
+        <p14:creationId xmlns:p14="http://schemas.microsoft.com/office/powerpoint/2010/main" val="707621133"/>
+      </p:ext>
+    </p:extLst>
+  </p:cSld>
+  <p:clrMapOvr>
+    <a:masterClrMapping/>
+  </p:clrMapOvr>
+</p:sld>
+</file>
+
+<file path=ppt/slides/slide16.xml><?xml version="1.0" encoding="utf-8"?>
+<p:sld xmlns:a="http://schemas.openxmlformats.org/drawingml/2006/main" xmlns:r="http://schemas.openxmlformats.org/officeDocument/2006/relationships" xmlns:p="http://schemas.openxmlformats.org/presentationml/2006/main">
+  <p:cSld>
+    <p:spTree>
+      <p:nvGrpSpPr>
+        <p:cNvPr id="1" name=""/>
+        <p:cNvGrpSpPr/>
+        <p:nvPr/>
+      </p:nvGrpSpPr>
+      <p:grpSpPr>
+        <a:xfrm>
+          <a:off x="0" y="0"/>
+          <a:ext cx="0" cy="0"/>
+          <a:chOff x="0" y="0"/>
+          <a:chExt cx="0" cy="0"/>
+        </a:xfrm>
+      </p:grpSpPr>
+      <p:sp>
+        <p:nvSpPr>
+          <p:cNvPr id="11" name="Text Placeholder 10"/>
+          <p:cNvSpPr>
+            <a:spLocks noGrp="1"/>
+          </p:cNvSpPr>
+          <p:nvPr>
+            <p:ph type="body" sz="quarter" idx="30"/>
+          </p:nvPr>
+        </p:nvSpPr>
+        <p:spPr/>
+        <p:txBody>
+          <a:bodyPr/>
+          <a:lstStyle/>
+          <a:p>
+            <a:endParaRPr lang="en-GB"/>
+          </a:p>
+        </p:txBody>
+      </p:sp>
+      <p:sp>
+        <p:nvSpPr>
+          <p:cNvPr id="8" name="Title 4">
+            <a:extLst>
+              <a:ext uri="{FF2B5EF4-FFF2-40B4-BE49-F238E27FC236}">
+                <a16:creationId xmlns:a16="http://schemas.microsoft.com/office/drawing/2014/main" id="{EA1C5765-6A57-4B84-B56A-292D99C2E16F}"/>
+              </a:ext>
+            </a:extLst>
+          </p:cNvPr>
+          <p:cNvSpPr>
+            <a:spLocks noGrp="1"/>
+          </p:cNvSpPr>
+          <p:nvPr>
+            <p:ph type="ctrTitle"/>
+          </p:nvPr>
+        </p:nvSpPr>
+        <p:spPr>
+          <a:xfrm>
+            <a:off x="198488" y="379719"/>
+            <a:ext cx="10300690" cy="761386"/>
+          </a:xfrm>
+        </p:spPr>
+        <p:txBody>
+          <a:bodyPr>
+            <a:normAutofit fontScale="90000"/>
+          </a:bodyPr>
+          <a:lstStyle/>
+          <a:p>
+            <a:r>
+              <a:rPr lang="lt-LT" dirty="0"/>
+              <a:t>Links</a:t>
+            </a:r>
+            <a:endParaRPr lang="en-US" dirty="0"/>
+          </a:p>
+        </p:txBody>
+      </p:sp>
+      <p:sp>
+        <p:nvSpPr>
+          <p:cNvPr id="5" name="TextBox 4">
+            <a:extLst>
+              <a:ext uri="{FF2B5EF4-FFF2-40B4-BE49-F238E27FC236}">
+                <a16:creationId xmlns:a16="http://schemas.microsoft.com/office/drawing/2014/main" id="{54796B49-767A-4AFB-8125-DA3D12EA5BED}"/>
+              </a:ext>
+            </a:extLst>
+          </p:cNvPr>
+          <p:cNvSpPr txBox="1"/>
+          <p:nvPr/>
+        </p:nvSpPr>
+        <p:spPr>
+          <a:xfrm>
+            <a:off x="681797" y="1545511"/>
+            <a:ext cx="9817381" cy="4939814"/>
+          </a:xfrm>
+          <a:prstGeom prst="rect">
+            <a:avLst/>
+          </a:prstGeom>
+          <a:noFill/>
+        </p:spPr>
+        <p:txBody>
+          <a:bodyPr wrap="square" rtlCol="0">
+            <a:spAutoFit/>
+          </a:bodyPr>
+          <a:lstStyle/>
+          <a:p>
+            <a:pPr marL="342900" lvl="0" indent="-342900" eaLnBrk="0" fontAlgn="base" hangingPunct="0">
+              <a:spcAft>
+                <a:spcPts val="1800"/>
+              </a:spcAft>
+              <a:buFont typeface="Arial" panose="020B0604020202020204" pitchFamily="34" charset="0"/>
+              <a:buChar char="•"/>
+            </a:pPr>
+            <a:r>
+              <a:rPr lang="en-US" sz="2400" dirty="0">
+                <a:solidFill>
+                  <a:srgbClr val="00B0F0"/>
+                </a:solidFill>
+                <a:hlinkClick r:id="rId3">
+                  <a:extLst>
+                    <a:ext uri="{A12FA001-AC4F-418D-AE19-62706E023703}">
+                      <ahyp:hlinkClr xmlns:ahyp="http://schemas.microsoft.com/office/drawing/2018/hyperlinkcolor" val="tx"/>
+                    </a:ext>
+                  </a:extLst>
+                </a:hlinkClick>
+              </a:rPr>
               <a:t>https://github.com/teraxas/nodejs-demo</a:t>
             </a:r>
             <a:endParaRPr lang="en-US" sz="2400" dirty="0">
               <a:solidFill>
-                <a:schemeClr val="bg1"/>
+                <a:srgbClr val="00B0F0"/>
               </a:solidFill>
               <a:hlinkClick r:id="rId4">
                 <a:extLst>
@@ -5408,11 +5821,8 @@
           </a:p>
           <a:p>
             <a:pPr marL="342900" lvl="0" indent="-342900" eaLnBrk="0" fontAlgn="base" hangingPunct="0">
-              <a:spcBef>
-                <a:spcPct val="0"/>
-              </a:spcBef>
               <a:spcAft>
-                <a:spcPct val="0"/>
+                <a:spcPts val="1800"/>
               </a:spcAft>
               <a:buFont typeface="Arial" panose="020B0604020202020204" pitchFamily="34" charset="0"/>
               <a:buChar char="•"/>
@@ -5420,7 +5830,7 @@
             <a:r>
               <a:rPr lang="en-US" sz="2400" dirty="0">
                 <a:solidFill>
-                  <a:schemeClr val="bg1"/>
+                  <a:srgbClr val="00B0F0"/>
                 </a:solidFill>
                 <a:hlinkClick r:id="rId4">
                   <a:extLst>
@@ -5434,17 +5844,14 @@
             </a:r>
             <a:endParaRPr lang="en-US" sz="2400" dirty="0">
               <a:solidFill>
-                <a:schemeClr val="bg1"/>
+                <a:srgbClr val="00B0F0"/>
               </a:solidFill>
             </a:endParaRPr>
           </a:p>
           <a:p>
             <a:pPr marL="342900" lvl="0" indent="-342900" eaLnBrk="0" fontAlgn="base" hangingPunct="0">
-              <a:spcBef>
-                <a:spcPct val="0"/>
-              </a:spcBef>
               <a:spcAft>
-                <a:spcPct val="0"/>
+                <a:spcPts val="1800"/>
               </a:spcAft>
               <a:buFont typeface="Arial" panose="020B0604020202020204" pitchFamily="34" charset="0"/>
               <a:buChar char="•"/>
@@ -5455,7 +5862,7 @@
                   <a:noFill/>
                 </a:ln>
                 <a:solidFill>
-                  <a:schemeClr val="bg1"/>
+                  <a:srgbClr val="00B0F0"/>
                 </a:solidFill>
                 <a:effectLst/>
                 <a:latin typeface="Source Sans Pro" panose="020B0503030403020204" pitchFamily="34" charset="0"/>
@@ -5474,7 +5881,7 @@
                 <a:noFill/>
               </a:ln>
               <a:solidFill>
-                <a:schemeClr val="bg1"/>
+                <a:srgbClr val="00B0F0"/>
               </a:solidFill>
               <a:effectLst/>
               <a:latin typeface="Source Sans Pro" panose="020B0503030403020204" pitchFamily="34" charset="0"/>
@@ -5482,11 +5889,8 @@
           </a:p>
           <a:p>
             <a:pPr marL="342900" lvl="0" indent="-342900" eaLnBrk="0" fontAlgn="base" hangingPunct="0">
-              <a:spcBef>
-                <a:spcPct val="0"/>
-              </a:spcBef>
               <a:spcAft>
-                <a:spcPct val="0"/>
+                <a:spcPts val="1800"/>
               </a:spcAft>
               <a:buFont typeface="Arial" panose="020B0604020202020204" pitchFamily="34" charset="0"/>
               <a:buChar char="•"/>
@@ -5494,7 +5898,7 @@
             <a:r>
               <a:rPr lang="en-US" sz="2400" dirty="0">
                 <a:solidFill>
-                  <a:schemeClr val="bg1"/>
+                  <a:srgbClr val="00B0F0"/>
                 </a:solidFill>
                 <a:hlinkClick r:id="rId6">
                   <a:extLst>
@@ -5511,7 +5915,7 @@
                 <a:noFill/>
               </a:ln>
               <a:solidFill>
-                <a:schemeClr val="bg1"/>
+                <a:srgbClr val="00B0F0"/>
               </a:solidFill>
               <a:effectLst/>
               <a:latin typeface="Source Sans Pro" panose="020B0503030403020204" pitchFamily="34" charset="0"/>
@@ -5519,11 +5923,8 @@
           </a:p>
           <a:p>
             <a:pPr marL="342900" lvl="0" indent="-342900" eaLnBrk="0" fontAlgn="base" hangingPunct="0">
-              <a:spcBef>
-                <a:spcPct val="0"/>
-              </a:spcBef>
               <a:spcAft>
-                <a:spcPct val="0"/>
+                <a:spcPts val="1800"/>
               </a:spcAft>
               <a:buFont typeface="Arial" panose="020B0604020202020204" pitchFamily="34" charset="0"/>
               <a:buChar char="•"/>
@@ -5531,7 +5932,7 @@
             <a:r>
               <a:rPr lang="en-US" sz="2400" dirty="0">
                 <a:solidFill>
-                  <a:schemeClr val="bg1"/>
+                  <a:srgbClr val="00B0F0"/>
                 </a:solidFill>
                 <a:hlinkClick r:id="rId7">
                   <a:extLst>
@@ -5545,17 +5946,14 @@
             </a:r>
             <a:endParaRPr lang="en-US" sz="2400" dirty="0">
               <a:solidFill>
-                <a:schemeClr val="bg1"/>
+                <a:srgbClr val="00B0F0"/>
               </a:solidFill>
             </a:endParaRPr>
           </a:p>
           <a:p>
             <a:pPr marL="342900" lvl="0" indent="-342900" eaLnBrk="0" fontAlgn="base" hangingPunct="0">
-              <a:spcBef>
-                <a:spcPct val="0"/>
-              </a:spcBef>
               <a:spcAft>
-                <a:spcPct val="0"/>
+                <a:spcPts val="1800"/>
               </a:spcAft>
               <a:buFont typeface="Arial" panose="020B0604020202020204" pitchFamily="34" charset="0"/>
               <a:buChar char="•"/>
@@ -5563,7 +5961,7 @@
             <a:r>
               <a:rPr lang="en-US" sz="2400" dirty="0">
                 <a:solidFill>
-                  <a:schemeClr val="bg1"/>
+                  <a:srgbClr val="00B0F0"/>
                 </a:solidFill>
                 <a:hlinkClick r:id="rId8">
                   <a:extLst>
@@ -7049,7 +7447,7 @@
           </p:cNvPicPr>
           <p:nvPr/>
         </p:nvPicPr>
-        <p:blipFill>
+        <p:blipFill rotWithShape="1">
           <a:blip r:embed="rId3">
             <a:extLst>
               <a:ext uri="{28A0092B-C50C-407E-A947-70E740481C1C}">
@@ -7057,15 +7455,13 @@
               </a:ext>
             </a:extLst>
           </a:blip>
-          <a:srcRect/>
-          <a:stretch>
-            <a:fillRect/>
-          </a:stretch>
+          <a:srcRect l="2117" t="-2275" r="2411" b="7280"/>
+          <a:stretch/>
         </p:blipFill>
         <p:spPr bwMode="auto">
           <a:xfrm>
-            <a:off x="3004916" y="1993605"/>
-            <a:ext cx="4714875" cy="3657600"/>
+            <a:off x="2231832" y="868478"/>
+            <a:ext cx="4501477" cy="3470766"/>
           </a:xfrm>
           <a:prstGeom prst="rect">
             <a:avLst/>
@@ -7082,91 +7478,112 @@
           </a:extLst>
         </p:spPr>
       </p:pic>
-      <p:sp>
-        <p:nvSpPr>
-          <p:cNvPr id="3" name="Rectangle 2">
-            <a:extLst>
-              <a:ext uri="{FF2B5EF4-FFF2-40B4-BE49-F238E27FC236}">
-                <a16:creationId xmlns:a16="http://schemas.microsoft.com/office/drawing/2014/main" id="{24632247-5ABE-49CA-83C3-CF568E4EF57C}"/>
-              </a:ext>
-            </a:extLst>
-          </p:cNvPr>
-          <p:cNvSpPr/>
+      <p:grpSp>
+        <p:nvGrpSpPr>
+          <p:cNvPr id="2" name="Group 1">
+            <a:extLst>
+              <a:ext uri="{FF2B5EF4-FFF2-40B4-BE49-F238E27FC236}">
+                <a16:creationId xmlns:a16="http://schemas.microsoft.com/office/drawing/2014/main" id="{E01D7107-6D29-4C3C-AB39-4A9CD5FD9A0A}"/>
+              </a:ext>
+            </a:extLst>
+          </p:cNvPr>
+          <p:cNvGrpSpPr/>
           <p:nvPr/>
-        </p:nvSpPr>
-        <p:spPr>
+        </p:nvGrpSpPr>
+        <p:grpSpPr>
           <a:xfrm>
-            <a:off x="3571875" y="676274"/>
+            <a:off x="6497955" y="3153467"/>
             <a:ext cx="3590925" cy="2228567"/>
+            <a:chOff x="7902806" y="3785234"/>
+            <a:chExt cx="3590925" cy="2228567"/>
           </a:xfrm>
-          <a:prstGeom prst="rect">
-            <a:avLst/>
-          </a:prstGeom>
-        </p:spPr>
-        <p:style>
-          <a:lnRef idx="2">
-            <a:schemeClr val="accent1">
-              <a:shade val="50000"/>
-            </a:schemeClr>
-          </a:lnRef>
-          <a:fillRef idx="1">
-            <a:schemeClr val="accent1"/>
-          </a:fillRef>
-          <a:effectRef idx="0">
-            <a:schemeClr val="accent1"/>
-          </a:effectRef>
-          <a:fontRef idx="minor">
-            <a:schemeClr val="lt1"/>
-          </a:fontRef>
-        </p:style>
-        <p:txBody>
-          <a:bodyPr rtlCol="0" anchor="ctr"/>
-          <a:lstStyle/>
-          <a:p>
-            <a:pPr algn="ctr"/>
-            <a:endParaRPr lang="en-US"/>
-          </a:p>
-        </p:txBody>
-      </p:sp>
-      <p:pic>
-        <p:nvPicPr>
-          <p:cNvPr id="12" name="Graphic 11">
-            <a:extLst>
-              <a:ext uri="{FF2B5EF4-FFF2-40B4-BE49-F238E27FC236}">
-                <a16:creationId xmlns:a16="http://schemas.microsoft.com/office/drawing/2014/main" id="{1F1EBD48-B4E3-4FEB-A072-0F1523C175BA}"/>
-              </a:ext>
-            </a:extLst>
-          </p:cNvPr>
-          <p:cNvPicPr>
-            <a:picLocks noChangeAspect="1"/>
-          </p:cNvPicPr>
-          <p:nvPr/>
-        </p:nvPicPr>
-        <p:blipFill>
-          <a:blip r:embed="rId4">
-            <a:extLst>
-              <a:ext uri="{28A0092B-C50C-407E-A947-70E740481C1C}">
-                <a14:useLocalDpi xmlns:a14="http://schemas.microsoft.com/office/drawing/2010/main" val="0"/>
-              </a:ext>
-              <a:ext uri="{96DAC541-7B7A-43D3-8B79-37D633B846F1}">
-                <asvg:svgBlip xmlns:asvg="http://schemas.microsoft.com/office/drawing/2016/SVG/main" r:embed="rId5"/>
-              </a:ext>
-            </a:extLst>
-          </a:blip>
-          <a:stretch>
-            <a:fillRect/>
-          </a:stretch>
-        </p:blipFill>
-        <p:spPr>
-          <a:xfrm>
-            <a:off x="3675203" y="760412"/>
-            <a:ext cx="3374295" cy="2064611"/>
-          </a:xfrm>
-          <a:prstGeom prst="rect">
-            <a:avLst/>
-          </a:prstGeom>
-        </p:spPr>
-      </p:pic>
+        </p:grpSpPr>
+        <p:sp>
+          <p:nvSpPr>
+            <p:cNvPr id="3" name="Rectangle 2">
+              <a:extLst>
+                <a:ext uri="{FF2B5EF4-FFF2-40B4-BE49-F238E27FC236}">
+                  <a16:creationId xmlns:a16="http://schemas.microsoft.com/office/drawing/2014/main" id="{24632247-5ABE-49CA-83C3-CF568E4EF57C}"/>
+                </a:ext>
+              </a:extLst>
+            </p:cNvPr>
+            <p:cNvSpPr/>
+            <p:nvPr/>
+          </p:nvSpPr>
+          <p:spPr>
+            <a:xfrm>
+              <a:off x="7902806" y="3785234"/>
+              <a:ext cx="3590925" cy="2228567"/>
+            </a:xfrm>
+            <a:prstGeom prst="rect">
+              <a:avLst/>
+            </a:prstGeom>
+          </p:spPr>
+          <p:style>
+            <a:lnRef idx="2">
+              <a:schemeClr val="accent1">
+                <a:shade val="50000"/>
+              </a:schemeClr>
+            </a:lnRef>
+            <a:fillRef idx="1">
+              <a:schemeClr val="accent1"/>
+            </a:fillRef>
+            <a:effectRef idx="0">
+              <a:schemeClr val="accent1"/>
+            </a:effectRef>
+            <a:fontRef idx="minor">
+              <a:schemeClr val="lt1"/>
+            </a:fontRef>
+          </p:style>
+          <p:txBody>
+            <a:bodyPr rtlCol="0" anchor="ctr"/>
+            <a:lstStyle/>
+            <a:p>
+              <a:pPr algn="ctr"/>
+              <a:endParaRPr lang="en-US"/>
+            </a:p>
+          </p:txBody>
+        </p:sp>
+        <p:pic>
+          <p:nvPicPr>
+            <p:cNvPr id="12" name="Graphic 11">
+              <a:extLst>
+                <a:ext uri="{FF2B5EF4-FFF2-40B4-BE49-F238E27FC236}">
+                  <a16:creationId xmlns:a16="http://schemas.microsoft.com/office/drawing/2014/main" id="{1F1EBD48-B4E3-4FEB-A072-0F1523C175BA}"/>
+                </a:ext>
+              </a:extLst>
+            </p:cNvPr>
+            <p:cNvPicPr>
+              <a:picLocks noChangeAspect="1"/>
+            </p:cNvPicPr>
+            <p:nvPr/>
+          </p:nvPicPr>
+          <p:blipFill>
+            <a:blip r:embed="rId4">
+              <a:extLst>
+                <a:ext uri="{28A0092B-C50C-407E-A947-70E740481C1C}">
+                  <a14:useLocalDpi xmlns:a14="http://schemas.microsoft.com/office/drawing/2010/main" val="0"/>
+                </a:ext>
+                <a:ext uri="{96DAC541-7B7A-43D3-8B79-37D633B846F1}">
+                  <asvg:svgBlip xmlns:asvg="http://schemas.microsoft.com/office/drawing/2016/SVG/main" r:embed="rId5"/>
+                </a:ext>
+              </a:extLst>
+            </a:blip>
+            <a:stretch>
+              <a:fillRect/>
+            </a:stretch>
+          </p:blipFill>
+          <p:spPr>
+            <a:xfrm>
+              <a:off x="8057194" y="3867211"/>
+              <a:ext cx="3374295" cy="2064611"/>
+            </a:xfrm>
+            <a:prstGeom prst="rect">
+              <a:avLst/>
+            </a:prstGeom>
+          </p:spPr>
+        </p:pic>
+      </p:grpSp>
     </p:spTree>
     <p:custDataLst>
       <p:tags r:id="rId1"/>
@@ -7200,25 +7617,6 @@
           <a:chExt cx="0" cy="0"/>
         </a:xfrm>
       </p:grpSpPr>
-      <p:sp>
-        <p:nvSpPr>
-          <p:cNvPr id="11" name="Text Placeholder 10"/>
-          <p:cNvSpPr>
-            <a:spLocks noGrp="1"/>
-          </p:cNvSpPr>
-          <p:nvPr>
-            <p:ph type="body" sz="quarter" idx="30"/>
-          </p:nvPr>
-        </p:nvSpPr>
-        <p:spPr/>
-        <p:txBody>
-          <a:bodyPr/>
-          <a:lstStyle/>
-          <a:p>
-            <a:endParaRPr lang="en-GB"/>
-          </a:p>
-        </p:txBody>
-      </p:sp>
       <p:pic>
         <p:nvPicPr>
           <p:cNvPr id="4" name="Picture 3">
@@ -7257,6 +7655,70 @@
       </p:pic>
       <p:sp>
         <p:nvSpPr>
+          <p:cNvPr id="10" name="Rectangle 9">
+            <a:extLst>
+              <a:ext uri="{FF2B5EF4-FFF2-40B4-BE49-F238E27FC236}">
+                <a16:creationId xmlns:a16="http://schemas.microsoft.com/office/drawing/2014/main" id="{22A460A8-2E71-418F-B54D-40B1769697D9}"/>
+              </a:ext>
+            </a:extLst>
+          </p:cNvPr>
+          <p:cNvSpPr/>
+          <p:nvPr/>
+        </p:nvSpPr>
+        <p:spPr>
+          <a:xfrm>
+            <a:off x="5004262" y="2841317"/>
+            <a:ext cx="5843847" cy="1574913"/>
+          </a:xfrm>
+          <a:prstGeom prst="rect">
+            <a:avLst/>
+          </a:prstGeom>
+          <a:ln/>
+        </p:spPr>
+        <p:style>
+          <a:lnRef idx="0">
+            <a:schemeClr val="accent6"/>
+          </a:lnRef>
+          <a:fillRef idx="3">
+            <a:schemeClr val="accent6"/>
+          </a:fillRef>
+          <a:effectRef idx="3">
+            <a:schemeClr val="accent6"/>
+          </a:effectRef>
+          <a:fontRef idx="minor">
+            <a:schemeClr val="lt1"/>
+          </a:fontRef>
+        </p:style>
+        <p:txBody>
+          <a:bodyPr rtlCol="0" anchor="ctr"/>
+          <a:lstStyle/>
+          <a:p>
+            <a:pPr algn="ctr"/>
+            <a:endParaRPr lang="en-US"/>
+          </a:p>
+        </p:txBody>
+      </p:sp>
+      <p:sp>
+        <p:nvSpPr>
+          <p:cNvPr id="11" name="Text Placeholder 10"/>
+          <p:cNvSpPr>
+            <a:spLocks noGrp="1"/>
+          </p:cNvSpPr>
+          <p:nvPr>
+            <p:ph type="body" sz="quarter" idx="30"/>
+          </p:nvPr>
+        </p:nvSpPr>
+        <p:spPr/>
+        <p:txBody>
+          <a:bodyPr/>
+          <a:lstStyle/>
+          <a:p>
+            <a:endParaRPr lang="en-GB"/>
+          </a:p>
+        </p:txBody>
+      </p:sp>
+      <p:sp>
+        <p:nvSpPr>
           <p:cNvPr id="8" name="Title 4">
             <a:extLst>
               <a:ext uri="{FF2B5EF4-FFF2-40B4-BE49-F238E27FC236}">
@@ -7313,7 +7775,7 @@
         </p:nvSpPr>
         <p:spPr>
           <a:xfrm>
-            <a:off x="5289982" y="2998925"/>
+            <a:off x="5134036" y="2936276"/>
             <a:ext cx="6141507" cy="1384995"/>
           </a:xfrm>
           <a:prstGeom prst="rect">
@@ -7460,6 +7922,56 @@
                 <a:schemeClr val="bg1"/>
               </a:solidFill>
             </a:endParaRPr>
+          </a:p>
+        </p:txBody>
+      </p:sp>
+      <p:sp>
+        <p:nvSpPr>
+          <p:cNvPr id="2" name="Rectangle 1">
+            <a:extLst>
+              <a:ext uri="{FF2B5EF4-FFF2-40B4-BE49-F238E27FC236}">
+                <a16:creationId xmlns:a16="http://schemas.microsoft.com/office/drawing/2014/main" id="{B6B83F22-9B57-407B-964B-A0625E50B48D}"/>
+              </a:ext>
+            </a:extLst>
+          </p:cNvPr>
+          <p:cNvSpPr/>
+          <p:nvPr/>
+        </p:nvSpPr>
+        <p:spPr>
+          <a:xfrm>
+            <a:off x="5004262" y="4699137"/>
+            <a:ext cx="6248528" cy="1709976"/>
+          </a:xfrm>
+          <a:prstGeom prst="rect">
+            <a:avLst/>
+          </a:prstGeom>
+          <a:solidFill>
+            <a:schemeClr val="dk1"/>
+          </a:solidFill>
+          <a:ln>
+            <a:noFill/>
+          </a:ln>
+        </p:spPr>
+        <p:style>
+          <a:lnRef idx="0">
+            <a:scrgbClr r="0" g="0" b="0"/>
+          </a:lnRef>
+          <a:fillRef idx="0">
+            <a:scrgbClr r="0" g="0" b="0"/>
+          </a:fillRef>
+          <a:effectRef idx="0">
+            <a:scrgbClr r="0" g="0" b="0"/>
+          </a:effectRef>
+          <a:fontRef idx="minor">
+            <a:schemeClr val="lt1"/>
+          </a:fontRef>
+        </p:style>
+        <p:txBody>
+          <a:bodyPr rtlCol="0" anchor="ctr"/>
+          <a:lstStyle/>
+          <a:p>
+            <a:pPr algn="ctr"/>
+            <a:endParaRPr lang="en-US"/>
           </a:p>
         </p:txBody>
       </p:sp>
@@ -8248,6 +8760,18 @@
 </file>
 
 <file path=ppt/tags/tag14.xml><?xml version="1.0" encoding="utf-8"?>
+<p:tagLst xmlns:a="http://schemas.openxmlformats.org/drawingml/2006/main" xmlns:r="http://schemas.openxmlformats.org/officeDocument/2006/relationships" xmlns:p="http://schemas.openxmlformats.org/presentationml/2006/main">
+  <p:tag name="TEMPLAFYSLIDEID" val="636342570089945957"/>
+</p:tagLst>
+</file>
+
+<file path=ppt/tags/tag15.xml><?xml version="1.0" encoding="utf-8"?>
+<p:tagLst xmlns:a="http://schemas.openxmlformats.org/drawingml/2006/main" xmlns:r="http://schemas.openxmlformats.org/officeDocument/2006/relationships" xmlns:p="http://schemas.openxmlformats.org/presentationml/2006/main">
+  <p:tag name="TEMPLAFYSLIDEID" val="636342570089945957"/>
+</p:tagLst>
+</file>
+
+<file path=ppt/tags/tag16.xml><?xml version="1.0" encoding="utf-8"?>
 <p:tagLst xmlns:a="http://schemas.openxmlformats.org/drawingml/2006/main" xmlns:r="http://schemas.openxmlformats.org/officeDocument/2006/relationships" xmlns:p="http://schemas.openxmlformats.org/presentationml/2006/main">
   <p:tag name="TEMPLAFYSLIDEID" val="636342570089945957"/>
 </p:tagLst>

--- a/nodejs.pptx
+++ b/nodejs.pptx
@@ -4688,7 +4688,7 @@
           <a:p>
             <a:r>
               <a:rPr lang="en-US" dirty="0"/>
-              <a:t>Is Node JS single threaded?</a:t>
+              <a:t>Is Node JS totally single threaded?</a:t>
             </a:r>
           </a:p>
         </p:txBody>
@@ -4951,6 +4951,84 @@
   <p:clrMapOvr>
     <a:masterClrMapping/>
   </p:clrMapOvr>
+  <p:timing>
+    <p:tnLst>
+      <p:par>
+        <p:cTn id="1" dur="indefinite" restart="never" nodeType="tmRoot">
+          <p:childTnLst>
+            <p:seq concurrent="1" nextAc="seek">
+              <p:cTn id="2" dur="indefinite" nodeType="mainSeq">
+                <p:childTnLst>
+                  <p:par>
+                    <p:cTn id="3" fill="hold">
+                      <p:stCondLst>
+                        <p:cond delay="indefinite"/>
+                      </p:stCondLst>
+                      <p:childTnLst>
+                        <p:par>
+                          <p:cTn id="4" fill="hold">
+                            <p:stCondLst>
+                              <p:cond delay="0"/>
+                            </p:stCondLst>
+                            <p:childTnLst>
+                              <p:par>
+                                <p:cTn id="5" presetID="1" presetClass="entr" presetSubtype="0" fill="hold" grpId="0" nodeType="clickEffect">
+                                  <p:stCondLst>
+                                    <p:cond delay="0"/>
+                                  </p:stCondLst>
+                                  <p:childTnLst>
+                                    <p:set>
+                                      <p:cBhvr>
+                                        <p:cTn id="6" dur="1" fill="hold">
+                                          <p:stCondLst>
+                                            <p:cond delay="0"/>
+                                          </p:stCondLst>
+                                        </p:cTn>
+                                        <p:tgtEl>
+                                          <p:spTgt spid="5"/>
+                                        </p:tgtEl>
+                                        <p:attrNameLst>
+                                          <p:attrName>style.visibility</p:attrName>
+                                        </p:attrNameLst>
+                                      </p:cBhvr>
+                                      <p:to>
+                                        <p:strVal val="visible"/>
+                                      </p:to>
+                                    </p:set>
+                                  </p:childTnLst>
+                                </p:cTn>
+                              </p:par>
+                            </p:childTnLst>
+                          </p:cTn>
+                        </p:par>
+                      </p:childTnLst>
+                    </p:cTn>
+                  </p:par>
+                </p:childTnLst>
+              </p:cTn>
+              <p:prevCondLst>
+                <p:cond evt="onPrev" delay="0">
+                  <p:tgtEl>
+                    <p:sldTgt/>
+                  </p:tgtEl>
+                </p:cond>
+              </p:prevCondLst>
+              <p:nextCondLst>
+                <p:cond evt="onNext" delay="0">
+                  <p:tgtEl>
+                    <p:sldTgt/>
+                  </p:tgtEl>
+                </p:cond>
+              </p:nextCondLst>
+            </p:seq>
+          </p:childTnLst>
+        </p:cTn>
+      </p:par>
+    </p:tnLst>
+    <p:bldLst>
+      <p:bldP spid="5" grpId="0"/>
+    </p:bldLst>
+  </p:timing>
 </p:sld>
 </file>
 
@@ -5039,7 +5117,7 @@
         </p:nvSpPr>
         <p:spPr>
           <a:xfrm>
-            <a:off x="198488" y="1831261"/>
+            <a:off x="198488" y="1906075"/>
             <a:ext cx="9817381" cy="1200329"/>
           </a:xfrm>
           <a:prstGeom prst="rect">
@@ -5209,6 +5287,84 @@
   <p:clrMapOvr>
     <a:masterClrMapping/>
   </p:clrMapOvr>
+  <p:timing>
+    <p:tnLst>
+      <p:par>
+        <p:cTn id="1" dur="indefinite" restart="never" nodeType="tmRoot">
+          <p:childTnLst>
+            <p:seq concurrent="1" nextAc="seek">
+              <p:cTn id="2" dur="indefinite" nodeType="mainSeq">
+                <p:childTnLst>
+                  <p:par>
+                    <p:cTn id="3" fill="hold">
+                      <p:stCondLst>
+                        <p:cond delay="indefinite"/>
+                      </p:stCondLst>
+                      <p:childTnLst>
+                        <p:par>
+                          <p:cTn id="4" fill="hold">
+                            <p:stCondLst>
+                              <p:cond delay="0"/>
+                            </p:stCondLst>
+                            <p:childTnLst>
+                              <p:par>
+                                <p:cTn id="5" presetID="1" presetClass="entr" presetSubtype="0" fill="hold" grpId="0" nodeType="clickEffect">
+                                  <p:stCondLst>
+                                    <p:cond delay="0"/>
+                                  </p:stCondLst>
+                                  <p:childTnLst>
+                                    <p:set>
+                                      <p:cBhvr>
+                                        <p:cTn id="6" dur="1" fill="hold">
+                                          <p:stCondLst>
+                                            <p:cond delay="0"/>
+                                          </p:stCondLst>
+                                        </p:cTn>
+                                        <p:tgtEl>
+                                          <p:spTgt spid="5"/>
+                                        </p:tgtEl>
+                                        <p:attrNameLst>
+                                          <p:attrName>style.visibility</p:attrName>
+                                        </p:attrNameLst>
+                                      </p:cBhvr>
+                                      <p:to>
+                                        <p:strVal val="visible"/>
+                                      </p:to>
+                                    </p:set>
+                                  </p:childTnLst>
+                                </p:cTn>
+                              </p:par>
+                            </p:childTnLst>
+                          </p:cTn>
+                        </p:par>
+                      </p:childTnLst>
+                    </p:cTn>
+                  </p:par>
+                </p:childTnLst>
+              </p:cTn>
+              <p:prevCondLst>
+                <p:cond evt="onPrev" delay="0">
+                  <p:tgtEl>
+                    <p:sldTgt/>
+                  </p:tgtEl>
+                </p:cond>
+              </p:prevCondLst>
+              <p:nextCondLst>
+                <p:cond evt="onNext" delay="0">
+                  <p:tgtEl>
+                    <p:sldTgt/>
+                  </p:tgtEl>
+                </p:cond>
+              </p:nextCondLst>
+            </p:seq>
+          </p:childTnLst>
+        </p:cTn>
+      </p:par>
+    </p:tnLst>
+    <p:bldLst>
+      <p:bldP spid="5" grpId="0"/>
+    </p:bldLst>
+  </p:timing>
 </p:sld>
 </file>
 
@@ -5453,6 +5609,84 @@
   <p:clrMapOvr>
     <a:masterClrMapping/>
   </p:clrMapOvr>
+  <p:timing>
+    <p:tnLst>
+      <p:par>
+        <p:cTn id="1" dur="indefinite" restart="never" nodeType="tmRoot">
+          <p:childTnLst>
+            <p:seq concurrent="1" nextAc="seek">
+              <p:cTn id="2" dur="indefinite" nodeType="mainSeq">
+                <p:childTnLst>
+                  <p:par>
+                    <p:cTn id="3" fill="hold">
+                      <p:stCondLst>
+                        <p:cond delay="indefinite"/>
+                      </p:stCondLst>
+                      <p:childTnLst>
+                        <p:par>
+                          <p:cTn id="4" fill="hold">
+                            <p:stCondLst>
+                              <p:cond delay="0"/>
+                            </p:stCondLst>
+                            <p:childTnLst>
+                              <p:par>
+                                <p:cTn id="5" presetID="1" presetClass="entr" presetSubtype="0" fill="hold" grpId="0" nodeType="clickEffect">
+                                  <p:stCondLst>
+                                    <p:cond delay="0"/>
+                                  </p:stCondLst>
+                                  <p:childTnLst>
+                                    <p:set>
+                                      <p:cBhvr>
+                                        <p:cTn id="6" dur="1" fill="hold">
+                                          <p:stCondLst>
+                                            <p:cond delay="0"/>
+                                          </p:stCondLst>
+                                        </p:cTn>
+                                        <p:tgtEl>
+                                          <p:spTgt spid="17"/>
+                                        </p:tgtEl>
+                                        <p:attrNameLst>
+                                          <p:attrName>style.visibility</p:attrName>
+                                        </p:attrNameLst>
+                                      </p:cBhvr>
+                                      <p:to>
+                                        <p:strVal val="visible"/>
+                                      </p:to>
+                                    </p:set>
+                                  </p:childTnLst>
+                                </p:cTn>
+                              </p:par>
+                            </p:childTnLst>
+                          </p:cTn>
+                        </p:par>
+                      </p:childTnLst>
+                    </p:cTn>
+                  </p:par>
+                </p:childTnLst>
+              </p:cTn>
+              <p:prevCondLst>
+                <p:cond evt="onPrev" delay="0">
+                  <p:tgtEl>
+                    <p:sldTgt/>
+                  </p:tgtEl>
+                </p:cond>
+              </p:prevCondLst>
+              <p:nextCondLst>
+                <p:cond evt="onNext" delay="0">
+                  <p:tgtEl>
+                    <p:sldTgt/>
+                  </p:tgtEl>
+                </p:cond>
+              </p:nextCondLst>
+            </p:seq>
+          </p:childTnLst>
+        </p:cTn>
+      </p:par>
+    </p:tnLst>
+    <p:bldLst>
+      <p:bldP spid="17" grpId="0"/>
+    </p:bldLst>
+  </p:timing>
 </p:sld>
 </file>
 
@@ -8177,6 +8411,52 @@
       </p:pic>
       <p:sp>
         <p:nvSpPr>
+          <p:cNvPr id="2" name="Rectangle 1">
+            <a:extLst>
+              <a:ext uri="{FF2B5EF4-FFF2-40B4-BE49-F238E27FC236}">
+                <a16:creationId xmlns:a16="http://schemas.microsoft.com/office/drawing/2014/main" id="{1BAEA764-C790-4593-A12A-9DD792451D08}"/>
+              </a:ext>
+            </a:extLst>
+          </p:cNvPr>
+          <p:cNvSpPr/>
+          <p:nvPr/>
+        </p:nvSpPr>
+        <p:spPr>
+          <a:xfrm>
+            <a:off x="4138362" y="1520825"/>
+            <a:ext cx="8053638" cy="4638502"/>
+          </a:xfrm>
+          <a:prstGeom prst="rect">
+            <a:avLst/>
+          </a:prstGeom>
+        </p:spPr>
+        <p:style>
+          <a:lnRef idx="2">
+            <a:schemeClr val="dk1">
+              <a:shade val="50000"/>
+            </a:schemeClr>
+          </a:lnRef>
+          <a:fillRef idx="1">
+            <a:schemeClr val="dk1"/>
+          </a:fillRef>
+          <a:effectRef idx="0">
+            <a:schemeClr val="dk1"/>
+          </a:effectRef>
+          <a:fontRef idx="minor">
+            <a:schemeClr val="lt1"/>
+          </a:fontRef>
+        </p:style>
+        <p:txBody>
+          <a:bodyPr rtlCol="0" anchor="ctr"/>
+          <a:lstStyle/>
+          <a:p>
+            <a:pPr algn="ctr"/>
+            <a:endParaRPr lang="en-US"/>
+          </a:p>
+        </p:txBody>
+      </p:sp>
+      <p:sp>
+        <p:nvSpPr>
           <p:cNvPr id="11" name="Text Placeholder 10"/>
           <p:cNvSpPr>
             <a:spLocks noGrp="1"/>
@@ -8252,7 +8532,7 @@
         </p:nvSpPr>
         <p:spPr>
           <a:xfrm>
-            <a:off x="4133849" y="1584634"/>
+            <a:off x="4215600" y="1650732"/>
             <a:ext cx="7858125" cy="4431983"/>
           </a:xfrm>
           <a:prstGeom prst="rect">

--- a/nodejs.pptx
+++ b/nodejs.pptx
@@ -7,20 +7,22 @@
   <p:sldIdLst>
     <p:sldId id="257" r:id="rId2"/>
     <p:sldId id="256" r:id="rId3"/>
-    <p:sldId id="258" r:id="rId4"/>
-    <p:sldId id="259" r:id="rId5"/>
-    <p:sldId id="260" r:id="rId6"/>
-    <p:sldId id="261" r:id="rId7"/>
-    <p:sldId id="262" r:id="rId8"/>
-    <p:sldId id="263" r:id="rId9"/>
-    <p:sldId id="264" r:id="rId10"/>
-    <p:sldId id="267" r:id="rId11"/>
-    <p:sldId id="270" r:id="rId12"/>
-    <p:sldId id="266" r:id="rId13"/>
-    <p:sldId id="271" r:id="rId14"/>
-    <p:sldId id="268" r:id="rId15"/>
-    <p:sldId id="269" r:id="rId16"/>
-    <p:sldId id="265" r:id="rId17"/>
+    <p:sldId id="272" r:id="rId4"/>
+    <p:sldId id="258" r:id="rId5"/>
+    <p:sldId id="259" r:id="rId6"/>
+    <p:sldId id="260" r:id="rId7"/>
+    <p:sldId id="261" r:id="rId8"/>
+    <p:sldId id="262" r:id="rId9"/>
+    <p:sldId id="263" r:id="rId10"/>
+    <p:sldId id="264" r:id="rId11"/>
+    <p:sldId id="267" r:id="rId12"/>
+    <p:sldId id="270" r:id="rId13"/>
+    <p:sldId id="266" r:id="rId14"/>
+    <p:sldId id="271" r:id="rId15"/>
+    <p:sldId id="268" r:id="rId16"/>
+    <p:sldId id="269" r:id="rId17"/>
+    <p:sldId id="273" r:id="rId18"/>
+    <p:sldId id="265" r:id="rId19"/>
   </p:sldIdLst>
   <p:sldSz cx="12192000" cy="6858000"/>
   <p:notesSz cx="6858000" cy="9144000"/>
@@ -4159,6 +4161,659 @@
           <a:chExt cx="0" cy="0"/>
         </a:xfrm>
       </p:grpSpPr>
+      <p:pic>
+        <p:nvPicPr>
+          <p:cNvPr id="12" name="Picture 11">
+            <a:extLst>
+              <a:ext uri="{FF2B5EF4-FFF2-40B4-BE49-F238E27FC236}">
+                <a16:creationId xmlns:a16="http://schemas.microsoft.com/office/drawing/2014/main" id="{1F075796-D351-4427-AEAF-963681D35476}"/>
+              </a:ext>
+            </a:extLst>
+          </p:cNvPr>
+          <p:cNvPicPr>
+            <a:picLocks noChangeAspect="1"/>
+          </p:cNvPicPr>
+          <p:nvPr/>
+        </p:nvPicPr>
+        <p:blipFill>
+          <a:blip r:embed="rId3">
+            <a:extLst>
+              <a:ext uri="{28A0092B-C50C-407E-A947-70E740481C1C}">
+                <a14:useLocalDpi xmlns:a14="http://schemas.microsoft.com/office/drawing/2010/main" val="0"/>
+              </a:ext>
+            </a:extLst>
+          </a:blip>
+          <a:stretch>
+            <a:fillRect/>
+          </a:stretch>
+        </p:blipFill>
+        <p:spPr>
+          <a:xfrm>
+            <a:off x="81751" y="1746398"/>
+            <a:ext cx="7115175" cy="4248150"/>
+          </a:xfrm>
+          <a:prstGeom prst="rect">
+            <a:avLst/>
+          </a:prstGeom>
+        </p:spPr>
+      </p:pic>
+      <p:sp>
+        <p:nvSpPr>
+          <p:cNvPr id="2" name="Rectangle 1">
+            <a:extLst>
+              <a:ext uri="{FF2B5EF4-FFF2-40B4-BE49-F238E27FC236}">
+                <a16:creationId xmlns:a16="http://schemas.microsoft.com/office/drawing/2014/main" id="{1BAEA764-C790-4593-A12A-9DD792451D08}"/>
+              </a:ext>
+            </a:extLst>
+          </p:cNvPr>
+          <p:cNvSpPr/>
+          <p:nvPr/>
+        </p:nvSpPr>
+        <p:spPr>
+          <a:xfrm>
+            <a:off x="4138362" y="1520825"/>
+            <a:ext cx="8053638" cy="4638502"/>
+          </a:xfrm>
+          <a:prstGeom prst="rect">
+            <a:avLst/>
+          </a:prstGeom>
+        </p:spPr>
+        <p:style>
+          <a:lnRef idx="2">
+            <a:schemeClr val="dk1">
+              <a:shade val="50000"/>
+            </a:schemeClr>
+          </a:lnRef>
+          <a:fillRef idx="1">
+            <a:schemeClr val="dk1"/>
+          </a:fillRef>
+          <a:effectRef idx="0">
+            <a:schemeClr val="dk1"/>
+          </a:effectRef>
+          <a:fontRef idx="minor">
+            <a:schemeClr val="lt1"/>
+          </a:fontRef>
+        </p:style>
+        <p:txBody>
+          <a:bodyPr rtlCol="0" anchor="ctr"/>
+          <a:lstStyle/>
+          <a:p>
+            <a:pPr algn="ctr"/>
+            <a:endParaRPr lang="en-US"/>
+          </a:p>
+        </p:txBody>
+      </p:sp>
+      <p:sp>
+        <p:nvSpPr>
+          <p:cNvPr id="11" name="Text Placeholder 10"/>
+          <p:cNvSpPr>
+            <a:spLocks noGrp="1"/>
+          </p:cNvSpPr>
+          <p:nvPr>
+            <p:ph type="body" sz="quarter" idx="30"/>
+          </p:nvPr>
+        </p:nvSpPr>
+        <p:spPr/>
+        <p:txBody>
+          <a:bodyPr/>
+          <a:lstStyle/>
+          <a:p>
+            <a:endParaRPr lang="en-GB"/>
+          </a:p>
+        </p:txBody>
+      </p:sp>
+      <p:sp>
+        <p:nvSpPr>
+          <p:cNvPr id="8" name="Title 4">
+            <a:extLst>
+              <a:ext uri="{FF2B5EF4-FFF2-40B4-BE49-F238E27FC236}">
+                <a16:creationId xmlns:a16="http://schemas.microsoft.com/office/drawing/2014/main" id="{EA1C5765-6A57-4B84-B56A-292D99C2E16F}"/>
+              </a:ext>
+            </a:extLst>
+          </p:cNvPr>
+          <p:cNvSpPr>
+            <a:spLocks noGrp="1"/>
+          </p:cNvSpPr>
+          <p:nvPr>
+            <p:ph type="ctrTitle"/>
+          </p:nvPr>
+        </p:nvSpPr>
+        <p:spPr>
+          <a:xfrm>
+            <a:off x="198488" y="379719"/>
+            <a:ext cx="10300690" cy="761386"/>
+          </a:xfrm>
+        </p:spPr>
+        <p:txBody>
+          <a:bodyPr>
+            <a:normAutofit fontScale="90000"/>
+          </a:bodyPr>
+          <a:lstStyle/>
+          <a:p>
+            <a:r>
+              <a:rPr lang="lt-LT" dirty="0" err="1"/>
+              <a:t>Event</a:t>
+            </a:r>
+            <a:r>
+              <a:rPr lang="lt-LT" dirty="0"/>
+              <a:t> </a:t>
+            </a:r>
+            <a:r>
+              <a:rPr lang="lt-LT" dirty="0" err="1"/>
+              <a:t>loop</a:t>
+            </a:r>
+            <a:endParaRPr lang="en-US" dirty="0"/>
+          </a:p>
+        </p:txBody>
+      </p:sp>
+      <p:sp>
+        <p:nvSpPr>
+          <p:cNvPr id="5" name="TextBox 4">
+            <a:extLst>
+              <a:ext uri="{FF2B5EF4-FFF2-40B4-BE49-F238E27FC236}">
+                <a16:creationId xmlns:a16="http://schemas.microsoft.com/office/drawing/2014/main" id="{54796B49-767A-4AFB-8125-DA3D12EA5BED}"/>
+              </a:ext>
+            </a:extLst>
+          </p:cNvPr>
+          <p:cNvSpPr txBox="1"/>
+          <p:nvPr/>
+        </p:nvSpPr>
+        <p:spPr>
+          <a:xfrm>
+            <a:off x="4215600" y="1650732"/>
+            <a:ext cx="7858125" cy="4431983"/>
+          </a:xfrm>
+          <a:prstGeom prst="rect">
+            <a:avLst/>
+          </a:prstGeom>
+          <a:noFill/>
+        </p:spPr>
+        <p:txBody>
+          <a:bodyPr wrap="square" rtlCol="0">
+            <a:spAutoFit/>
+          </a:bodyPr>
+          <a:lstStyle/>
+          <a:p>
+            <a:pPr marL="342900" lvl="0" indent="-342900" eaLnBrk="0" fontAlgn="base" hangingPunct="0">
+              <a:spcBef>
+                <a:spcPct val="0"/>
+              </a:spcBef>
+              <a:spcAft>
+                <a:spcPct val="0"/>
+              </a:spcAft>
+              <a:buFont typeface="Arial" panose="020B0604020202020204" pitchFamily="34" charset="0"/>
+              <a:buChar char="•"/>
+            </a:pPr>
+            <a:r>
+              <a:rPr kumimoji="0" lang="en-US" altLang="en-US" sz="2400" b="1" i="0" u="none" strike="noStrike" cap="none" normalizeH="0" baseline="0" dirty="0">
+                <a:ln>
+                  <a:noFill/>
+                </a:ln>
+                <a:solidFill>
+                  <a:schemeClr val="bg1"/>
+                </a:solidFill>
+                <a:effectLst/>
+                <a:latin typeface="Source Sans Pro" panose="020B0503030403020204" pitchFamily="34" charset="0"/>
+              </a:rPr>
+              <a:t>timers</a:t>
+            </a:r>
+            <a:r>
+              <a:rPr kumimoji="0" lang="en-US" altLang="en-US" sz="2400" b="0" i="0" u="none" strike="noStrike" cap="none" normalizeH="0" baseline="0" dirty="0">
+                <a:ln>
+                  <a:noFill/>
+                </a:ln>
+                <a:solidFill>
+                  <a:schemeClr val="bg1"/>
+                </a:solidFill>
+                <a:effectLst/>
+                <a:latin typeface="Source Sans Pro" panose="020B0503030403020204" pitchFamily="34" charset="0"/>
+              </a:rPr>
+              <a:t>: this phase executes callbacks scheduled</a:t>
+            </a:r>
+            <a:r>
+              <a:rPr kumimoji="0" lang="lt-LT" altLang="en-US" sz="2400" b="0" i="0" u="none" strike="noStrike" cap="none" normalizeH="0" baseline="0" dirty="0">
+                <a:ln>
+                  <a:noFill/>
+                </a:ln>
+                <a:solidFill>
+                  <a:schemeClr val="bg1"/>
+                </a:solidFill>
+                <a:effectLst/>
+                <a:latin typeface="Source Sans Pro" panose="020B0503030403020204" pitchFamily="34" charset="0"/>
+              </a:rPr>
+              <a:t>  </a:t>
+            </a:r>
+            <a:r>
+              <a:rPr kumimoji="0" lang="en-US" altLang="en-US" sz="2400" b="0" i="0" u="none" strike="noStrike" cap="none" normalizeH="0" baseline="0" dirty="0">
+                <a:ln>
+                  <a:noFill/>
+                </a:ln>
+                <a:solidFill>
+                  <a:schemeClr val="bg1"/>
+                </a:solidFill>
+                <a:effectLst/>
+                <a:latin typeface="Source Sans Pro" panose="020B0503030403020204" pitchFamily="34" charset="0"/>
+              </a:rPr>
+              <a:t>by </a:t>
+            </a:r>
+            <a:r>
+              <a:rPr kumimoji="0" lang="en-US" altLang="en-US" b="0" i="0" u="none" strike="noStrike" cap="none" normalizeH="0" baseline="0" dirty="0" err="1">
+                <a:ln>
+                  <a:noFill/>
+                </a:ln>
+                <a:solidFill>
+                  <a:schemeClr val="bg1"/>
+                </a:solidFill>
+                <a:effectLst/>
+                <a:latin typeface="Arial Unicode MS"/>
+              </a:rPr>
+              <a:t>setTimeout</a:t>
+            </a:r>
+            <a:r>
+              <a:rPr kumimoji="0" lang="en-US" altLang="en-US" b="0" i="0" u="none" strike="noStrike" cap="none" normalizeH="0" baseline="0" dirty="0">
+                <a:ln>
+                  <a:noFill/>
+                </a:ln>
+                <a:solidFill>
+                  <a:schemeClr val="bg1"/>
+                </a:solidFill>
+                <a:effectLst/>
+                <a:latin typeface="Arial Unicode MS"/>
+              </a:rPr>
+              <a:t>()</a:t>
+            </a:r>
+            <a:r>
+              <a:rPr kumimoji="0" lang="en-US" altLang="en-US" sz="2400" b="0" i="0" u="none" strike="noStrike" cap="none" normalizeH="0" baseline="0" dirty="0">
+                <a:ln>
+                  <a:noFill/>
+                </a:ln>
+                <a:solidFill>
+                  <a:schemeClr val="bg1"/>
+                </a:solidFill>
+                <a:effectLst/>
+                <a:latin typeface="Source Sans Pro" panose="020B0503030403020204" pitchFamily="34" charset="0"/>
+              </a:rPr>
+              <a:t> and </a:t>
+            </a:r>
+            <a:r>
+              <a:rPr kumimoji="0" lang="en-US" altLang="en-US" b="0" i="0" u="none" strike="noStrike" cap="none" normalizeH="0" baseline="0" dirty="0" err="1">
+                <a:ln>
+                  <a:noFill/>
+                </a:ln>
+                <a:solidFill>
+                  <a:schemeClr val="bg1"/>
+                </a:solidFill>
+                <a:effectLst/>
+                <a:latin typeface="Arial Unicode MS"/>
+              </a:rPr>
+              <a:t>setInterval</a:t>
+            </a:r>
+            <a:r>
+              <a:rPr kumimoji="0" lang="en-US" altLang="en-US" b="0" i="0" u="none" strike="noStrike" cap="none" normalizeH="0" baseline="0" dirty="0">
+                <a:ln>
+                  <a:noFill/>
+                </a:ln>
+                <a:solidFill>
+                  <a:schemeClr val="bg1"/>
+                </a:solidFill>
+                <a:effectLst/>
+                <a:latin typeface="Arial Unicode MS"/>
+              </a:rPr>
+              <a:t>()</a:t>
+            </a:r>
+            <a:r>
+              <a:rPr kumimoji="0" lang="en-US" altLang="en-US" sz="2400" b="0" i="0" u="none" strike="noStrike" cap="none" normalizeH="0" baseline="0" dirty="0">
+                <a:ln>
+                  <a:noFill/>
+                </a:ln>
+                <a:solidFill>
+                  <a:schemeClr val="bg1"/>
+                </a:solidFill>
+                <a:effectLst/>
+                <a:latin typeface="Source Sans Pro" panose="020B0503030403020204" pitchFamily="34" charset="0"/>
+              </a:rPr>
+              <a:t>.</a:t>
+            </a:r>
+          </a:p>
+          <a:p>
+            <a:pPr marL="342900" lvl="0" indent="-342900" eaLnBrk="0" fontAlgn="base" hangingPunct="0">
+              <a:spcBef>
+                <a:spcPct val="0"/>
+              </a:spcBef>
+              <a:spcAft>
+                <a:spcPct val="0"/>
+              </a:spcAft>
+              <a:buFont typeface="Arial" panose="020B0604020202020204" pitchFamily="34" charset="0"/>
+              <a:buChar char="•"/>
+            </a:pPr>
+            <a:r>
+              <a:rPr kumimoji="0" lang="en-US" altLang="en-US" sz="2400" b="1" i="0" u="none" strike="noStrike" cap="none" normalizeH="0" baseline="0" dirty="0">
+                <a:ln>
+                  <a:noFill/>
+                </a:ln>
+                <a:solidFill>
+                  <a:schemeClr val="bg1"/>
+                </a:solidFill>
+                <a:effectLst/>
+                <a:latin typeface="Source Sans Pro" panose="020B0503030403020204" pitchFamily="34" charset="0"/>
+              </a:rPr>
+              <a:t>pending callbacks</a:t>
+            </a:r>
+            <a:r>
+              <a:rPr kumimoji="0" lang="en-US" altLang="en-US" sz="2400" b="0" i="0" u="none" strike="noStrike" cap="none" normalizeH="0" baseline="0" dirty="0">
+                <a:ln>
+                  <a:noFill/>
+                </a:ln>
+                <a:solidFill>
+                  <a:schemeClr val="bg1"/>
+                </a:solidFill>
+                <a:effectLst/>
+                <a:latin typeface="Source Sans Pro" panose="020B0503030403020204" pitchFamily="34" charset="0"/>
+              </a:rPr>
+              <a:t>: executes I/O callbacks deferred to the next loop iteration.</a:t>
+            </a:r>
+          </a:p>
+          <a:p>
+            <a:pPr marL="342900" lvl="0" indent="-342900" eaLnBrk="0" fontAlgn="base" hangingPunct="0">
+              <a:spcBef>
+                <a:spcPct val="0"/>
+              </a:spcBef>
+              <a:spcAft>
+                <a:spcPct val="0"/>
+              </a:spcAft>
+              <a:buFont typeface="Arial" panose="020B0604020202020204" pitchFamily="34" charset="0"/>
+              <a:buChar char="•"/>
+            </a:pPr>
+            <a:r>
+              <a:rPr kumimoji="0" lang="en-US" altLang="en-US" sz="2400" b="1" i="0" u="none" strike="noStrike" cap="none" normalizeH="0" baseline="0" dirty="0">
+                <a:ln>
+                  <a:noFill/>
+                </a:ln>
+                <a:solidFill>
+                  <a:schemeClr val="bg1"/>
+                </a:solidFill>
+                <a:effectLst/>
+                <a:latin typeface="Source Sans Pro" panose="020B0503030403020204" pitchFamily="34" charset="0"/>
+              </a:rPr>
+              <a:t>idle, prepare</a:t>
+            </a:r>
+            <a:r>
+              <a:rPr kumimoji="0" lang="en-US" altLang="en-US" sz="2400" b="0" i="0" u="none" strike="noStrike" cap="none" normalizeH="0" baseline="0" dirty="0">
+                <a:ln>
+                  <a:noFill/>
+                </a:ln>
+                <a:solidFill>
+                  <a:schemeClr val="bg1"/>
+                </a:solidFill>
+                <a:effectLst/>
+                <a:latin typeface="Source Sans Pro" panose="020B0503030403020204" pitchFamily="34" charset="0"/>
+              </a:rPr>
+              <a:t>: only used internally.</a:t>
+            </a:r>
+          </a:p>
+          <a:p>
+            <a:pPr marL="342900" lvl="0" indent="-342900" eaLnBrk="0" fontAlgn="base" hangingPunct="0">
+              <a:spcBef>
+                <a:spcPct val="0"/>
+              </a:spcBef>
+              <a:spcAft>
+                <a:spcPct val="0"/>
+              </a:spcAft>
+              <a:buFont typeface="Arial" panose="020B0604020202020204" pitchFamily="34" charset="0"/>
+              <a:buChar char="•"/>
+            </a:pPr>
+            <a:r>
+              <a:rPr kumimoji="0" lang="en-US" altLang="en-US" sz="2400" b="1" i="0" u="none" strike="noStrike" cap="none" normalizeH="0" baseline="0" dirty="0">
+                <a:ln>
+                  <a:noFill/>
+                </a:ln>
+                <a:solidFill>
+                  <a:schemeClr val="bg1"/>
+                </a:solidFill>
+                <a:effectLst/>
+                <a:latin typeface="Source Sans Pro" panose="020B0503030403020204" pitchFamily="34" charset="0"/>
+              </a:rPr>
+              <a:t>poll</a:t>
+            </a:r>
+            <a:r>
+              <a:rPr kumimoji="0" lang="en-US" altLang="en-US" sz="2400" b="0" i="0" u="none" strike="noStrike" cap="none" normalizeH="0" baseline="0" dirty="0">
+                <a:ln>
+                  <a:noFill/>
+                </a:ln>
+                <a:solidFill>
+                  <a:schemeClr val="bg1"/>
+                </a:solidFill>
+                <a:effectLst/>
+                <a:latin typeface="Source Sans Pro" panose="020B0503030403020204" pitchFamily="34" charset="0"/>
+              </a:rPr>
+              <a:t>: retrieve new I/O events; execute I/O related callbacks (almost all with the exception of close callbacks, the ones scheduled by timers, and </a:t>
+            </a:r>
+            <a:r>
+              <a:rPr kumimoji="0" lang="en-US" altLang="en-US" b="0" i="0" u="none" strike="noStrike" cap="none" normalizeH="0" baseline="0" dirty="0" err="1">
+                <a:ln>
+                  <a:noFill/>
+                </a:ln>
+                <a:solidFill>
+                  <a:schemeClr val="bg1"/>
+                </a:solidFill>
+                <a:effectLst/>
+                <a:latin typeface="Arial Unicode MS"/>
+              </a:rPr>
+              <a:t>setImmediate</a:t>
+            </a:r>
+            <a:r>
+              <a:rPr kumimoji="0" lang="en-US" altLang="en-US" b="0" i="0" u="none" strike="noStrike" cap="none" normalizeH="0" baseline="0" dirty="0">
+                <a:ln>
+                  <a:noFill/>
+                </a:ln>
+                <a:solidFill>
+                  <a:schemeClr val="bg1"/>
+                </a:solidFill>
+                <a:effectLst/>
+                <a:latin typeface="Arial Unicode MS"/>
+              </a:rPr>
+              <a:t>()</a:t>
+            </a:r>
+            <a:r>
+              <a:rPr kumimoji="0" lang="en-US" altLang="en-US" sz="2400" b="0" i="0" u="none" strike="noStrike" cap="none" normalizeH="0" baseline="0" dirty="0">
+                <a:ln>
+                  <a:noFill/>
+                </a:ln>
+                <a:solidFill>
+                  <a:schemeClr val="bg1"/>
+                </a:solidFill>
+                <a:effectLst/>
+                <a:latin typeface="Source Sans Pro" panose="020B0503030403020204" pitchFamily="34" charset="0"/>
+              </a:rPr>
+              <a:t>); node will block here when appropriate.</a:t>
+            </a:r>
+          </a:p>
+          <a:p>
+            <a:pPr marL="342900" lvl="0" indent="-342900" eaLnBrk="0" fontAlgn="base" hangingPunct="0">
+              <a:spcBef>
+                <a:spcPct val="0"/>
+              </a:spcBef>
+              <a:spcAft>
+                <a:spcPct val="0"/>
+              </a:spcAft>
+              <a:buFont typeface="Arial" panose="020B0604020202020204" pitchFamily="34" charset="0"/>
+              <a:buChar char="•"/>
+            </a:pPr>
+            <a:r>
+              <a:rPr kumimoji="0" lang="en-US" altLang="en-US" sz="2400" b="1" i="0" u="none" strike="noStrike" cap="none" normalizeH="0" baseline="0" dirty="0">
+                <a:ln>
+                  <a:noFill/>
+                </a:ln>
+                <a:solidFill>
+                  <a:schemeClr val="bg1"/>
+                </a:solidFill>
+                <a:effectLst/>
+                <a:latin typeface="Source Sans Pro" panose="020B0503030403020204" pitchFamily="34" charset="0"/>
+              </a:rPr>
+              <a:t>check</a:t>
+            </a:r>
+            <a:r>
+              <a:rPr kumimoji="0" lang="en-US" altLang="en-US" sz="2400" b="0" i="0" u="none" strike="noStrike" cap="none" normalizeH="0" baseline="0" dirty="0">
+                <a:ln>
+                  <a:noFill/>
+                </a:ln>
+                <a:solidFill>
+                  <a:schemeClr val="bg1"/>
+                </a:solidFill>
+                <a:effectLst/>
+                <a:latin typeface="Source Sans Pro" panose="020B0503030403020204" pitchFamily="34" charset="0"/>
+              </a:rPr>
+              <a:t>: </a:t>
+            </a:r>
+            <a:r>
+              <a:rPr kumimoji="0" lang="en-US" altLang="en-US" b="0" i="0" u="none" strike="noStrike" cap="none" normalizeH="0" baseline="0" dirty="0" err="1">
+                <a:ln>
+                  <a:noFill/>
+                </a:ln>
+                <a:solidFill>
+                  <a:schemeClr val="bg1"/>
+                </a:solidFill>
+                <a:effectLst/>
+                <a:latin typeface="Arial Unicode MS"/>
+              </a:rPr>
+              <a:t>setImmediate</a:t>
+            </a:r>
+            <a:r>
+              <a:rPr kumimoji="0" lang="en-US" altLang="en-US" b="0" i="0" u="none" strike="noStrike" cap="none" normalizeH="0" baseline="0" dirty="0">
+                <a:ln>
+                  <a:noFill/>
+                </a:ln>
+                <a:solidFill>
+                  <a:schemeClr val="bg1"/>
+                </a:solidFill>
+                <a:effectLst/>
+                <a:latin typeface="Arial Unicode MS"/>
+              </a:rPr>
+              <a:t>()</a:t>
+            </a:r>
+            <a:r>
+              <a:rPr kumimoji="0" lang="en-US" altLang="en-US" sz="2400" b="0" i="0" u="none" strike="noStrike" cap="none" normalizeH="0" baseline="0" dirty="0">
+                <a:ln>
+                  <a:noFill/>
+                </a:ln>
+                <a:solidFill>
+                  <a:schemeClr val="bg1"/>
+                </a:solidFill>
+                <a:effectLst/>
+                <a:latin typeface="Source Sans Pro" panose="020B0503030403020204" pitchFamily="34" charset="0"/>
+              </a:rPr>
+              <a:t> callbacks are invoked here.</a:t>
+            </a:r>
+          </a:p>
+          <a:p>
+            <a:pPr marL="342900" lvl="0" indent="-342900" eaLnBrk="0" fontAlgn="base" hangingPunct="0">
+              <a:spcBef>
+                <a:spcPct val="0"/>
+              </a:spcBef>
+              <a:spcAft>
+                <a:spcPct val="0"/>
+              </a:spcAft>
+              <a:buFont typeface="Arial" panose="020B0604020202020204" pitchFamily="34" charset="0"/>
+              <a:buChar char="•"/>
+            </a:pPr>
+            <a:r>
+              <a:rPr kumimoji="0" lang="en-US" altLang="en-US" sz="2400" b="1" i="0" u="none" strike="noStrike" cap="none" normalizeH="0" baseline="0" dirty="0">
+                <a:ln>
+                  <a:noFill/>
+                </a:ln>
+                <a:solidFill>
+                  <a:schemeClr val="bg1"/>
+                </a:solidFill>
+                <a:effectLst/>
+                <a:latin typeface="Source Sans Pro" panose="020B0503030403020204" pitchFamily="34" charset="0"/>
+              </a:rPr>
+              <a:t>close callbacks</a:t>
+            </a:r>
+            <a:r>
+              <a:rPr kumimoji="0" lang="en-US" altLang="en-US" sz="2400" b="0" i="0" u="none" strike="noStrike" cap="none" normalizeH="0" baseline="0" dirty="0">
+                <a:ln>
+                  <a:noFill/>
+                </a:ln>
+                <a:solidFill>
+                  <a:schemeClr val="bg1"/>
+                </a:solidFill>
+                <a:effectLst/>
+                <a:latin typeface="Source Sans Pro" panose="020B0503030403020204" pitchFamily="34" charset="0"/>
+              </a:rPr>
+              <a:t>: some close callbacks, e.g. </a:t>
+            </a:r>
+            <a:r>
+              <a:rPr kumimoji="0" lang="en-US" altLang="en-US" b="0" i="0" u="none" strike="noStrike" cap="none" normalizeH="0" baseline="0" dirty="0" err="1">
+                <a:ln>
+                  <a:noFill/>
+                </a:ln>
+                <a:solidFill>
+                  <a:schemeClr val="bg1"/>
+                </a:solidFill>
+                <a:effectLst/>
+                <a:latin typeface="Arial Unicode MS"/>
+              </a:rPr>
+              <a:t>socket.on</a:t>
+            </a:r>
+            <a:r>
+              <a:rPr kumimoji="0" lang="en-US" altLang="en-US" b="0" i="0" u="none" strike="noStrike" cap="none" normalizeH="0" baseline="0" dirty="0">
+                <a:ln>
+                  <a:noFill/>
+                </a:ln>
+                <a:solidFill>
+                  <a:schemeClr val="bg1"/>
+                </a:solidFill>
+                <a:effectLst/>
+                <a:latin typeface="Arial Unicode MS"/>
+              </a:rPr>
+              <a:t>('close', ...)</a:t>
+            </a:r>
+            <a:endParaRPr kumimoji="0" lang="en-US" altLang="en-US" sz="2400" b="0" i="0" u="none" strike="noStrike" cap="none" normalizeH="0" baseline="0" dirty="0">
+              <a:ln>
+                <a:noFill/>
+              </a:ln>
+              <a:solidFill>
+                <a:schemeClr val="bg1"/>
+              </a:solidFill>
+              <a:effectLst/>
+              <a:latin typeface="Source Sans Pro" panose="020B0503030403020204" pitchFamily="34" charset="0"/>
+            </a:endParaRPr>
+          </a:p>
+        </p:txBody>
+      </p:sp>
+    </p:spTree>
+    <p:custDataLst>
+      <p:tags r:id="rId1"/>
+    </p:custDataLst>
+    <p:extLst>
+      <p:ext uri="{BB962C8B-B14F-4D97-AF65-F5344CB8AC3E}">
+        <p14:creationId xmlns:p14="http://schemas.microsoft.com/office/powerpoint/2010/main" val="1200981537"/>
+      </p:ext>
+    </p:extLst>
+  </p:cSld>
+  <p:clrMapOvr>
+    <a:masterClrMapping/>
+  </p:clrMapOvr>
+</p:sld>
+</file>
+
+<file path=ppt/slides/slide11.xml><?xml version="1.0" encoding="utf-8"?>
+<p:sld xmlns:a="http://schemas.openxmlformats.org/drawingml/2006/main" xmlns:r="http://schemas.openxmlformats.org/officeDocument/2006/relationships" xmlns:p="http://schemas.openxmlformats.org/presentationml/2006/main">
+  <p:cSld>
+    <p:spTree>
+      <p:nvGrpSpPr>
+        <p:cNvPr id="1" name=""/>
+        <p:cNvGrpSpPr/>
+        <p:nvPr/>
+      </p:nvGrpSpPr>
+      <p:grpSpPr>
+        <a:xfrm>
+          <a:off x="0" y="0"/>
+          <a:ext cx="0" cy="0"/>
+          <a:chOff x="0" y="0"/>
+          <a:chExt cx="0" cy="0"/>
+        </a:xfrm>
+      </p:grpSpPr>
       <p:sp>
         <p:nvSpPr>
           <p:cNvPr id="11" name="Text Placeholder 10"/>
@@ -4326,7 +4981,7 @@
 </p:sld>
 </file>
 
-<file path=ppt/slides/slide11.xml><?xml version="1.0" encoding="utf-8"?>
+<file path=ppt/slides/slide12.xml><?xml version="1.0" encoding="utf-8"?>
 <p:sld xmlns:a="http://schemas.openxmlformats.org/drawingml/2006/main" xmlns:r="http://schemas.openxmlformats.org/officeDocument/2006/relationships" xmlns:p="http://schemas.openxmlformats.org/presentationml/2006/main">
   <p:cSld>
     <p:spTree>
@@ -4622,7 +5277,7 @@
 </p:sld>
 </file>
 
-<file path=ppt/slides/slide12.xml><?xml version="1.0" encoding="utf-8"?>
+<file path=ppt/slides/slide13.xml><?xml version="1.0" encoding="utf-8"?>
 <p:sld xmlns:a="http://schemas.openxmlformats.org/drawingml/2006/main" xmlns:r="http://schemas.openxmlformats.org/officeDocument/2006/relationships" xmlns:p="http://schemas.openxmlformats.org/presentationml/2006/main">
   <p:cSld>
     <p:spTree>
@@ -4945,342 +5600,6 @@
     <p:extLst>
       <p:ext uri="{BB962C8B-B14F-4D97-AF65-F5344CB8AC3E}">
         <p14:creationId xmlns:p14="http://schemas.microsoft.com/office/powerpoint/2010/main" val="1254584009"/>
-      </p:ext>
-    </p:extLst>
-  </p:cSld>
-  <p:clrMapOvr>
-    <a:masterClrMapping/>
-  </p:clrMapOvr>
-  <p:timing>
-    <p:tnLst>
-      <p:par>
-        <p:cTn id="1" dur="indefinite" restart="never" nodeType="tmRoot">
-          <p:childTnLst>
-            <p:seq concurrent="1" nextAc="seek">
-              <p:cTn id="2" dur="indefinite" nodeType="mainSeq">
-                <p:childTnLst>
-                  <p:par>
-                    <p:cTn id="3" fill="hold">
-                      <p:stCondLst>
-                        <p:cond delay="indefinite"/>
-                      </p:stCondLst>
-                      <p:childTnLst>
-                        <p:par>
-                          <p:cTn id="4" fill="hold">
-                            <p:stCondLst>
-                              <p:cond delay="0"/>
-                            </p:stCondLst>
-                            <p:childTnLst>
-                              <p:par>
-                                <p:cTn id="5" presetID="1" presetClass="entr" presetSubtype="0" fill="hold" grpId="0" nodeType="clickEffect">
-                                  <p:stCondLst>
-                                    <p:cond delay="0"/>
-                                  </p:stCondLst>
-                                  <p:childTnLst>
-                                    <p:set>
-                                      <p:cBhvr>
-                                        <p:cTn id="6" dur="1" fill="hold">
-                                          <p:stCondLst>
-                                            <p:cond delay="0"/>
-                                          </p:stCondLst>
-                                        </p:cTn>
-                                        <p:tgtEl>
-                                          <p:spTgt spid="5"/>
-                                        </p:tgtEl>
-                                        <p:attrNameLst>
-                                          <p:attrName>style.visibility</p:attrName>
-                                        </p:attrNameLst>
-                                      </p:cBhvr>
-                                      <p:to>
-                                        <p:strVal val="visible"/>
-                                      </p:to>
-                                    </p:set>
-                                  </p:childTnLst>
-                                </p:cTn>
-                              </p:par>
-                            </p:childTnLst>
-                          </p:cTn>
-                        </p:par>
-                      </p:childTnLst>
-                    </p:cTn>
-                  </p:par>
-                </p:childTnLst>
-              </p:cTn>
-              <p:prevCondLst>
-                <p:cond evt="onPrev" delay="0">
-                  <p:tgtEl>
-                    <p:sldTgt/>
-                  </p:tgtEl>
-                </p:cond>
-              </p:prevCondLst>
-              <p:nextCondLst>
-                <p:cond evt="onNext" delay="0">
-                  <p:tgtEl>
-                    <p:sldTgt/>
-                  </p:tgtEl>
-                </p:cond>
-              </p:nextCondLst>
-            </p:seq>
-          </p:childTnLst>
-        </p:cTn>
-      </p:par>
-    </p:tnLst>
-    <p:bldLst>
-      <p:bldP spid="5" grpId="0"/>
-    </p:bldLst>
-  </p:timing>
-</p:sld>
-</file>
-
-<file path=ppt/slides/slide13.xml><?xml version="1.0" encoding="utf-8"?>
-<p:sld xmlns:a="http://schemas.openxmlformats.org/drawingml/2006/main" xmlns:r="http://schemas.openxmlformats.org/officeDocument/2006/relationships" xmlns:p="http://schemas.openxmlformats.org/presentationml/2006/main">
-  <p:cSld>
-    <p:spTree>
-      <p:nvGrpSpPr>
-        <p:cNvPr id="1" name=""/>
-        <p:cNvGrpSpPr/>
-        <p:nvPr/>
-      </p:nvGrpSpPr>
-      <p:grpSpPr>
-        <a:xfrm>
-          <a:off x="0" y="0"/>
-          <a:ext cx="0" cy="0"/>
-          <a:chOff x="0" y="0"/>
-          <a:chExt cx="0" cy="0"/>
-        </a:xfrm>
-      </p:grpSpPr>
-      <p:sp>
-        <p:nvSpPr>
-          <p:cNvPr id="11" name="Text Placeholder 10"/>
-          <p:cNvSpPr>
-            <a:spLocks noGrp="1"/>
-          </p:cNvSpPr>
-          <p:nvPr>
-            <p:ph type="body" sz="quarter" idx="30"/>
-          </p:nvPr>
-        </p:nvSpPr>
-        <p:spPr/>
-        <p:txBody>
-          <a:bodyPr/>
-          <a:lstStyle/>
-          <a:p>
-            <a:endParaRPr lang="en-GB"/>
-          </a:p>
-        </p:txBody>
-      </p:sp>
-      <p:sp>
-        <p:nvSpPr>
-          <p:cNvPr id="8" name="Title 4">
-            <a:extLst>
-              <a:ext uri="{FF2B5EF4-FFF2-40B4-BE49-F238E27FC236}">
-                <a16:creationId xmlns:a16="http://schemas.microsoft.com/office/drawing/2014/main" id="{EA1C5765-6A57-4B84-B56A-292D99C2E16F}"/>
-              </a:ext>
-            </a:extLst>
-          </p:cNvPr>
-          <p:cNvSpPr>
-            <a:spLocks noGrp="1"/>
-          </p:cNvSpPr>
-          <p:nvPr>
-            <p:ph type="ctrTitle"/>
-          </p:nvPr>
-        </p:nvSpPr>
-        <p:spPr>
-          <a:xfrm>
-            <a:off x="198488" y="379719"/>
-            <a:ext cx="10300690" cy="761386"/>
-          </a:xfrm>
-        </p:spPr>
-        <p:txBody>
-          <a:bodyPr>
-            <a:noAutofit/>
-          </a:bodyPr>
-          <a:lstStyle/>
-          <a:p>
-            <a:r>
-              <a:rPr lang="en-US" sz="4800" dirty="0"/>
-              <a:t>Async calls also enable long-polling</a:t>
-            </a:r>
-          </a:p>
-        </p:txBody>
-      </p:sp>
-      <p:sp>
-        <p:nvSpPr>
-          <p:cNvPr id="5" name="TextBox 4">
-            <a:extLst>
-              <a:ext uri="{FF2B5EF4-FFF2-40B4-BE49-F238E27FC236}">
-                <a16:creationId xmlns:a16="http://schemas.microsoft.com/office/drawing/2014/main" id="{54796B49-767A-4AFB-8125-DA3D12EA5BED}"/>
-              </a:ext>
-            </a:extLst>
-          </p:cNvPr>
-          <p:cNvSpPr txBox="1"/>
-          <p:nvPr/>
-        </p:nvSpPr>
-        <p:spPr>
-          <a:xfrm>
-            <a:off x="198488" y="1906075"/>
-            <a:ext cx="9817381" cy="1200329"/>
-          </a:xfrm>
-          <a:prstGeom prst="rect">
-            <a:avLst/>
-          </a:prstGeom>
-          <a:noFill/>
-        </p:spPr>
-        <p:txBody>
-          <a:bodyPr wrap="square" rtlCol="0">
-            <a:spAutoFit/>
-          </a:bodyPr>
-          <a:lstStyle/>
-          <a:p>
-            <a:pPr lvl="0" eaLnBrk="0" fontAlgn="base" hangingPunct="0">
-              <a:spcBef>
-                <a:spcPct val="0"/>
-              </a:spcBef>
-              <a:spcAft>
-                <a:spcPct val="0"/>
-              </a:spcAft>
-            </a:pPr>
-            <a:r>
-              <a:rPr kumimoji="0" lang="en-US" altLang="en-US" sz="2400" b="0" i="0" u="none" strike="noStrike" cap="none" normalizeH="0" baseline="0" dirty="0">
-                <a:ln>
-                  <a:noFill/>
-                </a:ln>
-                <a:solidFill>
-                  <a:schemeClr val="bg1"/>
-                </a:solidFill>
-                <a:effectLst/>
-                <a:latin typeface="Source Sans Pro" panose="020B0503030403020204" pitchFamily="34" charset="0"/>
-              </a:rPr>
-              <a:t>This is a kind of alternative to </a:t>
-            </a:r>
-            <a:r>
-              <a:rPr kumimoji="0" lang="en-US" altLang="en-US" sz="2400" b="0" i="0" u="none" strike="noStrike" cap="none" normalizeH="0" baseline="0" dirty="0" err="1">
-                <a:ln>
-                  <a:noFill/>
-                </a:ln>
-                <a:solidFill>
-                  <a:schemeClr val="bg1"/>
-                </a:solidFill>
-                <a:effectLst/>
-                <a:latin typeface="Source Sans Pro" panose="020B0503030403020204" pitchFamily="34" charset="0"/>
-              </a:rPr>
-              <a:t>Websockets</a:t>
-            </a:r>
-            <a:r>
-              <a:rPr kumimoji="0" lang="en-US" altLang="en-US" sz="2400" b="0" i="0" u="none" strike="noStrike" cap="none" normalizeH="0" baseline="0" dirty="0">
-                <a:ln>
-                  <a:noFill/>
-                </a:ln>
-                <a:solidFill>
-                  <a:schemeClr val="bg1"/>
-                </a:solidFill>
-                <a:effectLst/>
-                <a:latin typeface="Source Sans Pro" panose="020B0503030403020204" pitchFamily="34" charset="0"/>
-              </a:rPr>
-              <a:t>.</a:t>
-            </a:r>
-          </a:p>
-          <a:p>
-            <a:pPr lvl="0" eaLnBrk="0" fontAlgn="base" hangingPunct="0">
-              <a:spcBef>
-                <a:spcPct val="0"/>
-              </a:spcBef>
-              <a:spcAft>
-                <a:spcPct val="0"/>
-              </a:spcAft>
-            </a:pPr>
-            <a:endParaRPr lang="en-US" altLang="en-US" sz="2400" dirty="0">
-              <a:solidFill>
-                <a:schemeClr val="bg1"/>
-              </a:solidFill>
-              <a:latin typeface="Source Sans Pro" panose="020B0503030403020204" pitchFamily="34" charset="0"/>
-            </a:endParaRPr>
-          </a:p>
-          <a:p>
-            <a:pPr lvl="0" eaLnBrk="0" fontAlgn="base" hangingPunct="0">
-              <a:spcBef>
-                <a:spcPct val="0"/>
-              </a:spcBef>
-              <a:spcAft>
-                <a:spcPct val="0"/>
-              </a:spcAft>
-            </a:pPr>
-            <a:r>
-              <a:rPr kumimoji="0" lang="en-US" altLang="en-US" sz="2400" b="0" i="0" u="none" strike="noStrike" cap="none" normalizeH="0" baseline="0" dirty="0">
-                <a:ln>
-                  <a:noFill/>
-                </a:ln>
-                <a:solidFill>
-                  <a:schemeClr val="bg1"/>
-                </a:solidFill>
-                <a:effectLst/>
-                <a:latin typeface="Source Sans Pro" panose="020B0503030403020204" pitchFamily="34" charset="0"/>
-              </a:rPr>
-              <a:t>Client makes a request and waits for response. It might take a while…</a:t>
-            </a:r>
-          </a:p>
-        </p:txBody>
-      </p:sp>
-      <p:sp>
-        <p:nvSpPr>
-          <p:cNvPr id="6" name="TextBox 5">
-            <a:extLst>
-              <a:ext uri="{FF2B5EF4-FFF2-40B4-BE49-F238E27FC236}">
-                <a16:creationId xmlns:a16="http://schemas.microsoft.com/office/drawing/2014/main" id="{E7094F9A-D26E-4D1E-ACC6-AA634A3311DB}"/>
-              </a:ext>
-            </a:extLst>
-          </p:cNvPr>
-          <p:cNvSpPr txBox="1"/>
-          <p:nvPr/>
-        </p:nvSpPr>
-        <p:spPr>
-          <a:xfrm>
-            <a:off x="479368" y="5975862"/>
-            <a:ext cx="989214" cy="369332"/>
-          </a:xfrm>
-          <a:prstGeom prst="rect">
-            <a:avLst/>
-          </a:prstGeom>
-          <a:solidFill>
-            <a:schemeClr val="accent6"/>
-          </a:solidFill>
-          <a:ln>
-            <a:noFill/>
-          </a:ln>
-        </p:spPr>
-        <p:style>
-          <a:lnRef idx="0">
-            <a:scrgbClr r="0" g="0" b="0"/>
-          </a:lnRef>
-          <a:fillRef idx="0">
-            <a:scrgbClr r="0" g="0" b="0"/>
-          </a:fillRef>
-          <a:effectRef idx="0">
-            <a:scrgbClr r="0" g="0" b="0"/>
-          </a:effectRef>
-          <a:fontRef idx="minor">
-            <a:schemeClr val="lt1"/>
-          </a:fontRef>
-        </p:style>
-        <p:txBody>
-          <a:bodyPr wrap="square" rtlCol="0">
-            <a:spAutoFit/>
-          </a:bodyPr>
-          <a:lstStyle/>
-          <a:p>
-            <a:r>
-              <a:rPr lang="en-US" dirty="0"/>
-              <a:t>Demo 3</a:t>
-            </a:r>
-          </a:p>
-        </p:txBody>
-      </p:sp>
-    </p:spTree>
-    <p:custDataLst>
-      <p:tags r:id="rId1"/>
-    </p:custDataLst>
-    <p:extLst>
-      <p:ext uri="{BB962C8B-B14F-4D97-AF65-F5344CB8AC3E}">
-        <p14:creationId xmlns:p14="http://schemas.microsoft.com/office/powerpoint/2010/main" val="1877388812"/>
       </p:ext>
     </p:extLst>
   </p:cSld>
@@ -5433,6 +5752,342 @@
           <a:lstStyle/>
           <a:p>
             <a:r>
+              <a:rPr lang="en-US" sz="4800" dirty="0"/>
+              <a:t>Async calls also enable long-polling</a:t>
+            </a:r>
+          </a:p>
+        </p:txBody>
+      </p:sp>
+      <p:sp>
+        <p:nvSpPr>
+          <p:cNvPr id="5" name="TextBox 4">
+            <a:extLst>
+              <a:ext uri="{FF2B5EF4-FFF2-40B4-BE49-F238E27FC236}">
+                <a16:creationId xmlns:a16="http://schemas.microsoft.com/office/drawing/2014/main" id="{54796B49-767A-4AFB-8125-DA3D12EA5BED}"/>
+              </a:ext>
+            </a:extLst>
+          </p:cNvPr>
+          <p:cNvSpPr txBox="1"/>
+          <p:nvPr/>
+        </p:nvSpPr>
+        <p:spPr>
+          <a:xfrm>
+            <a:off x="198488" y="1906075"/>
+            <a:ext cx="9817381" cy="1200329"/>
+          </a:xfrm>
+          <a:prstGeom prst="rect">
+            <a:avLst/>
+          </a:prstGeom>
+          <a:noFill/>
+        </p:spPr>
+        <p:txBody>
+          <a:bodyPr wrap="square" rtlCol="0">
+            <a:spAutoFit/>
+          </a:bodyPr>
+          <a:lstStyle/>
+          <a:p>
+            <a:pPr lvl="0" eaLnBrk="0" fontAlgn="base" hangingPunct="0">
+              <a:spcBef>
+                <a:spcPct val="0"/>
+              </a:spcBef>
+              <a:spcAft>
+                <a:spcPct val="0"/>
+              </a:spcAft>
+            </a:pPr>
+            <a:r>
+              <a:rPr kumimoji="0" lang="en-US" altLang="en-US" sz="2400" b="0" i="0" u="none" strike="noStrike" cap="none" normalizeH="0" baseline="0" dirty="0">
+                <a:ln>
+                  <a:noFill/>
+                </a:ln>
+                <a:solidFill>
+                  <a:schemeClr val="bg1"/>
+                </a:solidFill>
+                <a:effectLst/>
+                <a:latin typeface="Source Sans Pro" panose="020B0503030403020204" pitchFamily="34" charset="0"/>
+              </a:rPr>
+              <a:t>This is a kind of alternative to </a:t>
+            </a:r>
+            <a:r>
+              <a:rPr kumimoji="0" lang="en-US" altLang="en-US" sz="2400" b="0" i="0" u="none" strike="noStrike" cap="none" normalizeH="0" baseline="0" dirty="0" err="1">
+                <a:ln>
+                  <a:noFill/>
+                </a:ln>
+                <a:solidFill>
+                  <a:schemeClr val="bg1"/>
+                </a:solidFill>
+                <a:effectLst/>
+                <a:latin typeface="Source Sans Pro" panose="020B0503030403020204" pitchFamily="34" charset="0"/>
+              </a:rPr>
+              <a:t>Websockets</a:t>
+            </a:r>
+            <a:r>
+              <a:rPr kumimoji="0" lang="en-US" altLang="en-US" sz="2400" b="0" i="0" u="none" strike="noStrike" cap="none" normalizeH="0" baseline="0" dirty="0">
+                <a:ln>
+                  <a:noFill/>
+                </a:ln>
+                <a:solidFill>
+                  <a:schemeClr val="bg1"/>
+                </a:solidFill>
+                <a:effectLst/>
+                <a:latin typeface="Source Sans Pro" panose="020B0503030403020204" pitchFamily="34" charset="0"/>
+              </a:rPr>
+              <a:t>.</a:t>
+            </a:r>
+          </a:p>
+          <a:p>
+            <a:pPr lvl="0" eaLnBrk="0" fontAlgn="base" hangingPunct="0">
+              <a:spcBef>
+                <a:spcPct val="0"/>
+              </a:spcBef>
+              <a:spcAft>
+                <a:spcPct val="0"/>
+              </a:spcAft>
+            </a:pPr>
+            <a:endParaRPr lang="en-US" altLang="en-US" sz="2400" dirty="0">
+              <a:solidFill>
+                <a:schemeClr val="bg1"/>
+              </a:solidFill>
+              <a:latin typeface="Source Sans Pro" panose="020B0503030403020204" pitchFamily="34" charset="0"/>
+            </a:endParaRPr>
+          </a:p>
+          <a:p>
+            <a:pPr lvl="0" eaLnBrk="0" fontAlgn="base" hangingPunct="0">
+              <a:spcBef>
+                <a:spcPct val="0"/>
+              </a:spcBef>
+              <a:spcAft>
+                <a:spcPct val="0"/>
+              </a:spcAft>
+            </a:pPr>
+            <a:r>
+              <a:rPr kumimoji="0" lang="en-US" altLang="en-US" sz="2400" b="0" i="0" u="none" strike="noStrike" cap="none" normalizeH="0" baseline="0" dirty="0">
+                <a:ln>
+                  <a:noFill/>
+                </a:ln>
+                <a:solidFill>
+                  <a:schemeClr val="bg1"/>
+                </a:solidFill>
+                <a:effectLst/>
+                <a:latin typeface="Source Sans Pro" panose="020B0503030403020204" pitchFamily="34" charset="0"/>
+              </a:rPr>
+              <a:t>Client makes a request and waits for response. It might take a while…</a:t>
+            </a:r>
+          </a:p>
+        </p:txBody>
+      </p:sp>
+      <p:sp>
+        <p:nvSpPr>
+          <p:cNvPr id="6" name="TextBox 5">
+            <a:extLst>
+              <a:ext uri="{FF2B5EF4-FFF2-40B4-BE49-F238E27FC236}">
+                <a16:creationId xmlns:a16="http://schemas.microsoft.com/office/drawing/2014/main" id="{E7094F9A-D26E-4D1E-ACC6-AA634A3311DB}"/>
+              </a:ext>
+            </a:extLst>
+          </p:cNvPr>
+          <p:cNvSpPr txBox="1"/>
+          <p:nvPr/>
+        </p:nvSpPr>
+        <p:spPr>
+          <a:xfrm>
+            <a:off x="479368" y="5975862"/>
+            <a:ext cx="989214" cy="369332"/>
+          </a:xfrm>
+          <a:prstGeom prst="rect">
+            <a:avLst/>
+          </a:prstGeom>
+          <a:solidFill>
+            <a:schemeClr val="accent6"/>
+          </a:solidFill>
+          <a:ln>
+            <a:noFill/>
+          </a:ln>
+        </p:spPr>
+        <p:style>
+          <a:lnRef idx="0">
+            <a:scrgbClr r="0" g="0" b="0"/>
+          </a:lnRef>
+          <a:fillRef idx="0">
+            <a:scrgbClr r="0" g="0" b="0"/>
+          </a:fillRef>
+          <a:effectRef idx="0">
+            <a:scrgbClr r="0" g="0" b="0"/>
+          </a:effectRef>
+          <a:fontRef idx="minor">
+            <a:schemeClr val="lt1"/>
+          </a:fontRef>
+        </p:style>
+        <p:txBody>
+          <a:bodyPr wrap="square" rtlCol="0">
+            <a:spAutoFit/>
+          </a:bodyPr>
+          <a:lstStyle/>
+          <a:p>
+            <a:r>
+              <a:rPr lang="en-US" dirty="0"/>
+              <a:t>Demo 3</a:t>
+            </a:r>
+          </a:p>
+        </p:txBody>
+      </p:sp>
+    </p:spTree>
+    <p:custDataLst>
+      <p:tags r:id="rId1"/>
+    </p:custDataLst>
+    <p:extLst>
+      <p:ext uri="{BB962C8B-B14F-4D97-AF65-F5344CB8AC3E}">
+        <p14:creationId xmlns:p14="http://schemas.microsoft.com/office/powerpoint/2010/main" val="1877388812"/>
+      </p:ext>
+    </p:extLst>
+  </p:cSld>
+  <p:clrMapOvr>
+    <a:masterClrMapping/>
+  </p:clrMapOvr>
+  <p:timing>
+    <p:tnLst>
+      <p:par>
+        <p:cTn id="1" dur="indefinite" restart="never" nodeType="tmRoot">
+          <p:childTnLst>
+            <p:seq concurrent="1" nextAc="seek">
+              <p:cTn id="2" dur="indefinite" nodeType="mainSeq">
+                <p:childTnLst>
+                  <p:par>
+                    <p:cTn id="3" fill="hold">
+                      <p:stCondLst>
+                        <p:cond delay="indefinite"/>
+                      </p:stCondLst>
+                      <p:childTnLst>
+                        <p:par>
+                          <p:cTn id="4" fill="hold">
+                            <p:stCondLst>
+                              <p:cond delay="0"/>
+                            </p:stCondLst>
+                            <p:childTnLst>
+                              <p:par>
+                                <p:cTn id="5" presetID="1" presetClass="entr" presetSubtype="0" fill="hold" grpId="0" nodeType="clickEffect">
+                                  <p:stCondLst>
+                                    <p:cond delay="0"/>
+                                  </p:stCondLst>
+                                  <p:childTnLst>
+                                    <p:set>
+                                      <p:cBhvr>
+                                        <p:cTn id="6" dur="1" fill="hold">
+                                          <p:stCondLst>
+                                            <p:cond delay="0"/>
+                                          </p:stCondLst>
+                                        </p:cTn>
+                                        <p:tgtEl>
+                                          <p:spTgt spid="5"/>
+                                        </p:tgtEl>
+                                        <p:attrNameLst>
+                                          <p:attrName>style.visibility</p:attrName>
+                                        </p:attrNameLst>
+                                      </p:cBhvr>
+                                      <p:to>
+                                        <p:strVal val="visible"/>
+                                      </p:to>
+                                    </p:set>
+                                  </p:childTnLst>
+                                </p:cTn>
+                              </p:par>
+                            </p:childTnLst>
+                          </p:cTn>
+                        </p:par>
+                      </p:childTnLst>
+                    </p:cTn>
+                  </p:par>
+                </p:childTnLst>
+              </p:cTn>
+              <p:prevCondLst>
+                <p:cond evt="onPrev" delay="0">
+                  <p:tgtEl>
+                    <p:sldTgt/>
+                  </p:tgtEl>
+                </p:cond>
+              </p:prevCondLst>
+              <p:nextCondLst>
+                <p:cond evt="onNext" delay="0">
+                  <p:tgtEl>
+                    <p:sldTgt/>
+                  </p:tgtEl>
+                </p:cond>
+              </p:nextCondLst>
+            </p:seq>
+          </p:childTnLst>
+        </p:cTn>
+      </p:par>
+    </p:tnLst>
+    <p:bldLst>
+      <p:bldP spid="5" grpId="0"/>
+    </p:bldLst>
+  </p:timing>
+</p:sld>
+</file>
+
+<file path=ppt/slides/slide15.xml><?xml version="1.0" encoding="utf-8"?>
+<p:sld xmlns:a="http://schemas.openxmlformats.org/drawingml/2006/main" xmlns:r="http://schemas.openxmlformats.org/officeDocument/2006/relationships" xmlns:p="http://schemas.openxmlformats.org/presentationml/2006/main">
+  <p:cSld>
+    <p:spTree>
+      <p:nvGrpSpPr>
+        <p:cNvPr id="1" name=""/>
+        <p:cNvGrpSpPr/>
+        <p:nvPr/>
+      </p:nvGrpSpPr>
+      <p:grpSpPr>
+        <a:xfrm>
+          <a:off x="0" y="0"/>
+          <a:ext cx="0" cy="0"/>
+          <a:chOff x="0" y="0"/>
+          <a:chExt cx="0" cy="0"/>
+        </a:xfrm>
+      </p:grpSpPr>
+      <p:sp>
+        <p:nvSpPr>
+          <p:cNvPr id="11" name="Text Placeholder 10"/>
+          <p:cNvSpPr>
+            <a:spLocks noGrp="1"/>
+          </p:cNvSpPr>
+          <p:nvPr>
+            <p:ph type="body" sz="quarter" idx="30"/>
+          </p:nvPr>
+        </p:nvSpPr>
+        <p:spPr/>
+        <p:txBody>
+          <a:bodyPr/>
+          <a:lstStyle/>
+          <a:p>
+            <a:endParaRPr lang="en-GB"/>
+          </a:p>
+        </p:txBody>
+      </p:sp>
+      <p:sp>
+        <p:nvSpPr>
+          <p:cNvPr id="8" name="Title 4">
+            <a:extLst>
+              <a:ext uri="{FF2B5EF4-FFF2-40B4-BE49-F238E27FC236}">
+                <a16:creationId xmlns:a16="http://schemas.microsoft.com/office/drawing/2014/main" id="{EA1C5765-6A57-4B84-B56A-292D99C2E16F}"/>
+              </a:ext>
+            </a:extLst>
+          </p:cNvPr>
+          <p:cNvSpPr>
+            <a:spLocks noGrp="1"/>
+          </p:cNvSpPr>
+          <p:nvPr>
+            <p:ph type="ctrTitle"/>
+          </p:nvPr>
+        </p:nvSpPr>
+        <p:spPr>
+          <a:xfrm>
+            <a:off x="198488" y="379719"/>
+            <a:ext cx="10300690" cy="761386"/>
+          </a:xfrm>
+        </p:spPr>
+        <p:txBody>
+          <a:bodyPr>
+            <a:noAutofit/>
+          </a:bodyPr>
+          <a:lstStyle/>
+          <a:p>
+            <a:r>
               <a:rPr lang="en-US" sz="4400" dirty="0"/>
               <a:t>My CPU has like 100 cores, how do I make them all work?</a:t>
             </a:r>
@@ -5690,7 +6345,7 @@
 </p:sld>
 </file>
 
-<file path=ppt/slides/slide15.xml><?xml version="1.0" encoding="utf-8"?>
+<file path=ppt/slides/slide16.xml><?xml version="1.0" encoding="utf-8"?>
 <p:sld xmlns:a="http://schemas.openxmlformats.org/drawingml/2006/main" xmlns:r="http://schemas.openxmlformats.org/officeDocument/2006/relationships" xmlns:p="http://schemas.openxmlformats.org/presentationml/2006/main">
   <p:cSld>
     <p:spTree>
@@ -5918,7 +6573,129 @@
 </p:sld>
 </file>
 
-<file path=ppt/slides/slide16.xml><?xml version="1.0" encoding="utf-8"?>
+<file path=ppt/slides/slide17.xml><?xml version="1.0" encoding="utf-8"?>
+<p:sld xmlns:a="http://schemas.openxmlformats.org/drawingml/2006/main" xmlns:r="http://schemas.openxmlformats.org/officeDocument/2006/relationships" xmlns:p="http://schemas.openxmlformats.org/presentationml/2006/main">
+  <p:cSld>
+    <p:spTree>
+      <p:nvGrpSpPr>
+        <p:cNvPr id="1" name=""/>
+        <p:cNvGrpSpPr/>
+        <p:nvPr/>
+      </p:nvGrpSpPr>
+      <p:grpSpPr>
+        <a:xfrm>
+          <a:off x="0" y="0"/>
+          <a:ext cx="0" cy="0"/>
+          <a:chOff x="0" y="0"/>
+          <a:chExt cx="0" cy="0"/>
+        </a:xfrm>
+      </p:grpSpPr>
+      <p:sp>
+        <p:nvSpPr>
+          <p:cNvPr id="11" name="Text Placeholder 10"/>
+          <p:cNvSpPr>
+            <a:spLocks noGrp="1"/>
+          </p:cNvSpPr>
+          <p:nvPr>
+            <p:ph type="body" sz="quarter" idx="30"/>
+          </p:nvPr>
+        </p:nvSpPr>
+        <p:spPr/>
+        <p:txBody>
+          <a:bodyPr/>
+          <a:lstStyle/>
+          <a:p>
+            <a:endParaRPr lang="en-GB"/>
+          </a:p>
+        </p:txBody>
+      </p:sp>
+      <p:sp>
+        <p:nvSpPr>
+          <p:cNvPr id="8" name="Title 4">
+            <a:extLst>
+              <a:ext uri="{FF2B5EF4-FFF2-40B4-BE49-F238E27FC236}">
+                <a16:creationId xmlns:a16="http://schemas.microsoft.com/office/drawing/2014/main" id="{EA1C5765-6A57-4B84-B56A-292D99C2E16F}"/>
+              </a:ext>
+            </a:extLst>
+          </p:cNvPr>
+          <p:cNvSpPr>
+            <a:spLocks noGrp="1"/>
+          </p:cNvSpPr>
+          <p:nvPr>
+            <p:ph type="ctrTitle"/>
+          </p:nvPr>
+        </p:nvSpPr>
+        <p:spPr>
+          <a:xfrm>
+            <a:off x="198488" y="379719"/>
+            <a:ext cx="10300690" cy="761386"/>
+          </a:xfrm>
+        </p:spPr>
+        <p:txBody>
+          <a:bodyPr>
+            <a:normAutofit fontScale="90000"/>
+          </a:bodyPr>
+          <a:lstStyle/>
+          <a:p>
+            <a:r>
+              <a:rPr lang="en-US" dirty="0"/>
+              <a:t>Would you like to ask something?</a:t>
+            </a:r>
+          </a:p>
+        </p:txBody>
+      </p:sp>
+      <p:pic>
+        <p:nvPicPr>
+          <p:cNvPr id="3" name="Picture 2" descr="A cat that is looking at the camera&#10;&#10;Description automatically generated">
+            <a:extLst>
+              <a:ext uri="{FF2B5EF4-FFF2-40B4-BE49-F238E27FC236}">
+                <a16:creationId xmlns:a16="http://schemas.microsoft.com/office/drawing/2014/main" id="{ECCA277A-7148-4883-B533-A61A8F3BE206}"/>
+              </a:ext>
+            </a:extLst>
+          </p:cNvPr>
+          <p:cNvPicPr>
+            <a:picLocks noChangeAspect="1"/>
+          </p:cNvPicPr>
+          <p:nvPr/>
+        </p:nvPicPr>
+        <p:blipFill rotWithShape="1">
+          <a:blip r:embed="rId3">
+            <a:extLst>
+              <a:ext uri="{28A0092B-C50C-407E-A947-70E740481C1C}">
+                <a14:useLocalDpi xmlns:a14="http://schemas.microsoft.com/office/drawing/2010/main" val="0"/>
+              </a:ext>
+            </a:extLst>
+          </a:blip>
+          <a:srcRect l="25256"/>
+          <a:stretch/>
+        </p:blipFill>
+        <p:spPr>
+          <a:xfrm>
+            <a:off x="7852095" y="2506211"/>
+            <a:ext cx="4336928" cy="4351789"/>
+          </a:xfrm>
+          <a:prstGeom prst="rect">
+            <a:avLst/>
+          </a:prstGeom>
+        </p:spPr>
+      </p:pic>
+    </p:spTree>
+    <p:custDataLst>
+      <p:tags r:id="rId1"/>
+    </p:custDataLst>
+    <p:extLst>
+      <p:ext uri="{BB962C8B-B14F-4D97-AF65-F5344CB8AC3E}">
+        <p14:creationId xmlns:p14="http://schemas.microsoft.com/office/powerpoint/2010/main" val="2913176610"/>
+      </p:ext>
+    </p:extLst>
+  </p:cSld>
+  <p:clrMapOvr>
+    <a:masterClrMapping/>
+  </p:clrMapOvr>
+</p:sld>
+</file>
+
+<file path=ppt/slides/slide18.xml><?xml version="1.0" encoding="utf-8"?>
 <p:sld xmlns:a="http://schemas.openxmlformats.org/drawingml/2006/main" xmlns:r="http://schemas.openxmlformats.org/officeDocument/2006/relationships" xmlns:p="http://schemas.openxmlformats.org/presentationml/2006/main">
   <p:cSld>
     <p:spTree>
@@ -6265,66 +7042,12 @@
           <a:chExt cx="0" cy="0"/>
         </a:xfrm>
       </p:grpSpPr>
-      <p:sp>
-        <p:nvSpPr>
-          <p:cNvPr id="11" name="Text Placeholder 10"/>
-          <p:cNvSpPr>
-            <a:spLocks noGrp="1"/>
-          </p:cNvSpPr>
-          <p:nvPr>
-            <p:ph type="body" sz="quarter" idx="30"/>
-          </p:nvPr>
-        </p:nvSpPr>
-        <p:spPr/>
-        <p:txBody>
-          <a:bodyPr/>
-          <a:lstStyle/>
-          <a:p>
-            <a:endParaRPr lang="en-GB"/>
-          </a:p>
-        </p:txBody>
-      </p:sp>
-      <p:sp>
-        <p:nvSpPr>
-          <p:cNvPr id="5" name="Title 4">
-            <a:extLst>
-              <a:ext uri="{FF2B5EF4-FFF2-40B4-BE49-F238E27FC236}">
-                <a16:creationId xmlns:a16="http://schemas.microsoft.com/office/drawing/2014/main" id="{E0A5CF59-DAE3-45F2-9C93-7D64EABC276E}"/>
-              </a:ext>
-            </a:extLst>
-          </p:cNvPr>
-          <p:cNvSpPr>
-            <a:spLocks noGrp="1"/>
-          </p:cNvSpPr>
-          <p:nvPr>
-            <p:ph type="ctrTitle"/>
-          </p:nvPr>
-        </p:nvSpPr>
-        <p:spPr>
-          <a:xfrm>
-            <a:off x="198488" y="379719"/>
-            <a:ext cx="10300690" cy="761386"/>
-          </a:xfrm>
-        </p:spPr>
-        <p:txBody>
-          <a:bodyPr>
-            <a:normAutofit fontScale="90000"/>
-          </a:bodyPr>
-          <a:lstStyle/>
-          <a:p>
-            <a:r>
-              <a:rPr lang="en-US" dirty="0"/>
-              <a:t>What is Node JS?</a:t>
-            </a:r>
-          </a:p>
-        </p:txBody>
-      </p:sp>
       <p:pic>
         <p:nvPicPr>
-          <p:cNvPr id="1026" name="Picture 2" descr="Image for post">
-            <a:extLst>
-              <a:ext uri="{FF2B5EF4-FFF2-40B4-BE49-F238E27FC236}">
-                <a16:creationId xmlns:a16="http://schemas.microsoft.com/office/drawing/2014/main" id="{CB3B8186-8648-4FDA-A085-0084F80B1D21}"/>
+          <p:cNvPr id="2050" name="Picture 2" descr="Image">
+            <a:extLst>
+              <a:ext uri="{FF2B5EF4-FFF2-40B4-BE49-F238E27FC236}">
+                <a16:creationId xmlns:a16="http://schemas.microsoft.com/office/drawing/2014/main" id="{9EC16FF0-2A54-4CB8-BC0C-B650C559A39C}"/>
               </a:ext>
             </a:extLst>
           </p:cNvPr>
@@ -6348,8 +7071,8 @@
         </p:blipFill>
         <p:spPr bwMode="auto">
           <a:xfrm>
-            <a:off x="2566988" y="1795463"/>
-            <a:ext cx="6772275" cy="4010025"/>
+            <a:off x="9370809" y="1768977"/>
+            <a:ext cx="2821191" cy="2821191"/>
           </a:xfrm>
           <a:prstGeom prst="rect">
             <a:avLst/>
@@ -6366,6 +7089,271 @@
           </a:extLst>
         </p:spPr>
       </p:pic>
+      <p:sp>
+        <p:nvSpPr>
+          <p:cNvPr id="11" name="Text Placeholder 10"/>
+          <p:cNvSpPr>
+            <a:spLocks noGrp="1"/>
+          </p:cNvSpPr>
+          <p:nvPr>
+            <p:ph type="body" sz="quarter" idx="30"/>
+          </p:nvPr>
+        </p:nvSpPr>
+        <p:spPr/>
+        <p:txBody>
+          <a:bodyPr/>
+          <a:lstStyle/>
+          <a:p>
+            <a:endParaRPr lang="en-GB"/>
+          </a:p>
+        </p:txBody>
+      </p:sp>
+      <p:sp>
+        <p:nvSpPr>
+          <p:cNvPr id="5" name="Title 4">
+            <a:extLst>
+              <a:ext uri="{FF2B5EF4-FFF2-40B4-BE49-F238E27FC236}">
+                <a16:creationId xmlns:a16="http://schemas.microsoft.com/office/drawing/2014/main" id="{E0A5CF59-DAE3-45F2-9C93-7D64EABC276E}"/>
+              </a:ext>
+            </a:extLst>
+          </p:cNvPr>
+          <p:cNvSpPr>
+            <a:spLocks noGrp="1"/>
+          </p:cNvSpPr>
+          <p:nvPr>
+            <p:ph type="ctrTitle"/>
+          </p:nvPr>
+        </p:nvSpPr>
+        <p:spPr>
+          <a:xfrm>
+            <a:off x="198488" y="379719"/>
+            <a:ext cx="10300690" cy="761386"/>
+          </a:xfrm>
+        </p:spPr>
+        <p:txBody>
+          <a:bodyPr>
+            <a:normAutofit fontScale="90000"/>
+          </a:bodyPr>
+          <a:lstStyle/>
+          <a:p>
+            <a:r>
+              <a:rPr lang="en-US" dirty="0"/>
+              <a:t>Me</a:t>
+            </a:r>
+          </a:p>
+        </p:txBody>
+      </p:sp>
+      <p:pic>
+        <p:nvPicPr>
+          <p:cNvPr id="6" name="Picture 5" descr="A person wearing a costume&#10;&#10;Description automatically generated">
+            <a:extLst>
+              <a:ext uri="{FF2B5EF4-FFF2-40B4-BE49-F238E27FC236}">
+                <a16:creationId xmlns:a16="http://schemas.microsoft.com/office/drawing/2014/main" id="{073D4C51-7C9D-4680-A5CA-D7F04B2BC360}"/>
+              </a:ext>
+            </a:extLst>
+          </p:cNvPr>
+          <p:cNvPicPr>
+            <a:picLocks noChangeAspect="1"/>
+          </p:cNvPicPr>
+          <p:nvPr/>
+        </p:nvPicPr>
+        <p:blipFill>
+          <a:blip r:embed="rId4">
+            <a:extLst>
+              <a:ext uri="{28A0092B-C50C-407E-A947-70E740481C1C}">
+                <a14:useLocalDpi xmlns:a14="http://schemas.microsoft.com/office/drawing/2010/main" val="0"/>
+              </a:ext>
+            </a:extLst>
+          </a:blip>
+          <a:stretch>
+            <a:fillRect/>
+          </a:stretch>
+        </p:blipFill>
+        <p:spPr>
+          <a:xfrm>
+            <a:off x="7457106" y="1330636"/>
+            <a:ext cx="3127972" cy="3127972"/>
+          </a:xfrm>
+          <a:prstGeom prst="rect">
+            <a:avLst/>
+          </a:prstGeom>
+        </p:spPr>
+      </p:pic>
+      <p:pic>
+        <p:nvPicPr>
+          <p:cNvPr id="3" name="Picture 2" descr="A cat that is looking at the camera&#10;&#10;Description automatically generated">
+            <a:extLst>
+              <a:ext uri="{FF2B5EF4-FFF2-40B4-BE49-F238E27FC236}">
+                <a16:creationId xmlns:a16="http://schemas.microsoft.com/office/drawing/2014/main" id="{E92BB615-DB2A-403E-BDC2-FF77B4741EC2}"/>
+              </a:ext>
+            </a:extLst>
+          </p:cNvPr>
+          <p:cNvPicPr>
+            <a:picLocks noChangeAspect="1"/>
+          </p:cNvPicPr>
+          <p:nvPr/>
+        </p:nvPicPr>
+        <p:blipFill>
+          <a:blip r:embed="rId5">
+            <a:extLst>
+              <a:ext uri="{28A0092B-C50C-407E-A947-70E740481C1C}">
+                <a14:useLocalDpi xmlns:a14="http://schemas.microsoft.com/office/drawing/2010/main" val="0"/>
+              </a:ext>
+            </a:extLst>
+          </a:blip>
+          <a:stretch>
+            <a:fillRect/>
+          </a:stretch>
+        </p:blipFill>
+        <p:spPr>
+          <a:xfrm>
+            <a:off x="8085177" y="3937729"/>
+            <a:ext cx="2821190" cy="2560622"/>
+          </a:xfrm>
+          <a:prstGeom prst="rect">
+            <a:avLst/>
+          </a:prstGeom>
+        </p:spPr>
+      </p:pic>
+      <p:sp>
+        <p:nvSpPr>
+          <p:cNvPr id="7" name="TextBox 6">
+            <a:extLst>
+              <a:ext uri="{FF2B5EF4-FFF2-40B4-BE49-F238E27FC236}">
+                <a16:creationId xmlns:a16="http://schemas.microsoft.com/office/drawing/2014/main" id="{BA403BE4-BF0F-4016-89D9-011F6FD3D53D}"/>
+              </a:ext>
+            </a:extLst>
+          </p:cNvPr>
+          <p:cNvSpPr txBox="1"/>
+          <p:nvPr/>
+        </p:nvSpPr>
+        <p:spPr>
+          <a:xfrm>
+            <a:off x="289711" y="1330636"/>
+            <a:ext cx="6934954" cy="2126864"/>
+          </a:xfrm>
+          <a:prstGeom prst="rect">
+            <a:avLst/>
+          </a:prstGeom>
+          <a:noFill/>
+        </p:spPr>
+        <p:txBody>
+          <a:bodyPr wrap="square" rtlCol="0">
+            <a:spAutoFit/>
+          </a:bodyPr>
+          <a:lstStyle/>
+          <a:p>
+            <a:pPr marL="285750" indent="-285750">
+              <a:lnSpc>
+                <a:spcPct val="150000"/>
+              </a:lnSpc>
+              <a:buFont typeface="Arial" panose="020B0604020202020204" pitchFamily="34" charset="0"/>
+              <a:buChar char="•"/>
+            </a:pPr>
+            <a:r>
+              <a:rPr lang="en-US" dirty="0">
+                <a:solidFill>
+                  <a:schemeClr val="bg1"/>
+                </a:solidFill>
+              </a:rPr>
+              <a:t>Developing software for 7 years</a:t>
+            </a:r>
+          </a:p>
+          <a:p>
+            <a:pPr marL="285750" indent="-285750">
+              <a:lnSpc>
+                <a:spcPct val="150000"/>
+              </a:lnSpc>
+              <a:buFont typeface="Arial" panose="020B0604020202020204" pitchFamily="34" charset="0"/>
+              <a:buChar char="•"/>
+            </a:pPr>
+            <a:r>
+              <a:rPr lang="en-US" dirty="0">
+                <a:solidFill>
+                  <a:schemeClr val="bg1"/>
+                </a:solidFill>
+              </a:rPr>
+              <a:t>Currently senior software developer in SEB</a:t>
+            </a:r>
+          </a:p>
+          <a:p>
+            <a:pPr marL="285750" indent="-285750">
+              <a:lnSpc>
+                <a:spcPct val="150000"/>
+              </a:lnSpc>
+              <a:buFont typeface="Arial" panose="020B0604020202020204" pitchFamily="34" charset="0"/>
+              <a:buChar char="•"/>
+            </a:pPr>
+            <a:r>
+              <a:rPr lang="en-US" dirty="0">
+                <a:solidFill>
+                  <a:schemeClr val="bg1"/>
+                </a:solidFill>
+              </a:rPr>
+              <a:t>Went from Java to .NET and Node.JS</a:t>
+            </a:r>
+          </a:p>
+          <a:p>
+            <a:pPr marL="285750" indent="-285750">
+              <a:lnSpc>
+                <a:spcPct val="150000"/>
+              </a:lnSpc>
+              <a:buFont typeface="Arial" panose="020B0604020202020204" pitchFamily="34" charset="0"/>
+              <a:buChar char="•"/>
+            </a:pPr>
+            <a:r>
+              <a:rPr lang="en-US" dirty="0">
+                <a:solidFill>
+                  <a:schemeClr val="bg1"/>
+                </a:solidFill>
+              </a:rPr>
+              <a:t>Twitter: @</a:t>
+            </a:r>
+            <a:r>
+              <a:rPr lang="en-US" dirty="0" err="1">
+                <a:solidFill>
+                  <a:schemeClr val="bg1"/>
+                </a:solidFill>
+              </a:rPr>
+              <a:t>kjocevicius</a:t>
+            </a:r>
+            <a:endParaRPr lang="en-US" dirty="0">
+              <a:solidFill>
+                <a:schemeClr val="bg1"/>
+              </a:solidFill>
+            </a:endParaRPr>
+          </a:p>
+          <a:p>
+            <a:pPr marL="285750" indent="-285750">
+              <a:lnSpc>
+                <a:spcPct val="150000"/>
+              </a:lnSpc>
+              <a:buFont typeface="Arial" panose="020B0604020202020204" pitchFamily="34" charset="0"/>
+              <a:buChar char="•"/>
+            </a:pPr>
+            <a:r>
+              <a:rPr lang="en-US" dirty="0">
+                <a:solidFill>
+                  <a:schemeClr val="bg1"/>
+                </a:solidFill>
+                <a:hlinkClick r:id="rId6">
+                  <a:extLst>
+                    <a:ext uri="{A12FA001-AC4F-418D-AE19-62706E023703}">
+                      <ahyp:hlinkClr xmlns:ahyp="http://schemas.microsoft.com/office/drawing/2018/hyperlinkcolor" val="tx"/>
+                    </a:ext>
+                  </a:extLst>
+                </a:hlinkClick>
+              </a:rPr>
+              <a:t>https://github.com/teraxas</a:t>
+            </a:r>
+            <a:endParaRPr lang="en-US" dirty="0">
+              <a:solidFill>
+                <a:schemeClr val="bg1"/>
+              </a:solidFill>
+            </a:endParaRPr>
+          </a:p>
+        </p:txBody>
+      </p:sp>
     </p:spTree>
     <p:custDataLst>
       <p:tags r:id="rId1"/>
@@ -6455,6 +7443,140 @@
       </p:sp>
       <p:pic>
         <p:nvPicPr>
+          <p:cNvPr id="1026" name="Picture 2" descr="Image for post">
+            <a:extLst>
+              <a:ext uri="{FF2B5EF4-FFF2-40B4-BE49-F238E27FC236}">
+                <a16:creationId xmlns:a16="http://schemas.microsoft.com/office/drawing/2014/main" id="{CB3B8186-8648-4FDA-A085-0084F80B1D21}"/>
+              </a:ext>
+            </a:extLst>
+          </p:cNvPr>
+          <p:cNvPicPr>
+            <a:picLocks noChangeAspect="1" noChangeArrowheads="1"/>
+          </p:cNvPicPr>
+          <p:nvPr/>
+        </p:nvPicPr>
+        <p:blipFill>
+          <a:blip r:embed="rId3">
+            <a:extLst>
+              <a:ext uri="{28A0092B-C50C-407E-A947-70E740481C1C}">
+                <a14:useLocalDpi xmlns:a14="http://schemas.microsoft.com/office/drawing/2010/main" val="0"/>
+              </a:ext>
+            </a:extLst>
+          </a:blip>
+          <a:srcRect/>
+          <a:stretch>
+            <a:fillRect/>
+          </a:stretch>
+        </p:blipFill>
+        <p:spPr bwMode="auto">
+          <a:xfrm>
+            <a:off x="2566988" y="1795463"/>
+            <a:ext cx="6772275" cy="4010025"/>
+          </a:xfrm>
+          <a:prstGeom prst="rect">
+            <a:avLst/>
+          </a:prstGeom>
+          <a:noFill/>
+          <a:extLst>
+            <a:ext uri="{909E8E84-426E-40DD-AFC4-6F175D3DCCD1}">
+              <a14:hiddenFill xmlns:a14="http://schemas.microsoft.com/office/drawing/2010/main">
+                <a:solidFill>
+                  <a:srgbClr val="FFFFFF"/>
+                </a:solidFill>
+              </a14:hiddenFill>
+            </a:ext>
+          </a:extLst>
+        </p:spPr>
+      </p:pic>
+    </p:spTree>
+    <p:custDataLst>
+      <p:tags r:id="rId1"/>
+    </p:custDataLst>
+    <p:extLst>
+      <p:ext uri="{BB962C8B-B14F-4D97-AF65-F5344CB8AC3E}">
+        <p14:creationId xmlns:p14="http://schemas.microsoft.com/office/powerpoint/2010/main" val="405490145"/>
+      </p:ext>
+    </p:extLst>
+  </p:cSld>
+  <p:clrMapOvr>
+    <a:masterClrMapping/>
+  </p:clrMapOvr>
+</p:sld>
+</file>
+
+<file path=ppt/slides/slide4.xml><?xml version="1.0" encoding="utf-8"?>
+<p:sld xmlns:a="http://schemas.openxmlformats.org/drawingml/2006/main" xmlns:r="http://schemas.openxmlformats.org/officeDocument/2006/relationships" xmlns:p="http://schemas.openxmlformats.org/presentationml/2006/main">
+  <p:cSld>
+    <p:spTree>
+      <p:nvGrpSpPr>
+        <p:cNvPr id="1" name=""/>
+        <p:cNvGrpSpPr/>
+        <p:nvPr/>
+      </p:nvGrpSpPr>
+      <p:grpSpPr>
+        <a:xfrm>
+          <a:off x="0" y="0"/>
+          <a:ext cx="0" cy="0"/>
+          <a:chOff x="0" y="0"/>
+          <a:chExt cx="0" cy="0"/>
+        </a:xfrm>
+      </p:grpSpPr>
+      <p:sp>
+        <p:nvSpPr>
+          <p:cNvPr id="11" name="Text Placeholder 10"/>
+          <p:cNvSpPr>
+            <a:spLocks noGrp="1"/>
+          </p:cNvSpPr>
+          <p:nvPr>
+            <p:ph type="body" sz="quarter" idx="30"/>
+          </p:nvPr>
+        </p:nvSpPr>
+        <p:spPr/>
+        <p:txBody>
+          <a:bodyPr/>
+          <a:lstStyle/>
+          <a:p>
+            <a:endParaRPr lang="en-GB"/>
+          </a:p>
+        </p:txBody>
+      </p:sp>
+      <p:sp>
+        <p:nvSpPr>
+          <p:cNvPr id="5" name="Title 4">
+            <a:extLst>
+              <a:ext uri="{FF2B5EF4-FFF2-40B4-BE49-F238E27FC236}">
+                <a16:creationId xmlns:a16="http://schemas.microsoft.com/office/drawing/2014/main" id="{E0A5CF59-DAE3-45F2-9C93-7D64EABC276E}"/>
+              </a:ext>
+            </a:extLst>
+          </p:cNvPr>
+          <p:cNvSpPr>
+            <a:spLocks noGrp="1"/>
+          </p:cNvSpPr>
+          <p:nvPr>
+            <p:ph type="ctrTitle"/>
+          </p:nvPr>
+        </p:nvSpPr>
+        <p:spPr>
+          <a:xfrm>
+            <a:off x="198488" y="379719"/>
+            <a:ext cx="10300690" cy="761386"/>
+          </a:xfrm>
+        </p:spPr>
+        <p:txBody>
+          <a:bodyPr>
+            <a:normAutofit fontScale="90000"/>
+          </a:bodyPr>
+          <a:lstStyle/>
+          <a:p>
+            <a:r>
+              <a:rPr lang="en-US" dirty="0"/>
+              <a:t>What is Node JS?</a:t>
+            </a:r>
+          </a:p>
+        </p:txBody>
+      </p:sp>
+      <p:pic>
+        <p:nvPicPr>
           <p:cNvPr id="2050" name="Picture 2" descr="Image for post">
             <a:extLst>
               <a:ext uri="{FF2B5EF4-FFF2-40B4-BE49-F238E27FC236}">
@@ -6602,316 +7724,6 @@
 </p:sld>
 </file>
 
-<file path=ppt/slides/slide4.xml><?xml version="1.0" encoding="utf-8"?>
-<p:sld xmlns:a="http://schemas.openxmlformats.org/drawingml/2006/main" xmlns:r="http://schemas.openxmlformats.org/officeDocument/2006/relationships" xmlns:p="http://schemas.openxmlformats.org/presentationml/2006/main">
-  <p:cSld>
-    <p:spTree>
-      <p:nvGrpSpPr>
-        <p:cNvPr id="1" name=""/>
-        <p:cNvGrpSpPr/>
-        <p:nvPr/>
-      </p:nvGrpSpPr>
-      <p:grpSpPr>
-        <a:xfrm>
-          <a:off x="0" y="0"/>
-          <a:ext cx="0" cy="0"/>
-          <a:chOff x="0" y="0"/>
-          <a:chExt cx="0" cy="0"/>
-        </a:xfrm>
-      </p:grpSpPr>
-      <p:sp>
-        <p:nvSpPr>
-          <p:cNvPr id="11" name="Text Placeholder 10"/>
-          <p:cNvSpPr>
-            <a:spLocks noGrp="1"/>
-          </p:cNvSpPr>
-          <p:nvPr>
-            <p:ph type="body" sz="quarter" idx="30"/>
-          </p:nvPr>
-        </p:nvSpPr>
-        <p:spPr/>
-        <p:txBody>
-          <a:bodyPr/>
-          <a:lstStyle/>
-          <a:p>
-            <a:endParaRPr lang="en-GB"/>
-          </a:p>
-        </p:txBody>
-      </p:sp>
-      <p:sp>
-        <p:nvSpPr>
-          <p:cNvPr id="5" name="Title 4">
-            <a:extLst>
-              <a:ext uri="{FF2B5EF4-FFF2-40B4-BE49-F238E27FC236}">
-                <a16:creationId xmlns:a16="http://schemas.microsoft.com/office/drawing/2014/main" id="{E0A5CF59-DAE3-45F2-9C93-7D64EABC276E}"/>
-              </a:ext>
-            </a:extLst>
-          </p:cNvPr>
-          <p:cNvSpPr>
-            <a:spLocks noGrp="1"/>
-          </p:cNvSpPr>
-          <p:nvPr>
-            <p:ph type="ctrTitle"/>
-          </p:nvPr>
-        </p:nvSpPr>
-        <p:spPr>
-          <a:xfrm>
-            <a:off x="198488" y="379719"/>
-            <a:ext cx="10300690" cy="761386"/>
-          </a:xfrm>
-        </p:spPr>
-        <p:txBody>
-          <a:bodyPr>
-            <a:normAutofit fontScale="90000"/>
-          </a:bodyPr>
-          <a:lstStyle/>
-          <a:p>
-            <a:r>
-              <a:rPr lang="lt-LT" dirty="0"/>
-              <a:t>V8 </a:t>
-            </a:r>
-            <a:r>
-              <a:rPr lang="lt-LT" dirty="0" err="1"/>
-              <a:t>and</a:t>
-            </a:r>
-            <a:r>
-              <a:rPr lang="lt-LT" dirty="0"/>
-              <a:t> </a:t>
-            </a:r>
-            <a:r>
-              <a:rPr lang="lt-LT" dirty="0" err="1"/>
-              <a:t>libuv</a:t>
-            </a:r>
-            <a:endParaRPr lang="en-US" dirty="0"/>
-          </a:p>
-        </p:txBody>
-      </p:sp>
-      <p:pic>
-        <p:nvPicPr>
-          <p:cNvPr id="2052" name="Picture 4" descr="libuv">
-            <a:extLst>
-              <a:ext uri="{FF2B5EF4-FFF2-40B4-BE49-F238E27FC236}">
-                <a16:creationId xmlns:a16="http://schemas.microsoft.com/office/drawing/2014/main" id="{5733BAE0-5339-43E5-8E37-B11AA6B464D0}"/>
-              </a:ext>
-            </a:extLst>
-          </p:cNvPr>
-          <p:cNvPicPr>
-            <a:picLocks noChangeAspect="1" noChangeArrowheads="1"/>
-          </p:cNvPicPr>
-          <p:nvPr/>
-        </p:nvPicPr>
-        <p:blipFill rotWithShape="1">
-          <a:blip r:embed="rId3">
-            <a:extLst>
-              <a:ext uri="{28A0092B-C50C-407E-A947-70E740481C1C}">
-                <a14:useLocalDpi xmlns:a14="http://schemas.microsoft.com/office/drawing/2010/main" val="0"/>
-              </a:ext>
-            </a:extLst>
-          </a:blip>
-          <a:srcRect l="1" r="59665" b="438"/>
-          <a:stretch/>
-        </p:blipFill>
-        <p:spPr bwMode="auto">
-          <a:xfrm>
-            <a:off x="1376734" y="4130858"/>
-            <a:ext cx="2268461" cy="2099821"/>
-          </a:xfrm>
-          <a:prstGeom prst="rect">
-            <a:avLst/>
-          </a:prstGeom>
-          <a:noFill/>
-          <a:extLst>
-            <a:ext uri="{909E8E84-426E-40DD-AFC4-6F175D3DCCD1}">
-              <a14:hiddenFill xmlns:a14="http://schemas.microsoft.com/office/drawing/2010/main">
-                <a:solidFill>
-                  <a:srgbClr val="FFFFFF"/>
-                </a:solidFill>
-              </a14:hiddenFill>
-            </a:ext>
-          </a:extLst>
-        </p:spPr>
-      </p:pic>
-      <p:pic>
-        <p:nvPicPr>
-          <p:cNvPr id="3" name="Graphic 2">
-            <a:extLst>
-              <a:ext uri="{FF2B5EF4-FFF2-40B4-BE49-F238E27FC236}">
-                <a16:creationId xmlns:a16="http://schemas.microsoft.com/office/drawing/2014/main" id="{A26CE355-2461-4515-8A27-5CFFC1A411FF}"/>
-              </a:ext>
-            </a:extLst>
-          </p:cNvPr>
-          <p:cNvPicPr>
-            <a:picLocks noChangeAspect="1"/>
-          </p:cNvPicPr>
-          <p:nvPr/>
-        </p:nvPicPr>
-        <p:blipFill>
-          <a:blip r:embed="rId4">
-            <a:extLst>
-              <a:ext uri="{28A0092B-C50C-407E-A947-70E740481C1C}">
-                <a14:useLocalDpi xmlns:a14="http://schemas.microsoft.com/office/drawing/2010/main" val="0"/>
-              </a:ext>
-              <a:ext uri="{96DAC541-7B7A-43D3-8B79-37D633B846F1}">
-                <asvg:svgBlip xmlns:asvg="http://schemas.microsoft.com/office/drawing/2016/SVG/main" r:embed="rId5"/>
-              </a:ext>
-            </a:extLst>
-          </a:blip>
-          <a:stretch>
-            <a:fillRect/>
-          </a:stretch>
-        </p:blipFill>
-        <p:spPr>
-          <a:xfrm>
-            <a:off x="1274134" y="1345793"/>
-            <a:ext cx="2371061" cy="2371061"/>
-          </a:xfrm>
-          <a:prstGeom prst="rect">
-            <a:avLst/>
-          </a:prstGeom>
-        </p:spPr>
-      </p:pic>
-      <p:sp>
-        <p:nvSpPr>
-          <p:cNvPr id="2" name="TextBox 1">
-            <a:extLst>
-              <a:ext uri="{FF2B5EF4-FFF2-40B4-BE49-F238E27FC236}">
-                <a16:creationId xmlns:a16="http://schemas.microsoft.com/office/drawing/2014/main" id="{F1474B49-4CDE-4A0E-B737-7AAD0F161DE5}"/>
-              </a:ext>
-            </a:extLst>
-          </p:cNvPr>
-          <p:cNvSpPr txBox="1"/>
-          <p:nvPr/>
-        </p:nvSpPr>
-        <p:spPr>
-          <a:xfrm>
-            <a:off x="4529470" y="1658679"/>
-            <a:ext cx="6141507" cy="1815882"/>
-          </a:xfrm>
-          <a:prstGeom prst="rect">
-            <a:avLst/>
-          </a:prstGeom>
-          <a:noFill/>
-        </p:spPr>
-        <p:txBody>
-          <a:bodyPr wrap="square" rtlCol="0">
-            <a:spAutoFit/>
-          </a:bodyPr>
-          <a:lstStyle/>
-          <a:p>
-            <a:r>
-              <a:rPr lang="en-US" sz="2800" dirty="0">
-                <a:solidFill>
-                  <a:schemeClr val="bg1"/>
-                </a:solidFill>
-              </a:rPr>
-              <a:t>Google’s open source high-performance JavaScript and </a:t>
-            </a:r>
-            <a:r>
-              <a:rPr lang="en-US" sz="2800" dirty="0" err="1">
-                <a:solidFill>
-                  <a:schemeClr val="bg1"/>
-                </a:solidFill>
-              </a:rPr>
-              <a:t>WebAssembly</a:t>
-            </a:r>
-            <a:r>
-              <a:rPr lang="en-US" sz="2800" dirty="0">
-                <a:solidFill>
-                  <a:schemeClr val="bg1"/>
-                </a:solidFill>
-              </a:rPr>
-              <a:t> engine. It is used in Chrome and in Node.js, among others.</a:t>
-            </a:r>
-          </a:p>
-        </p:txBody>
-      </p:sp>
-      <p:sp>
-        <p:nvSpPr>
-          <p:cNvPr id="8" name="TextBox 7">
-            <a:extLst>
-              <a:ext uri="{FF2B5EF4-FFF2-40B4-BE49-F238E27FC236}">
-                <a16:creationId xmlns:a16="http://schemas.microsoft.com/office/drawing/2014/main" id="{C9B06505-BF23-423E-8D38-5E3935E2F235}"/>
-              </a:ext>
-            </a:extLst>
-          </p:cNvPr>
-          <p:cNvSpPr txBox="1"/>
-          <p:nvPr/>
-        </p:nvSpPr>
-        <p:spPr>
-          <a:xfrm>
-            <a:off x="4529470" y="4130858"/>
-            <a:ext cx="6141507" cy="2246769"/>
-          </a:xfrm>
-          <a:prstGeom prst="rect">
-            <a:avLst/>
-          </a:prstGeom>
-          <a:noFill/>
-        </p:spPr>
-        <p:txBody>
-          <a:bodyPr wrap="square" rtlCol="0">
-            <a:spAutoFit/>
-          </a:bodyPr>
-          <a:lstStyle/>
-          <a:p>
-            <a:r>
-              <a:rPr lang="en-US" sz="2800" dirty="0">
-                <a:solidFill>
-                  <a:schemeClr val="bg1"/>
-                </a:solidFill>
-              </a:rPr>
-              <a:t>Multi-platform support library with a focus on asynchronous I/O. It was primarily developed for use by Node.js, but it's also used by </a:t>
-            </a:r>
-            <a:r>
-              <a:rPr lang="en-US" sz="2800" dirty="0" err="1">
-                <a:solidFill>
-                  <a:schemeClr val="bg1"/>
-                </a:solidFill>
-              </a:rPr>
-              <a:t>Luvit</a:t>
-            </a:r>
-            <a:r>
-              <a:rPr lang="en-US" sz="2800" dirty="0">
-                <a:solidFill>
-                  <a:schemeClr val="bg1"/>
-                </a:solidFill>
-              </a:rPr>
-              <a:t>, Julia, </a:t>
-            </a:r>
-            <a:r>
-              <a:rPr lang="en-US" sz="2800" dirty="0" err="1">
-                <a:solidFill>
-                  <a:schemeClr val="bg1"/>
-                </a:solidFill>
-              </a:rPr>
-              <a:t>pyuv</a:t>
-            </a:r>
-            <a:r>
-              <a:rPr lang="en-US" sz="2800" dirty="0">
-                <a:solidFill>
-                  <a:schemeClr val="bg1"/>
-                </a:solidFill>
-              </a:rPr>
-              <a:t>, and others.</a:t>
-            </a:r>
-          </a:p>
-        </p:txBody>
-      </p:sp>
-    </p:spTree>
-    <p:custDataLst>
-      <p:tags r:id="rId1"/>
-    </p:custDataLst>
-    <p:extLst>
-      <p:ext uri="{BB962C8B-B14F-4D97-AF65-F5344CB8AC3E}">
-        <p14:creationId xmlns:p14="http://schemas.microsoft.com/office/powerpoint/2010/main" val="3820875924"/>
-      </p:ext>
-    </p:extLst>
-  </p:cSld>
-  <p:clrMapOvr>
-    <a:masterClrMapping/>
-  </p:clrMapOvr>
-</p:sld>
-</file>
-
 <file path=ppt/slides/slide5.xml><?xml version="1.0" encoding="utf-8"?>
 <p:sld xmlns:a="http://schemas.openxmlformats.org/drawingml/2006/main" xmlns:r="http://schemas.openxmlformats.org/officeDocument/2006/relationships" xmlns:p="http://schemas.openxmlformats.org/presentationml/2006/main">
   <p:cSld>
@@ -7095,6 +7907,316 @@
         <p:spPr>
           <a:xfrm>
             <a:off x="4529470" y="1658679"/>
+            <a:ext cx="6141507" cy="1815882"/>
+          </a:xfrm>
+          <a:prstGeom prst="rect">
+            <a:avLst/>
+          </a:prstGeom>
+          <a:noFill/>
+        </p:spPr>
+        <p:txBody>
+          <a:bodyPr wrap="square" rtlCol="0">
+            <a:spAutoFit/>
+          </a:bodyPr>
+          <a:lstStyle/>
+          <a:p>
+            <a:r>
+              <a:rPr lang="en-US" sz="2800" dirty="0">
+                <a:solidFill>
+                  <a:schemeClr val="bg1"/>
+                </a:solidFill>
+              </a:rPr>
+              <a:t>Google’s open source high-performance JavaScript and </a:t>
+            </a:r>
+            <a:r>
+              <a:rPr lang="en-US" sz="2800" dirty="0" err="1">
+                <a:solidFill>
+                  <a:schemeClr val="bg1"/>
+                </a:solidFill>
+              </a:rPr>
+              <a:t>WebAssembly</a:t>
+            </a:r>
+            <a:r>
+              <a:rPr lang="en-US" sz="2800" dirty="0">
+                <a:solidFill>
+                  <a:schemeClr val="bg1"/>
+                </a:solidFill>
+              </a:rPr>
+              <a:t> engine. It is used in Chrome and in Node.js, among others.</a:t>
+            </a:r>
+          </a:p>
+        </p:txBody>
+      </p:sp>
+      <p:sp>
+        <p:nvSpPr>
+          <p:cNvPr id="8" name="TextBox 7">
+            <a:extLst>
+              <a:ext uri="{FF2B5EF4-FFF2-40B4-BE49-F238E27FC236}">
+                <a16:creationId xmlns:a16="http://schemas.microsoft.com/office/drawing/2014/main" id="{C9B06505-BF23-423E-8D38-5E3935E2F235}"/>
+              </a:ext>
+            </a:extLst>
+          </p:cNvPr>
+          <p:cNvSpPr txBox="1"/>
+          <p:nvPr/>
+        </p:nvSpPr>
+        <p:spPr>
+          <a:xfrm>
+            <a:off x="4529470" y="4130858"/>
+            <a:ext cx="6141507" cy="2246769"/>
+          </a:xfrm>
+          <a:prstGeom prst="rect">
+            <a:avLst/>
+          </a:prstGeom>
+          <a:noFill/>
+        </p:spPr>
+        <p:txBody>
+          <a:bodyPr wrap="square" rtlCol="0">
+            <a:spAutoFit/>
+          </a:bodyPr>
+          <a:lstStyle/>
+          <a:p>
+            <a:r>
+              <a:rPr lang="en-US" sz="2800" dirty="0">
+                <a:solidFill>
+                  <a:schemeClr val="bg1"/>
+                </a:solidFill>
+              </a:rPr>
+              <a:t>Multi-platform support library with a focus on asynchronous I/O. It was primarily developed for use by Node.js, but it's also used by </a:t>
+            </a:r>
+            <a:r>
+              <a:rPr lang="en-US" sz="2800" dirty="0" err="1">
+                <a:solidFill>
+                  <a:schemeClr val="bg1"/>
+                </a:solidFill>
+              </a:rPr>
+              <a:t>Luvit</a:t>
+            </a:r>
+            <a:r>
+              <a:rPr lang="en-US" sz="2800" dirty="0">
+                <a:solidFill>
+                  <a:schemeClr val="bg1"/>
+                </a:solidFill>
+              </a:rPr>
+              <a:t>, Julia, </a:t>
+            </a:r>
+            <a:r>
+              <a:rPr lang="en-US" sz="2800" dirty="0" err="1">
+                <a:solidFill>
+                  <a:schemeClr val="bg1"/>
+                </a:solidFill>
+              </a:rPr>
+              <a:t>pyuv</a:t>
+            </a:r>
+            <a:r>
+              <a:rPr lang="en-US" sz="2800" dirty="0">
+                <a:solidFill>
+                  <a:schemeClr val="bg1"/>
+                </a:solidFill>
+              </a:rPr>
+              <a:t>, and others.</a:t>
+            </a:r>
+          </a:p>
+        </p:txBody>
+      </p:sp>
+    </p:spTree>
+    <p:custDataLst>
+      <p:tags r:id="rId1"/>
+    </p:custDataLst>
+    <p:extLst>
+      <p:ext uri="{BB962C8B-B14F-4D97-AF65-F5344CB8AC3E}">
+        <p14:creationId xmlns:p14="http://schemas.microsoft.com/office/powerpoint/2010/main" val="3820875924"/>
+      </p:ext>
+    </p:extLst>
+  </p:cSld>
+  <p:clrMapOvr>
+    <a:masterClrMapping/>
+  </p:clrMapOvr>
+</p:sld>
+</file>
+
+<file path=ppt/slides/slide6.xml><?xml version="1.0" encoding="utf-8"?>
+<p:sld xmlns:a="http://schemas.openxmlformats.org/drawingml/2006/main" xmlns:r="http://schemas.openxmlformats.org/officeDocument/2006/relationships" xmlns:p="http://schemas.openxmlformats.org/presentationml/2006/main">
+  <p:cSld>
+    <p:spTree>
+      <p:nvGrpSpPr>
+        <p:cNvPr id="1" name=""/>
+        <p:cNvGrpSpPr/>
+        <p:nvPr/>
+      </p:nvGrpSpPr>
+      <p:grpSpPr>
+        <a:xfrm>
+          <a:off x="0" y="0"/>
+          <a:ext cx="0" cy="0"/>
+          <a:chOff x="0" y="0"/>
+          <a:chExt cx="0" cy="0"/>
+        </a:xfrm>
+      </p:grpSpPr>
+      <p:sp>
+        <p:nvSpPr>
+          <p:cNvPr id="11" name="Text Placeholder 10"/>
+          <p:cNvSpPr>
+            <a:spLocks noGrp="1"/>
+          </p:cNvSpPr>
+          <p:nvPr>
+            <p:ph type="body" sz="quarter" idx="30"/>
+          </p:nvPr>
+        </p:nvSpPr>
+        <p:spPr/>
+        <p:txBody>
+          <a:bodyPr/>
+          <a:lstStyle/>
+          <a:p>
+            <a:endParaRPr lang="en-GB"/>
+          </a:p>
+        </p:txBody>
+      </p:sp>
+      <p:sp>
+        <p:nvSpPr>
+          <p:cNvPr id="5" name="Title 4">
+            <a:extLst>
+              <a:ext uri="{FF2B5EF4-FFF2-40B4-BE49-F238E27FC236}">
+                <a16:creationId xmlns:a16="http://schemas.microsoft.com/office/drawing/2014/main" id="{E0A5CF59-DAE3-45F2-9C93-7D64EABC276E}"/>
+              </a:ext>
+            </a:extLst>
+          </p:cNvPr>
+          <p:cNvSpPr>
+            <a:spLocks noGrp="1"/>
+          </p:cNvSpPr>
+          <p:nvPr>
+            <p:ph type="ctrTitle"/>
+          </p:nvPr>
+        </p:nvSpPr>
+        <p:spPr>
+          <a:xfrm>
+            <a:off x="198488" y="379719"/>
+            <a:ext cx="10300690" cy="761386"/>
+          </a:xfrm>
+        </p:spPr>
+        <p:txBody>
+          <a:bodyPr>
+            <a:normAutofit fontScale="90000"/>
+          </a:bodyPr>
+          <a:lstStyle/>
+          <a:p>
+            <a:r>
+              <a:rPr lang="lt-LT" dirty="0"/>
+              <a:t>V8 </a:t>
+            </a:r>
+            <a:r>
+              <a:rPr lang="lt-LT" dirty="0" err="1"/>
+              <a:t>and</a:t>
+            </a:r>
+            <a:r>
+              <a:rPr lang="lt-LT" dirty="0"/>
+              <a:t> </a:t>
+            </a:r>
+            <a:r>
+              <a:rPr lang="lt-LT" dirty="0" err="1"/>
+              <a:t>libuv</a:t>
+            </a:r>
+            <a:endParaRPr lang="en-US" dirty="0"/>
+          </a:p>
+        </p:txBody>
+      </p:sp>
+      <p:pic>
+        <p:nvPicPr>
+          <p:cNvPr id="2052" name="Picture 4" descr="libuv">
+            <a:extLst>
+              <a:ext uri="{FF2B5EF4-FFF2-40B4-BE49-F238E27FC236}">
+                <a16:creationId xmlns:a16="http://schemas.microsoft.com/office/drawing/2014/main" id="{5733BAE0-5339-43E5-8E37-B11AA6B464D0}"/>
+              </a:ext>
+            </a:extLst>
+          </p:cNvPr>
+          <p:cNvPicPr>
+            <a:picLocks noChangeAspect="1" noChangeArrowheads="1"/>
+          </p:cNvPicPr>
+          <p:nvPr/>
+        </p:nvPicPr>
+        <p:blipFill rotWithShape="1">
+          <a:blip r:embed="rId3">
+            <a:extLst>
+              <a:ext uri="{28A0092B-C50C-407E-A947-70E740481C1C}">
+                <a14:useLocalDpi xmlns:a14="http://schemas.microsoft.com/office/drawing/2010/main" val="0"/>
+              </a:ext>
+            </a:extLst>
+          </a:blip>
+          <a:srcRect l="1" r="59665" b="438"/>
+          <a:stretch/>
+        </p:blipFill>
+        <p:spPr bwMode="auto">
+          <a:xfrm>
+            <a:off x="1376734" y="4130858"/>
+            <a:ext cx="2268461" cy="2099821"/>
+          </a:xfrm>
+          <a:prstGeom prst="rect">
+            <a:avLst/>
+          </a:prstGeom>
+          <a:noFill/>
+          <a:extLst>
+            <a:ext uri="{909E8E84-426E-40DD-AFC4-6F175D3DCCD1}">
+              <a14:hiddenFill xmlns:a14="http://schemas.microsoft.com/office/drawing/2010/main">
+                <a:solidFill>
+                  <a:srgbClr val="FFFFFF"/>
+                </a:solidFill>
+              </a14:hiddenFill>
+            </a:ext>
+          </a:extLst>
+        </p:spPr>
+      </p:pic>
+      <p:pic>
+        <p:nvPicPr>
+          <p:cNvPr id="3" name="Graphic 2">
+            <a:extLst>
+              <a:ext uri="{FF2B5EF4-FFF2-40B4-BE49-F238E27FC236}">
+                <a16:creationId xmlns:a16="http://schemas.microsoft.com/office/drawing/2014/main" id="{A26CE355-2461-4515-8A27-5CFFC1A411FF}"/>
+              </a:ext>
+            </a:extLst>
+          </p:cNvPr>
+          <p:cNvPicPr>
+            <a:picLocks noChangeAspect="1"/>
+          </p:cNvPicPr>
+          <p:nvPr/>
+        </p:nvPicPr>
+        <p:blipFill>
+          <a:blip r:embed="rId4">
+            <a:extLst>
+              <a:ext uri="{28A0092B-C50C-407E-A947-70E740481C1C}">
+                <a14:useLocalDpi xmlns:a14="http://schemas.microsoft.com/office/drawing/2010/main" val="0"/>
+              </a:ext>
+              <a:ext uri="{96DAC541-7B7A-43D3-8B79-37D633B846F1}">
+                <asvg:svgBlip xmlns:asvg="http://schemas.microsoft.com/office/drawing/2016/SVG/main" r:embed="rId5"/>
+              </a:ext>
+            </a:extLst>
+          </a:blip>
+          <a:stretch>
+            <a:fillRect/>
+          </a:stretch>
+        </p:blipFill>
+        <p:spPr>
+          <a:xfrm>
+            <a:off x="1274134" y="1345793"/>
+            <a:ext cx="2371061" cy="2371061"/>
+          </a:xfrm>
+          <a:prstGeom prst="rect">
+            <a:avLst/>
+          </a:prstGeom>
+        </p:spPr>
+      </p:pic>
+      <p:sp>
+        <p:nvSpPr>
+          <p:cNvPr id="2" name="TextBox 1">
+            <a:extLst>
+              <a:ext uri="{FF2B5EF4-FFF2-40B4-BE49-F238E27FC236}">
+                <a16:creationId xmlns:a16="http://schemas.microsoft.com/office/drawing/2014/main" id="{F1474B49-4CDE-4A0E-B737-7AAD0F161DE5}"/>
+              </a:ext>
+            </a:extLst>
+          </p:cNvPr>
+          <p:cNvSpPr txBox="1"/>
+          <p:nvPr/>
+        </p:nvSpPr>
+        <p:spPr>
+          <a:xfrm>
+            <a:off x="4529470" y="1658679"/>
             <a:ext cx="6141507" cy="954107"/>
           </a:xfrm>
           <a:prstGeom prst="rect">
@@ -7488,7 +8610,7 @@
 </p:sld>
 </file>
 
-<file path=ppt/slides/slide6.xml><?xml version="1.0" encoding="utf-8"?>
+<file path=ppt/slides/slide7.xml><?xml version="1.0" encoding="utf-8"?>
 <p:sld xmlns:a="http://schemas.openxmlformats.org/drawingml/2006/main" xmlns:r="http://schemas.openxmlformats.org/officeDocument/2006/relationships" xmlns:p="http://schemas.openxmlformats.org/presentationml/2006/main">
   <p:cSld>
     <p:spTree>
@@ -7631,7 +8753,7 @@
 </p:sld>
 </file>
 
-<file path=ppt/slides/slide7.xml><?xml version="1.0" encoding="utf-8"?>
+<file path=ppt/slides/slide8.xml><?xml version="1.0" encoding="utf-8"?>
 <p:sld xmlns:a="http://schemas.openxmlformats.org/drawingml/2006/main" xmlns:r="http://schemas.openxmlformats.org/officeDocument/2006/relationships" xmlns:p="http://schemas.openxmlformats.org/presentationml/2006/main">
   <p:cSld>
     <p:spTree>
@@ -7834,7 +8956,7 @@
 </p:sld>
 </file>
 
-<file path=ppt/slides/slide8.xml><?xml version="1.0" encoding="utf-8"?>
+<file path=ppt/slides/slide9.xml><?xml version="1.0" encoding="utf-8"?>
 <p:sld xmlns:a="http://schemas.openxmlformats.org/drawingml/2006/main" xmlns:r="http://schemas.openxmlformats.org/officeDocument/2006/relationships" xmlns:p="http://schemas.openxmlformats.org/presentationml/2006/main">
   <p:cSld>
     <p:spTree>
@@ -8347,659 +9469,6 @@
     <p:extLst>
       <p:ext uri="{BB962C8B-B14F-4D97-AF65-F5344CB8AC3E}">
         <p14:creationId xmlns:p14="http://schemas.microsoft.com/office/powerpoint/2010/main" val="2565824596"/>
-      </p:ext>
-    </p:extLst>
-  </p:cSld>
-  <p:clrMapOvr>
-    <a:masterClrMapping/>
-  </p:clrMapOvr>
-</p:sld>
-</file>
-
-<file path=ppt/slides/slide9.xml><?xml version="1.0" encoding="utf-8"?>
-<p:sld xmlns:a="http://schemas.openxmlformats.org/drawingml/2006/main" xmlns:r="http://schemas.openxmlformats.org/officeDocument/2006/relationships" xmlns:p="http://schemas.openxmlformats.org/presentationml/2006/main">
-  <p:cSld>
-    <p:spTree>
-      <p:nvGrpSpPr>
-        <p:cNvPr id="1" name=""/>
-        <p:cNvGrpSpPr/>
-        <p:nvPr/>
-      </p:nvGrpSpPr>
-      <p:grpSpPr>
-        <a:xfrm>
-          <a:off x="0" y="0"/>
-          <a:ext cx="0" cy="0"/>
-          <a:chOff x="0" y="0"/>
-          <a:chExt cx="0" cy="0"/>
-        </a:xfrm>
-      </p:grpSpPr>
-      <p:pic>
-        <p:nvPicPr>
-          <p:cNvPr id="12" name="Picture 11">
-            <a:extLst>
-              <a:ext uri="{FF2B5EF4-FFF2-40B4-BE49-F238E27FC236}">
-                <a16:creationId xmlns:a16="http://schemas.microsoft.com/office/drawing/2014/main" id="{1F075796-D351-4427-AEAF-963681D35476}"/>
-              </a:ext>
-            </a:extLst>
-          </p:cNvPr>
-          <p:cNvPicPr>
-            <a:picLocks noChangeAspect="1"/>
-          </p:cNvPicPr>
-          <p:nvPr/>
-        </p:nvPicPr>
-        <p:blipFill>
-          <a:blip r:embed="rId3">
-            <a:extLst>
-              <a:ext uri="{28A0092B-C50C-407E-A947-70E740481C1C}">
-                <a14:useLocalDpi xmlns:a14="http://schemas.microsoft.com/office/drawing/2010/main" val="0"/>
-              </a:ext>
-            </a:extLst>
-          </a:blip>
-          <a:stretch>
-            <a:fillRect/>
-          </a:stretch>
-        </p:blipFill>
-        <p:spPr>
-          <a:xfrm>
-            <a:off x="81751" y="1746398"/>
-            <a:ext cx="7115175" cy="4248150"/>
-          </a:xfrm>
-          <a:prstGeom prst="rect">
-            <a:avLst/>
-          </a:prstGeom>
-        </p:spPr>
-      </p:pic>
-      <p:sp>
-        <p:nvSpPr>
-          <p:cNvPr id="2" name="Rectangle 1">
-            <a:extLst>
-              <a:ext uri="{FF2B5EF4-FFF2-40B4-BE49-F238E27FC236}">
-                <a16:creationId xmlns:a16="http://schemas.microsoft.com/office/drawing/2014/main" id="{1BAEA764-C790-4593-A12A-9DD792451D08}"/>
-              </a:ext>
-            </a:extLst>
-          </p:cNvPr>
-          <p:cNvSpPr/>
-          <p:nvPr/>
-        </p:nvSpPr>
-        <p:spPr>
-          <a:xfrm>
-            <a:off x="4138362" y="1520825"/>
-            <a:ext cx="8053638" cy="4638502"/>
-          </a:xfrm>
-          <a:prstGeom prst="rect">
-            <a:avLst/>
-          </a:prstGeom>
-        </p:spPr>
-        <p:style>
-          <a:lnRef idx="2">
-            <a:schemeClr val="dk1">
-              <a:shade val="50000"/>
-            </a:schemeClr>
-          </a:lnRef>
-          <a:fillRef idx="1">
-            <a:schemeClr val="dk1"/>
-          </a:fillRef>
-          <a:effectRef idx="0">
-            <a:schemeClr val="dk1"/>
-          </a:effectRef>
-          <a:fontRef idx="minor">
-            <a:schemeClr val="lt1"/>
-          </a:fontRef>
-        </p:style>
-        <p:txBody>
-          <a:bodyPr rtlCol="0" anchor="ctr"/>
-          <a:lstStyle/>
-          <a:p>
-            <a:pPr algn="ctr"/>
-            <a:endParaRPr lang="en-US"/>
-          </a:p>
-        </p:txBody>
-      </p:sp>
-      <p:sp>
-        <p:nvSpPr>
-          <p:cNvPr id="11" name="Text Placeholder 10"/>
-          <p:cNvSpPr>
-            <a:spLocks noGrp="1"/>
-          </p:cNvSpPr>
-          <p:nvPr>
-            <p:ph type="body" sz="quarter" idx="30"/>
-          </p:nvPr>
-        </p:nvSpPr>
-        <p:spPr/>
-        <p:txBody>
-          <a:bodyPr/>
-          <a:lstStyle/>
-          <a:p>
-            <a:endParaRPr lang="en-GB"/>
-          </a:p>
-        </p:txBody>
-      </p:sp>
-      <p:sp>
-        <p:nvSpPr>
-          <p:cNvPr id="8" name="Title 4">
-            <a:extLst>
-              <a:ext uri="{FF2B5EF4-FFF2-40B4-BE49-F238E27FC236}">
-                <a16:creationId xmlns:a16="http://schemas.microsoft.com/office/drawing/2014/main" id="{EA1C5765-6A57-4B84-B56A-292D99C2E16F}"/>
-              </a:ext>
-            </a:extLst>
-          </p:cNvPr>
-          <p:cNvSpPr>
-            <a:spLocks noGrp="1"/>
-          </p:cNvSpPr>
-          <p:nvPr>
-            <p:ph type="ctrTitle"/>
-          </p:nvPr>
-        </p:nvSpPr>
-        <p:spPr>
-          <a:xfrm>
-            <a:off x="198488" y="379719"/>
-            <a:ext cx="10300690" cy="761386"/>
-          </a:xfrm>
-        </p:spPr>
-        <p:txBody>
-          <a:bodyPr>
-            <a:normAutofit fontScale="90000"/>
-          </a:bodyPr>
-          <a:lstStyle/>
-          <a:p>
-            <a:r>
-              <a:rPr lang="lt-LT" dirty="0" err="1"/>
-              <a:t>Event</a:t>
-            </a:r>
-            <a:r>
-              <a:rPr lang="lt-LT" dirty="0"/>
-              <a:t> </a:t>
-            </a:r>
-            <a:r>
-              <a:rPr lang="lt-LT" dirty="0" err="1"/>
-              <a:t>loop</a:t>
-            </a:r>
-            <a:endParaRPr lang="en-US" dirty="0"/>
-          </a:p>
-        </p:txBody>
-      </p:sp>
-      <p:sp>
-        <p:nvSpPr>
-          <p:cNvPr id="5" name="TextBox 4">
-            <a:extLst>
-              <a:ext uri="{FF2B5EF4-FFF2-40B4-BE49-F238E27FC236}">
-                <a16:creationId xmlns:a16="http://schemas.microsoft.com/office/drawing/2014/main" id="{54796B49-767A-4AFB-8125-DA3D12EA5BED}"/>
-              </a:ext>
-            </a:extLst>
-          </p:cNvPr>
-          <p:cNvSpPr txBox="1"/>
-          <p:nvPr/>
-        </p:nvSpPr>
-        <p:spPr>
-          <a:xfrm>
-            <a:off x="4215600" y="1650732"/>
-            <a:ext cx="7858125" cy="4431983"/>
-          </a:xfrm>
-          <a:prstGeom prst="rect">
-            <a:avLst/>
-          </a:prstGeom>
-          <a:noFill/>
-        </p:spPr>
-        <p:txBody>
-          <a:bodyPr wrap="square" rtlCol="0">
-            <a:spAutoFit/>
-          </a:bodyPr>
-          <a:lstStyle/>
-          <a:p>
-            <a:pPr marL="342900" lvl="0" indent="-342900" eaLnBrk="0" fontAlgn="base" hangingPunct="0">
-              <a:spcBef>
-                <a:spcPct val="0"/>
-              </a:spcBef>
-              <a:spcAft>
-                <a:spcPct val="0"/>
-              </a:spcAft>
-              <a:buFont typeface="Arial" panose="020B0604020202020204" pitchFamily="34" charset="0"/>
-              <a:buChar char="•"/>
-            </a:pPr>
-            <a:r>
-              <a:rPr kumimoji="0" lang="en-US" altLang="en-US" sz="2400" b="1" i="0" u="none" strike="noStrike" cap="none" normalizeH="0" baseline="0" dirty="0">
-                <a:ln>
-                  <a:noFill/>
-                </a:ln>
-                <a:solidFill>
-                  <a:schemeClr val="bg1"/>
-                </a:solidFill>
-                <a:effectLst/>
-                <a:latin typeface="Source Sans Pro" panose="020B0503030403020204" pitchFamily="34" charset="0"/>
-              </a:rPr>
-              <a:t>timers</a:t>
-            </a:r>
-            <a:r>
-              <a:rPr kumimoji="0" lang="en-US" altLang="en-US" sz="2400" b="0" i="0" u="none" strike="noStrike" cap="none" normalizeH="0" baseline="0" dirty="0">
-                <a:ln>
-                  <a:noFill/>
-                </a:ln>
-                <a:solidFill>
-                  <a:schemeClr val="bg1"/>
-                </a:solidFill>
-                <a:effectLst/>
-                <a:latin typeface="Source Sans Pro" panose="020B0503030403020204" pitchFamily="34" charset="0"/>
-              </a:rPr>
-              <a:t>: this phase executes callbacks scheduled</a:t>
-            </a:r>
-            <a:r>
-              <a:rPr kumimoji="0" lang="lt-LT" altLang="en-US" sz="2400" b="0" i="0" u="none" strike="noStrike" cap="none" normalizeH="0" baseline="0" dirty="0">
-                <a:ln>
-                  <a:noFill/>
-                </a:ln>
-                <a:solidFill>
-                  <a:schemeClr val="bg1"/>
-                </a:solidFill>
-                <a:effectLst/>
-                <a:latin typeface="Source Sans Pro" panose="020B0503030403020204" pitchFamily="34" charset="0"/>
-              </a:rPr>
-              <a:t>  </a:t>
-            </a:r>
-            <a:r>
-              <a:rPr kumimoji="0" lang="en-US" altLang="en-US" sz="2400" b="0" i="0" u="none" strike="noStrike" cap="none" normalizeH="0" baseline="0" dirty="0">
-                <a:ln>
-                  <a:noFill/>
-                </a:ln>
-                <a:solidFill>
-                  <a:schemeClr val="bg1"/>
-                </a:solidFill>
-                <a:effectLst/>
-                <a:latin typeface="Source Sans Pro" panose="020B0503030403020204" pitchFamily="34" charset="0"/>
-              </a:rPr>
-              <a:t>by </a:t>
-            </a:r>
-            <a:r>
-              <a:rPr kumimoji="0" lang="en-US" altLang="en-US" b="0" i="0" u="none" strike="noStrike" cap="none" normalizeH="0" baseline="0" dirty="0" err="1">
-                <a:ln>
-                  <a:noFill/>
-                </a:ln>
-                <a:solidFill>
-                  <a:schemeClr val="bg1"/>
-                </a:solidFill>
-                <a:effectLst/>
-                <a:latin typeface="Arial Unicode MS"/>
-              </a:rPr>
-              <a:t>setTimeout</a:t>
-            </a:r>
-            <a:r>
-              <a:rPr kumimoji="0" lang="en-US" altLang="en-US" b="0" i="0" u="none" strike="noStrike" cap="none" normalizeH="0" baseline="0" dirty="0">
-                <a:ln>
-                  <a:noFill/>
-                </a:ln>
-                <a:solidFill>
-                  <a:schemeClr val="bg1"/>
-                </a:solidFill>
-                <a:effectLst/>
-                <a:latin typeface="Arial Unicode MS"/>
-              </a:rPr>
-              <a:t>()</a:t>
-            </a:r>
-            <a:r>
-              <a:rPr kumimoji="0" lang="en-US" altLang="en-US" sz="2400" b="0" i="0" u="none" strike="noStrike" cap="none" normalizeH="0" baseline="0" dirty="0">
-                <a:ln>
-                  <a:noFill/>
-                </a:ln>
-                <a:solidFill>
-                  <a:schemeClr val="bg1"/>
-                </a:solidFill>
-                <a:effectLst/>
-                <a:latin typeface="Source Sans Pro" panose="020B0503030403020204" pitchFamily="34" charset="0"/>
-              </a:rPr>
-              <a:t> and </a:t>
-            </a:r>
-            <a:r>
-              <a:rPr kumimoji="0" lang="en-US" altLang="en-US" b="0" i="0" u="none" strike="noStrike" cap="none" normalizeH="0" baseline="0" dirty="0" err="1">
-                <a:ln>
-                  <a:noFill/>
-                </a:ln>
-                <a:solidFill>
-                  <a:schemeClr val="bg1"/>
-                </a:solidFill>
-                <a:effectLst/>
-                <a:latin typeface="Arial Unicode MS"/>
-              </a:rPr>
-              <a:t>setInterval</a:t>
-            </a:r>
-            <a:r>
-              <a:rPr kumimoji="0" lang="en-US" altLang="en-US" b="0" i="0" u="none" strike="noStrike" cap="none" normalizeH="0" baseline="0" dirty="0">
-                <a:ln>
-                  <a:noFill/>
-                </a:ln>
-                <a:solidFill>
-                  <a:schemeClr val="bg1"/>
-                </a:solidFill>
-                <a:effectLst/>
-                <a:latin typeface="Arial Unicode MS"/>
-              </a:rPr>
-              <a:t>()</a:t>
-            </a:r>
-            <a:r>
-              <a:rPr kumimoji="0" lang="en-US" altLang="en-US" sz="2400" b="0" i="0" u="none" strike="noStrike" cap="none" normalizeH="0" baseline="0" dirty="0">
-                <a:ln>
-                  <a:noFill/>
-                </a:ln>
-                <a:solidFill>
-                  <a:schemeClr val="bg1"/>
-                </a:solidFill>
-                <a:effectLst/>
-                <a:latin typeface="Source Sans Pro" panose="020B0503030403020204" pitchFamily="34" charset="0"/>
-              </a:rPr>
-              <a:t>.</a:t>
-            </a:r>
-          </a:p>
-          <a:p>
-            <a:pPr marL="342900" lvl="0" indent="-342900" eaLnBrk="0" fontAlgn="base" hangingPunct="0">
-              <a:spcBef>
-                <a:spcPct val="0"/>
-              </a:spcBef>
-              <a:spcAft>
-                <a:spcPct val="0"/>
-              </a:spcAft>
-              <a:buFont typeface="Arial" panose="020B0604020202020204" pitchFamily="34" charset="0"/>
-              <a:buChar char="•"/>
-            </a:pPr>
-            <a:r>
-              <a:rPr kumimoji="0" lang="en-US" altLang="en-US" sz="2400" b="1" i="0" u="none" strike="noStrike" cap="none" normalizeH="0" baseline="0" dirty="0">
-                <a:ln>
-                  <a:noFill/>
-                </a:ln>
-                <a:solidFill>
-                  <a:schemeClr val="bg1"/>
-                </a:solidFill>
-                <a:effectLst/>
-                <a:latin typeface="Source Sans Pro" panose="020B0503030403020204" pitchFamily="34" charset="0"/>
-              </a:rPr>
-              <a:t>pending callbacks</a:t>
-            </a:r>
-            <a:r>
-              <a:rPr kumimoji="0" lang="en-US" altLang="en-US" sz="2400" b="0" i="0" u="none" strike="noStrike" cap="none" normalizeH="0" baseline="0" dirty="0">
-                <a:ln>
-                  <a:noFill/>
-                </a:ln>
-                <a:solidFill>
-                  <a:schemeClr val="bg1"/>
-                </a:solidFill>
-                <a:effectLst/>
-                <a:latin typeface="Source Sans Pro" panose="020B0503030403020204" pitchFamily="34" charset="0"/>
-              </a:rPr>
-              <a:t>: executes I/O callbacks deferred to the next loop iteration.</a:t>
-            </a:r>
-          </a:p>
-          <a:p>
-            <a:pPr marL="342900" lvl="0" indent="-342900" eaLnBrk="0" fontAlgn="base" hangingPunct="0">
-              <a:spcBef>
-                <a:spcPct val="0"/>
-              </a:spcBef>
-              <a:spcAft>
-                <a:spcPct val="0"/>
-              </a:spcAft>
-              <a:buFont typeface="Arial" panose="020B0604020202020204" pitchFamily="34" charset="0"/>
-              <a:buChar char="•"/>
-            </a:pPr>
-            <a:r>
-              <a:rPr kumimoji="0" lang="en-US" altLang="en-US" sz="2400" b="1" i="0" u="none" strike="noStrike" cap="none" normalizeH="0" baseline="0" dirty="0">
-                <a:ln>
-                  <a:noFill/>
-                </a:ln>
-                <a:solidFill>
-                  <a:schemeClr val="bg1"/>
-                </a:solidFill>
-                <a:effectLst/>
-                <a:latin typeface="Source Sans Pro" panose="020B0503030403020204" pitchFamily="34" charset="0"/>
-              </a:rPr>
-              <a:t>idle, prepare</a:t>
-            </a:r>
-            <a:r>
-              <a:rPr kumimoji="0" lang="en-US" altLang="en-US" sz="2400" b="0" i="0" u="none" strike="noStrike" cap="none" normalizeH="0" baseline="0" dirty="0">
-                <a:ln>
-                  <a:noFill/>
-                </a:ln>
-                <a:solidFill>
-                  <a:schemeClr val="bg1"/>
-                </a:solidFill>
-                <a:effectLst/>
-                <a:latin typeface="Source Sans Pro" panose="020B0503030403020204" pitchFamily="34" charset="0"/>
-              </a:rPr>
-              <a:t>: only used internally.</a:t>
-            </a:r>
-          </a:p>
-          <a:p>
-            <a:pPr marL="342900" lvl="0" indent="-342900" eaLnBrk="0" fontAlgn="base" hangingPunct="0">
-              <a:spcBef>
-                <a:spcPct val="0"/>
-              </a:spcBef>
-              <a:spcAft>
-                <a:spcPct val="0"/>
-              </a:spcAft>
-              <a:buFont typeface="Arial" panose="020B0604020202020204" pitchFamily="34" charset="0"/>
-              <a:buChar char="•"/>
-            </a:pPr>
-            <a:r>
-              <a:rPr kumimoji="0" lang="en-US" altLang="en-US" sz="2400" b="1" i="0" u="none" strike="noStrike" cap="none" normalizeH="0" baseline="0" dirty="0">
-                <a:ln>
-                  <a:noFill/>
-                </a:ln>
-                <a:solidFill>
-                  <a:schemeClr val="bg1"/>
-                </a:solidFill>
-                <a:effectLst/>
-                <a:latin typeface="Source Sans Pro" panose="020B0503030403020204" pitchFamily="34" charset="0"/>
-              </a:rPr>
-              <a:t>poll</a:t>
-            </a:r>
-            <a:r>
-              <a:rPr kumimoji="0" lang="en-US" altLang="en-US" sz="2400" b="0" i="0" u="none" strike="noStrike" cap="none" normalizeH="0" baseline="0" dirty="0">
-                <a:ln>
-                  <a:noFill/>
-                </a:ln>
-                <a:solidFill>
-                  <a:schemeClr val="bg1"/>
-                </a:solidFill>
-                <a:effectLst/>
-                <a:latin typeface="Source Sans Pro" panose="020B0503030403020204" pitchFamily="34" charset="0"/>
-              </a:rPr>
-              <a:t>: retrieve new I/O events; execute I/O related callbacks (almost all with the exception of close callbacks, the ones scheduled by timers, and </a:t>
-            </a:r>
-            <a:r>
-              <a:rPr kumimoji="0" lang="en-US" altLang="en-US" b="0" i="0" u="none" strike="noStrike" cap="none" normalizeH="0" baseline="0" dirty="0" err="1">
-                <a:ln>
-                  <a:noFill/>
-                </a:ln>
-                <a:solidFill>
-                  <a:schemeClr val="bg1"/>
-                </a:solidFill>
-                <a:effectLst/>
-                <a:latin typeface="Arial Unicode MS"/>
-              </a:rPr>
-              <a:t>setImmediate</a:t>
-            </a:r>
-            <a:r>
-              <a:rPr kumimoji="0" lang="en-US" altLang="en-US" b="0" i="0" u="none" strike="noStrike" cap="none" normalizeH="0" baseline="0" dirty="0">
-                <a:ln>
-                  <a:noFill/>
-                </a:ln>
-                <a:solidFill>
-                  <a:schemeClr val="bg1"/>
-                </a:solidFill>
-                <a:effectLst/>
-                <a:latin typeface="Arial Unicode MS"/>
-              </a:rPr>
-              <a:t>()</a:t>
-            </a:r>
-            <a:r>
-              <a:rPr kumimoji="0" lang="en-US" altLang="en-US" sz="2400" b="0" i="0" u="none" strike="noStrike" cap="none" normalizeH="0" baseline="0" dirty="0">
-                <a:ln>
-                  <a:noFill/>
-                </a:ln>
-                <a:solidFill>
-                  <a:schemeClr val="bg1"/>
-                </a:solidFill>
-                <a:effectLst/>
-                <a:latin typeface="Source Sans Pro" panose="020B0503030403020204" pitchFamily="34" charset="0"/>
-              </a:rPr>
-              <a:t>); node will block here when appropriate.</a:t>
-            </a:r>
-          </a:p>
-          <a:p>
-            <a:pPr marL="342900" lvl="0" indent="-342900" eaLnBrk="0" fontAlgn="base" hangingPunct="0">
-              <a:spcBef>
-                <a:spcPct val="0"/>
-              </a:spcBef>
-              <a:spcAft>
-                <a:spcPct val="0"/>
-              </a:spcAft>
-              <a:buFont typeface="Arial" panose="020B0604020202020204" pitchFamily="34" charset="0"/>
-              <a:buChar char="•"/>
-            </a:pPr>
-            <a:r>
-              <a:rPr kumimoji="0" lang="en-US" altLang="en-US" sz="2400" b="1" i="0" u="none" strike="noStrike" cap="none" normalizeH="0" baseline="0" dirty="0">
-                <a:ln>
-                  <a:noFill/>
-                </a:ln>
-                <a:solidFill>
-                  <a:schemeClr val="bg1"/>
-                </a:solidFill>
-                <a:effectLst/>
-                <a:latin typeface="Source Sans Pro" panose="020B0503030403020204" pitchFamily="34" charset="0"/>
-              </a:rPr>
-              <a:t>check</a:t>
-            </a:r>
-            <a:r>
-              <a:rPr kumimoji="0" lang="en-US" altLang="en-US" sz="2400" b="0" i="0" u="none" strike="noStrike" cap="none" normalizeH="0" baseline="0" dirty="0">
-                <a:ln>
-                  <a:noFill/>
-                </a:ln>
-                <a:solidFill>
-                  <a:schemeClr val="bg1"/>
-                </a:solidFill>
-                <a:effectLst/>
-                <a:latin typeface="Source Sans Pro" panose="020B0503030403020204" pitchFamily="34" charset="0"/>
-              </a:rPr>
-              <a:t>: </a:t>
-            </a:r>
-            <a:r>
-              <a:rPr kumimoji="0" lang="en-US" altLang="en-US" b="0" i="0" u="none" strike="noStrike" cap="none" normalizeH="0" baseline="0" dirty="0" err="1">
-                <a:ln>
-                  <a:noFill/>
-                </a:ln>
-                <a:solidFill>
-                  <a:schemeClr val="bg1"/>
-                </a:solidFill>
-                <a:effectLst/>
-                <a:latin typeface="Arial Unicode MS"/>
-              </a:rPr>
-              <a:t>setImmediate</a:t>
-            </a:r>
-            <a:r>
-              <a:rPr kumimoji="0" lang="en-US" altLang="en-US" b="0" i="0" u="none" strike="noStrike" cap="none" normalizeH="0" baseline="0" dirty="0">
-                <a:ln>
-                  <a:noFill/>
-                </a:ln>
-                <a:solidFill>
-                  <a:schemeClr val="bg1"/>
-                </a:solidFill>
-                <a:effectLst/>
-                <a:latin typeface="Arial Unicode MS"/>
-              </a:rPr>
-              <a:t>()</a:t>
-            </a:r>
-            <a:r>
-              <a:rPr kumimoji="0" lang="en-US" altLang="en-US" sz="2400" b="0" i="0" u="none" strike="noStrike" cap="none" normalizeH="0" baseline="0" dirty="0">
-                <a:ln>
-                  <a:noFill/>
-                </a:ln>
-                <a:solidFill>
-                  <a:schemeClr val="bg1"/>
-                </a:solidFill>
-                <a:effectLst/>
-                <a:latin typeface="Source Sans Pro" panose="020B0503030403020204" pitchFamily="34" charset="0"/>
-              </a:rPr>
-              <a:t> callbacks are invoked here.</a:t>
-            </a:r>
-          </a:p>
-          <a:p>
-            <a:pPr marL="342900" lvl="0" indent="-342900" eaLnBrk="0" fontAlgn="base" hangingPunct="0">
-              <a:spcBef>
-                <a:spcPct val="0"/>
-              </a:spcBef>
-              <a:spcAft>
-                <a:spcPct val="0"/>
-              </a:spcAft>
-              <a:buFont typeface="Arial" panose="020B0604020202020204" pitchFamily="34" charset="0"/>
-              <a:buChar char="•"/>
-            </a:pPr>
-            <a:r>
-              <a:rPr kumimoji="0" lang="en-US" altLang="en-US" sz="2400" b="1" i="0" u="none" strike="noStrike" cap="none" normalizeH="0" baseline="0" dirty="0">
-                <a:ln>
-                  <a:noFill/>
-                </a:ln>
-                <a:solidFill>
-                  <a:schemeClr val="bg1"/>
-                </a:solidFill>
-                <a:effectLst/>
-                <a:latin typeface="Source Sans Pro" panose="020B0503030403020204" pitchFamily="34" charset="0"/>
-              </a:rPr>
-              <a:t>close callbacks</a:t>
-            </a:r>
-            <a:r>
-              <a:rPr kumimoji="0" lang="en-US" altLang="en-US" sz="2400" b="0" i="0" u="none" strike="noStrike" cap="none" normalizeH="0" baseline="0" dirty="0">
-                <a:ln>
-                  <a:noFill/>
-                </a:ln>
-                <a:solidFill>
-                  <a:schemeClr val="bg1"/>
-                </a:solidFill>
-                <a:effectLst/>
-                <a:latin typeface="Source Sans Pro" panose="020B0503030403020204" pitchFamily="34" charset="0"/>
-              </a:rPr>
-              <a:t>: some close callbacks, e.g. </a:t>
-            </a:r>
-            <a:r>
-              <a:rPr kumimoji="0" lang="en-US" altLang="en-US" b="0" i="0" u="none" strike="noStrike" cap="none" normalizeH="0" baseline="0" dirty="0" err="1">
-                <a:ln>
-                  <a:noFill/>
-                </a:ln>
-                <a:solidFill>
-                  <a:schemeClr val="bg1"/>
-                </a:solidFill>
-                <a:effectLst/>
-                <a:latin typeface="Arial Unicode MS"/>
-              </a:rPr>
-              <a:t>socket.on</a:t>
-            </a:r>
-            <a:r>
-              <a:rPr kumimoji="0" lang="en-US" altLang="en-US" b="0" i="0" u="none" strike="noStrike" cap="none" normalizeH="0" baseline="0" dirty="0">
-                <a:ln>
-                  <a:noFill/>
-                </a:ln>
-                <a:solidFill>
-                  <a:schemeClr val="bg1"/>
-                </a:solidFill>
-                <a:effectLst/>
-                <a:latin typeface="Arial Unicode MS"/>
-              </a:rPr>
-              <a:t>('close', ...)</a:t>
-            </a:r>
-            <a:endParaRPr kumimoji="0" lang="en-US" altLang="en-US" sz="2400" b="0" i="0" u="none" strike="noStrike" cap="none" normalizeH="0" baseline="0" dirty="0">
-              <a:ln>
-                <a:noFill/>
-              </a:ln>
-              <a:solidFill>
-                <a:schemeClr val="bg1"/>
-              </a:solidFill>
-              <a:effectLst/>
-              <a:latin typeface="Source Sans Pro" panose="020B0503030403020204" pitchFamily="34" charset="0"/>
-            </a:endParaRPr>
-          </a:p>
-        </p:txBody>
-      </p:sp>
-    </p:spTree>
-    <p:custDataLst>
-      <p:tags r:id="rId1"/>
-    </p:custDataLst>
-    <p:extLst>
-      <p:ext uri="{BB962C8B-B14F-4D97-AF65-F5344CB8AC3E}">
-        <p14:creationId xmlns:p14="http://schemas.microsoft.com/office/powerpoint/2010/main" val="1200981537"/>
       </p:ext>
     </p:extLst>
   </p:cSld>
@@ -9052,6 +9521,18 @@
 </file>
 
 <file path=ppt/tags/tag16.xml><?xml version="1.0" encoding="utf-8"?>
+<p:tagLst xmlns:a="http://schemas.openxmlformats.org/drawingml/2006/main" xmlns:r="http://schemas.openxmlformats.org/officeDocument/2006/relationships" xmlns:p="http://schemas.openxmlformats.org/presentationml/2006/main">
+  <p:tag name="TEMPLAFYSLIDEID" val="636342570089945957"/>
+</p:tagLst>
+</file>
+
+<file path=ppt/tags/tag17.xml><?xml version="1.0" encoding="utf-8"?>
+<p:tagLst xmlns:a="http://schemas.openxmlformats.org/drawingml/2006/main" xmlns:r="http://schemas.openxmlformats.org/officeDocument/2006/relationships" xmlns:p="http://schemas.openxmlformats.org/presentationml/2006/main">
+  <p:tag name="TEMPLAFYSLIDEID" val="636342570089945957"/>
+</p:tagLst>
+</file>
+
+<file path=ppt/tags/tag18.xml><?xml version="1.0" encoding="utf-8"?>
 <p:tagLst xmlns:a="http://schemas.openxmlformats.org/drawingml/2006/main" xmlns:r="http://schemas.openxmlformats.org/officeDocument/2006/relationships" xmlns:p="http://schemas.openxmlformats.org/presentationml/2006/main">
   <p:tag name="TEMPLAFYSLIDEID" val="636342570089945957"/>
 </p:tagLst>

--- a/nodejs.pptx
+++ b/nodejs.pptx
@@ -276,7 +276,7 @@
           <a:p>
             <a:fld id="{D0BD7BBD-4935-47A1-8381-E923F5B1B7D4}" type="datetimeFigureOut">
               <a:rPr lang="en-US" smtClean="0"/>
-              <a:t>11/17/2020</a:t>
+              <a:t>12/4/2020</a:t>
             </a:fld>
             <a:endParaRPr lang="en-US"/>
           </a:p>
@@ -474,7 +474,7 @@
           <a:p>
             <a:fld id="{D0BD7BBD-4935-47A1-8381-E923F5B1B7D4}" type="datetimeFigureOut">
               <a:rPr lang="en-US" smtClean="0"/>
-              <a:t>11/17/2020</a:t>
+              <a:t>12/4/2020</a:t>
             </a:fld>
             <a:endParaRPr lang="en-US"/>
           </a:p>
@@ -682,7 +682,7 @@
           <a:p>
             <a:fld id="{D0BD7BBD-4935-47A1-8381-E923F5B1B7D4}" type="datetimeFigureOut">
               <a:rPr lang="en-US" smtClean="0"/>
-              <a:t>11/17/2020</a:t>
+              <a:t>12/4/2020</a:t>
             </a:fld>
             <a:endParaRPr lang="en-US"/>
           </a:p>
@@ -1308,7 +1308,7 @@
           <a:p>
             <a:fld id="{0D52139E-80E8-44B2-89BA-FFDE8054A662}" type="datetime1">
               <a:rPr lang="en-GB"/>
-              <a:t>17/11/2020</a:t>
+              <a:t>04/12/2020</a:t>
             </a:fld>
             <a:endParaRPr lang="en-GB" dirty="0"/>
           </a:p>
@@ -1558,7 +1558,7 @@
           <a:p>
             <a:fld id="{D0BD7BBD-4935-47A1-8381-E923F5B1B7D4}" type="datetimeFigureOut">
               <a:rPr lang="en-US" smtClean="0"/>
-              <a:t>11/17/2020</a:t>
+              <a:t>12/4/2020</a:t>
             </a:fld>
             <a:endParaRPr lang="en-US"/>
           </a:p>
@@ -1833,7 +1833,7 @@
           <a:p>
             <a:fld id="{D0BD7BBD-4935-47A1-8381-E923F5B1B7D4}" type="datetimeFigureOut">
               <a:rPr lang="en-US" smtClean="0"/>
-              <a:t>11/17/2020</a:t>
+              <a:t>12/4/2020</a:t>
             </a:fld>
             <a:endParaRPr lang="en-US"/>
           </a:p>
@@ -2098,7 +2098,7 @@
           <a:p>
             <a:fld id="{D0BD7BBD-4935-47A1-8381-E923F5B1B7D4}" type="datetimeFigureOut">
               <a:rPr lang="en-US" smtClean="0"/>
-              <a:t>11/17/2020</a:t>
+              <a:t>12/4/2020</a:t>
             </a:fld>
             <a:endParaRPr lang="en-US"/>
           </a:p>
@@ -2510,7 +2510,7 @@
           <a:p>
             <a:fld id="{D0BD7BBD-4935-47A1-8381-E923F5B1B7D4}" type="datetimeFigureOut">
               <a:rPr lang="en-US" smtClean="0"/>
-              <a:t>11/17/2020</a:t>
+              <a:t>12/4/2020</a:t>
             </a:fld>
             <a:endParaRPr lang="en-US"/>
           </a:p>
@@ -2651,7 +2651,7 @@
           <a:p>
             <a:fld id="{D0BD7BBD-4935-47A1-8381-E923F5B1B7D4}" type="datetimeFigureOut">
               <a:rPr lang="en-US" smtClean="0"/>
-              <a:t>11/17/2020</a:t>
+              <a:t>12/4/2020</a:t>
             </a:fld>
             <a:endParaRPr lang="en-US"/>
           </a:p>
@@ -2764,7 +2764,7 @@
           <a:p>
             <a:fld id="{D0BD7BBD-4935-47A1-8381-E923F5B1B7D4}" type="datetimeFigureOut">
               <a:rPr lang="en-US" smtClean="0"/>
-              <a:t>11/17/2020</a:t>
+              <a:t>12/4/2020</a:t>
             </a:fld>
             <a:endParaRPr lang="en-US"/>
           </a:p>
@@ -3075,7 +3075,7 @@
           <a:p>
             <a:fld id="{D0BD7BBD-4935-47A1-8381-E923F5B1B7D4}" type="datetimeFigureOut">
               <a:rPr lang="en-US" smtClean="0"/>
-              <a:t>11/17/2020</a:t>
+              <a:t>12/4/2020</a:t>
             </a:fld>
             <a:endParaRPr lang="en-US"/>
           </a:p>
@@ -3363,7 +3363,7 @@
           <a:p>
             <a:fld id="{D0BD7BBD-4935-47A1-8381-E923F5B1B7D4}" type="datetimeFigureOut">
               <a:rPr lang="en-US" smtClean="0"/>
-              <a:t>11/17/2020</a:t>
+              <a:t>12/4/2020</a:t>
             </a:fld>
             <a:endParaRPr lang="en-US"/>
           </a:p>
@@ -3604,7 +3604,7 @@
           <a:p>
             <a:fld id="{D0BD7BBD-4935-47A1-8381-E923F5B1B7D4}" type="datetimeFigureOut">
               <a:rPr lang="en-US" smtClean="0"/>
-              <a:t>11/17/2020</a:t>
+              <a:t>12/4/2020</a:t>
             </a:fld>
             <a:endParaRPr lang="en-US"/>
           </a:p>
@@ -6430,8 +6430,8 @@
         </p:nvSpPr>
         <p:spPr>
           <a:xfrm>
-            <a:off x="681797" y="1545511"/>
-            <a:ext cx="9817381" cy="1938992"/>
+            <a:off x="479368" y="1565188"/>
+            <a:ext cx="9817381" cy="2677656"/>
           </a:xfrm>
           <a:prstGeom prst="rect">
             <a:avLst/>
@@ -6499,6 +6499,128 @@
                 <a:latin typeface="Source Sans Pro" panose="020B0503030403020204" pitchFamily="34" charset="0"/>
               </a:rPr>
               <a:t>Node-gyp – “Generate Your Project” – python tool for generating projects, used in building native libs.</a:t>
+            </a:r>
+            <a:endParaRPr lang="lt-LT" altLang="en-US" sz="2400" dirty="0">
+              <a:solidFill>
+                <a:schemeClr val="bg1"/>
+              </a:solidFill>
+              <a:latin typeface="Source Sans Pro" panose="020B0503030403020204" pitchFamily="34" charset="0"/>
+            </a:endParaRPr>
+          </a:p>
+          <a:p>
+            <a:pPr lvl="0" eaLnBrk="0" fontAlgn="base" hangingPunct="0">
+              <a:spcBef>
+                <a:spcPct val="0"/>
+              </a:spcBef>
+              <a:spcAft>
+                <a:spcPct val="0"/>
+              </a:spcAft>
+            </a:pPr>
+            <a:endParaRPr lang="lt-LT" altLang="en-US" sz="2400" dirty="0">
+              <a:solidFill>
+                <a:schemeClr val="bg1"/>
+              </a:solidFill>
+              <a:latin typeface="Source Sans Pro" panose="020B0503030403020204" pitchFamily="34" charset="0"/>
+            </a:endParaRPr>
+          </a:p>
+          <a:p>
+            <a:pPr lvl="0" eaLnBrk="0" fontAlgn="base" hangingPunct="0">
+              <a:spcBef>
+                <a:spcPct val="0"/>
+              </a:spcBef>
+              <a:spcAft>
+                <a:spcPct val="0"/>
+              </a:spcAft>
+            </a:pPr>
+            <a:r>
+              <a:rPr lang="lt-LT" altLang="en-US" sz="2400" dirty="0">
+                <a:solidFill>
+                  <a:schemeClr val="bg1"/>
+                </a:solidFill>
+                <a:latin typeface="Source Sans Pro" panose="020B0503030403020204" pitchFamily="34" charset="0"/>
+              </a:rPr>
+              <a:t>A </a:t>
+            </a:r>
+            <a:r>
+              <a:rPr lang="lt-LT" altLang="en-US" sz="2400" dirty="0" err="1">
+                <a:solidFill>
+                  <a:schemeClr val="bg1"/>
+                </a:solidFill>
+                <a:latin typeface="Source Sans Pro" panose="020B0503030403020204" pitchFamily="34" charset="0"/>
+              </a:rPr>
+              <a:t>good</a:t>
+            </a:r>
+            <a:r>
+              <a:rPr lang="lt-LT" altLang="en-US" sz="2400" dirty="0">
+                <a:solidFill>
+                  <a:schemeClr val="bg1"/>
+                </a:solidFill>
+                <a:latin typeface="Source Sans Pro" panose="020B0503030403020204" pitchFamily="34" charset="0"/>
+              </a:rPr>
+              <a:t> </a:t>
+            </a:r>
+            <a:r>
+              <a:rPr lang="lt-LT" altLang="en-US" sz="2400" dirty="0" err="1">
+                <a:solidFill>
+                  <a:schemeClr val="bg1"/>
+                </a:solidFill>
+                <a:latin typeface="Source Sans Pro" panose="020B0503030403020204" pitchFamily="34" charset="0"/>
+              </a:rPr>
+              <a:t>example</a:t>
+            </a:r>
+            <a:r>
+              <a:rPr lang="lt-LT" altLang="en-US" sz="2400" dirty="0">
+                <a:solidFill>
+                  <a:schemeClr val="bg1"/>
+                </a:solidFill>
+                <a:latin typeface="Source Sans Pro" panose="020B0503030403020204" pitchFamily="34" charset="0"/>
+              </a:rPr>
+              <a:t> </a:t>
+            </a:r>
+            <a:r>
+              <a:rPr lang="lt-LT" altLang="en-US" sz="2400" dirty="0" err="1">
+                <a:solidFill>
+                  <a:schemeClr val="bg1"/>
+                </a:solidFill>
+                <a:latin typeface="Source Sans Pro" panose="020B0503030403020204" pitchFamily="34" charset="0"/>
+              </a:rPr>
+              <a:t>is</a:t>
+            </a:r>
+            <a:r>
+              <a:rPr lang="lt-LT" altLang="en-US" sz="2400" dirty="0">
+                <a:solidFill>
+                  <a:schemeClr val="bg1"/>
+                </a:solidFill>
+                <a:latin typeface="Source Sans Pro" panose="020B0503030403020204" pitchFamily="34" charset="0"/>
+              </a:rPr>
+              <a:t> </a:t>
+            </a:r>
+            <a:r>
+              <a:rPr lang="en-US" altLang="en-US" sz="2400" dirty="0">
+                <a:solidFill>
+                  <a:schemeClr val="bg1"/>
+                </a:solidFill>
+                <a:latin typeface="Source Sans Pro" panose="020B0503030403020204" pitchFamily="34" charset="0"/>
+              </a:rPr>
+              <a:t>“</a:t>
+            </a:r>
+            <a:r>
+              <a:rPr lang="lt-LT" altLang="en-US" sz="2400" dirty="0" err="1">
+                <a:solidFill>
+                  <a:schemeClr val="bg1"/>
+                </a:solidFill>
+                <a:latin typeface="Source Sans Pro" panose="020B0503030403020204" pitchFamily="34" charset="0"/>
+              </a:rPr>
+              <a:t>node-sass</a:t>
+            </a:r>
+            <a:r>
+              <a:rPr lang="en-US" altLang="en-US" sz="2400" dirty="0">
+                <a:solidFill>
+                  <a:schemeClr val="bg1"/>
+                </a:solidFill>
+                <a:latin typeface="Source Sans Pro" panose="020B0503030403020204" pitchFamily="34" charset="0"/>
+              </a:rPr>
+              <a:t>” library.</a:t>
             </a:r>
           </a:p>
         </p:txBody>
@@ -7230,7 +7352,7 @@
         <p:spPr>
           <a:xfrm>
             <a:off x="289711" y="1330636"/>
-            <a:ext cx="6934954" cy="2126864"/>
+            <a:ext cx="6934954" cy="2957861"/>
           </a:xfrm>
           <a:prstGeom prst="rect">
             <a:avLst/>
@@ -7242,6 +7364,125 @@
             <a:spAutoFit/>
           </a:bodyPr>
           <a:lstStyle/>
+          <a:p>
+            <a:pPr marL="285750" indent="-285750">
+              <a:lnSpc>
+                <a:spcPct val="150000"/>
+              </a:lnSpc>
+              <a:buFont typeface="Arial" panose="020B0604020202020204" pitchFamily="34" charset="0"/>
+              <a:buChar char="•"/>
+            </a:pPr>
+            <a:r>
+              <a:rPr lang="lt-LT" dirty="0">
+                <a:solidFill>
+                  <a:schemeClr val="bg1"/>
+                </a:solidFill>
+              </a:rPr>
+              <a:t>Karolis Jocevičius</a:t>
+            </a:r>
+          </a:p>
+          <a:p>
+            <a:pPr marL="285750" indent="-285750">
+              <a:lnSpc>
+                <a:spcPct val="150000"/>
+              </a:lnSpc>
+              <a:buFont typeface="Arial" panose="020B0604020202020204" pitchFamily="34" charset="0"/>
+              <a:buChar char="•"/>
+            </a:pPr>
+            <a:r>
+              <a:rPr lang="lt-LT" dirty="0" err="1">
+                <a:solidFill>
+                  <a:schemeClr val="bg1"/>
+                </a:solidFill>
+              </a:rPr>
+              <a:t>Studied</a:t>
+            </a:r>
+            <a:r>
+              <a:rPr lang="lt-LT" dirty="0">
+                <a:solidFill>
+                  <a:schemeClr val="bg1"/>
+                </a:solidFill>
+              </a:rPr>
+              <a:t> </a:t>
+            </a:r>
+            <a:r>
+              <a:rPr lang="lt-LT" dirty="0" err="1">
+                <a:solidFill>
+                  <a:schemeClr val="bg1"/>
+                </a:solidFill>
+              </a:rPr>
+              <a:t>Software</a:t>
+            </a:r>
+            <a:r>
+              <a:rPr lang="lt-LT" dirty="0">
+                <a:solidFill>
+                  <a:schemeClr val="bg1"/>
+                </a:solidFill>
+              </a:rPr>
+              <a:t> </a:t>
+            </a:r>
+            <a:r>
+              <a:rPr lang="lt-LT" dirty="0" err="1">
+                <a:solidFill>
+                  <a:schemeClr val="bg1"/>
+                </a:solidFill>
+              </a:rPr>
+              <a:t>Engineering</a:t>
+            </a:r>
+            <a:r>
+              <a:rPr lang="lt-LT" dirty="0">
+                <a:solidFill>
+                  <a:schemeClr val="bg1"/>
+                </a:solidFill>
+              </a:rPr>
+              <a:t> </a:t>
+            </a:r>
+            <a:r>
+              <a:rPr lang="lt-LT" dirty="0" err="1">
+                <a:solidFill>
+                  <a:schemeClr val="bg1"/>
+                </a:solidFill>
+              </a:rPr>
+              <a:t>in</a:t>
+            </a:r>
+            <a:r>
+              <a:rPr lang="lt-LT" dirty="0">
+                <a:solidFill>
+                  <a:schemeClr val="bg1"/>
+                </a:solidFill>
+              </a:rPr>
+              <a:t> VU MIF 5 </a:t>
+            </a:r>
+            <a:r>
+              <a:rPr lang="lt-LT" dirty="0" err="1">
+                <a:solidFill>
+                  <a:schemeClr val="bg1"/>
+                </a:solidFill>
+              </a:rPr>
+              <a:t>years</a:t>
+            </a:r>
+            <a:r>
+              <a:rPr lang="lt-LT" dirty="0">
+                <a:solidFill>
+                  <a:schemeClr val="bg1"/>
+                </a:solidFill>
+              </a:rPr>
+              <a:t> </a:t>
+            </a:r>
+            <a:r>
+              <a:rPr lang="lt-LT" dirty="0" err="1">
+                <a:solidFill>
+                  <a:schemeClr val="bg1"/>
+                </a:solidFill>
+              </a:rPr>
+              <a:t>ago</a:t>
+            </a:r>
+            <a:endParaRPr lang="lt-LT" dirty="0">
+              <a:solidFill>
+                <a:schemeClr val="bg1"/>
+              </a:solidFill>
+            </a:endParaRPr>
+          </a:p>
           <a:p>
             <a:pPr marL="285750" indent="-285750">
               <a:lnSpc>
@@ -7906,7 +8147,7 @@
         </p:nvSpPr>
         <p:spPr>
           <a:xfrm>
-            <a:off x="4529470" y="1658679"/>
+            <a:off x="4529470" y="1520825"/>
             <a:ext cx="6141507" cy="1815882"/>
           </a:xfrm>
           <a:prstGeom prst="rect">
@@ -9131,8 +9372,8 @@
         </p:nvSpPr>
         <p:spPr>
           <a:xfrm>
-            <a:off x="5134036" y="2936276"/>
-            <a:ext cx="6141507" cy="1384995"/>
+            <a:off x="5134037" y="2936276"/>
+            <a:ext cx="5629038" cy="1383141"/>
           </a:xfrm>
           <a:prstGeom prst="rect">
             <a:avLst/>

--- a/nodejs.pptx
+++ b/nodejs.pptx
@@ -21,8 +21,9 @@
     <p:sldId id="271" r:id="rId15"/>
     <p:sldId id="268" r:id="rId16"/>
     <p:sldId id="269" r:id="rId17"/>
-    <p:sldId id="273" r:id="rId18"/>
-    <p:sldId id="265" r:id="rId19"/>
+    <p:sldId id="274" r:id="rId18"/>
+    <p:sldId id="273" r:id="rId19"/>
+    <p:sldId id="265" r:id="rId20"/>
   </p:sldIdLst>
   <p:sldSz cx="12192000" cy="6858000"/>
   <p:notesSz cx="6858000" cy="9144000"/>
@@ -6760,6 +6761,254 @@
           <a:lstStyle/>
           <a:p>
             <a:r>
+              <a:rPr lang="lt-LT" dirty="0" err="1"/>
+              <a:t>Fun</a:t>
+            </a:r>
+            <a:r>
+              <a:rPr lang="lt-LT" dirty="0"/>
+              <a:t> </a:t>
+            </a:r>
+            <a:r>
+              <a:rPr lang="lt-LT" dirty="0" err="1"/>
+              <a:t>fact</a:t>
+            </a:r>
+            <a:endParaRPr lang="en-US" dirty="0"/>
+          </a:p>
+        </p:txBody>
+      </p:sp>
+      <p:sp>
+        <p:nvSpPr>
+          <p:cNvPr id="5" name="TextBox 4">
+            <a:extLst>
+              <a:ext uri="{FF2B5EF4-FFF2-40B4-BE49-F238E27FC236}">
+                <a16:creationId xmlns:a16="http://schemas.microsoft.com/office/drawing/2014/main" id="{92856FC5-6E76-4AE1-9348-7162B2ECA5DC}"/>
+              </a:ext>
+            </a:extLst>
+          </p:cNvPr>
+          <p:cNvSpPr txBox="1"/>
+          <p:nvPr/>
+        </p:nvSpPr>
+        <p:spPr>
+          <a:xfrm>
+            <a:off x="537556" y="1620578"/>
+            <a:ext cx="9817381" cy="1200329"/>
+          </a:xfrm>
+          <a:prstGeom prst="rect">
+            <a:avLst/>
+          </a:prstGeom>
+          <a:noFill/>
+        </p:spPr>
+        <p:txBody>
+          <a:bodyPr wrap="square" rtlCol="0">
+            <a:spAutoFit/>
+          </a:bodyPr>
+          <a:lstStyle/>
+          <a:p>
+            <a:pPr lvl="0" eaLnBrk="0" fontAlgn="base" hangingPunct="0">
+              <a:spcBef>
+                <a:spcPct val="0"/>
+              </a:spcBef>
+              <a:spcAft>
+                <a:spcPct val="0"/>
+              </a:spcAft>
+            </a:pPr>
+            <a:r>
+              <a:rPr lang="en-US" altLang="en-US" sz="2400" dirty="0">
+                <a:solidFill>
+                  <a:schemeClr val="bg1"/>
+                </a:solidFill>
+                <a:latin typeface="Source Sans Pro" panose="020B0503030403020204" pitchFamily="34" charset="0"/>
+              </a:rPr>
+              <a:t>JavaScript was released on December 4th, 1995</a:t>
+            </a:r>
+            <a:endParaRPr lang="lt-LT" altLang="en-US" sz="2400" dirty="0">
+              <a:solidFill>
+                <a:schemeClr val="bg1"/>
+              </a:solidFill>
+              <a:latin typeface="Source Sans Pro" panose="020B0503030403020204" pitchFamily="34" charset="0"/>
+            </a:endParaRPr>
+          </a:p>
+          <a:p>
+            <a:pPr lvl="0" eaLnBrk="0" fontAlgn="base" hangingPunct="0">
+              <a:spcBef>
+                <a:spcPct val="0"/>
+              </a:spcBef>
+              <a:spcAft>
+                <a:spcPct val="0"/>
+              </a:spcAft>
+            </a:pPr>
+            <a:endParaRPr lang="lt-LT" altLang="en-US" sz="2400" dirty="0">
+              <a:solidFill>
+                <a:schemeClr val="bg1"/>
+              </a:solidFill>
+              <a:latin typeface="Source Sans Pro" panose="020B0503030403020204" pitchFamily="34" charset="0"/>
+            </a:endParaRPr>
+          </a:p>
+          <a:p>
+            <a:pPr lvl="0" eaLnBrk="0" fontAlgn="base" hangingPunct="0">
+              <a:spcBef>
+                <a:spcPct val="0"/>
+              </a:spcBef>
+              <a:spcAft>
+                <a:spcPct val="0"/>
+              </a:spcAft>
+            </a:pPr>
+            <a:r>
+              <a:rPr lang="lt-LT" altLang="en-US" sz="2400" dirty="0" err="1">
+                <a:solidFill>
+                  <a:schemeClr val="bg1"/>
+                </a:solidFill>
+                <a:latin typeface="Source Sans Pro" panose="020B0503030403020204" pitchFamily="34" charset="0"/>
+              </a:rPr>
+              <a:t>So</a:t>
+            </a:r>
+            <a:r>
+              <a:rPr lang="lt-LT" altLang="en-US" sz="2400" dirty="0">
+                <a:solidFill>
+                  <a:schemeClr val="bg1"/>
+                </a:solidFill>
+                <a:latin typeface="Source Sans Pro" panose="020B0503030403020204" pitchFamily="34" charset="0"/>
+              </a:rPr>
+              <a:t> it just </a:t>
+            </a:r>
+            <a:r>
+              <a:rPr lang="lt-LT" altLang="en-US" sz="2400" dirty="0" err="1">
+                <a:solidFill>
+                  <a:schemeClr val="bg1"/>
+                </a:solidFill>
+                <a:latin typeface="Source Sans Pro" panose="020B0503030403020204" pitchFamily="34" charset="0"/>
+              </a:rPr>
+              <a:t>turned</a:t>
+            </a:r>
+            <a:r>
+              <a:rPr lang="lt-LT" altLang="en-US" sz="2400" dirty="0">
+                <a:solidFill>
+                  <a:schemeClr val="bg1"/>
+                </a:solidFill>
+                <a:latin typeface="Source Sans Pro" panose="020B0503030403020204" pitchFamily="34" charset="0"/>
+              </a:rPr>
+              <a:t> 25 </a:t>
+            </a:r>
+            <a:r>
+              <a:rPr lang="lt-LT" altLang="en-US" sz="2400" dirty="0" err="1">
+                <a:solidFill>
+                  <a:schemeClr val="bg1"/>
+                </a:solidFill>
+                <a:latin typeface="Source Sans Pro" panose="020B0503030403020204" pitchFamily="34" charset="0"/>
+              </a:rPr>
+              <a:t>years</a:t>
+            </a:r>
+            <a:r>
+              <a:rPr lang="lt-LT" altLang="en-US" sz="2400" dirty="0">
+                <a:solidFill>
+                  <a:schemeClr val="bg1"/>
+                </a:solidFill>
+                <a:latin typeface="Source Sans Pro" panose="020B0503030403020204" pitchFamily="34" charset="0"/>
+              </a:rPr>
+              <a:t> </a:t>
+            </a:r>
+            <a:r>
+              <a:rPr lang="lt-LT" altLang="en-US" sz="2400" dirty="0" err="1">
+                <a:solidFill>
+                  <a:schemeClr val="bg1"/>
+                </a:solidFill>
+                <a:latin typeface="Source Sans Pro" panose="020B0503030403020204" pitchFamily="34" charset="0"/>
+              </a:rPr>
+              <a:t>old</a:t>
+            </a:r>
+            <a:r>
+              <a:rPr lang="en-US" altLang="en-US" sz="2400" dirty="0">
+                <a:solidFill>
+                  <a:schemeClr val="bg1"/>
+                </a:solidFill>
+                <a:latin typeface="Source Sans Pro" panose="020B0503030403020204" pitchFamily="34" charset="0"/>
+              </a:rPr>
+              <a:t>!</a:t>
+            </a:r>
+          </a:p>
+        </p:txBody>
+      </p:sp>
+    </p:spTree>
+    <p:custDataLst>
+      <p:tags r:id="rId1"/>
+    </p:custDataLst>
+    <p:extLst>
+      <p:ext uri="{BB962C8B-B14F-4D97-AF65-F5344CB8AC3E}">
+        <p14:creationId xmlns:p14="http://schemas.microsoft.com/office/powerpoint/2010/main" val="3430985707"/>
+      </p:ext>
+    </p:extLst>
+  </p:cSld>
+  <p:clrMapOvr>
+    <a:masterClrMapping/>
+  </p:clrMapOvr>
+</p:sld>
+</file>
+
+<file path=ppt/slides/slide18.xml><?xml version="1.0" encoding="utf-8"?>
+<p:sld xmlns:a="http://schemas.openxmlformats.org/drawingml/2006/main" xmlns:r="http://schemas.openxmlformats.org/officeDocument/2006/relationships" xmlns:p="http://schemas.openxmlformats.org/presentationml/2006/main">
+  <p:cSld>
+    <p:spTree>
+      <p:nvGrpSpPr>
+        <p:cNvPr id="1" name=""/>
+        <p:cNvGrpSpPr/>
+        <p:nvPr/>
+      </p:nvGrpSpPr>
+      <p:grpSpPr>
+        <a:xfrm>
+          <a:off x="0" y="0"/>
+          <a:ext cx="0" cy="0"/>
+          <a:chOff x="0" y="0"/>
+          <a:chExt cx="0" cy="0"/>
+        </a:xfrm>
+      </p:grpSpPr>
+      <p:sp>
+        <p:nvSpPr>
+          <p:cNvPr id="11" name="Text Placeholder 10"/>
+          <p:cNvSpPr>
+            <a:spLocks noGrp="1"/>
+          </p:cNvSpPr>
+          <p:nvPr>
+            <p:ph type="body" sz="quarter" idx="30"/>
+          </p:nvPr>
+        </p:nvSpPr>
+        <p:spPr/>
+        <p:txBody>
+          <a:bodyPr/>
+          <a:lstStyle/>
+          <a:p>
+            <a:endParaRPr lang="en-GB"/>
+          </a:p>
+        </p:txBody>
+      </p:sp>
+      <p:sp>
+        <p:nvSpPr>
+          <p:cNvPr id="8" name="Title 4">
+            <a:extLst>
+              <a:ext uri="{FF2B5EF4-FFF2-40B4-BE49-F238E27FC236}">
+                <a16:creationId xmlns:a16="http://schemas.microsoft.com/office/drawing/2014/main" id="{EA1C5765-6A57-4B84-B56A-292D99C2E16F}"/>
+              </a:ext>
+            </a:extLst>
+          </p:cNvPr>
+          <p:cNvSpPr>
+            <a:spLocks noGrp="1"/>
+          </p:cNvSpPr>
+          <p:nvPr>
+            <p:ph type="ctrTitle"/>
+          </p:nvPr>
+        </p:nvSpPr>
+        <p:spPr>
+          <a:xfrm>
+            <a:off x="198488" y="379719"/>
+            <a:ext cx="10300690" cy="761386"/>
+          </a:xfrm>
+        </p:spPr>
+        <p:txBody>
+          <a:bodyPr>
+            <a:normAutofit fontScale="90000"/>
+          </a:bodyPr>
+          <a:lstStyle/>
+          <a:p>
+            <a:r>
               <a:rPr lang="en-US" dirty="0"/>
               <a:t>Would you like to ask something?</a:t>
             </a:r>
@@ -6768,10 +7017,10 @@
       </p:sp>
       <p:pic>
         <p:nvPicPr>
-          <p:cNvPr id="3" name="Picture 2" descr="A cat that is looking at the camera&#10;&#10;Description automatically generated">
-            <a:extLst>
-              <a:ext uri="{FF2B5EF4-FFF2-40B4-BE49-F238E27FC236}">
-                <a16:creationId xmlns:a16="http://schemas.microsoft.com/office/drawing/2014/main" id="{ECCA277A-7148-4883-B533-A61A8F3BE206}"/>
+          <p:cNvPr id="6" name="Picture 5" descr="A cat that is looking at the camera&#10;&#10;Description automatically generated">
+            <a:extLst>
+              <a:ext uri="{FF2B5EF4-FFF2-40B4-BE49-F238E27FC236}">
+                <a16:creationId xmlns:a16="http://schemas.microsoft.com/office/drawing/2014/main" id="{06683EFA-A936-4D37-BF6A-805D36BF3C21}"/>
               </a:ext>
             </a:extLst>
           </p:cNvPr>
@@ -6817,7 +7066,7 @@
 </p:sld>
 </file>
 
-<file path=ppt/slides/slide18.xml><?xml version="1.0" encoding="utf-8"?>
+<file path=ppt/slides/slide19.xml><?xml version="1.0" encoding="utf-8"?>
 <p:sld xmlns:a="http://schemas.openxmlformats.org/drawingml/2006/main" xmlns:r="http://schemas.openxmlformats.org/officeDocument/2006/relationships" xmlns:p="http://schemas.openxmlformats.org/presentationml/2006/main">
   <p:cSld>
     <p:spTree>
@@ -9774,6 +10023,12 @@
 </file>
 
 <file path=ppt/tags/tag18.xml><?xml version="1.0" encoding="utf-8"?>
+<p:tagLst xmlns:a="http://schemas.openxmlformats.org/drawingml/2006/main" xmlns:r="http://schemas.openxmlformats.org/officeDocument/2006/relationships" xmlns:p="http://schemas.openxmlformats.org/presentationml/2006/main">
+  <p:tag name="TEMPLAFYSLIDEID" val="636342570089945957"/>
+</p:tagLst>
+</file>
+
+<file path=ppt/tags/tag19.xml><?xml version="1.0" encoding="utf-8"?>
 <p:tagLst xmlns:a="http://schemas.openxmlformats.org/drawingml/2006/main" xmlns:r="http://schemas.openxmlformats.org/officeDocument/2006/relationships" xmlns:p="http://schemas.openxmlformats.org/presentationml/2006/main">
   <p:tag name="TEMPLAFYSLIDEID" val="636342570089945957"/>
 </p:tagLst>

--- a/nodejs.pptx
+++ b/nodejs.pptx
@@ -1,18 +1,19 @@
 
 <file path=ppt/presentation.xml><?xml version="1.0" encoding="utf-8"?>
-<p:presentation xmlns:a="http://schemas.openxmlformats.org/drawingml/2006/main" xmlns:p="http://schemas.openxmlformats.org/presentationml/2006/main" xmlns:r="http://schemas.openxmlformats.org/officeDocument/2006/relationships" xmlns:p14="http://schemas.microsoft.com/office/powerpoint/2010/main" xmlns:p15="http://schemas.microsoft.com/office/powerpoint/2012/main" xmlns:mc="http://schemas.openxmlformats.org/markup-compatibility/2006">
+<p:presentation xmlns:a="http://schemas.openxmlformats.org/drawingml/2006/main" xmlns:r="http://schemas.openxmlformats.org/officeDocument/2006/relationships" xmlns:p="http://schemas.openxmlformats.org/presentationml/2006/main">
   <p:sldMasterIdLst>
-    <p:sldMasterId id="2147483648" r:id="rId2"/>
-    <p:sldMasterId id="2147483661" r:id="rId3"/>
+    <p:sldMasterId id="2147483648" r:id="rId1"/>
+    <p:sldMasterId id="2147483661" r:id="rId2"/>
   </p:sldMasterIdLst>
   <p:sldIdLst>
-    <p:sldId id="256" r:id="rId4"/>
-    <p:sldId id="257" r:id="rId5"/>
-    <p:sldId id="258" r:id="rId6"/>
-    <p:sldId id="259" r:id="rId7"/>
-    <p:sldId id="260" r:id="rId8"/>
-    <p:sldId id="261" r:id="rId9"/>
-    <p:sldId id="262" r:id="rId10"/>
+    <p:sldId id="256" r:id="rId3"/>
+    <p:sldId id="257" r:id="rId4"/>
+    <p:sldId id="258" r:id="rId5"/>
+    <p:sldId id="259" r:id="rId6"/>
+    <p:sldId id="260" r:id="rId7"/>
+    <p:sldId id="261" r:id="rId8"/>
+    <p:sldId id="262" r:id="rId9"/>
+    <p:sldId id="277" r:id="rId10"/>
     <p:sldId id="263" r:id="rId11"/>
     <p:sldId id="264" r:id="rId12"/>
     <p:sldId id="265" r:id="rId13"/>
@@ -30,11 +31,106 @@
   </p:sldIdLst>
   <p:sldSz cx="12192000" cy="6858000"/>
   <p:notesSz cx="7772400" cy="10058400"/>
+  <p:defaultTextStyle>
+    <a:defPPr>
+      <a:defRPr lang="en-US"/>
+    </a:defPPr>
+    <a:lvl1pPr marL="0" algn="l" defTabSz="914400" rtl="0" eaLnBrk="1" latinLnBrk="0" hangingPunct="1">
+      <a:defRPr sz="1800" kern="1200">
+        <a:solidFill>
+          <a:schemeClr val="tx1"/>
+        </a:solidFill>
+        <a:latin typeface="+mn-lt"/>
+        <a:ea typeface="+mn-ea"/>
+        <a:cs typeface="+mn-cs"/>
+      </a:defRPr>
+    </a:lvl1pPr>
+    <a:lvl2pPr marL="457200" algn="l" defTabSz="914400" rtl="0" eaLnBrk="1" latinLnBrk="0" hangingPunct="1">
+      <a:defRPr sz="1800" kern="1200">
+        <a:solidFill>
+          <a:schemeClr val="tx1"/>
+        </a:solidFill>
+        <a:latin typeface="+mn-lt"/>
+        <a:ea typeface="+mn-ea"/>
+        <a:cs typeface="+mn-cs"/>
+      </a:defRPr>
+    </a:lvl2pPr>
+    <a:lvl3pPr marL="914400" algn="l" defTabSz="914400" rtl="0" eaLnBrk="1" latinLnBrk="0" hangingPunct="1">
+      <a:defRPr sz="1800" kern="1200">
+        <a:solidFill>
+          <a:schemeClr val="tx1"/>
+        </a:solidFill>
+        <a:latin typeface="+mn-lt"/>
+        <a:ea typeface="+mn-ea"/>
+        <a:cs typeface="+mn-cs"/>
+      </a:defRPr>
+    </a:lvl3pPr>
+    <a:lvl4pPr marL="1371600" algn="l" defTabSz="914400" rtl="0" eaLnBrk="1" latinLnBrk="0" hangingPunct="1">
+      <a:defRPr sz="1800" kern="1200">
+        <a:solidFill>
+          <a:schemeClr val="tx1"/>
+        </a:solidFill>
+        <a:latin typeface="+mn-lt"/>
+        <a:ea typeface="+mn-ea"/>
+        <a:cs typeface="+mn-cs"/>
+      </a:defRPr>
+    </a:lvl4pPr>
+    <a:lvl5pPr marL="1828800" algn="l" defTabSz="914400" rtl="0" eaLnBrk="1" latinLnBrk="0" hangingPunct="1">
+      <a:defRPr sz="1800" kern="1200">
+        <a:solidFill>
+          <a:schemeClr val="tx1"/>
+        </a:solidFill>
+        <a:latin typeface="+mn-lt"/>
+        <a:ea typeface="+mn-ea"/>
+        <a:cs typeface="+mn-cs"/>
+      </a:defRPr>
+    </a:lvl5pPr>
+    <a:lvl6pPr marL="2286000" algn="l" defTabSz="914400" rtl="0" eaLnBrk="1" latinLnBrk="0" hangingPunct="1">
+      <a:defRPr sz="1800" kern="1200">
+        <a:solidFill>
+          <a:schemeClr val="tx1"/>
+        </a:solidFill>
+        <a:latin typeface="+mn-lt"/>
+        <a:ea typeface="+mn-ea"/>
+        <a:cs typeface="+mn-cs"/>
+      </a:defRPr>
+    </a:lvl6pPr>
+    <a:lvl7pPr marL="2743200" algn="l" defTabSz="914400" rtl="0" eaLnBrk="1" latinLnBrk="0" hangingPunct="1">
+      <a:defRPr sz="1800" kern="1200">
+        <a:solidFill>
+          <a:schemeClr val="tx1"/>
+        </a:solidFill>
+        <a:latin typeface="+mn-lt"/>
+        <a:ea typeface="+mn-ea"/>
+        <a:cs typeface="+mn-cs"/>
+      </a:defRPr>
+    </a:lvl7pPr>
+    <a:lvl8pPr marL="3200400" algn="l" defTabSz="914400" rtl="0" eaLnBrk="1" latinLnBrk="0" hangingPunct="1">
+      <a:defRPr sz="1800" kern="1200">
+        <a:solidFill>
+          <a:schemeClr val="tx1"/>
+        </a:solidFill>
+        <a:latin typeface="+mn-lt"/>
+        <a:ea typeface="+mn-ea"/>
+        <a:cs typeface="+mn-cs"/>
+      </a:defRPr>
+    </a:lvl8pPr>
+    <a:lvl9pPr marL="3657600" algn="l" defTabSz="914400" rtl="0" eaLnBrk="1" latinLnBrk="0" hangingPunct="1">
+      <a:defRPr sz="1800" kern="1200">
+        <a:solidFill>
+          <a:schemeClr val="tx1"/>
+        </a:solidFill>
+        <a:latin typeface="+mn-lt"/>
+        <a:ea typeface="+mn-ea"/>
+        <a:cs typeface="+mn-cs"/>
+      </a:defRPr>
+    </a:lvl9pPr>
+  </p:defaultTextStyle>
 </p:presentation>
 </file>
 
 <file path=ppt/slideLayouts/slideLayout1.xml><?xml version="1.0" encoding="utf-8"?>
-<p:sldLayout xmlns:a="http://schemas.openxmlformats.org/drawingml/2006/main" xmlns:p="http://schemas.openxmlformats.org/presentationml/2006/main" xmlns:r="http://schemas.openxmlformats.org/officeDocument/2006/relationships" xmlns:p14="http://schemas.microsoft.com/office/powerpoint/2010/main" xmlns:p15="http://schemas.microsoft.com/office/powerpoint/2012/main" xmlns:mc="http://schemas.openxmlformats.org/markup-compatibility/2006" type="blank" preserve="1">
+<p:sldLayout xmlns:a="http://schemas.openxmlformats.org/drawingml/2006/main" xmlns:r="http://schemas.openxmlformats.org/officeDocument/2006/relationships" xmlns:p="http://schemas.openxmlformats.org/presentationml/2006/main" type="blank" preserve="1">
   <p:cSld name="Blank Slide">
     <p:spTree>
       <p:nvGrpSpPr>
@@ -52,11 +148,14 @@
       </p:grpSpPr>
     </p:spTree>
   </p:cSld>
+  <p:clrMapOvr>
+    <a:masterClrMapping/>
+  </p:clrMapOvr>
 </p:sldLayout>
 </file>
 
 <file path=ppt/slideLayouts/slideLayout10.xml><?xml version="1.0" encoding="utf-8"?>
-<p:sldLayout xmlns:a="http://schemas.openxmlformats.org/drawingml/2006/main" xmlns:p="http://schemas.openxmlformats.org/presentationml/2006/main" xmlns:r="http://schemas.openxmlformats.org/officeDocument/2006/relationships" xmlns:p14="http://schemas.microsoft.com/office/powerpoint/2010/main" xmlns:p15="http://schemas.microsoft.com/office/powerpoint/2012/main" xmlns:mc="http://schemas.openxmlformats.org/markup-compatibility/2006" type="objOverTx" preserve="1">
+<p:sldLayout xmlns:a="http://schemas.openxmlformats.org/drawingml/2006/main" xmlns:r="http://schemas.openxmlformats.org/officeDocument/2006/relationships" xmlns:p="http://schemas.openxmlformats.org/presentationml/2006/main" type="objOverTx" preserve="1">
   <p:cSld name="Title, Content over Content">
     <p:spTree>
       <p:nvGrpSpPr>
@@ -92,11 +191,12 @@
           </a:prstGeom>
         </p:spPr>
         <p:txBody>
-          <a:bodyPr lIns="0" rIns="0" tIns="0" bIns="0" anchor="ctr">
+          <a:bodyPr lIns="0" tIns="0" rIns="0" bIns="0" anchor="ctr">
             <a:noAutofit/>
           </a:bodyPr>
-          <a:p>
-            <a:endParaRPr b="0" lang="en-US" sz="1800" spc="-1" strike="noStrike">
+          <a:lstStyle/>
+          <a:p>
+            <a:endParaRPr lang="en-US" sz="1800" b="0" strike="noStrike" spc="-1">
               <a:solidFill>
                 <a:srgbClr val="000000"/>
               </a:solidFill>
@@ -125,11 +225,12 @@
           </a:prstGeom>
         </p:spPr>
         <p:txBody>
-          <a:bodyPr lIns="0" rIns="0" tIns="0" bIns="0">
+          <a:bodyPr lIns="0" tIns="0" rIns="0" bIns="0">
             <a:normAutofit fontScale="64000"/>
           </a:bodyPr>
-          <a:p>
-            <a:endParaRPr b="0" lang="en-US" sz="2800" spc="-1" strike="noStrike">
+          <a:lstStyle/>
+          <a:p>
+            <a:endParaRPr lang="en-US" sz="2800" b="0" strike="noStrike" spc="-1">
               <a:solidFill>
                 <a:srgbClr val="000000"/>
               </a:solidFill>
@@ -158,11 +259,12 @@
           </a:prstGeom>
         </p:spPr>
         <p:txBody>
-          <a:bodyPr lIns="0" rIns="0" tIns="0" bIns="0">
+          <a:bodyPr lIns="0" tIns="0" rIns="0" bIns="0">
             <a:normAutofit fontScale="64000"/>
           </a:bodyPr>
-          <a:p>
-            <a:endParaRPr b="0" lang="en-US" sz="2800" spc="-1" strike="noStrike">
+          <a:lstStyle/>
+          <a:p>
+            <a:endParaRPr lang="en-US" sz="2800" b="0" strike="noStrike" spc="-1">
               <a:solidFill>
                 <a:srgbClr val="000000"/>
               </a:solidFill>
@@ -173,11 +275,14 @@
       </p:sp>
     </p:spTree>
   </p:cSld>
+  <p:clrMapOvr>
+    <a:masterClrMapping/>
+  </p:clrMapOvr>
 </p:sldLayout>
 </file>
 
 <file path=ppt/slideLayouts/slideLayout11.xml><?xml version="1.0" encoding="utf-8"?>
-<p:sldLayout xmlns:a="http://schemas.openxmlformats.org/drawingml/2006/main" xmlns:p="http://schemas.openxmlformats.org/presentationml/2006/main" xmlns:r="http://schemas.openxmlformats.org/officeDocument/2006/relationships" xmlns:p14="http://schemas.microsoft.com/office/powerpoint/2010/main" xmlns:p15="http://schemas.microsoft.com/office/powerpoint/2012/main" xmlns:mc="http://schemas.openxmlformats.org/markup-compatibility/2006" type="fourObj" preserve="1">
+<p:sldLayout xmlns:a="http://schemas.openxmlformats.org/drawingml/2006/main" xmlns:r="http://schemas.openxmlformats.org/officeDocument/2006/relationships" xmlns:p="http://schemas.openxmlformats.org/presentationml/2006/main" type="fourObj" preserve="1">
   <p:cSld name="Title, 4 Content">
     <p:spTree>
       <p:nvGrpSpPr>
@@ -213,11 +318,12 @@
           </a:prstGeom>
         </p:spPr>
         <p:txBody>
-          <a:bodyPr lIns="0" rIns="0" tIns="0" bIns="0" anchor="ctr">
+          <a:bodyPr lIns="0" tIns="0" rIns="0" bIns="0" anchor="ctr">
             <a:noAutofit/>
           </a:bodyPr>
-          <a:p>
-            <a:endParaRPr b="0" lang="en-US" sz="1800" spc="-1" strike="noStrike">
+          <a:lstStyle/>
+          <a:p>
+            <a:endParaRPr lang="en-US" sz="1800" b="0" strike="noStrike" spc="-1">
               <a:solidFill>
                 <a:srgbClr val="000000"/>
               </a:solidFill>
@@ -246,11 +352,12 @@
           </a:prstGeom>
         </p:spPr>
         <p:txBody>
-          <a:bodyPr lIns="0" rIns="0" tIns="0" bIns="0">
+          <a:bodyPr lIns="0" tIns="0" rIns="0" bIns="0">
             <a:normAutofit fontScale="10000"/>
           </a:bodyPr>
-          <a:p>
-            <a:endParaRPr b="0" lang="en-US" sz="2800" spc="-1" strike="noStrike">
+          <a:lstStyle/>
+          <a:p>
+            <a:endParaRPr lang="en-US" sz="2800" b="0" strike="noStrike" spc="-1">
               <a:solidFill>
                 <a:srgbClr val="000000"/>
               </a:solidFill>
@@ -279,11 +386,12 @@
           </a:prstGeom>
         </p:spPr>
         <p:txBody>
-          <a:bodyPr lIns="0" rIns="0" tIns="0" bIns="0">
+          <a:bodyPr lIns="0" tIns="0" rIns="0" bIns="0">
             <a:normAutofit fontScale="10000"/>
           </a:bodyPr>
-          <a:p>
-            <a:endParaRPr b="0" lang="en-US" sz="2800" spc="-1" strike="noStrike">
+          <a:lstStyle/>
+          <a:p>
+            <a:endParaRPr lang="en-US" sz="2800" b="0" strike="noStrike" spc="-1">
               <a:solidFill>
                 <a:srgbClr val="000000"/>
               </a:solidFill>
@@ -312,11 +420,12 @@
           </a:prstGeom>
         </p:spPr>
         <p:txBody>
-          <a:bodyPr lIns="0" rIns="0" tIns="0" bIns="0">
+          <a:bodyPr lIns="0" tIns="0" rIns="0" bIns="0">
             <a:normAutofit fontScale="10000"/>
           </a:bodyPr>
-          <a:p>
-            <a:endParaRPr b="0" lang="en-US" sz="2800" spc="-1" strike="noStrike">
+          <a:lstStyle/>
+          <a:p>
+            <a:endParaRPr lang="en-US" sz="2800" b="0" strike="noStrike" spc="-1">
               <a:solidFill>
                 <a:srgbClr val="000000"/>
               </a:solidFill>
@@ -345,11 +454,12 @@
           </a:prstGeom>
         </p:spPr>
         <p:txBody>
-          <a:bodyPr lIns="0" rIns="0" tIns="0" bIns="0">
+          <a:bodyPr lIns="0" tIns="0" rIns="0" bIns="0">
             <a:normAutofit fontScale="10000"/>
           </a:bodyPr>
-          <a:p>
-            <a:endParaRPr b="0" lang="en-US" sz="2800" spc="-1" strike="noStrike">
+          <a:lstStyle/>
+          <a:p>
+            <a:endParaRPr lang="en-US" sz="2800" b="0" strike="noStrike" spc="-1">
               <a:solidFill>
                 <a:srgbClr val="000000"/>
               </a:solidFill>
@@ -360,11 +470,14 @@
       </p:sp>
     </p:spTree>
   </p:cSld>
+  <p:clrMapOvr>
+    <a:masterClrMapping/>
+  </p:clrMapOvr>
 </p:sldLayout>
 </file>
 
 <file path=ppt/slideLayouts/slideLayout12.xml><?xml version="1.0" encoding="utf-8"?>
-<p:sldLayout xmlns:a="http://schemas.openxmlformats.org/drawingml/2006/main" xmlns:p="http://schemas.openxmlformats.org/presentationml/2006/main" xmlns:r="http://schemas.openxmlformats.org/officeDocument/2006/relationships" xmlns:p14="http://schemas.microsoft.com/office/powerpoint/2010/main" xmlns:p15="http://schemas.microsoft.com/office/powerpoint/2012/main" xmlns:mc="http://schemas.openxmlformats.org/markup-compatibility/2006" type="blank" preserve="1">
+<p:sldLayout xmlns:a="http://schemas.openxmlformats.org/drawingml/2006/main" xmlns:r="http://schemas.openxmlformats.org/officeDocument/2006/relationships" xmlns:p="http://schemas.openxmlformats.org/presentationml/2006/main" type="blank" preserve="1">
   <p:cSld name="Title, 6 Content">
     <p:spTree>
       <p:nvGrpSpPr>
@@ -400,11 +513,12 @@
           </a:prstGeom>
         </p:spPr>
         <p:txBody>
-          <a:bodyPr lIns="0" rIns="0" tIns="0" bIns="0" anchor="ctr">
+          <a:bodyPr lIns="0" tIns="0" rIns="0" bIns="0" anchor="ctr">
             <a:noAutofit/>
           </a:bodyPr>
-          <a:p>
-            <a:endParaRPr b="0" lang="en-US" sz="1800" spc="-1" strike="noStrike">
+          <a:lstStyle/>
+          <a:p>
+            <a:endParaRPr lang="en-US" sz="1800" b="0" strike="noStrike" spc="-1">
               <a:solidFill>
                 <a:srgbClr val="000000"/>
               </a:solidFill>
@@ -433,11 +547,12 @@
           </a:prstGeom>
         </p:spPr>
         <p:txBody>
-          <a:bodyPr lIns="0" rIns="0" tIns="0" bIns="0">
+          <a:bodyPr lIns="0" tIns="0" rIns="0" bIns="0">
             <a:normAutofit fontScale="4000"/>
           </a:bodyPr>
-          <a:p>
-            <a:endParaRPr b="0" lang="en-US" sz="2800" spc="-1" strike="noStrike">
+          <a:lstStyle/>
+          <a:p>
+            <a:endParaRPr lang="en-US" sz="2800" b="0" strike="noStrike" spc="-1">
               <a:solidFill>
                 <a:srgbClr val="000000"/>
               </a:solidFill>
@@ -466,11 +581,12 @@
           </a:prstGeom>
         </p:spPr>
         <p:txBody>
-          <a:bodyPr lIns="0" rIns="0" tIns="0" bIns="0">
+          <a:bodyPr lIns="0" tIns="0" rIns="0" bIns="0">
             <a:normAutofit fontScale="4000"/>
           </a:bodyPr>
-          <a:p>
-            <a:endParaRPr b="0" lang="en-US" sz="2800" spc="-1" strike="noStrike">
+          <a:lstStyle/>
+          <a:p>
+            <a:endParaRPr lang="en-US" sz="2800" b="0" strike="noStrike" spc="-1">
               <a:solidFill>
                 <a:srgbClr val="000000"/>
               </a:solidFill>
@@ -499,11 +615,12 @@
           </a:prstGeom>
         </p:spPr>
         <p:txBody>
-          <a:bodyPr lIns="0" rIns="0" tIns="0" bIns="0">
+          <a:bodyPr lIns="0" tIns="0" rIns="0" bIns="0">
             <a:normAutofit fontScale="4000"/>
           </a:bodyPr>
-          <a:p>
-            <a:endParaRPr b="0" lang="en-US" sz="2800" spc="-1" strike="noStrike">
+          <a:lstStyle/>
+          <a:p>
+            <a:endParaRPr lang="en-US" sz="2800" b="0" strike="noStrike" spc="-1">
               <a:solidFill>
                 <a:srgbClr val="000000"/>
               </a:solidFill>
@@ -532,11 +649,12 @@
           </a:prstGeom>
         </p:spPr>
         <p:txBody>
-          <a:bodyPr lIns="0" rIns="0" tIns="0" bIns="0">
+          <a:bodyPr lIns="0" tIns="0" rIns="0" bIns="0">
             <a:normAutofit fontScale="4000"/>
           </a:bodyPr>
-          <a:p>
-            <a:endParaRPr b="0" lang="en-US" sz="2800" spc="-1" strike="noStrike">
+          <a:lstStyle/>
+          <a:p>
+            <a:endParaRPr lang="en-US" sz="2800" b="0" strike="noStrike" spc="-1">
               <a:solidFill>
                 <a:srgbClr val="000000"/>
               </a:solidFill>
@@ -565,11 +683,12 @@
           </a:prstGeom>
         </p:spPr>
         <p:txBody>
-          <a:bodyPr lIns="0" rIns="0" tIns="0" bIns="0">
+          <a:bodyPr lIns="0" tIns="0" rIns="0" bIns="0">
             <a:normAutofit fontScale="4000"/>
           </a:bodyPr>
-          <a:p>
-            <a:endParaRPr b="0" lang="en-US" sz="2800" spc="-1" strike="noStrike">
+          <a:lstStyle/>
+          <a:p>
+            <a:endParaRPr lang="en-US" sz="2800" b="0" strike="noStrike" spc="-1">
               <a:solidFill>
                 <a:srgbClr val="000000"/>
               </a:solidFill>
@@ -598,11 +717,12 @@
           </a:prstGeom>
         </p:spPr>
         <p:txBody>
-          <a:bodyPr lIns="0" rIns="0" tIns="0" bIns="0">
+          <a:bodyPr lIns="0" tIns="0" rIns="0" bIns="0">
             <a:normAutofit fontScale="4000"/>
           </a:bodyPr>
-          <a:p>
-            <a:endParaRPr b="0" lang="en-US" sz="2800" spc="-1" strike="noStrike">
+          <a:lstStyle/>
+          <a:p>
+            <a:endParaRPr lang="en-US" sz="2800" b="0" strike="noStrike" spc="-1">
               <a:solidFill>
                 <a:srgbClr val="000000"/>
               </a:solidFill>
@@ -613,11 +733,14 @@
       </p:sp>
     </p:spTree>
   </p:cSld>
+  <p:clrMapOvr>
+    <a:masterClrMapping/>
+  </p:clrMapOvr>
 </p:sldLayout>
 </file>
 
 <file path=ppt/slideLayouts/slideLayout13.xml><?xml version="1.0" encoding="utf-8"?>
-<p:sldLayout xmlns:a="http://schemas.openxmlformats.org/drawingml/2006/main" xmlns:p="http://schemas.openxmlformats.org/presentationml/2006/main" xmlns:r="http://schemas.openxmlformats.org/officeDocument/2006/relationships" xmlns:p14="http://schemas.microsoft.com/office/powerpoint/2010/main" xmlns:p15="http://schemas.microsoft.com/office/powerpoint/2012/main" xmlns:mc="http://schemas.openxmlformats.org/markup-compatibility/2006" type="blank" preserve="1">
+<p:sldLayout xmlns:a="http://schemas.openxmlformats.org/drawingml/2006/main" xmlns:r="http://schemas.openxmlformats.org/officeDocument/2006/relationships" xmlns:p="http://schemas.openxmlformats.org/presentationml/2006/main" type="blank" preserve="1">
   <p:cSld name="Blank Slide">
     <p:spTree>
       <p:nvGrpSpPr>
@@ -635,11 +758,14 @@
       </p:grpSpPr>
     </p:spTree>
   </p:cSld>
+  <p:clrMapOvr>
+    <a:masterClrMapping/>
+  </p:clrMapOvr>
 </p:sldLayout>
 </file>
 
 <file path=ppt/slideLayouts/slideLayout14.xml><?xml version="1.0" encoding="utf-8"?>
-<p:sldLayout xmlns:a="http://schemas.openxmlformats.org/drawingml/2006/main" xmlns:p="http://schemas.openxmlformats.org/presentationml/2006/main" xmlns:r="http://schemas.openxmlformats.org/officeDocument/2006/relationships" xmlns:p14="http://schemas.microsoft.com/office/powerpoint/2010/main" xmlns:p15="http://schemas.microsoft.com/office/powerpoint/2012/main" xmlns:mc="http://schemas.openxmlformats.org/markup-compatibility/2006" type="tx" preserve="1">
+<p:sldLayout xmlns:a="http://schemas.openxmlformats.org/drawingml/2006/main" xmlns:r="http://schemas.openxmlformats.org/officeDocument/2006/relationships" xmlns:p="http://schemas.openxmlformats.org/presentationml/2006/main" type="tx" preserve="1">
   <p:cSld name="Title Slide">
     <p:spTree>
       <p:nvGrpSpPr>
@@ -675,11 +801,12 @@
           </a:prstGeom>
         </p:spPr>
         <p:txBody>
-          <a:bodyPr lIns="0" rIns="0" tIns="0" bIns="0" anchor="ctr">
+          <a:bodyPr lIns="0" tIns="0" rIns="0" bIns="0" anchor="ctr">
             <a:noAutofit/>
           </a:bodyPr>
-          <a:p>
-            <a:endParaRPr b="0" lang="en-US" sz="1800" spc="-1" strike="noStrike">
+          <a:lstStyle/>
+          <a:p>
+            <a:endParaRPr lang="en-US" sz="1800" b="0" strike="noStrike" spc="-1">
               <a:solidFill>
                 <a:srgbClr val="000000"/>
               </a:solidFill>
@@ -708,12 +835,13 @@
           </a:prstGeom>
         </p:spPr>
         <p:txBody>
-          <a:bodyPr lIns="0" rIns="0" tIns="0" bIns="0" anchor="ctr">
+          <a:bodyPr lIns="0" tIns="0" rIns="0" bIns="0" anchor="ctr">
             <a:noAutofit/>
           </a:bodyPr>
+          <a:lstStyle/>
           <a:p>
             <a:pPr algn="ctr"/>
-            <a:endParaRPr b="0" lang="en-US" sz="3200" spc="-1" strike="noStrike">
+            <a:endParaRPr lang="en-US" sz="3200" b="0" strike="noStrike" spc="-1">
               <a:latin typeface="Arial"/>
             </a:endParaRPr>
           </a:p>
@@ -721,11 +849,14 @@
       </p:sp>
     </p:spTree>
   </p:cSld>
+  <p:clrMapOvr>
+    <a:masterClrMapping/>
+  </p:clrMapOvr>
 </p:sldLayout>
 </file>
 
 <file path=ppt/slideLayouts/slideLayout15.xml><?xml version="1.0" encoding="utf-8"?>
-<p:sldLayout xmlns:a="http://schemas.openxmlformats.org/drawingml/2006/main" xmlns:p="http://schemas.openxmlformats.org/presentationml/2006/main" xmlns:r="http://schemas.openxmlformats.org/officeDocument/2006/relationships" xmlns:p14="http://schemas.microsoft.com/office/powerpoint/2010/main" xmlns:p15="http://schemas.microsoft.com/office/powerpoint/2012/main" xmlns:mc="http://schemas.openxmlformats.org/markup-compatibility/2006" type="obj" preserve="1">
+<p:sldLayout xmlns:a="http://schemas.openxmlformats.org/drawingml/2006/main" xmlns:r="http://schemas.openxmlformats.org/officeDocument/2006/relationships" xmlns:p="http://schemas.openxmlformats.org/presentationml/2006/main" type="obj" preserve="1">
   <p:cSld name="Title, Content">
     <p:spTree>
       <p:nvGrpSpPr>
@@ -761,11 +892,12 @@
           </a:prstGeom>
         </p:spPr>
         <p:txBody>
-          <a:bodyPr lIns="0" rIns="0" tIns="0" bIns="0" anchor="ctr">
+          <a:bodyPr lIns="0" tIns="0" rIns="0" bIns="0" anchor="ctr">
             <a:noAutofit/>
           </a:bodyPr>
-          <a:p>
-            <a:endParaRPr b="0" lang="en-US" sz="1800" spc="-1" strike="noStrike">
+          <a:lstStyle/>
+          <a:p>
+            <a:endParaRPr lang="en-US" sz="1800" b="0" strike="noStrike" spc="-1">
               <a:solidFill>
                 <a:srgbClr val="000000"/>
               </a:solidFill>
@@ -794,11 +926,12 @@
           </a:prstGeom>
         </p:spPr>
         <p:txBody>
-          <a:bodyPr lIns="0" rIns="0" tIns="0" bIns="0">
+          <a:bodyPr lIns="0" tIns="0" rIns="0" bIns="0">
             <a:normAutofit/>
           </a:bodyPr>
-          <a:p>
-            <a:endParaRPr b="0" lang="en-US" sz="2800" spc="-1" strike="noStrike">
+          <a:lstStyle/>
+          <a:p>
+            <a:endParaRPr lang="en-US" sz="2800" b="0" strike="noStrike" spc="-1">
               <a:solidFill>
                 <a:srgbClr val="000000"/>
               </a:solidFill>
@@ -809,11 +942,14 @@
       </p:sp>
     </p:spTree>
   </p:cSld>
+  <p:clrMapOvr>
+    <a:masterClrMapping/>
+  </p:clrMapOvr>
 </p:sldLayout>
 </file>
 
 <file path=ppt/slideLayouts/slideLayout16.xml><?xml version="1.0" encoding="utf-8"?>
-<p:sldLayout xmlns:a="http://schemas.openxmlformats.org/drawingml/2006/main" xmlns:p="http://schemas.openxmlformats.org/presentationml/2006/main" xmlns:r="http://schemas.openxmlformats.org/officeDocument/2006/relationships" xmlns:p14="http://schemas.microsoft.com/office/powerpoint/2010/main" xmlns:p15="http://schemas.microsoft.com/office/powerpoint/2012/main" xmlns:mc="http://schemas.openxmlformats.org/markup-compatibility/2006" type="twoObj" preserve="1">
+<p:sldLayout xmlns:a="http://schemas.openxmlformats.org/drawingml/2006/main" xmlns:r="http://schemas.openxmlformats.org/officeDocument/2006/relationships" xmlns:p="http://schemas.openxmlformats.org/presentationml/2006/main" type="twoObj" preserve="1">
   <p:cSld name="Title, 2 Content">
     <p:spTree>
       <p:nvGrpSpPr>
@@ -849,11 +985,12 @@
           </a:prstGeom>
         </p:spPr>
         <p:txBody>
-          <a:bodyPr lIns="0" rIns="0" tIns="0" bIns="0" anchor="ctr">
+          <a:bodyPr lIns="0" tIns="0" rIns="0" bIns="0" anchor="ctr">
             <a:noAutofit/>
           </a:bodyPr>
-          <a:p>
-            <a:endParaRPr b="0" lang="en-US" sz="1800" spc="-1" strike="noStrike">
+          <a:lstStyle/>
+          <a:p>
+            <a:endParaRPr lang="en-US" sz="1800" b="0" strike="noStrike" spc="-1">
               <a:solidFill>
                 <a:srgbClr val="000000"/>
               </a:solidFill>
@@ -882,11 +1019,12 @@
           </a:prstGeom>
         </p:spPr>
         <p:txBody>
-          <a:bodyPr lIns="0" rIns="0" tIns="0" bIns="0">
+          <a:bodyPr lIns="0" tIns="0" rIns="0" bIns="0">
             <a:normAutofit fontScale="31000"/>
           </a:bodyPr>
-          <a:p>
-            <a:endParaRPr b="0" lang="en-US" sz="2800" spc="-1" strike="noStrike">
+          <a:lstStyle/>
+          <a:p>
+            <a:endParaRPr lang="en-US" sz="2800" b="0" strike="noStrike" spc="-1">
               <a:solidFill>
                 <a:srgbClr val="000000"/>
               </a:solidFill>
@@ -915,11 +1053,12 @@
           </a:prstGeom>
         </p:spPr>
         <p:txBody>
-          <a:bodyPr lIns="0" rIns="0" tIns="0" bIns="0">
+          <a:bodyPr lIns="0" tIns="0" rIns="0" bIns="0">
             <a:normAutofit fontScale="31000"/>
           </a:bodyPr>
-          <a:p>
-            <a:endParaRPr b="0" lang="en-US" sz="2800" spc="-1" strike="noStrike">
+          <a:lstStyle/>
+          <a:p>
+            <a:endParaRPr lang="en-US" sz="2800" b="0" strike="noStrike" spc="-1">
               <a:solidFill>
                 <a:srgbClr val="000000"/>
               </a:solidFill>
@@ -930,11 +1069,14 @@
       </p:sp>
     </p:spTree>
   </p:cSld>
+  <p:clrMapOvr>
+    <a:masterClrMapping/>
+  </p:clrMapOvr>
 </p:sldLayout>
 </file>
 
 <file path=ppt/slideLayouts/slideLayout17.xml><?xml version="1.0" encoding="utf-8"?>
-<p:sldLayout xmlns:a="http://schemas.openxmlformats.org/drawingml/2006/main" xmlns:p="http://schemas.openxmlformats.org/presentationml/2006/main" xmlns:r="http://schemas.openxmlformats.org/officeDocument/2006/relationships" xmlns:p14="http://schemas.microsoft.com/office/powerpoint/2010/main" xmlns:p15="http://schemas.microsoft.com/office/powerpoint/2012/main" xmlns:mc="http://schemas.openxmlformats.org/markup-compatibility/2006" type="titleOnly" preserve="1">
+<p:sldLayout xmlns:a="http://schemas.openxmlformats.org/drawingml/2006/main" xmlns:r="http://schemas.openxmlformats.org/officeDocument/2006/relationships" xmlns:p="http://schemas.openxmlformats.org/presentationml/2006/main" type="titleOnly" preserve="1">
   <p:cSld name="Title Only">
     <p:spTree>
       <p:nvGrpSpPr>
@@ -970,11 +1112,12 @@
           </a:prstGeom>
         </p:spPr>
         <p:txBody>
-          <a:bodyPr lIns="0" rIns="0" tIns="0" bIns="0" anchor="ctr">
+          <a:bodyPr lIns="0" tIns="0" rIns="0" bIns="0" anchor="ctr">
             <a:noAutofit/>
           </a:bodyPr>
-          <a:p>
-            <a:endParaRPr b="0" lang="en-US" sz="1800" spc="-1" strike="noStrike">
+          <a:lstStyle/>
+          <a:p>
+            <a:endParaRPr lang="en-US" sz="1800" b="0" strike="noStrike" spc="-1">
               <a:solidFill>
                 <a:srgbClr val="000000"/>
               </a:solidFill>
@@ -985,11 +1128,14 @@
       </p:sp>
     </p:spTree>
   </p:cSld>
+  <p:clrMapOvr>
+    <a:masterClrMapping/>
+  </p:clrMapOvr>
 </p:sldLayout>
 </file>
 
 <file path=ppt/slideLayouts/slideLayout18.xml><?xml version="1.0" encoding="utf-8"?>
-<p:sldLayout xmlns:a="http://schemas.openxmlformats.org/drawingml/2006/main" xmlns:p="http://schemas.openxmlformats.org/presentationml/2006/main" xmlns:r="http://schemas.openxmlformats.org/officeDocument/2006/relationships" xmlns:p14="http://schemas.microsoft.com/office/powerpoint/2010/main" xmlns:p15="http://schemas.microsoft.com/office/powerpoint/2012/main" xmlns:mc="http://schemas.openxmlformats.org/markup-compatibility/2006" type="objOnly" preserve="1">
+<p:sldLayout xmlns:a="http://schemas.openxmlformats.org/drawingml/2006/main" xmlns:r="http://schemas.openxmlformats.org/officeDocument/2006/relationships" xmlns:p="http://schemas.openxmlformats.org/presentationml/2006/main" type="objOnly" preserve="1">
   <p:cSld name="Centered Text">
     <p:spTree>
       <p:nvGrpSpPr>
@@ -1025,12 +1171,13 @@
           </a:prstGeom>
         </p:spPr>
         <p:txBody>
-          <a:bodyPr lIns="0" rIns="0" tIns="0" bIns="0" anchor="ctr">
+          <a:bodyPr lIns="0" tIns="0" rIns="0" bIns="0" anchor="ctr">
             <a:noAutofit/>
           </a:bodyPr>
+          <a:lstStyle/>
           <a:p>
             <a:pPr algn="ctr"/>
-            <a:endParaRPr b="0" lang="en-US" sz="3200" spc="-1" strike="noStrike">
+            <a:endParaRPr lang="en-US" sz="3200" b="0" strike="noStrike" spc="-1">
               <a:latin typeface="Arial"/>
             </a:endParaRPr>
           </a:p>
@@ -1038,11 +1185,14 @@
       </p:sp>
     </p:spTree>
   </p:cSld>
+  <p:clrMapOvr>
+    <a:masterClrMapping/>
+  </p:clrMapOvr>
 </p:sldLayout>
 </file>
 
 <file path=ppt/slideLayouts/slideLayout19.xml><?xml version="1.0" encoding="utf-8"?>
-<p:sldLayout xmlns:a="http://schemas.openxmlformats.org/drawingml/2006/main" xmlns:p="http://schemas.openxmlformats.org/presentationml/2006/main" xmlns:r="http://schemas.openxmlformats.org/officeDocument/2006/relationships" xmlns:p14="http://schemas.microsoft.com/office/powerpoint/2010/main" xmlns:p15="http://schemas.microsoft.com/office/powerpoint/2012/main" xmlns:mc="http://schemas.openxmlformats.org/markup-compatibility/2006" type="twoObjAndObj" preserve="1">
+<p:sldLayout xmlns:a="http://schemas.openxmlformats.org/drawingml/2006/main" xmlns:r="http://schemas.openxmlformats.org/officeDocument/2006/relationships" xmlns:p="http://schemas.openxmlformats.org/presentationml/2006/main" type="twoObjAndObj" preserve="1">
   <p:cSld name="Title, 2 Content and Content">
     <p:spTree>
       <p:nvGrpSpPr>
@@ -1078,11 +1228,12 @@
           </a:prstGeom>
         </p:spPr>
         <p:txBody>
-          <a:bodyPr lIns="0" rIns="0" tIns="0" bIns="0" anchor="ctr">
+          <a:bodyPr lIns="0" tIns="0" rIns="0" bIns="0" anchor="ctr">
             <a:noAutofit/>
           </a:bodyPr>
-          <a:p>
-            <a:endParaRPr b="0" lang="en-US" sz="1800" spc="-1" strike="noStrike">
+          <a:lstStyle/>
+          <a:p>
+            <a:endParaRPr lang="en-US" sz="1800" b="0" strike="noStrike" spc="-1">
               <a:solidFill>
                 <a:srgbClr val="000000"/>
               </a:solidFill>
@@ -1111,11 +1262,12 @@
           </a:prstGeom>
         </p:spPr>
         <p:txBody>
-          <a:bodyPr lIns="0" rIns="0" tIns="0" bIns="0">
+          <a:bodyPr lIns="0" tIns="0" rIns="0" bIns="0">
             <a:normAutofit fontScale="10000"/>
           </a:bodyPr>
-          <a:p>
-            <a:endParaRPr b="0" lang="en-US" sz="2800" spc="-1" strike="noStrike">
+          <a:lstStyle/>
+          <a:p>
+            <a:endParaRPr lang="en-US" sz="2800" b="0" strike="noStrike" spc="-1">
               <a:solidFill>
                 <a:srgbClr val="000000"/>
               </a:solidFill>
@@ -1144,11 +1296,12 @@
           </a:prstGeom>
         </p:spPr>
         <p:txBody>
-          <a:bodyPr lIns="0" rIns="0" tIns="0" bIns="0">
+          <a:bodyPr lIns="0" tIns="0" rIns="0" bIns="0">
             <a:normAutofit fontScale="31000"/>
           </a:bodyPr>
-          <a:p>
-            <a:endParaRPr b="0" lang="en-US" sz="2800" spc="-1" strike="noStrike">
+          <a:lstStyle/>
+          <a:p>
+            <a:endParaRPr lang="en-US" sz="2800" b="0" strike="noStrike" spc="-1">
               <a:solidFill>
                 <a:srgbClr val="000000"/>
               </a:solidFill>
@@ -1177,11 +1330,12 @@
           </a:prstGeom>
         </p:spPr>
         <p:txBody>
-          <a:bodyPr lIns="0" rIns="0" tIns="0" bIns="0">
+          <a:bodyPr lIns="0" tIns="0" rIns="0" bIns="0">
             <a:normAutofit fontScale="10000"/>
           </a:bodyPr>
-          <a:p>
-            <a:endParaRPr b="0" lang="en-US" sz="2800" spc="-1" strike="noStrike">
+          <a:lstStyle/>
+          <a:p>
+            <a:endParaRPr lang="en-US" sz="2800" b="0" strike="noStrike" spc="-1">
               <a:solidFill>
                 <a:srgbClr val="000000"/>
               </a:solidFill>
@@ -1192,11 +1346,14 @@
       </p:sp>
     </p:spTree>
   </p:cSld>
+  <p:clrMapOvr>
+    <a:masterClrMapping/>
+  </p:clrMapOvr>
 </p:sldLayout>
 </file>
 
 <file path=ppt/slideLayouts/slideLayout2.xml><?xml version="1.0" encoding="utf-8"?>
-<p:sldLayout xmlns:a="http://schemas.openxmlformats.org/drawingml/2006/main" xmlns:p="http://schemas.openxmlformats.org/presentationml/2006/main" xmlns:r="http://schemas.openxmlformats.org/officeDocument/2006/relationships" xmlns:p14="http://schemas.microsoft.com/office/powerpoint/2010/main" xmlns:p15="http://schemas.microsoft.com/office/powerpoint/2012/main" xmlns:mc="http://schemas.openxmlformats.org/markup-compatibility/2006" type="tx" preserve="1">
+<p:sldLayout xmlns:a="http://schemas.openxmlformats.org/drawingml/2006/main" xmlns:r="http://schemas.openxmlformats.org/officeDocument/2006/relationships" xmlns:p="http://schemas.openxmlformats.org/presentationml/2006/main" type="tx" preserve="1">
   <p:cSld name="Title Slide">
     <p:spTree>
       <p:nvGrpSpPr>
@@ -1232,11 +1389,12 @@
           </a:prstGeom>
         </p:spPr>
         <p:txBody>
-          <a:bodyPr lIns="0" rIns="0" tIns="0" bIns="0" anchor="ctr">
+          <a:bodyPr lIns="0" tIns="0" rIns="0" bIns="0" anchor="ctr">
             <a:noAutofit/>
           </a:bodyPr>
-          <a:p>
-            <a:endParaRPr b="0" lang="en-US" sz="1800" spc="-1" strike="noStrike">
+          <a:lstStyle/>
+          <a:p>
+            <a:endParaRPr lang="en-US" sz="1800" b="0" strike="noStrike" spc="-1">
               <a:solidFill>
                 <a:srgbClr val="000000"/>
               </a:solidFill>
@@ -1265,12 +1423,13 @@
           </a:prstGeom>
         </p:spPr>
         <p:txBody>
-          <a:bodyPr lIns="0" rIns="0" tIns="0" bIns="0" anchor="ctr">
+          <a:bodyPr lIns="0" tIns="0" rIns="0" bIns="0" anchor="ctr">
             <a:noAutofit/>
           </a:bodyPr>
+          <a:lstStyle/>
           <a:p>
             <a:pPr algn="ctr"/>
-            <a:endParaRPr b="0" lang="en-US" sz="3200" spc="-1" strike="noStrike">
+            <a:endParaRPr lang="en-US" sz="3200" b="0" strike="noStrike" spc="-1">
               <a:latin typeface="Arial"/>
             </a:endParaRPr>
           </a:p>
@@ -1278,11 +1437,14 @@
       </p:sp>
     </p:spTree>
   </p:cSld>
+  <p:clrMapOvr>
+    <a:masterClrMapping/>
+  </p:clrMapOvr>
 </p:sldLayout>
 </file>
 
 <file path=ppt/slideLayouts/slideLayout20.xml><?xml version="1.0" encoding="utf-8"?>
-<p:sldLayout xmlns:a="http://schemas.openxmlformats.org/drawingml/2006/main" xmlns:p="http://schemas.openxmlformats.org/presentationml/2006/main" xmlns:r="http://schemas.openxmlformats.org/officeDocument/2006/relationships" xmlns:p14="http://schemas.microsoft.com/office/powerpoint/2010/main" xmlns:p15="http://schemas.microsoft.com/office/powerpoint/2012/main" xmlns:mc="http://schemas.openxmlformats.org/markup-compatibility/2006" type="objAndTwoObj" preserve="1">
+<p:sldLayout xmlns:a="http://schemas.openxmlformats.org/drawingml/2006/main" xmlns:r="http://schemas.openxmlformats.org/officeDocument/2006/relationships" xmlns:p="http://schemas.openxmlformats.org/presentationml/2006/main" type="objAndTwoObj" preserve="1">
   <p:cSld name="Title Content and 2 Content">
     <p:spTree>
       <p:nvGrpSpPr>
@@ -1318,11 +1480,12 @@
           </a:prstGeom>
         </p:spPr>
         <p:txBody>
-          <a:bodyPr lIns="0" rIns="0" tIns="0" bIns="0" anchor="ctr">
+          <a:bodyPr lIns="0" tIns="0" rIns="0" bIns="0" anchor="ctr">
             <a:noAutofit/>
           </a:bodyPr>
-          <a:p>
-            <a:endParaRPr b="0" lang="en-US" sz="1800" spc="-1" strike="noStrike">
+          <a:lstStyle/>
+          <a:p>
+            <a:endParaRPr lang="en-US" sz="1800" b="0" strike="noStrike" spc="-1">
               <a:solidFill>
                 <a:srgbClr val="000000"/>
               </a:solidFill>
@@ -1351,11 +1514,12 @@
           </a:prstGeom>
         </p:spPr>
         <p:txBody>
-          <a:bodyPr lIns="0" rIns="0" tIns="0" bIns="0">
+          <a:bodyPr lIns="0" tIns="0" rIns="0" bIns="0">
             <a:normAutofit fontScale="31000"/>
           </a:bodyPr>
-          <a:p>
-            <a:endParaRPr b="0" lang="en-US" sz="2800" spc="-1" strike="noStrike">
+          <a:lstStyle/>
+          <a:p>
+            <a:endParaRPr lang="en-US" sz="2800" b="0" strike="noStrike" spc="-1">
               <a:solidFill>
                 <a:srgbClr val="000000"/>
               </a:solidFill>
@@ -1384,11 +1548,12 @@
           </a:prstGeom>
         </p:spPr>
         <p:txBody>
-          <a:bodyPr lIns="0" rIns="0" tIns="0" bIns="0">
+          <a:bodyPr lIns="0" tIns="0" rIns="0" bIns="0">
             <a:normAutofit fontScale="10000"/>
           </a:bodyPr>
-          <a:p>
-            <a:endParaRPr b="0" lang="en-US" sz="2800" spc="-1" strike="noStrike">
+          <a:lstStyle/>
+          <a:p>
+            <a:endParaRPr lang="en-US" sz="2800" b="0" strike="noStrike" spc="-1">
               <a:solidFill>
                 <a:srgbClr val="000000"/>
               </a:solidFill>
@@ -1417,11 +1582,12 @@
           </a:prstGeom>
         </p:spPr>
         <p:txBody>
-          <a:bodyPr lIns="0" rIns="0" tIns="0" bIns="0">
+          <a:bodyPr lIns="0" tIns="0" rIns="0" bIns="0">
             <a:normAutofit fontScale="10000"/>
           </a:bodyPr>
-          <a:p>
-            <a:endParaRPr b="0" lang="en-US" sz="2800" spc="-1" strike="noStrike">
+          <a:lstStyle/>
+          <a:p>
+            <a:endParaRPr lang="en-US" sz="2800" b="0" strike="noStrike" spc="-1">
               <a:solidFill>
                 <a:srgbClr val="000000"/>
               </a:solidFill>
@@ -1432,11 +1598,14 @@
       </p:sp>
     </p:spTree>
   </p:cSld>
+  <p:clrMapOvr>
+    <a:masterClrMapping/>
+  </p:clrMapOvr>
 </p:sldLayout>
 </file>
 
 <file path=ppt/slideLayouts/slideLayout21.xml><?xml version="1.0" encoding="utf-8"?>
-<p:sldLayout xmlns:a="http://schemas.openxmlformats.org/drawingml/2006/main" xmlns:p="http://schemas.openxmlformats.org/presentationml/2006/main" xmlns:r="http://schemas.openxmlformats.org/officeDocument/2006/relationships" xmlns:p14="http://schemas.microsoft.com/office/powerpoint/2010/main" xmlns:p15="http://schemas.microsoft.com/office/powerpoint/2012/main" xmlns:mc="http://schemas.openxmlformats.org/markup-compatibility/2006" type="twoObjOverTx" preserve="1">
+<p:sldLayout xmlns:a="http://schemas.openxmlformats.org/drawingml/2006/main" xmlns:r="http://schemas.openxmlformats.org/officeDocument/2006/relationships" xmlns:p="http://schemas.openxmlformats.org/presentationml/2006/main" type="twoObjOverTx" preserve="1">
   <p:cSld name="Title, 2 Content over Content">
     <p:spTree>
       <p:nvGrpSpPr>
@@ -1472,11 +1641,12 @@
           </a:prstGeom>
         </p:spPr>
         <p:txBody>
-          <a:bodyPr lIns="0" rIns="0" tIns="0" bIns="0" anchor="ctr">
+          <a:bodyPr lIns="0" tIns="0" rIns="0" bIns="0" anchor="ctr">
             <a:noAutofit/>
           </a:bodyPr>
-          <a:p>
-            <a:endParaRPr b="0" lang="en-US" sz="1800" spc="-1" strike="noStrike">
+          <a:lstStyle/>
+          <a:p>
+            <a:endParaRPr lang="en-US" sz="1800" b="0" strike="noStrike" spc="-1">
               <a:solidFill>
                 <a:srgbClr val="000000"/>
               </a:solidFill>
@@ -1505,11 +1675,12 @@
           </a:prstGeom>
         </p:spPr>
         <p:txBody>
-          <a:bodyPr lIns="0" rIns="0" tIns="0" bIns="0">
+          <a:bodyPr lIns="0" tIns="0" rIns="0" bIns="0">
             <a:normAutofit fontScale="10000"/>
           </a:bodyPr>
-          <a:p>
-            <a:endParaRPr b="0" lang="en-US" sz="2800" spc="-1" strike="noStrike">
+          <a:lstStyle/>
+          <a:p>
+            <a:endParaRPr lang="en-US" sz="2800" b="0" strike="noStrike" spc="-1">
               <a:solidFill>
                 <a:srgbClr val="000000"/>
               </a:solidFill>
@@ -1538,11 +1709,12 @@
           </a:prstGeom>
         </p:spPr>
         <p:txBody>
-          <a:bodyPr lIns="0" rIns="0" tIns="0" bIns="0">
+          <a:bodyPr lIns="0" tIns="0" rIns="0" bIns="0">
             <a:normAutofit fontScale="10000"/>
           </a:bodyPr>
-          <a:p>
-            <a:endParaRPr b="0" lang="en-US" sz="2800" spc="-1" strike="noStrike">
+          <a:lstStyle/>
+          <a:p>
+            <a:endParaRPr lang="en-US" sz="2800" b="0" strike="noStrike" spc="-1">
               <a:solidFill>
                 <a:srgbClr val="000000"/>
               </a:solidFill>
@@ -1571,11 +1743,12 @@
           </a:prstGeom>
         </p:spPr>
         <p:txBody>
-          <a:bodyPr lIns="0" rIns="0" tIns="0" bIns="0">
+          <a:bodyPr lIns="0" tIns="0" rIns="0" bIns="0">
             <a:normAutofit fontScale="64000"/>
           </a:bodyPr>
-          <a:p>
-            <a:endParaRPr b="0" lang="en-US" sz="2800" spc="-1" strike="noStrike">
+          <a:lstStyle/>
+          <a:p>
+            <a:endParaRPr lang="en-US" sz="2800" b="0" strike="noStrike" spc="-1">
               <a:solidFill>
                 <a:srgbClr val="000000"/>
               </a:solidFill>
@@ -1586,11 +1759,14 @@
       </p:sp>
     </p:spTree>
   </p:cSld>
+  <p:clrMapOvr>
+    <a:masterClrMapping/>
+  </p:clrMapOvr>
 </p:sldLayout>
 </file>
 
 <file path=ppt/slideLayouts/slideLayout22.xml><?xml version="1.0" encoding="utf-8"?>
-<p:sldLayout xmlns:a="http://schemas.openxmlformats.org/drawingml/2006/main" xmlns:p="http://schemas.openxmlformats.org/presentationml/2006/main" xmlns:r="http://schemas.openxmlformats.org/officeDocument/2006/relationships" xmlns:p14="http://schemas.microsoft.com/office/powerpoint/2010/main" xmlns:p15="http://schemas.microsoft.com/office/powerpoint/2012/main" xmlns:mc="http://schemas.openxmlformats.org/markup-compatibility/2006" type="objOverTx" preserve="1">
+<p:sldLayout xmlns:a="http://schemas.openxmlformats.org/drawingml/2006/main" xmlns:r="http://schemas.openxmlformats.org/officeDocument/2006/relationships" xmlns:p="http://schemas.openxmlformats.org/presentationml/2006/main" type="objOverTx" preserve="1">
   <p:cSld name="Title, Content over Content">
     <p:spTree>
       <p:nvGrpSpPr>
@@ -1626,11 +1802,12 @@
           </a:prstGeom>
         </p:spPr>
         <p:txBody>
-          <a:bodyPr lIns="0" rIns="0" tIns="0" bIns="0" anchor="ctr">
+          <a:bodyPr lIns="0" tIns="0" rIns="0" bIns="0" anchor="ctr">
             <a:noAutofit/>
           </a:bodyPr>
-          <a:p>
-            <a:endParaRPr b="0" lang="en-US" sz="1800" spc="-1" strike="noStrike">
+          <a:lstStyle/>
+          <a:p>
+            <a:endParaRPr lang="en-US" sz="1800" b="0" strike="noStrike" spc="-1">
               <a:solidFill>
                 <a:srgbClr val="000000"/>
               </a:solidFill>
@@ -1659,11 +1836,12 @@
           </a:prstGeom>
         </p:spPr>
         <p:txBody>
-          <a:bodyPr lIns="0" rIns="0" tIns="0" bIns="0">
+          <a:bodyPr lIns="0" tIns="0" rIns="0" bIns="0">
             <a:normAutofit fontScale="64000"/>
           </a:bodyPr>
-          <a:p>
-            <a:endParaRPr b="0" lang="en-US" sz="2800" spc="-1" strike="noStrike">
+          <a:lstStyle/>
+          <a:p>
+            <a:endParaRPr lang="en-US" sz="2800" b="0" strike="noStrike" spc="-1">
               <a:solidFill>
                 <a:srgbClr val="000000"/>
               </a:solidFill>
@@ -1692,11 +1870,12 @@
           </a:prstGeom>
         </p:spPr>
         <p:txBody>
-          <a:bodyPr lIns="0" rIns="0" tIns="0" bIns="0">
+          <a:bodyPr lIns="0" tIns="0" rIns="0" bIns="0">
             <a:normAutofit fontScale="64000"/>
           </a:bodyPr>
-          <a:p>
-            <a:endParaRPr b="0" lang="en-US" sz="2800" spc="-1" strike="noStrike">
+          <a:lstStyle/>
+          <a:p>
+            <a:endParaRPr lang="en-US" sz="2800" b="0" strike="noStrike" spc="-1">
               <a:solidFill>
                 <a:srgbClr val="000000"/>
               </a:solidFill>
@@ -1707,11 +1886,14 @@
       </p:sp>
     </p:spTree>
   </p:cSld>
+  <p:clrMapOvr>
+    <a:masterClrMapping/>
+  </p:clrMapOvr>
 </p:sldLayout>
 </file>
 
 <file path=ppt/slideLayouts/slideLayout23.xml><?xml version="1.0" encoding="utf-8"?>
-<p:sldLayout xmlns:a="http://schemas.openxmlformats.org/drawingml/2006/main" xmlns:p="http://schemas.openxmlformats.org/presentationml/2006/main" xmlns:r="http://schemas.openxmlformats.org/officeDocument/2006/relationships" xmlns:p14="http://schemas.microsoft.com/office/powerpoint/2010/main" xmlns:p15="http://schemas.microsoft.com/office/powerpoint/2012/main" xmlns:mc="http://schemas.openxmlformats.org/markup-compatibility/2006" type="fourObj" preserve="1">
+<p:sldLayout xmlns:a="http://schemas.openxmlformats.org/drawingml/2006/main" xmlns:r="http://schemas.openxmlformats.org/officeDocument/2006/relationships" xmlns:p="http://schemas.openxmlformats.org/presentationml/2006/main" type="fourObj" preserve="1">
   <p:cSld name="Title, 4 Content">
     <p:spTree>
       <p:nvGrpSpPr>
@@ -1747,11 +1929,12 @@
           </a:prstGeom>
         </p:spPr>
         <p:txBody>
-          <a:bodyPr lIns="0" rIns="0" tIns="0" bIns="0" anchor="ctr">
+          <a:bodyPr lIns="0" tIns="0" rIns="0" bIns="0" anchor="ctr">
             <a:noAutofit/>
           </a:bodyPr>
-          <a:p>
-            <a:endParaRPr b="0" lang="en-US" sz="1800" spc="-1" strike="noStrike">
+          <a:lstStyle/>
+          <a:p>
+            <a:endParaRPr lang="en-US" sz="1800" b="0" strike="noStrike" spc="-1">
               <a:solidFill>
                 <a:srgbClr val="000000"/>
               </a:solidFill>
@@ -1780,11 +1963,12 @@
           </a:prstGeom>
         </p:spPr>
         <p:txBody>
-          <a:bodyPr lIns="0" rIns="0" tIns="0" bIns="0">
+          <a:bodyPr lIns="0" tIns="0" rIns="0" bIns="0">
             <a:normAutofit fontScale="10000"/>
           </a:bodyPr>
-          <a:p>
-            <a:endParaRPr b="0" lang="en-US" sz="2800" spc="-1" strike="noStrike">
+          <a:lstStyle/>
+          <a:p>
+            <a:endParaRPr lang="en-US" sz="2800" b="0" strike="noStrike" spc="-1">
               <a:solidFill>
                 <a:srgbClr val="000000"/>
               </a:solidFill>
@@ -1813,11 +1997,12 @@
           </a:prstGeom>
         </p:spPr>
         <p:txBody>
-          <a:bodyPr lIns="0" rIns="0" tIns="0" bIns="0">
+          <a:bodyPr lIns="0" tIns="0" rIns="0" bIns="0">
             <a:normAutofit fontScale="10000"/>
           </a:bodyPr>
-          <a:p>
-            <a:endParaRPr b="0" lang="en-US" sz="2800" spc="-1" strike="noStrike">
+          <a:lstStyle/>
+          <a:p>
+            <a:endParaRPr lang="en-US" sz="2800" b="0" strike="noStrike" spc="-1">
               <a:solidFill>
                 <a:srgbClr val="000000"/>
               </a:solidFill>
@@ -1846,11 +2031,12 @@
           </a:prstGeom>
         </p:spPr>
         <p:txBody>
-          <a:bodyPr lIns="0" rIns="0" tIns="0" bIns="0">
+          <a:bodyPr lIns="0" tIns="0" rIns="0" bIns="0">
             <a:normAutofit fontScale="10000"/>
           </a:bodyPr>
-          <a:p>
-            <a:endParaRPr b="0" lang="en-US" sz="2800" spc="-1" strike="noStrike">
+          <a:lstStyle/>
+          <a:p>
+            <a:endParaRPr lang="en-US" sz="2800" b="0" strike="noStrike" spc="-1">
               <a:solidFill>
                 <a:srgbClr val="000000"/>
               </a:solidFill>
@@ -1879,11 +2065,12 @@
           </a:prstGeom>
         </p:spPr>
         <p:txBody>
-          <a:bodyPr lIns="0" rIns="0" tIns="0" bIns="0">
+          <a:bodyPr lIns="0" tIns="0" rIns="0" bIns="0">
             <a:normAutofit fontScale="10000"/>
           </a:bodyPr>
-          <a:p>
-            <a:endParaRPr b="0" lang="en-US" sz="2800" spc="-1" strike="noStrike">
+          <a:lstStyle/>
+          <a:p>
+            <a:endParaRPr lang="en-US" sz="2800" b="0" strike="noStrike" spc="-1">
               <a:solidFill>
                 <a:srgbClr val="000000"/>
               </a:solidFill>
@@ -1894,11 +2081,14 @@
       </p:sp>
     </p:spTree>
   </p:cSld>
+  <p:clrMapOvr>
+    <a:masterClrMapping/>
+  </p:clrMapOvr>
 </p:sldLayout>
 </file>
 
 <file path=ppt/slideLayouts/slideLayout24.xml><?xml version="1.0" encoding="utf-8"?>
-<p:sldLayout xmlns:a="http://schemas.openxmlformats.org/drawingml/2006/main" xmlns:p="http://schemas.openxmlformats.org/presentationml/2006/main" xmlns:r="http://schemas.openxmlformats.org/officeDocument/2006/relationships" xmlns:p14="http://schemas.microsoft.com/office/powerpoint/2010/main" xmlns:p15="http://schemas.microsoft.com/office/powerpoint/2012/main" xmlns:mc="http://schemas.openxmlformats.org/markup-compatibility/2006" type="blank" preserve="1">
+<p:sldLayout xmlns:a="http://schemas.openxmlformats.org/drawingml/2006/main" xmlns:r="http://schemas.openxmlformats.org/officeDocument/2006/relationships" xmlns:p="http://schemas.openxmlformats.org/presentationml/2006/main" type="blank" preserve="1">
   <p:cSld name="Title, 6 Content">
     <p:spTree>
       <p:nvGrpSpPr>
@@ -1934,11 +2124,12 @@
           </a:prstGeom>
         </p:spPr>
         <p:txBody>
-          <a:bodyPr lIns="0" rIns="0" tIns="0" bIns="0" anchor="ctr">
+          <a:bodyPr lIns="0" tIns="0" rIns="0" bIns="0" anchor="ctr">
             <a:noAutofit/>
           </a:bodyPr>
-          <a:p>
-            <a:endParaRPr b="0" lang="en-US" sz="1800" spc="-1" strike="noStrike">
+          <a:lstStyle/>
+          <a:p>
+            <a:endParaRPr lang="en-US" sz="1800" b="0" strike="noStrike" spc="-1">
               <a:solidFill>
                 <a:srgbClr val="000000"/>
               </a:solidFill>
@@ -1967,11 +2158,12 @@
           </a:prstGeom>
         </p:spPr>
         <p:txBody>
-          <a:bodyPr lIns="0" rIns="0" tIns="0" bIns="0">
+          <a:bodyPr lIns="0" tIns="0" rIns="0" bIns="0">
             <a:normAutofit fontScale="4000"/>
           </a:bodyPr>
-          <a:p>
-            <a:endParaRPr b="0" lang="en-US" sz="2800" spc="-1" strike="noStrike">
+          <a:lstStyle/>
+          <a:p>
+            <a:endParaRPr lang="en-US" sz="2800" b="0" strike="noStrike" spc="-1">
               <a:solidFill>
                 <a:srgbClr val="000000"/>
               </a:solidFill>
@@ -2000,11 +2192,12 @@
           </a:prstGeom>
         </p:spPr>
         <p:txBody>
-          <a:bodyPr lIns="0" rIns="0" tIns="0" bIns="0">
+          <a:bodyPr lIns="0" tIns="0" rIns="0" bIns="0">
             <a:normAutofit fontScale="4000"/>
           </a:bodyPr>
-          <a:p>
-            <a:endParaRPr b="0" lang="en-US" sz="2800" spc="-1" strike="noStrike">
+          <a:lstStyle/>
+          <a:p>
+            <a:endParaRPr lang="en-US" sz="2800" b="0" strike="noStrike" spc="-1">
               <a:solidFill>
                 <a:srgbClr val="000000"/>
               </a:solidFill>
@@ -2033,11 +2226,12 @@
           </a:prstGeom>
         </p:spPr>
         <p:txBody>
-          <a:bodyPr lIns="0" rIns="0" tIns="0" bIns="0">
+          <a:bodyPr lIns="0" tIns="0" rIns="0" bIns="0">
             <a:normAutofit fontScale="4000"/>
           </a:bodyPr>
-          <a:p>
-            <a:endParaRPr b="0" lang="en-US" sz="2800" spc="-1" strike="noStrike">
+          <a:lstStyle/>
+          <a:p>
+            <a:endParaRPr lang="en-US" sz="2800" b="0" strike="noStrike" spc="-1">
               <a:solidFill>
                 <a:srgbClr val="000000"/>
               </a:solidFill>
@@ -2066,11 +2260,12 @@
           </a:prstGeom>
         </p:spPr>
         <p:txBody>
-          <a:bodyPr lIns="0" rIns="0" tIns="0" bIns="0">
+          <a:bodyPr lIns="0" tIns="0" rIns="0" bIns="0">
             <a:normAutofit fontScale="4000"/>
           </a:bodyPr>
-          <a:p>
-            <a:endParaRPr b="0" lang="en-US" sz="2800" spc="-1" strike="noStrike">
+          <a:lstStyle/>
+          <a:p>
+            <a:endParaRPr lang="en-US" sz="2800" b="0" strike="noStrike" spc="-1">
               <a:solidFill>
                 <a:srgbClr val="000000"/>
               </a:solidFill>
@@ -2099,11 +2294,12 @@
           </a:prstGeom>
         </p:spPr>
         <p:txBody>
-          <a:bodyPr lIns="0" rIns="0" tIns="0" bIns="0">
+          <a:bodyPr lIns="0" tIns="0" rIns="0" bIns="0">
             <a:normAutofit fontScale="4000"/>
           </a:bodyPr>
-          <a:p>
-            <a:endParaRPr b="0" lang="en-US" sz="2800" spc="-1" strike="noStrike">
+          <a:lstStyle/>
+          <a:p>
+            <a:endParaRPr lang="en-US" sz="2800" b="0" strike="noStrike" spc="-1">
               <a:solidFill>
                 <a:srgbClr val="000000"/>
               </a:solidFill>
@@ -2132,11 +2328,12 @@
           </a:prstGeom>
         </p:spPr>
         <p:txBody>
-          <a:bodyPr lIns="0" rIns="0" tIns="0" bIns="0">
+          <a:bodyPr lIns="0" tIns="0" rIns="0" bIns="0">
             <a:normAutofit fontScale="4000"/>
           </a:bodyPr>
-          <a:p>
-            <a:endParaRPr b="0" lang="en-US" sz="2800" spc="-1" strike="noStrike">
+          <a:lstStyle/>
+          <a:p>
+            <a:endParaRPr lang="en-US" sz="2800" b="0" strike="noStrike" spc="-1">
               <a:solidFill>
                 <a:srgbClr val="000000"/>
               </a:solidFill>
@@ -2147,11 +2344,14 @@
       </p:sp>
     </p:spTree>
   </p:cSld>
+  <p:clrMapOvr>
+    <a:masterClrMapping/>
+  </p:clrMapOvr>
 </p:sldLayout>
 </file>
 
 <file path=ppt/slideLayouts/slideLayout3.xml><?xml version="1.0" encoding="utf-8"?>
-<p:sldLayout xmlns:a="http://schemas.openxmlformats.org/drawingml/2006/main" xmlns:p="http://schemas.openxmlformats.org/presentationml/2006/main" xmlns:r="http://schemas.openxmlformats.org/officeDocument/2006/relationships" xmlns:p14="http://schemas.microsoft.com/office/powerpoint/2010/main" xmlns:p15="http://schemas.microsoft.com/office/powerpoint/2012/main" xmlns:mc="http://schemas.openxmlformats.org/markup-compatibility/2006" type="obj" preserve="1">
+<p:sldLayout xmlns:a="http://schemas.openxmlformats.org/drawingml/2006/main" xmlns:r="http://schemas.openxmlformats.org/officeDocument/2006/relationships" xmlns:p="http://schemas.openxmlformats.org/presentationml/2006/main" type="obj" preserve="1">
   <p:cSld name="Title, Content">
     <p:spTree>
       <p:nvGrpSpPr>
@@ -2187,11 +2387,12 @@
           </a:prstGeom>
         </p:spPr>
         <p:txBody>
-          <a:bodyPr lIns="0" rIns="0" tIns="0" bIns="0" anchor="ctr">
+          <a:bodyPr lIns="0" tIns="0" rIns="0" bIns="0" anchor="ctr">
             <a:noAutofit/>
           </a:bodyPr>
-          <a:p>
-            <a:endParaRPr b="0" lang="en-US" sz="1800" spc="-1" strike="noStrike">
+          <a:lstStyle/>
+          <a:p>
+            <a:endParaRPr lang="en-US" sz="1800" b="0" strike="noStrike" spc="-1">
               <a:solidFill>
                 <a:srgbClr val="000000"/>
               </a:solidFill>
@@ -2220,11 +2421,12 @@
           </a:prstGeom>
         </p:spPr>
         <p:txBody>
-          <a:bodyPr lIns="0" rIns="0" tIns="0" bIns="0">
+          <a:bodyPr lIns="0" tIns="0" rIns="0" bIns="0">
             <a:normAutofit/>
           </a:bodyPr>
-          <a:p>
-            <a:endParaRPr b="0" lang="en-US" sz="2800" spc="-1" strike="noStrike">
+          <a:lstStyle/>
+          <a:p>
+            <a:endParaRPr lang="en-US" sz="2800" b="0" strike="noStrike" spc="-1">
               <a:solidFill>
                 <a:srgbClr val="000000"/>
               </a:solidFill>
@@ -2235,11 +2437,14 @@
       </p:sp>
     </p:spTree>
   </p:cSld>
+  <p:clrMapOvr>
+    <a:masterClrMapping/>
+  </p:clrMapOvr>
 </p:sldLayout>
 </file>
 
 <file path=ppt/slideLayouts/slideLayout4.xml><?xml version="1.0" encoding="utf-8"?>
-<p:sldLayout xmlns:a="http://schemas.openxmlformats.org/drawingml/2006/main" xmlns:p="http://schemas.openxmlformats.org/presentationml/2006/main" xmlns:r="http://schemas.openxmlformats.org/officeDocument/2006/relationships" xmlns:p14="http://schemas.microsoft.com/office/powerpoint/2010/main" xmlns:p15="http://schemas.microsoft.com/office/powerpoint/2012/main" xmlns:mc="http://schemas.openxmlformats.org/markup-compatibility/2006" type="twoObj" preserve="1">
+<p:sldLayout xmlns:a="http://schemas.openxmlformats.org/drawingml/2006/main" xmlns:r="http://schemas.openxmlformats.org/officeDocument/2006/relationships" xmlns:p="http://schemas.openxmlformats.org/presentationml/2006/main" type="twoObj" preserve="1">
   <p:cSld name="Title, 2 Content">
     <p:spTree>
       <p:nvGrpSpPr>
@@ -2275,11 +2480,12 @@
           </a:prstGeom>
         </p:spPr>
         <p:txBody>
-          <a:bodyPr lIns="0" rIns="0" tIns="0" bIns="0" anchor="ctr">
+          <a:bodyPr lIns="0" tIns="0" rIns="0" bIns="0" anchor="ctr">
             <a:noAutofit/>
           </a:bodyPr>
-          <a:p>
-            <a:endParaRPr b="0" lang="en-US" sz="1800" spc="-1" strike="noStrike">
+          <a:lstStyle/>
+          <a:p>
+            <a:endParaRPr lang="en-US" sz="1800" b="0" strike="noStrike" spc="-1">
               <a:solidFill>
                 <a:srgbClr val="000000"/>
               </a:solidFill>
@@ -2308,11 +2514,12 @@
           </a:prstGeom>
         </p:spPr>
         <p:txBody>
-          <a:bodyPr lIns="0" rIns="0" tIns="0" bIns="0">
+          <a:bodyPr lIns="0" tIns="0" rIns="0" bIns="0">
             <a:normAutofit fontScale="31000"/>
           </a:bodyPr>
-          <a:p>
-            <a:endParaRPr b="0" lang="en-US" sz="2800" spc="-1" strike="noStrike">
+          <a:lstStyle/>
+          <a:p>
+            <a:endParaRPr lang="en-US" sz="2800" b="0" strike="noStrike" spc="-1">
               <a:solidFill>
                 <a:srgbClr val="000000"/>
               </a:solidFill>
@@ -2341,11 +2548,12 @@
           </a:prstGeom>
         </p:spPr>
         <p:txBody>
-          <a:bodyPr lIns="0" rIns="0" tIns="0" bIns="0">
+          <a:bodyPr lIns="0" tIns="0" rIns="0" bIns="0">
             <a:normAutofit fontScale="31000"/>
           </a:bodyPr>
-          <a:p>
-            <a:endParaRPr b="0" lang="en-US" sz="2800" spc="-1" strike="noStrike">
+          <a:lstStyle/>
+          <a:p>
+            <a:endParaRPr lang="en-US" sz="2800" b="0" strike="noStrike" spc="-1">
               <a:solidFill>
                 <a:srgbClr val="000000"/>
               </a:solidFill>
@@ -2356,11 +2564,14 @@
       </p:sp>
     </p:spTree>
   </p:cSld>
+  <p:clrMapOvr>
+    <a:masterClrMapping/>
+  </p:clrMapOvr>
 </p:sldLayout>
 </file>
 
 <file path=ppt/slideLayouts/slideLayout5.xml><?xml version="1.0" encoding="utf-8"?>
-<p:sldLayout xmlns:a="http://schemas.openxmlformats.org/drawingml/2006/main" xmlns:p="http://schemas.openxmlformats.org/presentationml/2006/main" xmlns:r="http://schemas.openxmlformats.org/officeDocument/2006/relationships" xmlns:p14="http://schemas.microsoft.com/office/powerpoint/2010/main" xmlns:p15="http://schemas.microsoft.com/office/powerpoint/2012/main" xmlns:mc="http://schemas.openxmlformats.org/markup-compatibility/2006" type="titleOnly" preserve="1">
+<p:sldLayout xmlns:a="http://schemas.openxmlformats.org/drawingml/2006/main" xmlns:r="http://schemas.openxmlformats.org/officeDocument/2006/relationships" xmlns:p="http://schemas.openxmlformats.org/presentationml/2006/main" type="titleOnly" preserve="1">
   <p:cSld name="Title Only">
     <p:spTree>
       <p:nvGrpSpPr>
@@ -2396,11 +2607,12 @@
           </a:prstGeom>
         </p:spPr>
         <p:txBody>
-          <a:bodyPr lIns="0" rIns="0" tIns="0" bIns="0" anchor="ctr">
+          <a:bodyPr lIns="0" tIns="0" rIns="0" bIns="0" anchor="ctr">
             <a:noAutofit/>
           </a:bodyPr>
-          <a:p>
-            <a:endParaRPr b="0" lang="en-US" sz="1800" spc="-1" strike="noStrike">
+          <a:lstStyle/>
+          <a:p>
+            <a:endParaRPr lang="en-US" sz="1800" b="0" strike="noStrike" spc="-1">
               <a:solidFill>
                 <a:srgbClr val="000000"/>
               </a:solidFill>
@@ -2411,11 +2623,14 @@
       </p:sp>
     </p:spTree>
   </p:cSld>
+  <p:clrMapOvr>
+    <a:masterClrMapping/>
+  </p:clrMapOvr>
 </p:sldLayout>
 </file>
 
 <file path=ppt/slideLayouts/slideLayout6.xml><?xml version="1.0" encoding="utf-8"?>
-<p:sldLayout xmlns:a="http://schemas.openxmlformats.org/drawingml/2006/main" xmlns:p="http://schemas.openxmlformats.org/presentationml/2006/main" xmlns:r="http://schemas.openxmlformats.org/officeDocument/2006/relationships" xmlns:p14="http://schemas.microsoft.com/office/powerpoint/2010/main" xmlns:p15="http://schemas.microsoft.com/office/powerpoint/2012/main" xmlns:mc="http://schemas.openxmlformats.org/markup-compatibility/2006" type="objOnly" preserve="1">
+<p:sldLayout xmlns:a="http://schemas.openxmlformats.org/drawingml/2006/main" xmlns:r="http://schemas.openxmlformats.org/officeDocument/2006/relationships" xmlns:p="http://schemas.openxmlformats.org/presentationml/2006/main" type="objOnly" preserve="1">
   <p:cSld name="Centered Text">
     <p:spTree>
       <p:nvGrpSpPr>
@@ -2451,12 +2666,13 @@
           </a:prstGeom>
         </p:spPr>
         <p:txBody>
-          <a:bodyPr lIns="0" rIns="0" tIns="0" bIns="0" anchor="ctr">
+          <a:bodyPr lIns="0" tIns="0" rIns="0" bIns="0" anchor="ctr">
             <a:noAutofit/>
           </a:bodyPr>
+          <a:lstStyle/>
           <a:p>
             <a:pPr algn="ctr"/>
-            <a:endParaRPr b="0" lang="en-US" sz="3200" spc="-1" strike="noStrike">
+            <a:endParaRPr lang="en-US" sz="3200" b="0" strike="noStrike" spc="-1">
               <a:latin typeface="Arial"/>
             </a:endParaRPr>
           </a:p>
@@ -2464,11 +2680,14 @@
       </p:sp>
     </p:spTree>
   </p:cSld>
+  <p:clrMapOvr>
+    <a:masterClrMapping/>
+  </p:clrMapOvr>
 </p:sldLayout>
 </file>
 
 <file path=ppt/slideLayouts/slideLayout7.xml><?xml version="1.0" encoding="utf-8"?>
-<p:sldLayout xmlns:a="http://schemas.openxmlformats.org/drawingml/2006/main" xmlns:p="http://schemas.openxmlformats.org/presentationml/2006/main" xmlns:r="http://schemas.openxmlformats.org/officeDocument/2006/relationships" xmlns:p14="http://schemas.microsoft.com/office/powerpoint/2010/main" xmlns:p15="http://schemas.microsoft.com/office/powerpoint/2012/main" xmlns:mc="http://schemas.openxmlformats.org/markup-compatibility/2006" type="twoObjAndObj" preserve="1">
+<p:sldLayout xmlns:a="http://schemas.openxmlformats.org/drawingml/2006/main" xmlns:r="http://schemas.openxmlformats.org/officeDocument/2006/relationships" xmlns:p="http://schemas.openxmlformats.org/presentationml/2006/main" type="twoObjAndObj" preserve="1">
   <p:cSld name="Title, 2 Content and Content">
     <p:spTree>
       <p:nvGrpSpPr>
@@ -2504,11 +2723,12 @@
           </a:prstGeom>
         </p:spPr>
         <p:txBody>
-          <a:bodyPr lIns="0" rIns="0" tIns="0" bIns="0" anchor="ctr">
+          <a:bodyPr lIns="0" tIns="0" rIns="0" bIns="0" anchor="ctr">
             <a:noAutofit/>
           </a:bodyPr>
-          <a:p>
-            <a:endParaRPr b="0" lang="en-US" sz="1800" spc="-1" strike="noStrike">
+          <a:lstStyle/>
+          <a:p>
+            <a:endParaRPr lang="en-US" sz="1800" b="0" strike="noStrike" spc="-1">
               <a:solidFill>
                 <a:srgbClr val="000000"/>
               </a:solidFill>
@@ -2537,11 +2757,12 @@
           </a:prstGeom>
         </p:spPr>
         <p:txBody>
-          <a:bodyPr lIns="0" rIns="0" tIns="0" bIns="0">
+          <a:bodyPr lIns="0" tIns="0" rIns="0" bIns="0">
             <a:normAutofit fontScale="10000"/>
           </a:bodyPr>
-          <a:p>
-            <a:endParaRPr b="0" lang="en-US" sz="2800" spc="-1" strike="noStrike">
+          <a:lstStyle/>
+          <a:p>
+            <a:endParaRPr lang="en-US" sz="2800" b="0" strike="noStrike" spc="-1">
               <a:solidFill>
                 <a:srgbClr val="000000"/>
               </a:solidFill>
@@ -2570,11 +2791,12 @@
           </a:prstGeom>
         </p:spPr>
         <p:txBody>
-          <a:bodyPr lIns="0" rIns="0" tIns="0" bIns="0">
+          <a:bodyPr lIns="0" tIns="0" rIns="0" bIns="0">
             <a:normAutofit fontScale="31000"/>
           </a:bodyPr>
-          <a:p>
-            <a:endParaRPr b="0" lang="en-US" sz="2800" spc="-1" strike="noStrike">
+          <a:lstStyle/>
+          <a:p>
+            <a:endParaRPr lang="en-US" sz="2800" b="0" strike="noStrike" spc="-1">
               <a:solidFill>
                 <a:srgbClr val="000000"/>
               </a:solidFill>
@@ -2603,11 +2825,12 @@
           </a:prstGeom>
         </p:spPr>
         <p:txBody>
-          <a:bodyPr lIns="0" rIns="0" tIns="0" bIns="0">
+          <a:bodyPr lIns="0" tIns="0" rIns="0" bIns="0">
             <a:normAutofit fontScale="10000"/>
           </a:bodyPr>
-          <a:p>
-            <a:endParaRPr b="0" lang="en-US" sz="2800" spc="-1" strike="noStrike">
+          <a:lstStyle/>
+          <a:p>
+            <a:endParaRPr lang="en-US" sz="2800" b="0" strike="noStrike" spc="-1">
               <a:solidFill>
                 <a:srgbClr val="000000"/>
               </a:solidFill>
@@ -2618,11 +2841,14 @@
       </p:sp>
     </p:spTree>
   </p:cSld>
+  <p:clrMapOvr>
+    <a:masterClrMapping/>
+  </p:clrMapOvr>
 </p:sldLayout>
 </file>
 
 <file path=ppt/slideLayouts/slideLayout8.xml><?xml version="1.0" encoding="utf-8"?>
-<p:sldLayout xmlns:a="http://schemas.openxmlformats.org/drawingml/2006/main" xmlns:p="http://schemas.openxmlformats.org/presentationml/2006/main" xmlns:r="http://schemas.openxmlformats.org/officeDocument/2006/relationships" xmlns:p14="http://schemas.microsoft.com/office/powerpoint/2010/main" xmlns:p15="http://schemas.microsoft.com/office/powerpoint/2012/main" xmlns:mc="http://schemas.openxmlformats.org/markup-compatibility/2006" type="objAndTwoObj" preserve="1">
+<p:sldLayout xmlns:a="http://schemas.openxmlformats.org/drawingml/2006/main" xmlns:r="http://schemas.openxmlformats.org/officeDocument/2006/relationships" xmlns:p="http://schemas.openxmlformats.org/presentationml/2006/main" type="objAndTwoObj" preserve="1">
   <p:cSld name="Title Content and 2 Content">
     <p:spTree>
       <p:nvGrpSpPr>
@@ -2658,11 +2884,12 @@
           </a:prstGeom>
         </p:spPr>
         <p:txBody>
-          <a:bodyPr lIns="0" rIns="0" tIns="0" bIns="0" anchor="ctr">
+          <a:bodyPr lIns="0" tIns="0" rIns="0" bIns="0" anchor="ctr">
             <a:noAutofit/>
           </a:bodyPr>
-          <a:p>
-            <a:endParaRPr b="0" lang="en-US" sz="1800" spc="-1" strike="noStrike">
+          <a:lstStyle/>
+          <a:p>
+            <a:endParaRPr lang="en-US" sz="1800" b="0" strike="noStrike" spc="-1">
               <a:solidFill>
                 <a:srgbClr val="000000"/>
               </a:solidFill>
@@ -2691,11 +2918,12 @@
           </a:prstGeom>
         </p:spPr>
         <p:txBody>
-          <a:bodyPr lIns="0" rIns="0" tIns="0" bIns="0">
+          <a:bodyPr lIns="0" tIns="0" rIns="0" bIns="0">
             <a:normAutofit fontScale="31000"/>
           </a:bodyPr>
-          <a:p>
-            <a:endParaRPr b="0" lang="en-US" sz="2800" spc="-1" strike="noStrike">
+          <a:lstStyle/>
+          <a:p>
+            <a:endParaRPr lang="en-US" sz="2800" b="0" strike="noStrike" spc="-1">
               <a:solidFill>
                 <a:srgbClr val="000000"/>
               </a:solidFill>
@@ -2724,11 +2952,12 @@
           </a:prstGeom>
         </p:spPr>
         <p:txBody>
-          <a:bodyPr lIns="0" rIns="0" tIns="0" bIns="0">
+          <a:bodyPr lIns="0" tIns="0" rIns="0" bIns="0">
             <a:normAutofit fontScale="10000"/>
           </a:bodyPr>
-          <a:p>
-            <a:endParaRPr b="0" lang="en-US" sz="2800" spc="-1" strike="noStrike">
+          <a:lstStyle/>
+          <a:p>
+            <a:endParaRPr lang="en-US" sz="2800" b="0" strike="noStrike" spc="-1">
               <a:solidFill>
                 <a:srgbClr val="000000"/>
               </a:solidFill>
@@ -2757,11 +2986,12 @@
           </a:prstGeom>
         </p:spPr>
         <p:txBody>
-          <a:bodyPr lIns="0" rIns="0" tIns="0" bIns="0">
+          <a:bodyPr lIns="0" tIns="0" rIns="0" bIns="0">
             <a:normAutofit fontScale="10000"/>
           </a:bodyPr>
-          <a:p>
-            <a:endParaRPr b="0" lang="en-US" sz="2800" spc="-1" strike="noStrike">
+          <a:lstStyle/>
+          <a:p>
+            <a:endParaRPr lang="en-US" sz="2800" b="0" strike="noStrike" spc="-1">
               <a:solidFill>
                 <a:srgbClr val="000000"/>
               </a:solidFill>
@@ -2772,11 +3002,14 @@
       </p:sp>
     </p:spTree>
   </p:cSld>
+  <p:clrMapOvr>
+    <a:masterClrMapping/>
+  </p:clrMapOvr>
 </p:sldLayout>
 </file>
 
 <file path=ppt/slideLayouts/slideLayout9.xml><?xml version="1.0" encoding="utf-8"?>
-<p:sldLayout xmlns:a="http://schemas.openxmlformats.org/drawingml/2006/main" xmlns:p="http://schemas.openxmlformats.org/presentationml/2006/main" xmlns:r="http://schemas.openxmlformats.org/officeDocument/2006/relationships" xmlns:p14="http://schemas.microsoft.com/office/powerpoint/2010/main" xmlns:p15="http://schemas.microsoft.com/office/powerpoint/2012/main" xmlns:mc="http://schemas.openxmlformats.org/markup-compatibility/2006" type="twoObjOverTx" preserve="1">
+<p:sldLayout xmlns:a="http://schemas.openxmlformats.org/drawingml/2006/main" xmlns:r="http://schemas.openxmlformats.org/officeDocument/2006/relationships" xmlns:p="http://schemas.openxmlformats.org/presentationml/2006/main" type="twoObjOverTx" preserve="1">
   <p:cSld name="Title, 2 Content over Content">
     <p:spTree>
       <p:nvGrpSpPr>
@@ -2812,11 +3045,12 @@
           </a:prstGeom>
         </p:spPr>
         <p:txBody>
-          <a:bodyPr lIns="0" rIns="0" tIns="0" bIns="0" anchor="ctr">
+          <a:bodyPr lIns="0" tIns="0" rIns="0" bIns="0" anchor="ctr">
             <a:noAutofit/>
           </a:bodyPr>
-          <a:p>
-            <a:endParaRPr b="0" lang="en-US" sz="1800" spc="-1" strike="noStrike">
+          <a:lstStyle/>
+          <a:p>
+            <a:endParaRPr lang="en-US" sz="1800" b="0" strike="noStrike" spc="-1">
               <a:solidFill>
                 <a:srgbClr val="000000"/>
               </a:solidFill>
@@ -2845,11 +3079,12 @@
           </a:prstGeom>
         </p:spPr>
         <p:txBody>
-          <a:bodyPr lIns="0" rIns="0" tIns="0" bIns="0">
+          <a:bodyPr lIns="0" tIns="0" rIns="0" bIns="0">
             <a:normAutofit fontScale="10000"/>
           </a:bodyPr>
-          <a:p>
-            <a:endParaRPr b="0" lang="en-US" sz="2800" spc="-1" strike="noStrike">
+          <a:lstStyle/>
+          <a:p>
+            <a:endParaRPr lang="en-US" sz="2800" b="0" strike="noStrike" spc="-1">
               <a:solidFill>
                 <a:srgbClr val="000000"/>
               </a:solidFill>
@@ -2878,11 +3113,12 @@
           </a:prstGeom>
         </p:spPr>
         <p:txBody>
-          <a:bodyPr lIns="0" rIns="0" tIns="0" bIns="0">
+          <a:bodyPr lIns="0" tIns="0" rIns="0" bIns="0">
             <a:normAutofit fontScale="10000"/>
           </a:bodyPr>
-          <a:p>
-            <a:endParaRPr b="0" lang="en-US" sz="2800" spc="-1" strike="noStrike">
+          <a:lstStyle/>
+          <a:p>
+            <a:endParaRPr lang="en-US" sz="2800" b="0" strike="noStrike" spc="-1">
               <a:solidFill>
                 <a:srgbClr val="000000"/>
               </a:solidFill>
@@ -2911,11 +3147,12 @@
           </a:prstGeom>
         </p:spPr>
         <p:txBody>
-          <a:bodyPr lIns="0" rIns="0" tIns="0" bIns="0">
+          <a:bodyPr lIns="0" tIns="0" rIns="0" bIns="0">
             <a:normAutofit fontScale="64000"/>
           </a:bodyPr>
-          <a:p>
-            <a:endParaRPr b="0" lang="en-US" sz="2800" spc="-1" strike="noStrike">
+          <a:lstStyle/>
+          <a:p>
+            <a:endParaRPr lang="en-US" sz="2800" b="0" strike="noStrike" spc="-1">
               <a:solidFill>
                 <a:srgbClr val="000000"/>
               </a:solidFill>
@@ -2926,17 +3163,21 @@
       </p:sp>
     </p:spTree>
   </p:cSld>
+  <p:clrMapOvr>
+    <a:masterClrMapping/>
+  </p:clrMapOvr>
 </p:sldLayout>
 </file>
 
 <file path=ppt/slideMasters/slideMaster1.xml><?xml version="1.0" encoding="utf-8"?>
-<p:sldMaster xmlns:a="http://schemas.openxmlformats.org/drawingml/2006/main" xmlns:p="http://schemas.openxmlformats.org/presentationml/2006/main" xmlns:r="http://schemas.openxmlformats.org/officeDocument/2006/relationships" xmlns:p14="http://schemas.microsoft.com/office/powerpoint/2010/main" xmlns:p15="http://schemas.microsoft.com/office/powerpoint/2012/main" xmlns:mc="http://schemas.openxmlformats.org/markup-compatibility/2006">
+<p:sldMaster xmlns:a="http://schemas.openxmlformats.org/drawingml/2006/main" xmlns:r="http://schemas.openxmlformats.org/officeDocument/2006/relationships" xmlns:p="http://schemas.openxmlformats.org/presentationml/2006/main">
   <p:cSld>
     <p:bg>
       <p:bgPr>
         <a:solidFill>
-          <a:srgbClr val="ffffff"/>
+          <a:srgbClr val="FFFFFF"/>
         </a:solidFill>
+        <a:effectLst/>
       </p:bgPr>
     </p:bg>
     <p:spTree>
@@ -2955,7 +3196,7 @@
       </p:grpSpPr>
       <p:grpSp>
         <p:nvGrpSpPr>
-          <p:cNvPr id="0" name="Group 1"/>
+          <p:cNvPr id="10" name="Group 1"/>
           <p:cNvGrpSpPr/>
           <p:nvPr/>
         </p:nvGrpSpPr>
@@ -2969,7 +3210,7 @@
         </p:grpSpPr>
         <p:sp>
           <p:nvSpPr>
-            <p:cNvPr id="1" name="CustomShape 2"/>
+            <p:cNvPr id="11" name="CustomShape 2"/>
             <p:cNvSpPr/>
             <p:nvPr/>
           </p:nvSpPr>
@@ -2982,6 +3223,7 @@
               <a:avLst/>
               <a:gdLst/>
               <a:ahLst/>
+              <a:cxnLst/>
               <a:rect l="l" t="t" r="r" b="b"/>
               <a:pathLst>
                 <a:path w="3221194" h="3767952">
@@ -3007,16 +3249,22 @@
               </a:pathLst>
             </a:custGeom>
             <a:solidFill>
-              <a:srgbClr val="673ab6"/>
+              <a:srgbClr val="673AB6"/>
             </a:solidFill>
             <a:ln>
               <a:noFill/>
             </a:ln>
           </p:spPr>
           <p:style>
-            <a:lnRef idx="0"/>
-            <a:fillRef idx="0"/>
-            <a:effectRef idx="0"/>
+            <a:lnRef idx="0">
+              <a:scrgbClr r="0" g="0" b="0"/>
+            </a:lnRef>
+            <a:fillRef idx="0">
+              <a:scrgbClr r="0" g="0" b="0"/>
+            </a:fillRef>
+            <a:effectRef idx="0">
+              <a:scrgbClr r="0" g="0" b="0"/>
+            </a:effectRef>
             <a:fontRef idx="minor"/>
           </p:style>
         </p:sp>
@@ -3049,6 +3297,7 @@
                 <a:avLst/>
                 <a:gdLst/>
                 <a:ahLst/>
+                <a:cxnLst/>
                 <a:rect l="l" t="t" r="r" b="b"/>
                 <a:pathLst>
                   <a:path w="8970065" h="6858000">
@@ -3072,7 +3321,7 @@
                 </a:pathLst>
               </a:custGeom>
               <a:solidFill>
-                <a:srgbClr val="4f2c99"/>
+                <a:srgbClr val="4F2C99"/>
               </a:solidFill>
               <a:ln w="19080">
                 <a:noFill/>
@@ -3108,6 +3357,7 @@
                 <a:avLst/>
                 <a:gdLst/>
                 <a:ahLst/>
+                <a:cxnLst/>
                 <a:rect l="l" t="t" r="r" b="b"/>
                 <a:pathLst>
                   <a:path w="11798058" h="4954588">
@@ -3131,7 +3381,7 @@
                 </a:pathLst>
               </a:custGeom>
               <a:solidFill>
-                <a:srgbClr val="341f6f"/>
+                <a:srgbClr val="341F6F"/>
               </a:solidFill>
               <a:ln w="19080">
                 <a:noFill/>
@@ -3177,6 +3427,7 @@
           <a:bodyPr tIns="0" anchor="ctr">
             <a:noAutofit/>
           </a:bodyPr>
+          <a:lstStyle/>
           <a:p>
             <a:pPr>
               <a:lnSpc>
@@ -3184,15 +3435,15 @@
               </a:lnSpc>
             </a:pPr>
             <a:r>
-              <a:rPr b="0" lang="en-GB" sz="6000" spc="-1" strike="noStrike">
+              <a:rPr lang="en-GB" sz="6000" b="0" strike="noStrike" spc="-1">
                 <a:solidFill>
-                  <a:srgbClr val="ffffff"/>
+                  <a:srgbClr val="FFFFFF"/>
                 </a:solidFill>
                 <a:latin typeface="Calibri Light"/>
               </a:rPr>
               <a:t>Click to edit Master title style</a:t>
             </a:r>
-            <a:endParaRPr b="0" lang="en-US" sz="6000" spc="-1" strike="noStrike">
+            <a:endParaRPr lang="en-US" sz="6000" b="0" strike="noStrike" spc="-1">
               <a:solidFill>
                 <a:srgbClr val="000000"/>
               </a:solidFill>
@@ -3224,6 +3475,7 @@
           <a:bodyPr>
             <a:noAutofit/>
           </a:bodyPr>
+          <a:lstStyle/>
           <a:p>
             <a:pPr>
               <a:lnSpc>
@@ -3231,15 +3483,15 @@
               </a:lnSpc>
             </a:pPr>
             <a:fld id="{423A6D73-B143-4821-8AEE-8BCA70047575}" type="datetime1">
-              <a:rPr b="0" lang="en-GB" sz="1600" spc="-1" strike="noStrike">
+              <a:rPr lang="en-GB" sz="1600" b="0" strike="noStrike" spc="-1">
                 <a:solidFill>
-                  <a:srgbClr val="ffffff"/>
+                  <a:srgbClr val="FFFFFF"/>
                 </a:solidFill>
                 <a:latin typeface="Calibri"/>
               </a:rPr>
-              <a:t>05/12/2020</a:t>
+              <a:t>07/12/2020</a:t>
             </a:fld>
-            <a:endParaRPr b="0" lang="en-US" sz="1600" spc="-1" strike="noStrike">
+            <a:endParaRPr lang="en-US" sz="1600" b="0" strike="noStrike" spc="-1">
               <a:latin typeface="Times New Roman"/>
             </a:endParaRPr>
           </a:p>
@@ -3268,6 +3520,7 @@
           <a:bodyPr anchor="ctr">
             <a:noAutofit/>
           </a:bodyPr>
+          <a:lstStyle/>
           <a:p>
             <a:pPr algn="ctr">
               <a:lnSpc>
@@ -3275,15 +3528,15 @@
               </a:lnSpc>
             </a:pPr>
             <a:r>
-              <a:rPr b="0" lang="en-GB" sz="1600" spc="-1" strike="noStrike">
+              <a:rPr lang="en-GB" sz="1600" b="0" strike="noStrike" spc="-1">
                 <a:solidFill>
-                  <a:srgbClr val="ffffff"/>
+                  <a:srgbClr val="FFFFFF"/>
                 </a:solidFill>
                 <a:latin typeface="Calibri"/>
               </a:rPr>
               <a:t>SEB PowerPoint Template 2017</a:t>
             </a:r>
-            <a:endParaRPr b="0" lang="en-US" sz="1600" spc="-1" strike="noStrike">
+            <a:endParaRPr lang="en-US" sz="1600" b="0" strike="noStrike" spc="-1">
               <a:latin typeface="Times New Roman"/>
             </a:endParaRPr>
           </a:p>
@@ -3312,6 +3565,7 @@
           <a:bodyPr anchor="ctr">
             <a:noAutofit/>
           </a:bodyPr>
+          <a:lstStyle/>
           <a:p>
             <a:pPr algn="r">
               <a:lnSpc>
@@ -3319,15 +3573,15 @@
               </a:lnSpc>
             </a:pPr>
             <a:fld id="{79E17B27-C511-4389-8742-A047441523DC}" type="slidenum">
-              <a:rPr b="0" lang="en-GB" sz="1600" spc="-1" strike="noStrike">
+              <a:rPr lang="en-GB" sz="1600" b="0" strike="noStrike" spc="-1">
                 <a:solidFill>
-                  <a:srgbClr val="ffffff"/>
+                  <a:srgbClr val="FFFFFF"/>
                 </a:solidFill>
                 <a:latin typeface="Calibri"/>
               </a:rPr>
-              <a:t>&lt;number&gt;</a:t>
+              <a:t>‹#›</a:t>
             </a:fld>
-            <a:endParaRPr b="0" lang="en-US" sz="1600" spc="-1" strike="noStrike">
+            <a:endParaRPr lang="en-US" sz="1600" b="0" strike="noStrike" spc="-1">
               <a:latin typeface="Times New Roman"/>
             </a:endParaRPr>
           </a:p>
@@ -3356,6 +3610,7 @@
           <a:bodyPr anchor="ctr">
             <a:noAutofit/>
           </a:bodyPr>
+          <a:lstStyle/>
           <a:p>
             <a:pPr algn="ctr">
               <a:lnSpc>
@@ -3365,11 +3620,11 @@
                 <a:spcPts val="1001"/>
               </a:spcBef>
               <a:tabLst>
-                <a:tab algn="l" pos="0"/>
+                <a:tab pos="0" algn="l"/>
               </a:tabLst>
             </a:pPr>
             <a:r>
-              <a:rPr b="0" lang="en-GB" sz="2800" spc="-1" strike="noStrike">
+              <a:rPr lang="en-GB" sz="2800" b="0" strike="noStrike" spc="-1">
                 <a:solidFill>
                   <a:srgbClr val="000000"/>
                 </a:solidFill>
@@ -3377,7 +3632,7 @@
               </a:rPr>
               <a:t> </a:t>
             </a:r>
-            <a:endParaRPr b="0" lang="en-US" sz="2800" spc="-1" strike="noStrike">
+            <a:endParaRPr lang="en-US" sz="2800" b="0" strike="noStrike" spc="-1">
               <a:solidFill>
                 <a:srgbClr val="000000"/>
               </a:solidFill>
@@ -3388,32 +3643,313 @@
       </p:sp>
     </p:spTree>
   </p:cSld>
-  <p:clrMap bg1="lt1" bg2="lt2" tx1="dk1" tx2="dk2" accent1="accent1" accent2="accent2" accent3="accent3" accent4="accent4" accent5="accent5" accent6="accent6" hlink="hlink" folHlink="folHlink"/>
+  <p:clrMap bg1="lt1" tx1="dk1" bg2="lt2" tx2="dk2" accent1="accent1" accent2="accent2" accent3="accent3" accent4="accent4" accent5="accent5" accent6="accent6" hlink="hlink" folHlink="folHlink"/>
   <p:sldLayoutIdLst>
-    <p:sldLayoutId id="2147483649" r:id="rId2"/>
-    <p:sldLayoutId id="2147483650" r:id="rId3"/>
-    <p:sldLayoutId id="2147483651" r:id="rId4"/>
-    <p:sldLayoutId id="2147483652" r:id="rId5"/>
-    <p:sldLayoutId id="2147483653" r:id="rId6"/>
-    <p:sldLayoutId id="2147483654" r:id="rId7"/>
-    <p:sldLayoutId id="2147483655" r:id="rId8"/>
-    <p:sldLayoutId id="2147483656" r:id="rId9"/>
-    <p:sldLayoutId id="2147483657" r:id="rId10"/>
-    <p:sldLayoutId id="2147483658" r:id="rId11"/>
-    <p:sldLayoutId id="2147483659" r:id="rId12"/>
-    <p:sldLayoutId id="2147483660" r:id="rId13"/>
+    <p:sldLayoutId id="2147483649" r:id="rId1"/>
+    <p:sldLayoutId id="2147483650" r:id="rId2"/>
+    <p:sldLayoutId id="2147483651" r:id="rId3"/>
+    <p:sldLayoutId id="2147483652" r:id="rId4"/>
+    <p:sldLayoutId id="2147483653" r:id="rId5"/>
+    <p:sldLayoutId id="2147483654" r:id="rId6"/>
+    <p:sldLayoutId id="2147483655" r:id="rId7"/>
+    <p:sldLayoutId id="2147483656" r:id="rId8"/>
+    <p:sldLayoutId id="2147483657" r:id="rId9"/>
+    <p:sldLayoutId id="2147483658" r:id="rId10"/>
+    <p:sldLayoutId id="2147483659" r:id="rId11"/>
+    <p:sldLayoutId id="2147483660" r:id="rId12"/>
   </p:sldLayoutIdLst>
+  <p:txStyles>
+    <p:titleStyle>
+      <a:lvl1pPr algn="l" defTabSz="914400" rtl="0" eaLnBrk="1" latinLnBrk="0" hangingPunct="1">
+        <a:lnSpc>
+          <a:spcPct val="90000"/>
+        </a:lnSpc>
+        <a:spcBef>
+          <a:spcPct val="0"/>
+        </a:spcBef>
+        <a:buNone/>
+        <a:defRPr sz="4400" kern="1200">
+          <a:solidFill>
+            <a:schemeClr val="tx1"/>
+          </a:solidFill>
+          <a:latin typeface="+mj-lt"/>
+          <a:ea typeface="+mj-ea"/>
+          <a:cs typeface="+mj-cs"/>
+        </a:defRPr>
+      </a:lvl1pPr>
+    </p:titleStyle>
+    <p:bodyStyle>
+      <a:lvl1pPr marL="228600" indent="-228600" algn="l" defTabSz="914400" rtl="0" eaLnBrk="1" latinLnBrk="0" hangingPunct="1">
+        <a:lnSpc>
+          <a:spcPct val="90000"/>
+        </a:lnSpc>
+        <a:spcBef>
+          <a:spcPts val="1000"/>
+        </a:spcBef>
+        <a:buFont typeface="Arial" panose="020B0604020202020204" pitchFamily="34" charset="0"/>
+        <a:buChar char="•"/>
+        <a:defRPr sz="2800" kern="1200">
+          <a:solidFill>
+            <a:schemeClr val="tx1"/>
+          </a:solidFill>
+          <a:latin typeface="+mn-lt"/>
+          <a:ea typeface="+mn-ea"/>
+          <a:cs typeface="+mn-cs"/>
+        </a:defRPr>
+      </a:lvl1pPr>
+      <a:lvl2pPr marL="685800" indent="-228600" algn="l" defTabSz="914400" rtl="0" eaLnBrk="1" latinLnBrk="0" hangingPunct="1">
+        <a:lnSpc>
+          <a:spcPct val="90000"/>
+        </a:lnSpc>
+        <a:spcBef>
+          <a:spcPts val="500"/>
+        </a:spcBef>
+        <a:buFont typeface="Arial" panose="020B0604020202020204" pitchFamily="34" charset="0"/>
+        <a:buChar char="•"/>
+        <a:defRPr sz="2400" kern="1200">
+          <a:solidFill>
+            <a:schemeClr val="tx1"/>
+          </a:solidFill>
+          <a:latin typeface="+mn-lt"/>
+          <a:ea typeface="+mn-ea"/>
+          <a:cs typeface="+mn-cs"/>
+        </a:defRPr>
+      </a:lvl2pPr>
+      <a:lvl3pPr marL="1143000" indent="-228600" algn="l" defTabSz="914400" rtl="0" eaLnBrk="1" latinLnBrk="0" hangingPunct="1">
+        <a:lnSpc>
+          <a:spcPct val="90000"/>
+        </a:lnSpc>
+        <a:spcBef>
+          <a:spcPts val="500"/>
+        </a:spcBef>
+        <a:buFont typeface="Arial" panose="020B0604020202020204" pitchFamily="34" charset="0"/>
+        <a:buChar char="•"/>
+        <a:defRPr sz="2000" kern="1200">
+          <a:solidFill>
+            <a:schemeClr val="tx1"/>
+          </a:solidFill>
+          <a:latin typeface="+mn-lt"/>
+          <a:ea typeface="+mn-ea"/>
+          <a:cs typeface="+mn-cs"/>
+        </a:defRPr>
+      </a:lvl3pPr>
+      <a:lvl4pPr marL="1600200" indent="-228600" algn="l" defTabSz="914400" rtl="0" eaLnBrk="1" latinLnBrk="0" hangingPunct="1">
+        <a:lnSpc>
+          <a:spcPct val="90000"/>
+        </a:lnSpc>
+        <a:spcBef>
+          <a:spcPts val="500"/>
+        </a:spcBef>
+        <a:buFont typeface="Arial" panose="020B0604020202020204" pitchFamily="34" charset="0"/>
+        <a:buChar char="•"/>
+        <a:defRPr sz="1800" kern="1200">
+          <a:solidFill>
+            <a:schemeClr val="tx1"/>
+          </a:solidFill>
+          <a:latin typeface="+mn-lt"/>
+          <a:ea typeface="+mn-ea"/>
+          <a:cs typeface="+mn-cs"/>
+        </a:defRPr>
+      </a:lvl4pPr>
+      <a:lvl5pPr marL="2057400" indent="-228600" algn="l" defTabSz="914400" rtl="0" eaLnBrk="1" latinLnBrk="0" hangingPunct="1">
+        <a:lnSpc>
+          <a:spcPct val="90000"/>
+        </a:lnSpc>
+        <a:spcBef>
+          <a:spcPts val="500"/>
+        </a:spcBef>
+        <a:buFont typeface="Arial" panose="020B0604020202020204" pitchFamily="34" charset="0"/>
+        <a:buChar char="•"/>
+        <a:defRPr sz="1800" kern="1200">
+          <a:solidFill>
+            <a:schemeClr val="tx1"/>
+          </a:solidFill>
+          <a:latin typeface="+mn-lt"/>
+          <a:ea typeface="+mn-ea"/>
+          <a:cs typeface="+mn-cs"/>
+        </a:defRPr>
+      </a:lvl5pPr>
+      <a:lvl6pPr marL="2514600" indent="-228600" algn="l" defTabSz="914400" rtl="0" eaLnBrk="1" latinLnBrk="0" hangingPunct="1">
+        <a:lnSpc>
+          <a:spcPct val="90000"/>
+        </a:lnSpc>
+        <a:spcBef>
+          <a:spcPts val="500"/>
+        </a:spcBef>
+        <a:buFont typeface="Arial" panose="020B0604020202020204" pitchFamily="34" charset="0"/>
+        <a:buChar char="•"/>
+        <a:defRPr sz="1800" kern="1200">
+          <a:solidFill>
+            <a:schemeClr val="tx1"/>
+          </a:solidFill>
+          <a:latin typeface="+mn-lt"/>
+          <a:ea typeface="+mn-ea"/>
+          <a:cs typeface="+mn-cs"/>
+        </a:defRPr>
+      </a:lvl6pPr>
+      <a:lvl7pPr marL="2971800" indent="-228600" algn="l" defTabSz="914400" rtl="0" eaLnBrk="1" latinLnBrk="0" hangingPunct="1">
+        <a:lnSpc>
+          <a:spcPct val="90000"/>
+        </a:lnSpc>
+        <a:spcBef>
+          <a:spcPts val="500"/>
+        </a:spcBef>
+        <a:buFont typeface="Arial" panose="020B0604020202020204" pitchFamily="34" charset="0"/>
+        <a:buChar char="•"/>
+        <a:defRPr sz="1800" kern="1200">
+          <a:solidFill>
+            <a:schemeClr val="tx1"/>
+          </a:solidFill>
+          <a:latin typeface="+mn-lt"/>
+          <a:ea typeface="+mn-ea"/>
+          <a:cs typeface="+mn-cs"/>
+        </a:defRPr>
+      </a:lvl7pPr>
+      <a:lvl8pPr marL="3429000" indent="-228600" algn="l" defTabSz="914400" rtl="0" eaLnBrk="1" latinLnBrk="0" hangingPunct="1">
+        <a:lnSpc>
+          <a:spcPct val="90000"/>
+        </a:lnSpc>
+        <a:spcBef>
+          <a:spcPts val="500"/>
+        </a:spcBef>
+        <a:buFont typeface="Arial" panose="020B0604020202020204" pitchFamily="34" charset="0"/>
+        <a:buChar char="•"/>
+        <a:defRPr sz="1800" kern="1200">
+          <a:solidFill>
+            <a:schemeClr val="tx1"/>
+          </a:solidFill>
+          <a:latin typeface="+mn-lt"/>
+          <a:ea typeface="+mn-ea"/>
+          <a:cs typeface="+mn-cs"/>
+        </a:defRPr>
+      </a:lvl8pPr>
+      <a:lvl9pPr marL="3886200" indent="-228600" algn="l" defTabSz="914400" rtl="0" eaLnBrk="1" latinLnBrk="0" hangingPunct="1">
+        <a:lnSpc>
+          <a:spcPct val="90000"/>
+        </a:lnSpc>
+        <a:spcBef>
+          <a:spcPts val="500"/>
+        </a:spcBef>
+        <a:buFont typeface="Arial" panose="020B0604020202020204" pitchFamily="34" charset="0"/>
+        <a:buChar char="•"/>
+        <a:defRPr sz="1800" kern="1200">
+          <a:solidFill>
+            <a:schemeClr val="tx1"/>
+          </a:solidFill>
+          <a:latin typeface="+mn-lt"/>
+          <a:ea typeface="+mn-ea"/>
+          <a:cs typeface="+mn-cs"/>
+        </a:defRPr>
+      </a:lvl9pPr>
+    </p:bodyStyle>
+    <p:otherStyle>
+      <a:defPPr>
+        <a:defRPr lang="en-US"/>
+      </a:defPPr>
+      <a:lvl1pPr marL="0" algn="l" defTabSz="914400" rtl="0" eaLnBrk="1" latinLnBrk="0" hangingPunct="1">
+        <a:defRPr sz="1800" kern="1200">
+          <a:solidFill>
+            <a:schemeClr val="tx1"/>
+          </a:solidFill>
+          <a:latin typeface="+mn-lt"/>
+          <a:ea typeface="+mn-ea"/>
+          <a:cs typeface="+mn-cs"/>
+        </a:defRPr>
+      </a:lvl1pPr>
+      <a:lvl2pPr marL="457200" algn="l" defTabSz="914400" rtl="0" eaLnBrk="1" latinLnBrk="0" hangingPunct="1">
+        <a:defRPr sz="1800" kern="1200">
+          <a:solidFill>
+            <a:schemeClr val="tx1"/>
+          </a:solidFill>
+          <a:latin typeface="+mn-lt"/>
+          <a:ea typeface="+mn-ea"/>
+          <a:cs typeface="+mn-cs"/>
+        </a:defRPr>
+      </a:lvl2pPr>
+      <a:lvl3pPr marL="914400" algn="l" defTabSz="914400" rtl="0" eaLnBrk="1" latinLnBrk="0" hangingPunct="1">
+        <a:defRPr sz="1800" kern="1200">
+          <a:solidFill>
+            <a:schemeClr val="tx1"/>
+          </a:solidFill>
+          <a:latin typeface="+mn-lt"/>
+          <a:ea typeface="+mn-ea"/>
+          <a:cs typeface="+mn-cs"/>
+        </a:defRPr>
+      </a:lvl3pPr>
+      <a:lvl4pPr marL="1371600" algn="l" defTabSz="914400" rtl="0" eaLnBrk="1" latinLnBrk="0" hangingPunct="1">
+        <a:defRPr sz="1800" kern="1200">
+          <a:solidFill>
+            <a:schemeClr val="tx1"/>
+          </a:solidFill>
+          <a:latin typeface="+mn-lt"/>
+          <a:ea typeface="+mn-ea"/>
+          <a:cs typeface="+mn-cs"/>
+        </a:defRPr>
+      </a:lvl4pPr>
+      <a:lvl5pPr marL="1828800" algn="l" defTabSz="914400" rtl="0" eaLnBrk="1" latinLnBrk="0" hangingPunct="1">
+        <a:defRPr sz="1800" kern="1200">
+          <a:solidFill>
+            <a:schemeClr val="tx1"/>
+          </a:solidFill>
+          <a:latin typeface="+mn-lt"/>
+          <a:ea typeface="+mn-ea"/>
+          <a:cs typeface="+mn-cs"/>
+        </a:defRPr>
+      </a:lvl5pPr>
+      <a:lvl6pPr marL="2286000" algn="l" defTabSz="914400" rtl="0" eaLnBrk="1" latinLnBrk="0" hangingPunct="1">
+        <a:defRPr sz="1800" kern="1200">
+          <a:solidFill>
+            <a:schemeClr val="tx1"/>
+          </a:solidFill>
+          <a:latin typeface="+mn-lt"/>
+          <a:ea typeface="+mn-ea"/>
+          <a:cs typeface="+mn-cs"/>
+        </a:defRPr>
+      </a:lvl6pPr>
+      <a:lvl7pPr marL="2743200" algn="l" defTabSz="914400" rtl="0" eaLnBrk="1" latinLnBrk="0" hangingPunct="1">
+        <a:defRPr sz="1800" kern="1200">
+          <a:solidFill>
+            <a:schemeClr val="tx1"/>
+          </a:solidFill>
+          <a:latin typeface="+mn-lt"/>
+          <a:ea typeface="+mn-ea"/>
+          <a:cs typeface="+mn-cs"/>
+        </a:defRPr>
+      </a:lvl7pPr>
+      <a:lvl8pPr marL="3200400" algn="l" defTabSz="914400" rtl="0" eaLnBrk="1" latinLnBrk="0" hangingPunct="1">
+        <a:defRPr sz="1800" kern="1200">
+          <a:solidFill>
+            <a:schemeClr val="tx1"/>
+          </a:solidFill>
+          <a:latin typeface="+mn-lt"/>
+          <a:ea typeface="+mn-ea"/>
+          <a:cs typeface="+mn-cs"/>
+        </a:defRPr>
+      </a:lvl8pPr>
+      <a:lvl9pPr marL="3657600" algn="l" defTabSz="914400" rtl="0" eaLnBrk="1" latinLnBrk="0" hangingPunct="1">
+        <a:defRPr sz="1800" kern="1200">
+          <a:solidFill>
+            <a:schemeClr val="tx1"/>
+          </a:solidFill>
+          <a:latin typeface="+mn-lt"/>
+          <a:ea typeface="+mn-ea"/>
+          <a:cs typeface="+mn-cs"/>
+        </a:defRPr>
+      </a:lvl9pPr>
+    </p:otherStyle>
+  </p:txStyles>
 </p:sldMaster>
 </file>
 
 <file path=ppt/slideMasters/slideMaster2.xml><?xml version="1.0" encoding="utf-8"?>
-<p:sldMaster xmlns:a="http://schemas.openxmlformats.org/drawingml/2006/main" xmlns:p="http://schemas.openxmlformats.org/presentationml/2006/main" xmlns:r="http://schemas.openxmlformats.org/officeDocument/2006/relationships" xmlns:p14="http://schemas.microsoft.com/office/powerpoint/2010/main" xmlns:p15="http://schemas.microsoft.com/office/powerpoint/2012/main" xmlns:mc="http://schemas.openxmlformats.org/markup-compatibility/2006">
+<p:sldMaster xmlns:a="http://schemas.openxmlformats.org/drawingml/2006/main" xmlns:r="http://schemas.openxmlformats.org/officeDocument/2006/relationships" xmlns:p="http://schemas.openxmlformats.org/presentationml/2006/main">
   <p:cSld>
     <p:bg>
       <p:bgPr>
         <a:solidFill>
-          <a:srgbClr val="ffffff"/>
+          <a:srgbClr val="FFFFFF"/>
         </a:solidFill>
+        <a:effectLst/>
       </p:bgPr>
     </p:bg>
     <p:spTree>
@@ -3459,6 +3995,7 @@
               <a:avLst/>
               <a:gdLst/>
               <a:ahLst/>
+              <a:cxnLst/>
               <a:rect l="l" t="t" r="r" b="b"/>
               <a:pathLst>
                 <a:path w="3221194" h="3767952">
@@ -3484,16 +4021,22 @@
               </a:pathLst>
             </a:custGeom>
             <a:solidFill>
-              <a:srgbClr val="673ab6"/>
+              <a:srgbClr val="673AB6"/>
             </a:solidFill>
             <a:ln>
               <a:noFill/>
             </a:ln>
           </p:spPr>
           <p:style>
-            <a:lnRef idx="0"/>
-            <a:fillRef idx="0"/>
-            <a:effectRef idx="0"/>
+            <a:lnRef idx="0">
+              <a:scrgbClr r="0" g="0" b="0"/>
+            </a:lnRef>
+            <a:fillRef idx="0">
+              <a:scrgbClr r="0" g="0" b="0"/>
+            </a:fillRef>
+            <a:effectRef idx="0">
+              <a:scrgbClr r="0" g="0" b="0"/>
+            </a:effectRef>
             <a:fontRef idx="minor"/>
           </p:style>
         </p:sp>
@@ -3526,6 +4069,7 @@
                 <a:avLst/>
                 <a:gdLst/>
                 <a:ahLst/>
+                <a:cxnLst/>
                 <a:rect l="l" t="t" r="r" b="b"/>
                 <a:pathLst>
                   <a:path w="8970065" h="6858000">
@@ -3549,7 +4093,7 @@
                 </a:pathLst>
               </a:custGeom>
               <a:solidFill>
-                <a:srgbClr val="4f2c99"/>
+                <a:srgbClr val="4F2C99"/>
               </a:solidFill>
               <a:ln w="19080">
                 <a:noFill/>
@@ -3585,6 +4129,7 @@
                 <a:avLst/>
                 <a:gdLst/>
                 <a:ahLst/>
+                <a:cxnLst/>
                 <a:rect l="l" t="t" r="r" b="b"/>
                 <a:pathLst>
                   <a:path w="11798058" h="4954588">
@@ -3608,7 +4153,7 @@
                 </a:pathLst>
               </a:custGeom>
               <a:solidFill>
-                <a:srgbClr val="341f6f"/>
+                <a:srgbClr val="341F6F"/>
               </a:solidFill>
               <a:ln w="19080">
                 <a:noFill/>
@@ -3654,6 +4199,7 @@
           <a:bodyPr tIns="0" anchor="ctr">
             <a:noAutofit/>
           </a:bodyPr>
+          <a:lstStyle/>
           <a:p>
             <a:pPr>
               <a:lnSpc>
@@ -3661,15 +4207,15 @@
               </a:lnSpc>
             </a:pPr>
             <a:r>
-              <a:rPr b="0" lang="en-GB" sz="6000" spc="-1" strike="noStrike">
+              <a:rPr lang="en-GB" sz="6000" b="0" strike="noStrike" spc="-1">
                 <a:solidFill>
-                  <a:srgbClr val="ffffff"/>
+                  <a:srgbClr val="FFFFFF"/>
                 </a:solidFill>
                 <a:latin typeface="Calibri Light"/>
               </a:rPr>
               <a:t>Click to edit Master title style</a:t>
             </a:r>
-            <a:endParaRPr b="0" lang="en-US" sz="6000" spc="-1" strike="noStrike">
+            <a:endParaRPr lang="en-US" sz="6000" b="0" strike="noStrike" spc="-1">
               <a:solidFill>
                 <a:srgbClr val="000000"/>
               </a:solidFill>
@@ -3701,6 +4247,7 @@
           <a:bodyPr>
             <a:noAutofit/>
           </a:bodyPr>
+          <a:lstStyle/>
           <a:p>
             <a:pPr>
               <a:lnSpc>
@@ -3708,15 +4255,15 @@
               </a:lnSpc>
             </a:pPr>
             <a:fld id="{B30F3B83-CB69-4966-83B8-4AB3BFBDAA39}" type="datetime1">
-              <a:rPr b="0" lang="en-GB" sz="1600" spc="-1" strike="noStrike">
+              <a:rPr lang="en-GB" sz="1600" b="0" strike="noStrike" spc="-1">
                 <a:solidFill>
-                  <a:srgbClr val="ffffff"/>
+                  <a:srgbClr val="FFFFFF"/>
                 </a:solidFill>
                 <a:latin typeface="Calibri"/>
               </a:rPr>
-              <a:t>05/12/2020</a:t>
+              <a:t>07/12/2020</a:t>
             </a:fld>
-            <a:endParaRPr b="0" lang="en-US" sz="1600" spc="-1" strike="noStrike">
+            <a:endParaRPr lang="en-US" sz="1600" b="0" strike="noStrike" spc="-1">
               <a:latin typeface="Times New Roman"/>
             </a:endParaRPr>
           </a:p>
@@ -3745,6 +4292,7 @@
           <a:bodyPr anchor="ctr">
             <a:noAutofit/>
           </a:bodyPr>
+          <a:lstStyle/>
           <a:p>
             <a:pPr algn="ctr">
               <a:lnSpc>
@@ -3752,15 +4300,15 @@
               </a:lnSpc>
             </a:pPr>
             <a:r>
-              <a:rPr b="0" lang="en-GB" sz="1600" spc="-1" strike="noStrike">
+              <a:rPr lang="en-GB" sz="1600" b="0" strike="noStrike" spc="-1">
                 <a:solidFill>
-                  <a:srgbClr val="ffffff"/>
+                  <a:srgbClr val="FFFFFF"/>
                 </a:solidFill>
                 <a:latin typeface="Calibri"/>
               </a:rPr>
               <a:t>SEB PowerPoint Template 2017</a:t>
             </a:r>
-            <a:endParaRPr b="0" lang="en-US" sz="1600" spc="-1" strike="noStrike">
+            <a:endParaRPr lang="en-US" sz="1600" b="0" strike="noStrike" spc="-1">
               <a:latin typeface="Times New Roman"/>
             </a:endParaRPr>
           </a:p>
@@ -3789,6 +4337,7 @@
           <a:bodyPr anchor="ctr">
             <a:noAutofit/>
           </a:bodyPr>
+          <a:lstStyle/>
           <a:p>
             <a:pPr algn="r">
               <a:lnSpc>
@@ -3796,15 +4345,15 @@
               </a:lnSpc>
             </a:pPr>
             <a:fld id="{32EFC94D-6B37-485F-BE71-79B313B5A68B}" type="slidenum">
-              <a:rPr b="0" lang="en-GB" sz="1600" spc="-1" strike="noStrike">
+              <a:rPr lang="en-GB" sz="1600" b="0" strike="noStrike" spc="-1">
                 <a:solidFill>
-                  <a:srgbClr val="ffffff"/>
+                  <a:srgbClr val="FFFFFF"/>
                 </a:solidFill>
                 <a:latin typeface="Calibri"/>
               </a:rPr>
-              <a:t>&lt;number&gt;</a:t>
+              <a:t>‹#›</a:t>
             </a:fld>
-            <a:endParaRPr b="0" lang="en-US" sz="1600" spc="-1" strike="noStrike">
+            <a:endParaRPr lang="en-US" sz="1600" b="0" strike="noStrike" spc="-1">
               <a:latin typeface="Times New Roman"/>
             </a:endParaRPr>
           </a:p>
@@ -3833,6 +4382,7 @@
           <a:bodyPr anchor="ctr">
             <a:noAutofit/>
           </a:bodyPr>
+          <a:lstStyle/>
           <a:p>
             <a:pPr algn="ctr">
               <a:lnSpc>
@@ -3842,11 +4392,11 @@
                 <a:spcPts val="1001"/>
               </a:spcBef>
               <a:tabLst>
-                <a:tab algn="l" pos="0"/>
+                <a:tab pos="0" algn="l"/>
               </a:tabLst>
             </a:pPr>
             <a:r>
-              <a:rPr b="0" lang="en-GB" sz="2800" spc="-1" strike="noStrike">
+              <a:rPr lang="en-GB" sz="2800" b="0" strike="noStrike" spc="-1">
                 <a:solidFill>
                   <a:srgbClr val="000000"/>
                 </a:solidFill>
@@ -3854,7 +4404,7 @@
               </a:rPr>
               <a:t> </a:t>
             </a:r>
-            <a:endParaRPr b="0" lang="en-US" sz="2800" spc="-1" strike="noStrike">
+            <a:endParaRPr lang="en-US" sz="2800" b="0" strike="noStrike" spc="-1">
               <a:solidFill>
                 <a:srgbClr val="000000"/>
               </a:solidFill>
@@ -3865,26 +4415,306 @@
       </p:sp>
     </p:spTree>
   </p:cSld>
-  <p:clrMap bg1="lt1" bg2="lt2" tx1="dk1" tx2="dk2" accent1="accent1" accent2="accent2" accent3="accent3" accent4="accent4" accent5="accent5" accent6="accent6" hlink="hlink" folHlink="folHlink"/>
+  <p:clrMap bg1="lt1" tx1="dk1" bg2="lt2" tx2="dk2" accent1="accent1" accent2="accent2" accent3="accent3" accent4="accent4" accent5="accent5" accent6="accent6" hlink="hlink" folHlink="folHlink"/>
   <p:sldLayoutIdLst>
-    <p:sldLayoutId id="2147483662" r:id="rId2"/>
-    <p:sldLayoutId id="2147483663" r:id="rId3"/>
-    <p:sldLayoutId id="2147483664" r:id="rId4"/>
-    <p:sldLayoutId id="2147483665" r:id="rId5"/>
-    <p:sldLayoutId id="2147483666" r:id="rId6"/>
-    <p:sldLayoutId id="2147483667" r:id="rId7"/>
-    <p:sldLayoutId id="2147483668" r:id="rId8"/>
-    <p:sldLayoutId id="2147483669" r:id="rId9"/>
-    <p:sldLayoutId id="2147483670" r:id="rId10"/>
-    <p:sldLayoutId id="2147483671" r:id="rId11"/>
-    <p:sldLayoutId id="2147483672" r:id="rId12"/>
-    <p:sldLayoutId id="2147483673" r:id="rId13"/>
+    <p:sldLayoutId id="2147483662" r:id="rId1"/>
+    <p:sldLayoutId id="2147483663" r:id="rId2"/>
+    <p:sldLayoutId id="2147483664" r:id="rId3"/>
+    <p:sldLayoutId id="2147483665" r:id="rId4"/>
+    <p:sldLayoutId id="2147483666" r:id="rId5"/>
+    <p:sldLayoutId id="2147483667" r:id="rId6"/>
+    <p:sldLayoutId id="2147483668" r:id="rId7"/>
+    <p:sldLayoutId id="2147483669" r:id="rId8"/>
+    <p:sldLayoutId id="2147483670" r:id="rId9"/>
+    <p:sldLayoutId id="2147483671" r:id="rId10"/>
+    <p:sldLayoutId id="2147483672" r:id="rId11"/>
+    <p:sldLayoutId id="2147483673" r:id="rId12"/>
   </p:sldLayoutIdLst>
+  <p:txStyles>
+    <p:titleStyle>
+      <a:lvl1pPr algn="l" defTabSz="914400" rtl="0" eaLnBrk="1" latinLnBrk="0" hangingPunct="1">
+        <a:lnSpc>
+          <a:spcPct val="90000"/>
+        </a:lnSpc>
+        <a:spcBef>
+          <a:spcPct val="0"/>
+        </a:spcBef>
+        <a:buNone/>
+        <a:defRPr sz="4400" kern="1200">
+          <a:solidFill>
+            <a:schemeClr val="tx1"/>
+          </a:solidFill>
+          <a:latin typeface="+mj-lt"/>
+          <a:ea typeface="+mj-ea"/>
+          <a:cs typeface="+mj-cs"/>
+        </a:defRPr>
+      </a:lvl1pPr>
+    </p:titleStyle>
+    <p:bodyStyle>
+      <a:lvl1pPr marL="228600" indent="-228600" algn="l" defTabSz="914400" rtl="0" eaLnBrk="1" latinLnBrk="0" hangingPunct="1">
+        <a:lnSpc>
+          <a:spcPct val="90000"/>
+        </a:lnSpc>
+        <a:spcBef>
+          <a:spcPts val="1000"/>
+        </a:spcBef>
+        <a:buFont typeface="Arial" panose="020B0604020202020204" pitchFamily="34" charset="0"/>
+        <a:buChar char="•"/>
+        <a:defRPr sz="2800" kern="1200">
+          <a:solidFill>
+            <a:schemeClr val="tx1"/>
+          </a:solidFill>
+          <a:latin typeface="+mn-lt"/>
+          <a:ea typeface="+mn-ea"/>
+          <a:cs typeface="+mn-cs"/>
+        </a:defRPr>
+      </a:lvl1pPr>
+      <a:lvl2pPr marL="685800" indent="-228600" algn="l" defTabSz="914400" rtl="0" eaLnBrk="1" latinLnBrk="0" hangingPunct="1">
+        <a:lnSpc>
+          <a:spcPct val="90000"/>
+        </a:lnSpc>
+        <a:spcBef>
+          <a:spcPts val="500"/>
+        </a:spcBef>
+        <a:buFont typeface="Arial" panose="020B0604020202020204" pitchFamily="34" charset="0"/>
+        <a:buChar char="•"/>
+        <a:defRPr sz="2400" kern="1200">
+          <a:solidFill>
+            <a:schemeClr val="tx1"/>
+          </a:solidFill>
+          <a:latin typeface="+mn-lt"/>
+          <a:ea typeface="+mn-ea"/>
+          <a:cs typeface="+mn-cs"/>
+        </a:defRPr>
+      </a:lvl2pPr>
+      <a:lvl3pPr marL="1143000" indent="-228600" algn="l" defTabSz="914400" rtl="0" eaLnBrk="1" latinLnBrk="0" hangingPunct="1">
+        <a:lnSpc>
+          <a:spcPct val="90000"/>
+        </a:lnSpc>
+        <a:spcBef>
+          <a:spcPts val="500"/>
+        </a:spcBef>
+        <a:buFont typeface="Arial" panose="020B0604020202020204" pitchFamily="34" charset="0"/>
+        <a:buChar char="•"/>
+        <a:defRPr sz="2000" kern="1200">
+          <a:solidFill>
+            <a:schemeClr val="tx1"/>
+          </a:solidFill>
+          <a:latin typeface="+mn-lt"/>
+          <a:ea typeface="+mn-ea"/>
+          <a:cs typeface="+mn-cs"/>
+        </a:defRPr>
+      </a:lvl3pPr>
+      <a:lvl4pPr marL="1600200" indent="-228600" algn="l" defTabSz="914400" rtl="0" eaLnBrk="1" latinLnBrk="0" hangingPunct="1">
+        <a:lnSpc>
+          <a:spcPct val="90000"/>
+        </a:lnSpc>
+        <a:spcBef>
+          <a:spcPts val="500"/>
+        </a:spcBef>
+        <a:buFont typeface="Arial" panose="020B0604020202020204" pitchFamily="34" charset="0"/>
+        <a:buChar char="•"/>
+        <a:defRPr sz="1800" kern="1200">
+          <a:solidFill>
+            <a:schemeClr val="tx1"/>
+          </a:solidFill>
+          <a:latin typeface="+mn-lt"/>
+          <a:ea typeface="+mn-ea"/>
+          <a:cs typeface="+mn-cs"/>
+        </a:defRPr>
+      </a:lvl4pPr>
+      <a:lvl5pPr marL="2057400" indent="-228600" algn="l" defTabSz="914400" rtl="0" eaLnBrk="1" latinLnBrk="0" hangingPunct="1">
+        <a:lnSpc>
+          <a:spcPct val="90000"/>
+        </a:lnSpc>
+        <a:spcBef>
+          <a:spcPts val="500"/>
+        </a:spcBef>
+        <a:buFont typeface="Arial" panose="020B0604020202020204" pitchFamily="34" charset="0"/>
+        <a:buChar char="•"/>
+        <a:defRPr sz="1800" kern="1200">
+          <a:solidFill>
+            <a:schemeClr val="tx1"/>
+          </a:solidFill>
+          <a:latin typeface="+mn-lt"/>
+          <a:ea typeface="+mn-ea"/>
+          <a:cs typeface="+mn-cs"/>
+        </a:defRPr>
+      </a:lvl5pPr>
+      <a:lvl6pPr marL="2514600" indent="-228600" algn="l" defTabSz="914400" rtl="0" eaLnBrk="1" latinLnBrk="0" hangingPunct="1">
+        <a:lnSpc>
+          <a:spcPct val="90000"/>
+        </a:lnSpc>
+        <a:spcBef>
+          <a:spcPts val="500"/>
+        </a:spcBef>
+        <a:buFont typeface="Arial" panose="020B0604020202020204" pitchFamily="34" charset="0"/>
+        <a:buChar char="•"/>
+        <a:defRPr sz="1800" kern="1200">
+          <a:solidFill>
+            <a:schemeClr val="tx1"/>
+          </a:solidFill>
+          <a:latin typeface="+mn-lt"/>
+          <a:ea typeface="+mn-ea"/>
+          <a:cs typeface="+mn-cs"/>
+        </a:defRPr>
+      </a:lvl6pPr>
+      <a:lvl7pPr marL="2971800" indent="-228600" algn="l" defTabSz="914400" rtl="0" eaLnBrk="1" latinLnBrk="0" hangingPunct="1">
+        <a:lnSpc>
+          <a:spcPct val="90000"/>
+        </a:lnSpc>
+        <a:spcBef>
+          <a:spcPts val="500"/>
+        </a:spcBef>
+        <a:buFont typeface="Arial" panose="020B0604020202020204" pitchFamily="34" charset="0"/>
+        <a:buChar char="•"/>
+        <a:defRPr sz="1800" kern="1200">
+          <a:solidFill>
+            <a:schemeClr val="tx1"/>
+          </a:solidFill>
+          <a:latin typeface="+mn-lt"/>
+          <a:ea typeface="+mn-ea"/>
+          <a:cs typeface="+mn-cs"/>
+        </a:defRPr>
+      </a:lvl7pPr>
+      <a:lvl8pPr marL="3429000" indent="-228600" algn="l" defTabSz="914400" rtl="0" eaLnBrk="1" latinLnBrk="0" hangingPunct="1">
+        <a:lnSpc>
+          <a:spcPct val="90000"/>
+        </a:lnSpc>
+        <a:spcBef>
+          <a:spcPts val="500"/>
+        </a:spcBef>
+        <a:buFont typeface="Arial" panose="020B0604020202020204" pitchFamily="34" charset="0"/>
+        <a:buChar char="•"/>
+        <a:defRPr sz="1800" kern="1200">
+          <a:solidFill>
+            <a:schemeClr val="tx1"/>
+          </a:solidFill>
+          <a:latin typeface="+mn-lt"/>
+          <a:ea typeface="+mn-ea"/>
+          <a:cs typeface="+mn-cs"/>
+        </a:defRPr>
+      </a:lvl8pPr>
+      <a:lvl9pPr marL="3886200" indent="-228600" algn="l" defTabSz="914400" rtl="0" eaLnBrk="1" latinLnBrk="0" hangingPunct="1">
+        <a:lnSpc>
+          <a:spcPct val="90000"/>
+        </a:lnSpc>
+        <a:spcBef>
+          <a:spcPts val="500"/>
+        </a:spcBef>
+        <a:buFont typeface="Arial" panose="020B0604020202020204" pitchFamily="34" charset="0"/>
+        <a:buChar char="•"/>
+        <a:defRPr sz="1800" kern="1200">
+          <a:solidFill>
+            <a:schemeClr val="tx1"/>
+          </a:solidFill>
+          <a:latin typeface="+mn-lt"/>
+          <a:ea typeface="+mn-ea"/>
+          <a:cs typeface="+mn-cs"/>
+        </a:defRPr>
+      </a:lvl9pPr>
+    </p:bodyStyle>
+    <p:otherStyle>
+      <a:defPPr>
+        <a:defRPr lang="en-US"/>
+      </a:defPPr>
+      <a:lvl1pPr marL="0" algn="l" defTabSz="914400" rtl="0" eaLnBrk="1" latinLnBrk="0" hangingPunct="1">
+        <a:defRPr sz="1800" kern="1200">
+          <a:solidFill>
+            <a:schemeClr val="tx1"/>
+          </a:solidFill>
+          <a:latin typeface="+mn-lt"/>
+          <a:ea typeface="+mn-ea"/>
+          <a:cs typeface="+mn-cs"/>
+        </a:defRPr>
+      </a:lvl1pPr>
+      <a:lvl2pPr marL="457200" algn="l" defTabSz="914400" rtl="0" eaLnBrk="1" latinLnBrk="0" hangingPunct="1">
+        <a:defRPr sz="1800" kern="1200">
+          <a:solidFill>
+            <a:schemeClr val="tx1"/>
+          </a:solidFill>
+          <a:latin typeface="+mn-lt"/>
+          <a:ea typeface="+mn-ea"/>
+          <a:cs typeface="+mn-cs"/>
+        </a:defRPr>
+      </a:lvl2pPr>
+      <a:lvl3pPr marL="914400" algn="l" defTabSz="914400" rtl="0" eaLnBrk="1" latinLnBrk="0" hangingPunct="1">
+        <a:defRPr sz="1800" kern="1200">
+          <a:solidFill>
+            <a:schemeClr val="tx1"/>
+          </a:solidFill>
+          <a:latin typeface="+mn-lt"/>
+          <a:ea typeface="+mn-ea"/>
+          <a:cs typeface="+mn-cs"/>
+        </a:defRPr>
+      </a:lvl3pPr>
+      <a:lvl4pPr marL="1371600" algn="l" defTabSz="914400" rtl="0" eaLnBrk="1" latinLnBrk="0" hangingPunct="1">
+        <a:defRPr sz="1800" kern="1200">
+          <a:solidFill>
+            <a:schemeClr val="tx1"/>
+          </a:solidFill>
+          <a:latin typeface="+mn-lt"/>
+          <a:ea typeface="+mn-ea"/>
+          <a:cs typeface="+mn-cs"/>
+        </a:defRPr>
+      </a:lvl4pPr>
+      <a:lvl5pPr marL="1828800" algn="l" defTabSz="914400" rtl="0" eaLnBrk="1" latinLnBrk="0" hangingPunct="1">
+        <a:defRPr sz="1800" kern="1200">
+          <a:solidFill>
+            <a:schemeClr val="tx1"/>
+          </a:solidFill>
+          <a:latin typeface="+mn-lt"/>
+          <a:ea typeface="+mn-ea"/>
+          <a:cs typeface="+mn-cs"/>
+        </a:defRPr>
+      </a:lvl5pPr>
+      <a:lvl6pPr marL="2286000" algn="l" defTabSz="914400" rtl="0" eaLnBrk="1" latinLnBrk="0" hangingPunct="1">
+        <a:defRPr sz="1800" kern="1200">
+          <a:solidFill>
+            <a:schemeClr val="tx1"/>
+          </a:solidFill>
+          <a:latin typeface="+mn-lt"/>
+          <a:ea typeface="+mn-ea"/>
+          <a:cs typeface="+mn-cs"/>
+        </a:defRPr>
+      </a:lvl6pPr>
+      <a:lvl7pPr marL="2743200" algn="l" defTabSz="914400" rtl="0" eaLnBrk="1" latinLnBrk="0" hangingPunct="1">
+        <a:defRPr sz="1800" kern="1200">
+          <a:solidFill>
+            <a:schemeClr val="tx1"/>
+          </a:solidFill>
+          <a:latin typeface="+mn-lt"/>
+          <a:ea typeface="+mn-ea"/>
+          <a:cs typeface="+mn-cs"/>
+        </a:defRPr>
+      </a:lvl7pPr>
+      <a:lvl8pPr marL="3200400" algn="l" defTabSz="914400" rtl="0" eaLnBrk="1" latinLnBrk="0" hangingPunct="1">
+        <a:defRPr sz="1800" kern="1200">
+          <a:solidFill>
+            <a:schemeClr val="tx1"/>
+          </a:solidFill>
+          <a:latin typeface="+mn-lt"/>
+          <a:ea typeface="+mn-ea"/>
+          <a:cs typeface="+mn-cs"/>
+        </a:defRPr>
+      </a:lvl8pPr>
+      <a:lvl9pPr marL="3657600" algn="l" defTabSz="914400" rtl="0" eaLnBrk="1" latinLnBrk="0" hangingPunct="1">
+        <a:defRPr sz="1800" kern="1200">
+          <a:solidFill>
+            <a:schemeClr val="tx1"/>
+          </a:solidFill>
+          <a:latin typeface="+mn-lt"/>
+          <a:ea typeface="+mn-ea"/>
+          <a:cs typeface="+mn-cs"/>
+        </a:defRPr>
+      </a:lvl9pPr>
+    </p:otherStyle>
+  </p:txStyles>
 </p:sldMaster>
 </file>
 
 <file path=ppt/slides/slide1.xml><?xml version="1.0" encoding="utf-8"?>
-<p:sld xmlns:a="http://schemas.openxmlformats.org/drawingml/2006/main" xmlns:p="http://schemas.openxmlformats.org/presentationml/2006/main" xmlns:r="http://schemas.openxmlformats.org/officeDocument/2006/relationships" xmlns:p14="http://schemas.microsoft.com/office/powerpoint/2010/main" xmlns:p15="http://schemas.microsoft.com/office/powerpoint/2012/main" xmlns:mc="http://schemas.openxmlformats.org/markup-compatibility/2006">
+<p:sld xmlns:a="http://schemas.openxmlformats.org/drawingml/2006/main" xmlns:r="http://schemas.openxmlformats.org/officeDocument/2006/relationships" xmlns:p="http://schemas.openxmlformats.org/presentationml/2006/main">
   <p:cSld>
     <p:spTree>
       <p:nvGrpSpPr>
@@ -3921,8 +4751,9 @@
         </p:spPr>
         <p:txBody>
           <a:bodyPr tIns="0" anchor="ctr">
-            <a:normAutofit/>
-          </a:bodyPr>
+            <a:normAutofit fontScale="92500" lnSpcReduction="10000"/>
+          </a:bodyPr>
+          <a:lstStyle/>
           <a:p>
             <a:pPr>
               <a:lnSpc>
@@ -3930,15 +4761,15 @@
               </a:lnSpc>
             </a:pPr>
             <a:r>
-              <a:rPr b="0" lang="en-GB" sz="6000" spc="-1" strike="noStrike">
+              <a:rPr lang="en-GB" sz="6000" b="0" strike="noStrike" spc="-1">
                 <a:solidFill>
-                  <a:srgbClr val="ffffff"/>
+                  <a:srgbClr val="FFFFFF"/>
                 </a:solidFill>
                 <a:latin typeface="Calibri Light"/>
               </a:rPr>
               <a:t>Node JS</a:t>
             </a:r>
-            <a:endParaRPr b="0" lang="en-US" sz="6000" spc="-1" strike="noStrike">
+            <a:endParaRPr lang="en-US" sz="6000" b="0" strike="noStrike" spc="-1">
               <a:solidFill>
                 <a:srgbClr val="000000"/>
               </a:solidFill>
@@ -3968,8 +4799,9 @@
         </p:spPr>
         <p:txBody>
           <a:bodyPr anchor="ctr">
-            <a:normAutofit fontScale="91000"/>
-          </a:bodyPr>
+            <a:normAutofit fontScale="91000" lnSpcReduction="20000"/>
+          </a:bodyPr>
+          <a:lstStyle/>
           <a:p>
             <a:pPr>
               <a:lnSpc>
@@ -3979,19 +4811,19 @@
                 <a:spcPts val="1001"/>
               </a:spcBef>
               <a:tabLst>
-                <a:tab algn="l" pos="0"/>
+                <a:tab pos="0" algn="l"/>
               </a:tabLst>
             </a:pPr>
             <a:r>
-              <a:rPr b="0" lang="en-GB" sz="6000" spc="-1" strike="noStrike">
+              <a:rPr lang="en-GB" sz="6000" b="0" strike="noStrike" spc="-1">
                 <a:solidFill>
-                  <a:srgbClr val="ffffff"/>
+                  <a:srgbClr val="FFFFFF"/>
                 </a:solidFill>
                 <a:latin typeface="Calibri"/>
               </a:rPr>
               <a:t>How it works?</a:t>
             </a:r>
-            <a:endParaRPr b="0" lang="en-US" sz="6000" spc="-1" strike="noStrike">
+            <a:endParaRPr lang="en-US" sz="6000" b="0" strike="noStrike" spc="-1">
               <a:latin typeface="Arial"/>
             </a:endParaRPr>
           </a:p>
@@ -4012,7 +4844,7 @@
             <a:avLst/>
           </a:prstGeom>
           <a:blipFill rotWithShape="0">
-            <a:blip r:embed="rId1"/>
+            <a:blip r:embed="rId2"/>
             <a:stretch>
               <a:fillRect/>
             </a:stretch>
@@ -4025,8 +4857,9 @@
           <a:bodyPr anchor="ctr">
             <a:noAutofit/>
           </a:bodyPr>
-          <a:p>
-            <a:endParaRPr b="0" lang="en-US" sz="2800" spc="-1" strike="noStrike">
+          <a:lstStyle/>
+          <a:p>
+            <a:endParaRPr lang="en-US" sz="2800" b="0" strike="noStrike" spc="-1">
               <a:solidFill>
                 <a:srgbClr val="000000"/>
               </a:solidFill>
@@ -4037,12 +4870,12 @@
       </p:sp>
       <p:pic>
         <p:nvPicPr>
-          <p:cNvPr id="95" name="Graphic 4" descr=""/>
+          <p:cNvPr id="95" name="Graphic 4"/>
           <p:cNvPicPr/>
           <p:nvPr/>
         </p:nvPicPr>
         <p:blipFill>
-          <a:blip r:embed="rId2"/>
+          <a:blip r:embed="rId3"/>
           <a:stretch/>
         </p:blipFill>
         <p:spPr>
@@ -4060,19 +4893,171 @@
       </p:pic>
     </p:spTree>
   </p:cSld>
-  <mc:AlternateContent>
-    <mc:Choice Requires="p14">
-      <p:transition spd="slow" p14:dur="2000"/>
-    </mc:Choice>
-    <mc:Fallback>
-      <p:transition spd="slow"/>
-    </mc:Fallback>
-  </mc:AlternateContent>
+  <p:clrMapOvr>
+    <a:masterClrMapping/>
+  </p:clrMapOvr>
 </p:sld>
 </file>
 
 <file path=ppt/slides/slide10.xml><?xml version="1.0" encoding="utf-8"?>
-<p:sld xmlns:a="http://schemas.openxmlformats.org/drawingml/2006/main" xmlns:p="http://schemas.openxmlformats.org/presentationml/2006/main" xmlns:r="http://schemas.openxmlformats.org/officeDocument/2006/relationships" xmlns:p14="http://schemas.microsoft.com/office/powerpoint/2010/main" xmlns:p15="http://schemas.microsoft.com/office/powerpoint/2012/main" xmlns:mc="http://schemas.openxmlformats.org/markup-compatibility/2006">
+<p:sld xmlns:a="http://schemas.openxmlformats.org/drawingml/2006/main" xmlns:r="http://schemas.openxmlformats.org/officeDocument/2006/relationships" xmlns:p="http://schemas.openxmlformats.org/presentationml/2006/main">
+  <p:cSld>
+    <p:spTree>
+      <p:nvGrpSpPr>
+        <p:cNvPr id="1" name=""/>
+        <p:cNvGrpSpPr/>
+        <p:nvPr/>
+      </p:nvGrpSpPr>
+      <p:grpSpPr>
+        <a:xfrm>
+          <a:off x="0" y="0"/>
+          <a:ext cx="0" cy="0"/>
+          <a:chOff x="0" y="0"/>
+          <a:chExt cx="0" cy="0"/>
+        </a:xfrm>
+      </p:grpSpPr>
+      <p:sp>
+        <p:nvSpPr>
+          <p:cNvPr id="128" name="TextShape 1"/>
+          <p:cNvSpPr txBox="1"/>
+          <p:nvPr/>
+        </p:nvSpPr>
+        <p:spPr>
+          <a:xfrm>
+            <a:off x="10671120" y="0"/>
+            <a:ext cx="1520640" cy="1520640"/>
+          </a:xfrm>
+          <a:prstGeom prst="rect">
+            <a:avLst/>
+          </a:prstGeom>
+          <a:blipFill rotWithShape="0">
+            <a:blip r:embed="rId2"/>
+            <a:stretch>
+              <a:fillRect/>
+            </a:stretch>
+          </a:blipFill>
+          <a:ln>
+            <a:noFill/>
+          </a:ln>
+        </p:spPr>
+        <p:txBody>
+          <a:bodyPr anchor="ctr">
+            <a:noAutofit/>
+          </a:bodyPr>
+          <a:lstStyle/>
+          <a:p>
+            <a:endParaRPr lang="en-US" sz="2800" b="0" strike="noStrike" spc="-1">
+              <a:solidFill>
+                <a:srgbClr val="000000"/>
+              </a:solidFill>
+              <a:latin typeface="Calibri"/>
+            </a:endParaRPr>
+          </a:p>
+        </p:txBody>
+      </p:sp>
+      <p:pic>
+        <p:nvPicPr>
+          <p:cNvPr id="129" name="Picture 2" descr="Y U So Fast? by theletlirutaner - Meme Center"/>
+          <p:cNvPicPr/>
+          <p:nvPr/>
+        </p:nvPicPr>
+        <p:blipFill>
+          <a:blip r:embed="rId3"/>
+          <a:srcRect l="2117" t="-2275" r="2411" b="7280"/>
+          <a:stretch/>
+        </p:blipFill>
+        <p:spPr>
+          <a:xfrm>
+            <a:off x="2232000" y="868320"/>
+            <a:ext cx="4501080" cy="3470400"/>
+          </a:xfrm>
+          <a:prstGeom prst="rect">
+            <a:avLst/>
+          </a:prstGeom>
+          <a:ln>
+            <a:noFill/>
+          </a:ln>
+        </p:spPr>
+      </p:pic>
+      <p:grpSp>
+        <p:nvGrpSpPr>
+          <p:cNvPr id="130" name="Group 2"/>
+          <p:cNvGrpSpPr/>
+          <p:nvPr/>
+        </p:nvGrpSpPr>
+        <p:grpSpPr>
+          <a:xfrm>
+            <a:off x="6498000" y="3153600"/>
+            <a:ext cx="3590640" cy="2228040"/>
+            <a:chOff x="6498000" y="3153600"/>
+            <a:chExt cx="3590640" cy="2228040"/>
+          </a:xfrm>
+        </p:grpSpPr>
+        <p:sp>
+          <p:nvSpPr>
+            <p:cNvPr id="131" name="CustomShape 3"/>
+            <p:cNvSpPr/>
+            <p:nvPr/>
+          </p:nvSpPr>
+          <p:spPr>
+            <a:xfrm>
+              <a:off x="6498000" y="3153600"/>
+              <a:ext cx="3590640" cy="2228040"/>
+            </a:xfrm>
+            <a:prstGeom prst="rect">
+              <a:avLst/>
+            </a:prstGeom>
+            <a:ln/>
+          </p:spPr>
+          <p:style>
+            <a:lnRef idx="2">
+              <a:schemeClr val="accent1">
+                <a:shade val="50000"/>
+              </a:schemeClr>
+            </a:lnRef>
+            <a:fillRef idx="1">
+              <a:schemeClr val="accent1"/>
+            </a:fillRef>
+            <a:effectRef idx="0">
+              <a:schemeClr val="accent1"/>
+            </a:effectRef>
+            <a:fontRef idx="minor"/>
+          </p:style>
+        </p:sp>
+        <p:pic>
+          <p:nvPicPr>
+            <p:cNvPr id="132" name="Graphic 11"/>
+            <p:cNvPicPr/>
+            <p:nvPr/>
+          </p:nvPicPr>
+          <p:blipFill>
+            <a:blip r:embed="rId4"/>
+            <a:stretch/>
+          </p:blipFill>
+          <p:spPr>
+            <a:xfrm>
+              <a:off x="6652440" y="3235320"/>
+              <a:ext cx="3373920" cy="2064240"/>
+            </a:xfrm>
+            <a:prstGeom prst="rect">
+              <a:avLst/>
+            </a:prstGeom>
+            <a:ln>
+              <a:noFill/>
+            </a:ln>
+          </p:spPr>
+        </p:pic>
+      </p:grpSp>
+    </p:spTree>
+  </p:cSld>
+  <p:clrMapOvr>
+    <a:masterClrMapping/>
+  </p:clrMapOvr>
+</p:sld>
+</file>
+
+<file path=ppt/slides/slide11.xml><?xml version="1.0" encoding="utf-8"?>
+<p:sld xmlns:a="http://schemas.openxmlformats.org/drawingml/2006/main" xmlns:r="http://schemas.openxmlformats.org/officeDocument/2006/relationships" xmlns:p="http://schemas.openxmlformats.org/presentationml/2006/main">
   <p:cSld>
     <p:spTree>
       <p:nvGrpSpPr>
@@ -4090,12 +5075,12 @@
       </p:grpSpPr>
       <p:pic>
         <p:nvPicPr>
-          <p:cNvPr id="133" name="Picture 3" descr=""/>
+          <p:cNvPr id="133" name="Picture 3"/>
           <p:cNvPicPr/>
           <p:nvPr/>
         </p:nvPicPr>
         <p:blipFill>
-          <a:blip r:embed="rId1"/>
+          <a:blip r:embed="rId2"/>
           <a:stretch/>
         </p:blipFill>
         <p:spPr>
@@ -4128,10 +5113,10 @@
           <a:gradFill rotWithShape="0">
             <a:gsLst>
               <a:gs pos="0">
-                <a:srgbClr val="80b761"/>
+                <a:srgbClr val="80B761"/>
               </a:gs>
               <a:gs pos="100000">
-                <a:srgbClr val="6fb142"/>
+                <a:srgbClr val="6FB142"/>
               </a:gs>
             </a:gsLst>
             <a:lin ang="5400000"/>
@@ -4140,7 +5125,7 @@
             <a:noFill/>
           </a:ln>
           <a:effectLst>
-            <a:outerShdw algn="ctr" blurRad="57150" dir="5400000" dist="19080" rotWithShape="0">
+            <a:outerShdw blurRad="57150" dist="19080" dir="5400000" algn="ctr" rotWithShape="0">
               <a:srgbClr val="000000">
                 <a:alpha val="63000"/>
               </a:srgbClr>
@@ -4175,7 +5160,7 @@
             <a:avLst/>
           </a:prstGeom>
           <a:blipFill rotWithShape="0">
-            <a:blip r:embed="rId2"/>
+            <a:blip r:embed="rId3"/>
             <a:stretch>
               <a:fillRect/>
             </a:stretch>
@@ -4188,8 +5173,9 @@
           <a:bodyPr anchor="ctr">
             <a:noAutofit/>
           </a:bodyPr>
-          <a:p>
-            <a:endParaRPr b="0" lang="en-US" sz="2800" spc="-1" strike="noStrike">
+          <a:lstStyle/>
+          <a:p>
+            <a:endParaRPr lang="en-US" sz="2800" b="0" strike="noStrike" spc="-1">
               <a:solidFill>
                 <a:srgbClr val="000000"/>
               </a:solidFill>
@@ -4219,8 +5205,9 @@
         </p:spPr>
         <p:txBody>
           <a:bodyPr tIns="0" anchor="ctr">
-            <a:normAutofit/>
-          </a:bodyPr>
+            <a:normAutofit fontScale="92500" lnSpcReduction="10000"/>
+          </a:bodyPr>
+          <a:lstStyle/>
           <a:p>
             <a:pPr>
               <a:lnSpc>
@@ -4228,15 +5215,15 @@
               </a:lnSpc>
             </a:pPr>
             <a:r>
-              <a:rPr b="0" lang="lt-LT" sz="6000" spc="-1" strike="noStrike">
+              <a:rPr lang="lt-LT" sz="6000" b="0" strike="noStrike" spc="-1">
                 <a:solidFill>
-                  <a:srgbClr val="ffffff"/>
+                  <a:srgbClr val="FFFFFF"/>
                 </a:solidFill>
                 <a:latin typeface="Calibri Light"/>
               </a:rPr>
               <a:t>Event loop</a:t>
             </a:r>
-            <a:endParaRPr b="0" lang="en-US" sz="6000" spc="-1" strike="noStrike">
+            <a:endParaRPr lang="en-US" sz="6000" b="0" strike="noStrike" spc="-1">
               <a:solidFill>
                 <a:srgbClr val="000000"/>
               </a:solidFill>
@@ -4265,15 +5252,22 @@
           </a:ln>
         </p:spPr>
         <p:style>
-          <a:lnRef idx="0"/>
-          <a:fillRef idx="0"/>
-          <a:effectRef idx="0"/>
+          <a:lnRef idx="0">
+            <a:scrgbClr r="0" g="0" b="0"/>
+          </a:lnRef>
+          <a:fillRef idx="0">
+            <a:scrgbClr r="0" g="0" b="0"/>
+          </a:fillRef>
+          <a:effectRef idx="0">
+            <a:scrgbClr r="0" g="0" b="0"/>
+          </a:effectRef>
           <a:fontRef idx="minor"/>
         </p:style>
         <p:txBody>
-          <a:bodyPr lIns="90000" rIns="90000" tIns="45000" bIns="45000">
+          <a:bodyPr lIns="90000" tIns="45000" rIns="90000" bIns="45000">
             <a:spAutoFit/>
           </a:bodyPr>
+          <a:lstStyle/>
           <a:p>
             <a:pPr>
               <a:lnSpc>
@@ -4281,15 +5275,15 @@
               </a:lnSpc>
             </a:pPr>
             <a:r>
-              <a:rPr b="0" lang="lt-LT" sz="2800" spc="-1" strike="noStrike">
+              <a:rPr lang="lt-LT" sz="2800" b="0" strike="noStrike" spc="-1">
                 <a:solidFill>
-                  <a:srgbClr val="ffffff"/>
+                  <a:srgbClr val="FFFFFF"/>
                 </a:solidFill>
                 <a:latin typeface="Calibri"/>
               </a:rPr>
               <a:t>Event loop allows non-blocking I/O operations – despite JS being single-threaded.</a:t>
             </a:r>
-            <a:endParaRPr b="0" lang="en-US" sz="2800" spc="-1" strike="noStrike">
+            <a:endParaRPr lang="en-US" sz="2800" b="0" strike="noStrike" spc="-1">
               <a:latin typeface="Arial"/>
             </a:endParaRPr>
           </a:p>
@@ -4317,9 +5311,15 @@
           </a:ln>
         </p:spPr>
         <p:style>
-          <a:lnRef idx="0"/>
-          <a:fillRef idx="0"/>
-          <a:effectRef idx="0"/>
+          <a:lnRef idx="0">
+            <a:scrgbClr r="0" g="0" b="0"/>
+          </a:lnRef>
+          <a:fillRef idx="0">
+            <a:scrgbClr r="0" g="0" b="0"/>
+          </a:fillRef>
+          <a:effectRef idx="0">
+            <a:scrgbClr r="0" g="0" b="0"/>
+          </a:effectRef>
           <a:fontRef idx="minor"/>
         </p:style>
       </p:sp>
@@ -4343,15 +5343,22 @@
           </a:ln>
         </p:spPr>
         <p:style>
-          <a:lnRef idx="0"/>
-          <a:fillRef idx="0"/>
-          <a:effectRef idx="0"/>
+          <a:lnRef idx="0">
+            <a:scrgbClr r="0" g="0" b="0"/>
+          </a:lnRef>
+          <a:fillRef idx="0">
+            <a:scrgbClr r="0" g="0" b="0"/>
+          </a:fillRef>
+          <a:effectRef idx="0">
+            <a:scrgbClr r="0" g="0" b="0"/>
+          </a:effectRef>
           <a:fontRef idx="minor"/>
         </p:style>
         <p:txBody>
-          <a:bodyPr lIns="90000" rIns="90000" tIns="45000" bIns="45000">
+          <a:bodyPr lIns="90000" tIns="45000" rIns="90000" bIns="45000">
             <a:spAutoFit/>
           </a:bodyPr>
+          <a:lstStyle/>
           <a:p>
             <a:pPr>
               <a:lnSpc>
@@ -4359,42 +5366,42 @@
               </a:lnSpc>
             </a:pPr>
             <a:r>
-              <a:rPr b="0" lang="lt-LT" sz="1800" spc="-1" strike="noStrike">
+              <a:rPr lang="lt-LT" sz="1800" b="0" strike="noStrike" spc="-1">
                 <a:solidFill>
-                  <a:srgbClr val="ffffff"/>
+                  <a:srgbClr val="FFFFFF"/>
                 </a:solidFill>
                 <a:latin typeface="Source Sans Pro"/>
               </a:rPr>
               <a:t>M</a:t>
             </a:r>
             <a:r>
-              <a:rPr b="0" lang="en-US" sz="1800" spc="-1" strike="noStrike">
+              <a:rPr lang="en-US" sz="1800" b="0" strike="noStrike" spc="-1">
                 <a:solidFill>
-                  <a:srgbClr val="ffffff"/>
+                  <a:srgbClr val="FFFFFF"/>
                 </a:solidFill>
                 <a:latin typeface="Source Sans Pro"/>
               </a:rPr>
               <a:t>odern kernels are multi-threaded, they can handle multiple operations executing in the background. When one of these operations completes, the kernel tells Node.js so that the appropriate callback may be added to the </a:t>
             </a:r>
             <a:r>
-              <a:rPr b="1" lang="en-US" sz="1800" spc="-1" strike="noStrike">
+              <a:rPr lang="en-US" sz="1800" b="1" strike="noStrike" spc="-1">
                 <a:solidFill>
-                  <a:srgbClr val="ffffff"/>
+                  <a:srgbClr val="FFFFFF"/>
                 </a:solidFill>
                 <a:latin typeface="Source Sans Pro"/>
               </a:rPr>
               <a:t>poll</a:t>
             </a:r>
             <a:r>
-              <a:rPr b="0" lang="en-US" sz="1800" spc="-1" strike="noStrike">
+              <a:rPr lang="en-US" sz="1800" b="0" strike="noStrike" spc="-1">
                 <a:solidFill>
-                  <a:srgbClr val="ffffff"/>
+                  <a:srgbClr val="FFFFFF"/>
                 </a:solidFill>
                 <a:latin typeface="Source Sans Pro"/>
               </a:rPr>
               <a:t> queue to eventually be executed.</a:t>
             </a:r>
-            <a:endParaRPr b="0" lang="en-US" sz="1800" spc="-1" strike="noStrike">
+            <a:endParaRPr lang="en-US" sz="1800" b="0" strike="noStrike" spc="-1">
               <a:latin typeface="Arial"/>
             </a:endParaRPr>
           </a:p>
@@ -4407,7 +5414,7 @@
           <p:nvPr/>
         </p:nvPicPr>
         <p:blipFill>
-          <a:blip r:embed="rId3"/>
+          <a:blip r:embed="rId4"/>
           <a:stretch/>
         </p:blipFill>
         <p:spPr>
@@ -4425,19 +5432,14 @@
       </p:pic>
     </p:spTree>
   </p:cSld>
-  <mc:AlternateContent>
-    <mc:Choice Requires="p14">
-      <p:transition spd="slow" p14:dur="2000"/>
-    </mc:Choice>
-    <mc:Fallback>
-      <p:transition spd="slow"/>
-    </mc:Fallback>
-  </mc:AlternateContent>
+  <p:clrMapOvr>
+    <a:masterClrMapping/>
+  </p:clrMapOvr>
 </p:sld>
 </file>
 
-<file path=ppt/slides/slide11.xml><?xml version="1.0" encoding="utf-8"?>
-<p:sld xmlns:a="http://schemas.openxmlformats.org/drawingml/2006/main" xmlns:p="http://schemas.openxmlformats.org/presentationml/2006/main" xmlns:r="http://schemas.openxmlformats.org/officeDocument/2006/relationships" xmlns:p14="http://schemas.microsoft.com/office/powerpoint/2010/main" xmlns:p15="http://schemas.microsoft.com/office/powerpoint/2012/main" xmlns:mc="http://schemas.openxmlformats.org/markup-compatibility/2006">
+<file path=ppt/slides/slide12.xml><?xml version="1.0" encoding="utf-8"?>
+<p:sld xmlns:a="http://schemas.openxmlformats.org/drawingml/2006/main" xmlns:r="http://schemas.openxmlformats.org/officeDocument/2006/relationships" xmlns:p="http://schemas.openxmlformats.org/presentationml/2006/main">
   <p:cSld>
     <p:spTree>
       <p:nvGrpSpPr>
@@ -4455,12 +5457,12 @@
       </p:grpSpPr>
       <p:pic>
         <p:nvPicPr>
-          <p:cNvPr id="141" name="Picture 11" descr=""/>
+          <p:cNvPr id="141" name="Picture 11"/>
           <p:cNvPicPr/>
           <p:nvPr/>
         </p:nvPicPr>
         <p:blipFill>
-          <a:blip r:embed="rId1"/>
+          <a:blip r:embed="rId2"/>
           <a:stretch/>
         </p:blipFill>
         <p:spPr>
@@ -4522,7 +5524,7 @@
             <a:avLst/>
           </a:prstGeom>
           <a:blipFill rotWithShape="0">
-            <a:blip r:embed="rId2"/>
+            <a:blip r:embed="rId3"/>
             <a:stretch>
               <a:fillRect/>
             </a:stretch>
@@ -4535,8 +5537,9 @@
           <a:bodyPr anchor="ctr">
             <a:noAutofit/>
           </a:bodyPr>
-          <a:p>
-            <a:endParaRPr b="0" lang="en-US" sz="2800" spc="-1" strike="noStrike">
+          <a:lstStyle/>
+          <a:p>
+            <a:endParaRPr lang="en-US" sz="2800" b="0" strike="noStrike" spc="-1">
               <a:solidFill>
                 <a:srgbClr val="000000"/>
               </a:solidFill>
@@ -4566,8 +5569,9 @@
         </p:spPr>
         <p:txBody>
           <a:bodyPr tIns="0" anchor="ctr">
-            <a:normAutofit/>
-          </a:bodyPr>
+            <a:normAutofit fontScale="92500" lnSpcReduction="10000"/>
+          </a:bodyPr>
+          <a:lstStyle/>
           <a:p>
             <a:pPr>
               <a:lnSpc>
@@ -4575,15 +5579,15 @@
               </a:lnSpc>
             </a:pPr>
             <a:r>
-              <a:rPr b="0" lang="lt-LT" sz="6000" spc="-1" strike="noStrike">
+              <a:rPr lang="lt-LT" sz="6000" b="0" strike="noStrike" spc="-1">
                 <a:solidFill>
-                  <a:srgbClr val="ffffff"/>
+                  <a:srgbClr val="FFFFFF"/>
                 </a:solidFill>
                 <a:latin typeface="Calibri Light"/>
               </a:rPr>
               <a:t>Event loop</a:t>
             </a:r>
-            <a:endParaRPr b="0" lang="en-US" sz="6000" spc="-1" strike="noStrike">
+            <a:endParaRPr lang="en-US" sz="6000" b="0" strike="noStrike" spc="-1">
               <a:solidFill>
                 <a:srgbClr val="000000"/>
               </a:solidFill>
@@ -4612,99 +5616,106 @@
           </a:ln>
         </p:spPr>
         <p:style>
-          <a:lnRef idx="0"/>
-          <a:fillRef idx="0"/>
-          <a:effectRef idx="0"/>
+          <a:lnRef idx="0">
+            <a:scrgbClr r="0" g="0" b="0"/>
+          </a:lnRef>
+          <a:fillRef idx="0">
+            <a:scrgbClr r="0" g="0" b="0"/>
+          </a:fillRef>
+          <a:effectRef idx="0">
+            <a:scrgbClr r="0" g="0" b="0"/>
+          </a:effectRef>
           <a:fontRef idx="minor"/>
         </p:style>
         <p:txBody>
-          <a:bodyPr lIns="90000" rIns="90000" tIns="45000" bIns="45000">
+          <a:bodyPr lIns="90000" tIns="45000" rIns="90000" bIns="45000">
             <a:spAutoFit/>
           </a:bodyPr>
+          <a:lstStyle/>
           <a:p>
             <a:pPr marL="343080" indent="-342720">
               <a:lnSpc>
                 <a:spcPct val="100000"/>
               </a:lnSpc>
               <a:buClr>
-                <a:srgbClr val="ffffff"/>
+                <a:srgbClr val="FFFFFF"/>
               </a:buClr>
               <a:buFont typeface="Arial"/>
               <a:buChar char="•"/>
             </a:pPr>
             <a:r>
-              <a:rPr b="1" lang="en-US" sz="2400" spc="-1" strike="noStrike">
+              <a:rPr lang="en-US" sz="2400" b="1" strike="noStrike" spc="-1">
                 <a:solidFill>
-                  <a:srgbClr val="ffffff"/>
+                  <a:srgbClr val="FFFFFF"/>
                 </a:solidFill>
                 <a:latin typeface="Source Sans Pro"/>
               </a:rPr>
               <a:t>timers</a:t>
             </a:r>
             <a:r>
-              <a:rPr b="0" lang="en-US" sz="2400" spc="-1" strike="noStrike">
+              <a:rPr lang="en-US" sz="2400" b="0" strike="noStrike" spc="-1">
                 <a:solidFill>
-                  <a:srgbClr val="ffffff"/>
+                  <a:srgbClr val="FFFFFF"/>
                 </a:solidFill>
                 <a:latin typeface="Source Sans Pro"/>
               </a:rPr>
               <a:t>: this phase executes callbacks scheduled</a:t>
             </a:r>
             <a:r>
-              <a:rPr b="0" lang="lt-LT" sz="2400" spc="-1" strike="noStrike">
+              <a:rPr lang="lt-LT" sz="2400" b="0" strike="noStrike" spc="-1">
                 <a:solidFill>
-                  <a:srgbClr val="ffffff"/>
+                  <a:srgbClr val="FFFFFF"/>
                 </a:solidFill>
                 <a:latin typeface="Source Sans Pro"/>
               </a:rPr>
               <a:t>  </a:t>
             </a:r>
             <a:r>
-              <a:rPr b="0" lang="en-US" sz="2400" spc="-1" strike="noStrike">
+              <a:rPr lang="en-US" sz="2400" b="0" strike="noStrike" spc="-1">
                 <a:solidFill>
-                  <a:srgbClr val="ffffff"/>
+                  <a:srgbClr val="FFFFFF"/>
                 </a:solidFill>
                 <a:latin typeface="Source Sans Pro"/>
               </a:rPr>
               <a:t>by </a:t>
             </a:r>
             <a:r>
-              <a:rPr b="0" lang="en-US" sz="1800" spc="-1" strike="noStrike">
+              <a:rPr lang="en-US" sz="1800" b="0" strike="noStrike" spc="-1">
                 <a:solidFill>
-                  <a:srgbClr val="ffffff"/>
+                  <a:srgbClr val="FFFFFF"/>
                 </a:solidFill>
                 <a:latin typeface="Arial Unicode MS"/>
               </a:rPr>
               <a:t>setTimeout()</a:t>
             </a:r>
             <a:r>
-              <a:rPr b="0" lang="en-US" sz="2400" spc="-1" strike="noStrike">
+              <a:rPr lang="en-US" sz="2400" b="0" strike="noStrike" spc="-1">
                 <a:solidFill>
-                  <a:srgbClr val="ffffff"/>
+                  <a:srgbClr val="FFFFFF"/>
                 </a:solidFill>
                 <a:latin typeface="Source Sans Pro"/>
               </a:rPr>
               <a:t> and </a:t>
             </a:r>
             <a:r>
-              <a:rPr b="0" lang="en-US" sz="1800" spc="-1" strike="noStrike">
+              <a:rPr lang="en-US" sz="1800" b="0" strike="noStrike" spc="-1">
                 <a:solidFill>
-                  <a:srgbClr val="ffffff"/>
+                  <a:srgbClr val="FFFFFF"/>
                 </a:solidFill>
                 <a:latin typeface="Arial Unicode MS"/>
               </a:rPr>
               <a:t>setInterval()</a:t>
             </a:r>
             <a:r>
-              <a:rPr b="0" lang="en-US" sz="2400" spc="-1" strike="noStrike">
+              <a:rPr lang="en-US" sz="2400" b="0" strike="noStrike" spc="-1">
                 <a:solidFill>
-                  <a:srgbClr val="ffffff"/>
+                  <a:srgbClr val="FFFFFF"/>
                 </a:solidFill>
                 <a:latin typeface="Source Sans Pro"/>
               </a:rPr>
               <a:t>.</a:t>
             </a:r>
-            <a:endParaRPr b="0" lang="en-US" sz="2400" spc="-1" strike="noStrike">
+            <a:endParaRPr lang="en-US" sz="2400" b="0" strike="noStrike" spc="-1">
               <a:latin typeface="Arial"/>
             </a:endParaRPr>
           </a:p>
@@ -4714,30 +5725,30 @@
                 <a:spcPct val="100000"/>
               </a:lnSpc>
               <a:buClr>
-                <a:srgbClr val="ffffff"/>
+                <a:srgbClr val="FFFFFF"/>
               </a:buClr>
               <a:buFont typeface="Arial"/>
               <a:buChar char="•"/>
             </a:pPr>
             <a:r>
-              <a:rPr b="1" lang="en-US" sz="2400" spc="-1" strike="noStrike">
+              <a:rPr lang="en-US" sz="2400" b="1" strike="noStrike" spc="-1">
                 <a:solidFill>
-                  <a:srgbClr val="ffffff"/>
+                  <a:srgbClr val="FFFFFF"/>
                 </a:solidFill>
                 <a:latin typeface="Source Sans Pro"/>
               </a:rPr>
               <a:t>pending callbacks</a:t>
             </a:r>
             <a:r>
-              <a:rPr b="0" lang="en-US" sz="2400" spc="-1" strike="noStrike">
+              <a:rPr lang="en-US" sz="2400" b="0" strike="noStrike" spc="-1">
                 <a:solidFill>
-                  <a:srgbClr val="ffffff"/>
+                  <a:srgbClr val="FFFFFF"/>
                 </a:solidFill>
                 <a:latin typeface="Source Sans Pro"/>
               </a:rPr>
               <a:t>: executes I/O callbacks deferred to the next loop iteration.</a:t>
             </a:r>
-            <a:endParaRPr b="0" lang="en-US" sz="2400" spc="-1" strike="noStrike">
+            <a:endParaRPr lang="en-US" sz="2400" b="0" strike="noStrike" spc="-1">
               <a:latin typeface="Arial"/>
             </a:endParaRPr>
           </a:p>
@@ -4747,30 +5758,30 @@
                 <a:spcPct val="100000"/>
               </a:lnSpc>
               <a:buClr>
-                <a:srgbClr val="ffffff"/>
+                <a:srgbClr val="FFFFFF"/>
               </a:buClr>
               <a:buFont typeface="Arial"/>
               <a:buChar char="•"/>
             </a:pPr>
             <a:r>
-              <a:rPr b="1" lang="en-US" sz="2400" spc="-1" strike="noStrike">
+              <a:rPr lang="en-US" sz="2400" b="1" strike="noStrike" spc="-1">
                 <a:solidFill>
-                  <a:srgbClr val="ffffff"/>
+                  <a:srgbClr val="FFFFFF"/>
                 </a:solidFill>
                 <a:latin typeface="Source Sans Pro"/>
               </a:rPr>
               <a:t>idle, prepare</a:t>
             </a:r>
             <a:r>
-              <a:rPr b="0" lang="en-US" sz="2400" spc="-1" strike="noStrike">
+              <a:rPr lang="en-US" sz="2400" b="0" strike="noStrike" spc="-1">
                 <a:solidFill>
-                  <a:srgbClr val="ffffff"/>
+                  <a:srgbClr val="FFFFFF"/>
                 </a:solidFill>
                 <a:latin typeface="Source Sans Pro"/>
               </a:rPr>
               <a:t>: only used internally.</a:t>
             </a:r>
-            <a:endParaRPr b="0" lang="en-US" sz="2400" spc="-1" strike="noStrike">
+            <a:endParaRPr lang="en-US" sz="2400" b="0" strike="noStrike" spc="-1">
               <a:latin typeface="Arial"/>
             </a:endParaRPr>
           </a:p>
@@ -4780,48 +5791,48 @@
                 <a:spcPct val="100000"/>
               </a:lnSpc>
               <a:buClr>
-                <a:srgbClr val="ffffff"/>
+                <a:srgbClr val="FFFFFF"/>
               </a:buClr>
               <a:buFont typeface="Arial"/>
               <a:buChar char="•"/>
             </a:pPr>
             <a:r>
-              <a:rPr b="1" lang="en-US" sz="2400" spc="-1" strike="noStrike">
+              <a:rPr lang="en-US" sz="2400" b="1" strike="noStrike" spc="-1">
                 <a:solidFill>
-                  <a:srgbClr val="ffffff"/>
+                  <a:srgbClr val="FFFFFF"/>
                 </a:solidFill>
                 <a:latin typeface="Source Sans Pro"/>
               </a:rPr>
               <a:t>poll</a:t>
             </a:r>
             <a:r>
-              <a:rPr b="0" lang="en-US" sz="2400" spc="-1" strike="noStrike">
+              <a:rPr lang="en-US" sz="2400" b="0" strike="noStrike" spc="-1">
                 <a:solidFill>
-                  <a:srgbClr val="ffffff"/>
+                  <a:srgbClr val="FFFFFF"/>
                 </a:solidFill>
                 <a:latin typeface="Source Sans Pro"/>
               </a:rPr>
               <a:t>: retrieve new I/O events; execute I/O related callbacks (almost all with the exception of close callbacks, the ones scheduled by timers, and </a:t>
             </a:r>
             <a:r>
-              <a:rPr b="0" lang="en-US" sz="1800" spc="-1" strike="noStrike">
+              <a:rPr lang="en-US" sz="1800" b="0" strike="noStrike" spc="-1">
                 <a:solidFill>
-                  <a:srgbClr val="ffffff"/>
+                  <a:srgbClr val="FFFFFF"/>
                 </a:solidFill>
                 <a:latin typeface="Arial Unicode MS"/>
               </a:rPr>
               <a:t>setImmediate()</a:t>
             </a:r>
             <a:r>
-              <a:rPr b="0" lang="en-US" sz="2400" spc="-1" strike="noStrike">
+              <a:rPr lang="en-US" sz="2400" b="0" strike="noStrike" spc="-1">
                 <a:solidFill>
-                  <a:srgbClr val="ffffff"/>
+                  <a:srgbClr val="FFFFFF"/>
                 </a:solidFill>
                 <a:latin typeface="Source Sans Pro"/>
               </a:rPr>
               <a:t>); node will block here when appropriate.</a:t>
             </a:r>
-            <a:endParaRPr b="0" lang="en-US" sz="2400" spc="-1" strike="noStrike">
+            <a:endParaRPr lang="en-US" sz="2400" b="0" strike="noStrike" spc="-1">
               <a:latin typeface="Arial"/>
             </a:endParaRPr>
           </a:p>
@@ -4831,48 +5842,48 @@
                 <a:spcPct val="100000"/>
               </a:lnSpc>
               <a:buClr>
-                <a:srgbClr val="ffffff"/>
+                <a:srgbClr val="FFFFFF"/>
               </a:buClr>
               <a:buFont typeface="Arial"/>
               <a:buChar char="•"/>
             </a:pPr>
             <a:r>
-              <a:rPr b="1" lang="en-US" sz="2400" spc="-1" strike="noStrike">
+              <a:rPr lang="en-US" sz="2400" b="1" strike="noStrike" spc="-1">
                 <a:solidFill>
-                  <a:srgbClr val="ffffff"/>
+                  <a:srgbClr val="FFFFFF"/>
                 </a:solidFill>
                 <a:latin typeface="Source Sans Pro"/>
               </a:rPr>
               <a:t>check</a:t>
             </a:r>
             <a:r>
-              <a:rPr b="0" lang="en-US" sz="2400" spc="-1" strike="noStrike">
+              <a:rPr lang="en-US" sz="2400" b="0" strike="noStrike" spc="-1">
                 <a:solidFill>
-                  <a:srgbClr val="ffffff"/>
+                  <a:srgbClr val="FFFFFF"/>
                 </a:solidFill>
                 <a:latin typeface="Source Sans Pro"/>
               </a:rPr>
               <a:t>: </a:t>
             </a:r>
             <a:r>
-              <a:rPr b="0" lang="en-US" sz="1800" spc="-1" strike="noStrike">
+              <a:rPr lang="en-US" sz="1800" b="0" strike="noStrike" spc="-1">
                 <a:solidFill>
-                  <a:srgbClr val="ffffff"/>
+                  <a:srgbClr val="FFFFFF"/>
                 </a:solidFill>
                 <a:latin typeface="Arial Unicode MS"/>
               </a:rPr>
               <a:t>setImmediate()</a:t>
             </a:r>
             <a:r>
-              <a:rPr b="0" lang="en-US" sz="2400" spc="-1" strike="noStrike">
+              <a:rPr lang="en-US" sz="2400" b="0" strike="noStrike" spc="-1">
                 <a:solidFill>
-                  <a:srgbClr val="ffffff"/>
+                  <a:srgbClr val="FFFFFF"/>
                 </a:solidFill>
                 <a:latin typeface="Source Sans Pro"/>
               </a:rPr>
               <a:t> callbacks are invoked here.</a:t>
             </a:r>
-            <a:endParaRPr b="0" lang="en-US" sz="2400" spc="-1" strike="noStrike">
+            <a:endParaRPr lang="en-US" sz="2400" b="0" strike="noStrike" spc="-1">
               <a:latin typeface="Arial"/>
             </a:endParaRPr>
           </a:p>
@@ -4882,39 +5893,39 @@
                 <a:spcPct val="100000"/>
               </a:lnSpc>
               <a:buClr>
-                <a:srgbClr val="ffffff"/>
+                <a:srgbClr val="FFFFFF"/>
               </a:buClr>
               <a:buFont typeface="Arial"/>
               <a:buChar char="•"/>
             </a:pPr>
             <a:r>
-              <a:rPr b="1" lang="en-US" sz="2400" spc="-1" strike="noStrike">
+              <a:rPr lang="en-US" sz="2400" b="1" strike="noStrike" spc="-1">
                 <a:solidFill>
-                  <a:srgbClr val="ffffff"/>
+                  <a:srgbClr val="FFFFFF"/>
                 </a:solidFill>
                 <a:latin typeface="Source Sans Pro"/>
               </a:rPr>
               <a:t>close callbacks</a:t>
             </a:r>
             <a:r>
-              <a:rPr b="0" lang="en-US" sz="2400" spc="-1" strike="noStrike">
+              <a:rPr lang="en-US" sz="2400" b="0" strike="noStrike" spc="-1">
                 <a:solidFill>
-                  <a:srgbClr val="ffffff"/>
+                  <a:srgbClr val="FFFFFF"/>
                 </a:solidFill>
                 <a:latin typeface="Source Sans Pro"/>
               </a:rPr>
               <a:t>: some close callbacks, e.g. </a:t>
             </a:r>
             <a:r>
-              <a:rPr b="0" lang="en-US" sz="1800" spc="-1" strike="noStrike">
+              <a:rPr lang="en-US" sz="1800" b="0" strike="noStrike" spc="-1">
                 <a:solidFill>
-                  <a:srgbClr val="ffffff"/>
+                  <a:srgbClr val="FFFFFF"/>
                 </a:solidFill>
                 <a:latin typeface="Arial Unicode MS"/>
               </a:rPr>
               <a:t>socket.on('close', ...)</a:t>
             </a:r>
-            <a:endParaRPr b="0" lang="en-US" sz="1800" spc="-1" strike="noStrike">
+            <a:endParaRPr lang="en-US" sz="1800" b="0" strike="noStrike" spc="-1">
               <a:latin typeface="Arial"/>
             </a:endParaRPr>
           </a:p>
@@ -4922,19 +5933,14 @@
       </p:sp>
     </p:spTree>
   </p:cSld>
-  <mc:AlternateContent>
-    <mc:Choice Requires="p14">
-      <p:transition spd="slow" p14:dur="2000"/>
-    </mc:Choice>
-    <mc:Fallback>
-      <p:transition spd="slow"/>
-    </mc:Fallback>
-  </mc:AlternateContent>
+  <p:clrMapOvr>
+    <a:masterClrMapping/>
+  </p:clrMapOvr>
 </p:sld>
 </file>
 
-<file path=ppt/slides/slide12.xml><?xml version="1.0" encoding="utf-8"?>
-<p:sld xmlns:a="http://schemas.openxmlformats.org/drawingml/2006/main" xmlns:p="http://schemas.openxmlformats.org/presentationml/2006/main" xmlns:r="http://schemas.openxmlformats.org/officeDocument/2006/relationships" xmlns:p14="http://schemas.microsoft.com/office/powerpoint/2010/main" xmlns:p15="http://schemas.microsoft.com/office/powerpoint/2012/main" xmlns:mc="http://schemas.openxmlformats.org/markup-compatibility/2006">
+<file path=ppt/slides/slide13.xml><?xml version="1.0" encoding="utf-8"?>
+<p:sld xmlns:a="http://schemas.openxmlformats.org/drawingml/2006/main" xmlns:r="http://schemas.openxmlformats.org/officeDocument/2006/relationships" xmlns:p="http://schemas.openxmlformats.org/presentationml/2006/main">
   <p:cSld>
     <p:spTree>
       <p:nvGrpSpPr>
@@ -4965,7 +5971,7 @@
             <a:avLst/>
           </a:prstGeom>
           <a:blipFill rotWithShape="0">
-            <a:blip r:embed="rId1"/>
+            <a:blip r:embed="rId2"/>
             <a:stretch>
               <a:fillRect/>
             </a:stretch>
@@ -4978,8 +5984,9 @@
           <a:bodyPr anchor="ctr">
             <a:noAutofit/>
           </a:bodyPr>
-          <a:p>
-            <a:endParaRPr b="0" lang="en-US" sz="2800" spc="-1" strike="noStrike">
+          <a:lstStyle/>
+          <a:p>
+            <a:endParaRPr lang="en-US" sz="2800" b="0" strike="noStrike" spc="-1">
               <a:solidFill>
                 <a:srgbClr val="000000"/>
               </a:solidFill>
@@ -5011,6 +6018,7 @@
           <a:bodyPr tIns="0" anchor="ctr">
             <a:noAutofit/>
           </a:bodyPr>
+          <a:lstStyle/>
           <a:p>
             <a:pPr>
               <a:lnSpc>
@@ -5018,15 +6026,15 @@
               </a:lnSpc>
             </a:pPr>
             <a:r>
-              <a:rPr b="0" lang="en-US" sz="4400" spc="-1" strike="noStrike">
+              <a:rPr lang="en-US" sz="4400" b="0" strike="noStrike" spc="-1">
                 <a:solidFill>
-                  <a:srgbClr val="ffffff"/>
+                  <a:srgbClr val="FFFFFF"/>
                 </a:solidFill>
                 <a:latin typeface="Calibri Light"/>
               </a:rPr>
               <a:t>Blocking I/O vs Non-blocking I/O</a:t>
             </a:r>
-            <a:endParaRPr b="0" lang="en-US" sz="4400" spc="-1" strike="noStrike">
+            <a:endParaRPr lang="en-US" sz="4400" b="0" strike="noStrike" spc="-1">
               <a:solidFill>
                 <a:srgbClr val="000000"/>
               </a:solidFill>
@@ -5057,20 +6065,26 @@
           </a:ln>
         </p:spPr>
         <p:style>
-          <a:lnRef idx="0"/>
-          <a:fillRef idx="0"/>
-          <a:effectRef idx="0"/>
+          <a:lnRef idx="0">
+            <a:scrgbClr r="0" g="0" b="0"/>
+          </a:lnRef>
+          <a:fillRef idx="0">
+            <a:scrgbClr r="0" g="0" b="0"/>
+          </a:fillRef>
+          <a:effectRef idx="0">
+            <a:scrgbClr r="0" g="0" b="0"/>
+          </a:effectRef>
           <a:fontRef idx="minor"/>
         </p:style>
       </p:sp>
       <p:pic>
         <p:nvPicPr>
-          <p:cNvPr id="149" name="Picture 2" descr=""/>
+          <p:cNvPr id="149" name="Picture 2"/>
           <p:cNvPicPr/>
           <p:nvPr/>
         </p:nvPicPr>
         <p:blipFill>
-          <a:blip r:embed="rId2"/>
+          <a:blip r:embed="rId3"/>
           <a:stretch/>
         </p:blipFill>
         <p:spPr>
@@ -5088,19 +6102,14 @@
       </p:pic>
     </p:spTree>
   </p:cSld>
-  <mc:AlternateContent>
-    <mc:Choice Requires="p14">
-      <p:transition spd="slow" p14:dur="2000"/>
-    </mc:Choice>
-    <mc:Fallback>
-      <p:transition spd="slow"/>
-    </mc:Fallback>
-  </mc:AlternateContent>
+  <p:clrMapOvr>
+    <a:masterClrMapping/>
+  </p:clrMapOvr>
 </p:sld>
 </file>
 
-<file path=ppt/slides/slide13.xml><?xml version="1.0" encoding="utf-8"?>
-<p:sld xmlns:a="http://schemas.openxmlformats.org/drawingml/2006/main" xmlns:p="http://schemas.openxmlformats.org/presentationml/2006/main" xmlns:r="http://schemas.openxmlformats.org/officeDocument/2006/relationships" xmlns:p14="http://schemas.microsoft.com/office/powerpoint/2010/main" xmlns:p15="http://schemas.microsoft.com/office/powerpoint/2012/main" xmlns:mc="http://schemas.openxmlformats.org/markup-compatibility/2006">
+<file path=ppt/slides/slide14.xml><?xml version="1.0" encoding="utf-8"?>
+<p:sld xmlns:a="http://schemas.openxmlformats.org/drawingml/2006/main" xmlns:r="http://schemas.openxmlformats.org/officeDocument/2006/relationships" xmlns:p="http://schemas.openxmlformats.org/presentationml/2006/main">
   <p:cSld>
     <p:spTree>
       <p:nvGrpSpPr>
@@ -5131,7 +6140,7 @@
             <a:avLst/>
           </a:prstGeom>
           <a:blipFill rotWithShape="0">
-            <a:blip r:embed="rId1"/>
+            <a:blip r:embed="rId2"/>
             <a:stretch>
               <a:fillRect/>
             </a:stretch>
@@ -5144,8 +6153,9 @@
           <a:bodyPr anchor="ctr">
             <a:noAutofit/>
           </a:bodyPr>
-          <a:p>
-            <a:endParaRPr b="0" lang="en-US" sz="2800" spc="-1" strike="noStrike">
+          <a:lstStyle/>
+          <a:p>
+            <a:endParaRPr lang="en-US" sz="2800" b="0" strike="noStrike" spc="-1">
               <a:solidFill>
                 <a:srgbClr val="000000"/>
               </a:solidFill>
@@ -5177,6 +6187,7 @@
           <a:bodyPr tIns="0" anchor="ctr">
             <a:noAutofit/>
           </a:bodyPr>
+          <a:lstStyle/>
           <a:p>
             <a:pPr>
               <a:lnSpc>
@@ -5184,15 +6195,15 @@
               </a:lnSpc>
             </a:pPr>
             <a:r>
-              <a:rPr b="0" lang="en-US" sz="4400" spc="-1" strike="noStrike">
+              <a:rPr lang="en-US" sz="4400" b="0" strike="noStrike" spc="-1">
                 <a:solidFill>
-                  <a:srgbClr val="ffffff"/>
+                  <a:srgbClr val="FFFFFF"/>
                 </a:solidFill>
                 <a:latin typeface="Calibri Light"/>
               </a:rPr>
               <a:t>Blocking I/O vs Non-blocking I/O</a:t>
             </a:r>
-            <a:endParaRPr b="0" lang="en-US" sz="4400" spc="-1" strike="noStrike">
+            <a:endParaRPr lang="en-US" sz="4400" b="0" strike="noStrike" spc="-1">
               <a:solidFill>
                 <a:srgbClr val="000000"/>
               </a:solidFill>
@@ -5230,18 +6241,24 @@
               <a:avLst/>
             </a:prstGeom>
             <a:solidFill>
-              <a:srgbClr val="729fcf"/>
+              <a:srgbClr val="729FCF"/>
             </a:solidFill>
             <a:ln>
               <a:solidFill>
-                <a:srgbClr val="3465a4"/>
+                <a:srgbClr val="3465A4"/>
               </a:solidFill>
             </a:ln>
           </p:spPr>
           <p:style>
-            <a:lnRef idx="0"/>
-            <a:fillRef idx="0"/>
-            <a:effectRef idx="0"/>
+            <a:lnRef idx="0">
+              <a:scrgbClr r="0" g="0" b="0"/>
+            </a:lnRef>
+            <a:fillRef idx="0">
+              <a:scrgbClr r="0" g="0" b="0"/>
+            </a:fillRef>
+            <a:effectRef idx="0">
+              <a:scrgbClr r="0" g="0" b="0"/>
+            </a:effectRef>
             <a:fontRef idx="minor"/>
           </p:style>
         </p:sp>
@@ -5265,25 +6282,20 @@
             </a:ln>
           </p:spPr>
           <p:txBody>
-            <a:bodyPr lIns="90000" rIns="90000" tIns="45000" bIns="45000">
+            <a:bodyPr lIns="90000" tIns="45000" rIns="90000" bIns="45000">
               <a:noAutofit/>
             </a:bodyPr>
+            <a:lstStyle/>
             <a:p>
               <a:r>
-                <a:rPr b="0" lang="en-US" sz="1800" spc="-1" strike="noStrike">
+                <a:rPr lang="en-US" sz="1800" b="0" strike="noStrike" spc="-1">
                   <a:solidFill>
-                    <a:srgbClr val="ffffff"/>
+                    <a:srgbClr val="FFFFFF"/>
                   </a:solidFill>
                   <a:latin typeface="Arial"/>
                 </a:rPr>
                 <a:t>Browser</a:t>
               </a:r>
-              <a:endParaRPr b="0" lang="en-US" sz="1800" spc="-1" strike="noStrike">
-                <a:solidFill>
-                  <a:srgbClr val="ffffff"/>
-                </a:solidFill>
-                <a:latin typeface="Arial"/>
-              </a:endParaRPr>
             </a:p>
           </p:txBody>
         </p:sp>
@@ -5317,18 +6329,24 @@
               <a:avLst/>
             </a:prstGeom>
             <a:solidFill>
-              <a:srgbClr val="729fcf"/>
+              <a:srgbClr val="729FCF"/>
             </a:solidFill>
             <a:ln>
               <a:solidFill>
-                <a:srgbClr val="3465a4"/>
+                <a:srgbClr val="3465A4"/>
               </a:solidFill>
             </a:ln>
           </p:spPr>
           <p:style>
-            <a:lnRef idx="0"/>
-            <a:fillRef idx="0"/>
-            <a:effectRef idx="0"/>
+            <a:lnRef idx="0">
+              <a:scrgbClr r="0" g="0" b="0"/>
+            </a:lnRef>
+            <a:fillRef idx="0">
+              <a:scrgbClr r="0" g="0" b="0"/>
+            </a:fillRef>
+            <a:effectRef idx="0">
+              <a:scrgbClr r="0" g="0" b="0"/>
+            </a:effectRef>
             <a:fontRef idx="minor"/>
           </p:style>
         </p:sp>
@@ -5352,25 +6370,20 @@
             </a:ln>
           </p:spPr>
           <p:txBody>
-            <a:bodyPr lIns="90000" rIns="90000" tIns="45000" bIns="45000">
+            <a:bodyPr lIns="90000" tIns="45000" rIns="90000" bIns="45000">
               <a:noAutofit/>
             </a:bodyPr>
+            <a:lstStyle/>
             <a:p>
               <a:r>
-                <a:rPr b="0" lang="en-US" sz="1800" spc="-1" strike="noStrike">
+                <a:rPr lang="en-US" sz="1800" b="0" strike="noStrike" spc="-1">
                   <a:solidFill>
-                    <a:srgbClr val="ffffff"/>
+                    <a:srgbClr val="FFFFFF"/>
                   </a:solidFill>
                   <a:latin typeface="Arial"/>
                 </a:rPr>
                 <a:t>Browser</a:t>
               </a:r>
-              <a:endParaRPr b="0" lang="en-US" sz="1800" spc="-1" strike="noStrike">
-                <a:solidFill>
-                  <a:srgbClr val="ffffff"/>
-                </a:solidFill>
-                <a:latin typeface="Arial"/>
-              </a:endParaRPr>
             </a:p>
           </p:txBody>
         </p:sp>
@@ -5404,18 +6417,24 @@
               <a:avLst/>
             </a:prstGeom>
             <a:solidFill>
-              <a:srgbClr val="729fcf"/>
+              <a:srgbClr val="729FCF"/>
             </a:solidFill>
             <a:ln>
               <a:solidFill>
-                <a:srgbClr val="3465a4"/>
+                <a:srgbClr val="3465A4"/>
               </a:solidFill>
             </a:ln>
           </p:spPr>
           <p:style>
-            <a:lnRef idx="0"/>
-            <a:fillRef idx="0"/>
-            <a:effectRef idx="0"/>
+            <a:lnRef idx="0">
+              <a:scrgbClr r="0" g="0" b="0"/>
+            </a:lnRef>
+            <a:fillRef idx="0">
+              <a:scrgbClr r="0" g="0" b="0"/>
+            </a:fillRef>
+            <a:effectRef idx="0">
+              <a:scrgbClr r="0" g="0" b="0"/>
+            </a:effectRef>
             <a:fontRef idx="minor"/>
           </p:style>
         </p:sp>
@@ -5439,25 +6458,20 @@
             </a:ln>
           </p:spPr>
           <p:txBody>
-            <a:bodyPr lIns="90000" rIns="90000" tIns="45000" bIns="45000">
+            <a:bodyPr lIns="90000" tIns="45000" rIns="90000" bIns="45000">
               <a:noAutofit/>
             </a:bodyPr>
+            <a:lstStyle/>
             <a:p>
               <a:r>
-                <a:rPr b="0" lang="en-US" sz="1800" spc="-1" strike="noStrike">
+                <a:rPr lang="en-US" sz="1800" b="0" strike="noStrike" spc="-1">
                   <a:solidFill>
-                    <a:srgbClr val="ffffff"/>
+                    <a:srgbClr val="FFFFFF"/>
                   </a:solidFill>
                   <a:latin typeface="Arial"/>
                 </a:rPr>
                 <a:t>Browser</a:t>
               </a:r>
-              <a:endParaRPr b="0" lang="en-US" sz="1800" spc="-1" strike="noStrike">
-                <a:solidFill>
-                  <a:srgbClr val="ffffff"/>
-                </a:solidFill>
-                <a:latin typeface="Arial"/>
-              </a:endParaRPr>
             </a:p>
           </p:txBody>
         </p:sp>
@@ -5491,18 +6505,24 @@
               <a:avLst/>
             </a:prstGeom>
             <a:solidFill>
-              <a:srgbClr val="729fcf"/>
+              <a:srgbClr val="729FCF"/>
             </a:solidFill>
             <a:ln>
               <a:solidFill>
-                <a:srgbClr val="3465a4"/>
+                <a:srgbClr val="3465A4"/>
               </a:solidFill>
             </a:ln>
           </p:spPr>
           <p:style>
-            <a:lnRef idx="0"/>
-            <a:fillRef idx="0"/>
-            <a:effectRef idx="0"/>
+            <a:lnRef idx="0">
+              <a:scrgbClr r="0" g="0" b="0"/>
+            </a:lnRef>
+            <a:fillRef idx="0">
+              <a:scrgbClr r="0" g="0" b="0"/>
+            </a:fillRef>
+            <a:effectRef idx="0">
+              <a:scrgbClr r="0" g="0" b="0"/>
+            </a:effectRef>
             <a:fontRef idx="minor"/>
           </p:style>
         </p:sp>
@@ -5526,25 +6546,20 @@
             </a:ln>
           </p:spPr>
           <p:txBody>
-            <a:bodyPr lIns="90000" rIns="90000" tIns="45000" bIns="45000">
+            <a:bodyPr lIns="90000" tIns="45000" rIns="90000" bIns="45000">
               <a:noAutofit/>
             </a:bodyPr>
+            <a:lstStyle/>
             <a:p>
               <a:r>
-                <a:rPr b="0" lang="en-US" sz="1800" spc="-1" strike="noStrike">
+                <a:rPr lang="en-US" sz="1800" b="0" strike="noStrike" spc="-1">
                   <a:solidFill>
-                    <a:srgbClr val="ffffff"/>
+                    <a:srgbClr val="FFFFFF"/>
                   </a:solidFill>
                   <a:latin typeface="Arial"/>
                 </a:rPr>
                 <a:t>Browser</a:t>
               </a:r>
-              <a:endParaRPr b="0" lang="en-US" sz="1800" spc="-1" strike="noStrike">
-                <a:solidFill>
-                  <a:srgbClr val="ffffff"/>
-                </a:solidFill>
-                <a:latin typeface="Arial"/>
-              </a:endParaRPr>
             </a:p>
           </p:txBody>
         </p:sp>
@@ -5578,18 +6593,24 @@
               <a:avLst/>
             </a:prstGeom>
             <a:solidFill>
-              <a:srgbClr val="5eb91e"/>
+              <a:srgbClr val="5EB91E"/>
             </a:solidFill>
             <a:ln>
               <a:solidFill>
-                <a:srgbClr val="3465a4"/>
+                <a:srgbClr val="3465A4"/>
               </a:solidFill>
             </a:ln>
           </p:spPr>
           <p:style>
-            <a:lnRef idx="0"/>
-            <a:fillRef idx="0"/>
-            <a:effectRef idx="0"/>
+            <a:lnRef idx="0">
+              <a:scrgbClr r="0" g="0" b="0"/>
+            </a:lnRef>
+            <a:fillRef idx="0">
+              <a:scrgbClr r="0" g="0" b="0"/>
+            </a:fillRef>
+            <a:effectRef idx="0">
+              <a:scrgbClr r="0" g="0" b="0"/>
+            </a:effectRef>
             <a:fontRef idx="minor"/>
           </p:style>
         </p:sp>
@@ -5613,25 +6634,20 @@
             </a:ln>
           </p:spPr>
           <p:txBody>
-            <a:bodyPr lIns="90000" rIns="90000" tIns="45000" bIns="45000">
+            <a:bodyPr lIns="90000" tIns="45000" rIns="90000" bIns="45000">
               <a:noAutofit/>
             </a:bodyPr>
+            <a:lstStyle/>
             <a:p>
               <a:r>
-                <a:rPr b="0" lang="en-US" sz="1800" spc="-1" strike="noStrike">
+                <a:rPr lang="en-US" sz="1800" b="0" strike="noStrike" spc="-1">
                   <a:solidFill>
-                    <a:srgbClr val="ffffff"/>
+                    <a:srgbClr val="FFFFFF"/>
                   </a:solidFill>
                   <a:latin typeface="Arial"/>
                 </a:rPr>
                 <a:t>API</a:t>
               </a:r>
-              <a:endParaRPr b="0" lang="en-US" sz="1800" spc="-1" strike="noStrike">
-                <a:solidFill>
-                  <a:srgbClr val="ffffff"/>
-                </a:solidFill>
-                <a:latin typeface="Arial"/>
-              </a:endParaRPr>
             </a:p>
           </p:txBody>
         </p:sp>
@@ -5652,16 +6668,22 @@
           </a:prstGeom>
           <a:ln>
             <a:solidFill>
-              <a:srgbClr val="ffffff"/>
+              <a:srgbClr val="FFFFFF"/>
             </a:solidFill>
-            <a:headEnd len="med" type="triangle" w="med"/>
-            <a:tailEnd len="med" type="triangle" w="med"/>
+            <a:headEnd type="triangle" w="med" len="med"/>
+            <a:tailEnd type="triangle" w="med" len="med"/>
           </a:ln>
         </p:spPr>
         <p:style>
-          <a:lnRef idx="0"/>
-          <a:fillRef idx="0"/>
-          <a:effectRef idx="0"/>
+          <a:lnRef idx="0">
+            <a:scrgbClr r="0" g="0" b="0"/>
+          </a:lnRef>
+          <a:fillRef idx="0">
+            <a:scrgbClr r="0" g="0" b="0"/>
+          </a:fillRef>
+          <a:effectRef idx="0">
+            <a:scrgbClr r="0" g="0" b="0"/>
+          </a:effectRef>
           <a:fontRef idx="minor"/>
         </p:style>
       </p:sp>
@@ -5694,18 +6716,24 @@
               <a:avLst/>
             </a:prstGeom>
             <a:solidFill>
-              <a:srgbClr val="ff860d"/>
+              <a:srgbClr val="FF860D"/>
             </a:solidFill>
             <a:ln>
               <a:solidFill>
-                <a:srgbClr val="3465a4"/>
+                <a:srgbClr val="3465A4"/>
               </a:solidFill>
             </a:ln>
           </p:spPr>
           <p:style>
-            <a:lnRef idx="0"/>
-            <a:fillRef idx="0"/>
-            <a:effectRef idx="0"/>
+            <a:lnRef idx="0">
+              <a:scrgbClr r="0" g="0" b="0"/>
+            </a:lnRef>
+            <a:fillRef idx="0">
+              <a:scrgbClr r="0" g="0" b="0"/>
+            </a:fillRef>
+            <a:effectRef idx="0">
+              <a:scrgbClr r="0" g="0" b="0"/>
+            </a:effectRef>
             <a:fontRef idx="minor"/>
           </p:style>
         </p:sp>
@@ -5729,25 +6757,20 @@
             </a:ln>
           </p:spPr>
           <p:txBody>
-            <a:bodyPr lIns="90000" rIns="90000" tIns="45000" bIns="45000">
+            <a:bodyPr lIns="90000" tIns="45000" rIns="90000" bIns="45000">
               <a:noAutofit/>
             </a:bodyPr>
+            <a:lstStyle/>
             <a:p>
               <a:r>
-                <a:rPr b="0" lang="en-US" sz="1800" spc="-1" strike="noStrike">
+                <a:rPr lang="en-US" sz="1800" b="0" strike="noStrike" spc="-1">
                   <a:solidFill>
-                    <a:srgbClr val="ffffff"/>
+                    <a:srgbClr val="FFFFFF"/>
                   </a:solidFill>
                   <a:latin typeface="Arial"/>
                 </a:rPr>
                 <a:t>Search microservice</a:t>
               </a:r>
-              <a:endParaRPr b="0" lang="en-US" sz="1800" spc="-1" strike="noStrike">
-                <a:solidFill>
-                  <a:srgbClr val="ffffff"/>
-                </a:solidFill>
-                <a:latin typeface="Arial"/>
-              </a:endParaRPr>
             </a:p>
           </p:txBody>
         </p:sp>
@@ -5768,15 +6791,21 @@
           </a:prstGeom>
           <a:ln>
             <a:solidFill>
-              <a:srgbClr val="ffffff"/>
+              <a:srgbClr val="FFFFFF"/>
             </a:solidFill>
-            <a:tailEnd len="med" type="triangle" w="med"/>
+            <a:tailEnd type="triangle" w="med" len="med"/>
           </a:ln>
         </p:spPr>
         <p:style>
-          <a:lnRef idx="0"/>
-          <a:fillRef idx="0"/>
-          <a:effectRef idx="0"/>
+          <a:lnRef idx="0">
+            <a:scrgbClr r="0" g="0" b="0"/>
+          </a:lnRef>
+          <a:fillRef idx="0">
+            <a:scrgbClr r="0" g="0" b="0"/>
+          </a:fillRef>
+          <a:effectRef idx="0">
+            <a:scrgbClr r="0" g="0" b="0"/>
+          </a:effectRef>
           <a:fontRef idx="minor"/>
         </p:style>
       </p:sp>
@@ -5809,18 +6838,24 @@
               <a:avLst/>
             </a:prstGeom>
             <a:solidFill>
-              <a:srgbClr val="ff3838"/>
+              <a:srgbClr val="FF3838"/>
             </a:solidFill>
             <a:ln>
               <a:solidFill>
-                <a:srgbClr val="3465a4"/>
+                <a:srgbClr val="3465A4"/>
               </a:solidFill>
             </a:ln>
           </p:spPr>
           <p:style>
-            <a:lnRef idx="0"/>
-            <a:fillRef idx="0"/>
-            <a:effectRef idx="0"/>
+            <a:lnRef idx="0">
+              <a:scrgbClr r="0" g="0" b="0"/>
+            </a:lnRef>
+            <a:fillRef idx="0">
+              <a:scrgbClr r="0" g="0" b="0"/>
+            </a:fillRef>
+            <a:effectRef idx="0">
+              <a:scrgbClr r="0" g="0" b="0"/>
+            </a:effectRef>
             <a:fontRef idx="minor"/>
           </p:style>
         </p:sp>
@@ -5844,42 +6879,31 @@
             </a:ln>
           </p:spPr>
           <p:txBody>
-            <a:bodyPr lIns="90000" rIns="90000" tIns="45000" bIns="45000">
+            <a:bodyPr lIns="90000" tIns="45000" rIns="90000" bIns="45000">
               <a:noAutofit/>
             </a:bodyPr>
+            <a:lstStyle/>
             <a:p>
               <a:r>
-                <a:rPr b="0" lang="en-US" sz="1800" spc="-1" strike="noStrike">
+                <a:rPr lang="en-US" sz="1800" b="0" strike="noStrike" spc="-1">
                   <a:solidFill>
-                    <a:srgbClr val="ffffff"/>
+                    <a:srgbClr val="FFFFFF"/>
                   </a:solidFill>
                   <a:latin typeface="Arial"/>
                 </a:rPr>
                 <a:t>Elastic search?</a:t>
               </a:r>
-              <a:endParaRPr b="0" lang="en-US" sz="1800" spc="-1" strike="noStrike">
-                <a:solidFill>
-                  <a:srgbClr val="ffffff"/>
-                </a:solidFill>
-                <a:latin typeface="Arial"/>
-              </a:endParaRPr>
             </a:p>
             <a:p>
               <a:r>
-                <a:rPr b="0" lang="en-US" sz="1800" spc="-1" strike="noStrike">
+                <a:rPr lang="en-US" sz="1800" b="0" strike="noStrike" spc="-1">
                   <a:solidFill>
-                    <a:srgbClr val="ffffff"/>
+                    <a:srgbClr val="FFFFFF"/>
                   </a:solidFill>
                   <a:latin typeface="Arial"/>
                 </a:rPr>
                 <a:t>DB?</a:t>
               </a:r>
-              <a:endParaRPr b="0" lang="en-US" sz="1800" spc="-1" strike="noStrike">
-                <a:solidFill>
-                  <a:srgbClr val="ffffff"/>
-                </a:solidFill>
-                <a:latin typeface="Arial"/>
-              </a:endParaRPr>
             </a:p>
           </p:txBody>
         </p:sp>
@@ -5900,15 +6924,21 @@
           </a:prstGeom>
           <a:ln>
             <a:solidFill>
-              <a:srgbClr val="ffffff"/>
+              <a:srgbClr val="FFFFFF"/>
             </a:solidFill>
-            <a:tailEnd len="med" type="triangle" w="med"/>
+            <a:tailEnd type="triangle" w="med" len="med"/>
           </a:ln>
         </p:spPr>
         <p:style>
-          <a:lnRef idx="0"/>
-          <a:fillRef idx="0"/>
-          <a:effectRef idx="0"/>
+          <a:lnRef idx="0">
+            <a:scrgbClr r="0" g="0" b="0"/>
+          </a:lnRef>
+          <a:fillRef idx="0">
+            <a:scrgbClr r="0" g="0" b="0"/>
+          </a:fillRef>
+          <a:effectRef idx="0">
+            <a:scrgbClr r="0" g="0" b="0"/>
+          </a:effectRef>
           <a:fontRef idx="minor"/>
         </p:style>
       </p:sp>
@@ -5928,16 +6958,22 @@
           </a:prstGeom>
           <a:ln>
             <a:solidFill>
-              <a:srgbClr val="ffffff"/>
+              <a:srgbClr val="FFFFFF"/>
             </a:solidFill>
-            <a:headEnd len="med" type="triangle" w="med"/>
-            <a:tailEnd len="med" type="triangle" w="med"/>
+            <a:headEnd type="triangle" w="med" len="med"/>
+            <a:tailEnd type="triangle" w="med" len="med"/>
           </a:ln>
         </p:spPr>
         <p:style>
-          <a:lnRef idx="0"/>
-          <a:fillRef idx="0"/>
-          <a:effectRef idx="0"/>
+          <a:lnRef idx="0">
+            <a:scrgbClr r="0" g="0" b="0"/>
+          </a:lnRef>
+          <a:fillRef idx="0">
+            <a:scrgbClr r="0" g="0" b="0"/>
+          </a:fillRef>
+          <a:effectRef idx="0">
+            <a:scrgbClr r="0" g="0" b="0"/>
+          </a:effectRef>
           <a:fontRef idx="minor"/>
         </p:style>
       </p:sp>
@@ -5957,16 +6993,22 @@
           </a:prstGeom>
           <a:ln>
             <a:solidFill>
-              <a:srgbClr val="ffffff"/>
+              <a:srgbClr val="FFFFFF"/>
             </a:solidFill>
-            <a:headEnd len="med" type="triangle" w="med"/>
-            <a:tailEnd len="med" type="triangle" w="med"/>
+            <a:headEnd type="triangle" w="med" len="med"/>
+            <a:tailEnd type="triangle" w="med" len="med"/>
           </a:ln>
         </p:spPr>
         <p:style>
-          <a:lnRef idx="0"/>
-          <a:fillRef idx="0"/>
-          <a:effectRef idx="0"/>
+          <a:lnRef idx="0">
+            <a:scrgbClr r="0" g="0" b="0"/>
+          </a:lnRef>
+          <a:fillRef idx="0">
+            <a:scrgbClr r="0" g="0" b="0"/>
+          </a:fillRef>
+          <a:effectRef idx="0">
+            <a:scrgbClr r="0" g="0" b="0"/>
+          </a:effectRef>
           <a:fontRef idx="minor"/>
         </p:style>
       </p:sp>
@@ -5986,16 +7028,22 @@
           </a:prstGeom>
           <a:ln>
             <a:solidFill>
-              <a:srgbClr val="ffffff"/>
+              <a:srgbClr val="FFFFFF"/>
             </a:solidFill>
-            <a:headEnd len="med" type="triangle" w="med"/>
-            <a:tailEnd len="med" type="triangle" w="med"/>
+            <a:headEnd type="triangle" w="med" len="med"/>
+            <a:tailEnd type="triangle" w="med" len="med"/>
           </a:ln>
         </p:spPr>
         <p:style>
-          <a:lnRef idx="0"/>
-          <a:fillRef idx="0"/>
-          <a:effectRef idx="0"/>
+          <a:lnRef idx="0">
+            <a:scrgbClr r="0" g="0" b="0"/>
+          </a:lnRef>
+          <a:fillRef idx="0">
+            <a:scrgbClr r="0" g="0" b="0"/>
+          </a:fillRef>
+          <a:effectRef idx="0">
+            <a:scrgbClr r="0" g="0" b="0"/>
+          </a:effectRef>
           <a:fontRef idx="minor"/>
         </p:style>
       </p:sp>
@@ -6015,15 +7063,21 @@
           </a:prstGeom>
           <a:ln>
             <a:solidFill>
-              <a:srgbClr val="ffffff"/>
+              <a:srgbClr val="FFFFFF"/>
             </a:solidFill>
-            <a:tailEnd len="med" type="triangle" w="med"/>
+            <a:tailEnd type="triangle" w="med" len="med"/>
           </a:ln>
         </p:spPr>
         <p:style>
-          <a:lnRef idx="0"/>
-          <a:fillRef idx="0"/>
-          <a:effectRef idx="0"/>
+          <a:lnRef idx="0">
+            <a:scrgbClr r="0" g="0" b="0"/>
+          </a:lnRef>
+          <a:fillRef idx="0">
+            <a:scrgbClr r="0" g="0" b="0"/>
+          </a:fillRef>
+          <a:effectRef idx="0">
+            <a:scrgbClr r="0" g="0" b="0"/>
+          </a:effectRef>
           <a:fontRef idx="minor"/>
         </p:style>
       </p:sp>
@@ -6043,15 +7097,21 @@
           </a:prstGeom>
           <a:ln>
             <a:solidFill>
-              <a:srgbClr val="ffffff"/>
+              <a:srgbClr val="FFFFFF"/>
             </a:solidFill>
-            <a:tailEnd len="med" type="triangle" w="med"/>
+            <a:tailEnd type="triangle" w="med" len="med"/>
           </a:ln>
         </p:spPr>
         <p:style>
-          <a:lnRef idx="0"/>
-          <a:fillRef idx="0"/>
-          <a:effectRef idx="0"/>
+          <a:lnRef idx="0">
+            <a:scrgbClr r="0" g="0" b="0"/>
+          </a:lnRef>
+          <a:fillRef idx="0">
+            <a:scrgbClr r="0" g="0" b="0"/>
+          </a:fillRef>
+          <a:effectRef idx="0">
+            <a:scrgbClr r="0" g="0" b="0"/>
+          </a:effectRef>
           <a:fontRef idx="minor"/>
         </p:style>
       </p:sp>
@@ -6071,15 +7131,21 @@
           </a:prstGeom>
           <a:ln>
             <a:solidFill>
-              <a:srgbClr val="ffffff"/>
+              <a:srgbClr val="FFFFFF"/>
             </a:solidFill>
-            <a:tailEnd len="med" type="triangle" w="med"/>
+            <a:tailEnd type="triangle" w="med" len="med"/>
           </a:ln>
         </p:spPr>
         <p:style>
-          <a:lnRef idx="0"/>
-          <a:fillRef idx="0"/>
-          <a:effectRef idx="0"/>
+          <a:lnRef idx="0">
+            <a:scrgbClr r="0" g="0" b="0"/>
+          </a:lnRef>
+          <a:fillRef idx="0">
+            <a:scrgbClr r="0" g="0" b="0"/>
+          </a:fillRef>
+          <a:effectRef idx="0">
+            <a:scrgbClr r="0" g="0" b="0"/>
+          </a:effectRef>
           <a:fontRef idx="minor"/>
         </p:style>
       </p:sp>
@@ -6099,15 +7165,21 @@
           </a:prstGeom>
           <a:ln>
             <a:solidFill>
-              <a:srgbClr val="ffa6a6"/>
+              <a:srgbClr val="FFA6A6"/>
             </a:solidFill>
-            <a:tailEnd len="med" type="triangle" w="med"/>
+            <a:tailEnd type="triangle" w="med" len="med"/>
           </a:ln>
         </p:spPr>
         <p:style>
-          <a:lnRef idx="0"/>
-          <a:fillRef idx="0"/>
-          <a:effectRef idx="0"/>
+          <a:lnRef idx="0">
+            <a:scrgbClr r="0" g="0" b="0"/>
+          </a:lnRef>
+          <a:fillRef idx="0">
+            <a:scrgbClr r="0" g="0" b="0"/>
+          </a:fillRef>
+          <a:effectRef idx="0">
+            <a:scrgbClr r="0" g="0" b="0"/>
+          </a:effectRef>
           <a:fontRef idx="minor"/>
         </p:style>
       </p:sp>
@@ -6127,15 +7199,21 @@
           </a:prstGeom>
           <a:ln>
             <a:solidFill>
-              <a:srgbClr val="ffa6a6"/>
+              <a:srgbClr val="FFA6A6"/>
             </a:solidFill>
-            <a:tailEnd len="med" type="triangle" w="med"/>
+            <a:tailEnd type="triangle" w="med" len="med"/>
           </a:ln>
         </p:spPr>
         <p:style>
-          <a:lnRef idx="0"/>
-          <a:fillRef idx="0"/>
-          <a:effectRef idx="0"/>
+          <a:lnRef idx="0">
+            <a:scrgbClr r="0" g="0" b="0"/>
+          </a:lnRef>
+          <a:fillRef idx="0">
+            <a:scrgbClr r="0" g="0" b="0"/>
+          </a:fillRef>
+          <a:effectRef idx="0">
+            <a:scrgbClr r="0" g="0" b="0"/>
+          </a:effectRef>
           <a:fontRef idx="minor"/>
         </p:style>
       </p:sp>
@@ -6155,15 +7233,21 @@
           </a:prstGeom>
           <a:ln>
             <a:solidFill>
-              <a:srgbClr val="ffa6a6"/>
+              <a:srgbClr val="FFA6A6"/>
             </a:solidFill>
-            <a:tailEnd len="med" type="triangle" w="med"/>
+            <a:tailEnd type="triangle" w="med" len="med"/>
           </a:ln>
         </p:spPr>
         <p:style>
-          <a:lnRef idx="0"/>
-          <a:fillRef idx="0"/>
-          <a:effectRef idx="0"/>
+          <a:lnRef idx="0">
+            <a:scrgbClr r="0" g="0" b="0"/>
+          </a:lnRef>
+          <a:fillRef idx="0">
+            <a:scrgbClr r="0" g="0" b="0"/>
+          </a:fillRef>
+          <a:effectRef idx="0">
+            <a:scrgbClr r="0" g="0" b="0"/>
+          </a:effectRef>
           <a:fontRef idx="minor"/>
         </p:style>
       </p:sp>
@@ -6183,15 +7267,21 @@
           </a:prstGeom>
           <a:ln>
             <a:solidFill>
-              <a:srgbClr val="ffa6a6"/>
+              <a:srgbClr val="FFA6A6"/>
             </a:solidFill>
-            <a:tailEnd len="med" type="triangle" w="med"/>
+            <a:tailEnd type="triangle" w="med" len="med"/>
           </a:ln>
         </p:spPr>
         <p:style>
-          <a:lnRef idx="0"/>
-          <a:fillRef idx="0"/>
-          <a:effectRef idx="0"/>
+          <a:lnRef idx="0">
+            <a:scrgbClr r="0" g="0" b="0"/>
+          </a:lnRef>
+          <a:fillRef idx="0">
+            <a:scrgbClr r="0" g="0" b="0"/>
+          </a:fillRef>
+          <a:effectRef idx="0">
+            <a:scrgbClr r="0" g="0" b="0"/>
+          </a:effectRef>
           <a:fontRef idx="minor"/>
         </p:style>
       </p:sp>
@@ -6211,15 +7301,21 @@
           </a:prstGeom>
           <a:ln>
             <a:solidFill>
-              <a:srgbClr val="ffa6a6"/>
+              <a:srgbClr val="FFA6A6"/>
             </a:solidFill>
-            <a:tailEnd len="med" type="triangle" w="med"/>
+            <a:tailEnd type="triangle" w="med" len="med"/>
           </a:ln>
         </p:spPr>
         <p:style>
-          <a:lnRef idx="0"/>
-          <a:fillRef idx="0"/>
-          <a:effectRef idx="0"/>
+          <a:lnRef idx="0">
+            <a:scrgbClr r="0" g="0" b="0"/>
+          </a:lnRef>
+          <a:fillRef idx="0">
+            <a:scrgbClr r="0" g="0" b="0"/>
+          </a:fillRef>
+          <a:effectRef idx="0">
+            <a:scrgbClr r="0" g="0" b="0"/>
+          </a:effectRef>
           <a:fontRef idx="minor"/>
         </p:style>
       </p:sp>
@@ -6252,18 +7348,24 @@
               <a:avLst/>
             </a:prstGeom>
             <a:solidFill>
-              <a:srgbClr val="ff3838"/>
+              <a:srgbClr val="FF3838"/>
             </a:solidFill>
             <a:ln>
               <a:solidFill>
-                <a:srgbClr val="3465a4"/>
+                <a:srgbClr val="3465A4"/>
               </a:solidFill>
             </a:ln>
           </p:spPr>
           <p:style>
-            <a:lnRef idx="0"/>
-            <a:fillRef idx="0"/>
-            <a:effectRef idx="0"/>
+            <a:lnRef idx="0">
+              <a:scrgbClr r="0" g="0" b="0"/>
+            </a:lnRef>
+            <a:fillRef idx="0">
+              <a:scrgbClr r="0" g="0" b="0"/>
+            </a:fillRef>
+            <a:effectRef idx="0">
+              <a:scrgbClr r="0" g="0" b="0"/>
+            </a:effectRef>
             <a:fontRef idx="minor"/>
           </p:style>
         </p:sp>
@@ -6287,25 +7389,20 @@
             </a:ln>
           </p:spPr>
           <p:txBody>
-            <a:bodyPr lIns="90000" rIns="90000" tIns="45000" bIns="45000">
+            <a:bodyPr lIns="90000" tIns="45000" rIns="90000" bIns="45000">
               <a:noAutofit/>
             </a:bodyPr>
+            <a:lstStyle/>
             <a:p>
               <a:r>
-                <a:rPr b="0" lang="en-US" sz="1800" spc="-1" strike="noStrike">
+                <a:rPr lang="en-US" sz="1800" b="0" strike="noStrike" spc="-1">
                   <a:solidFill>
-                    <a:srgbClr val="ffffff"/>
+                    <a:srgbClr val="FFFFFF"/>
                   </a:solidFill>
                   <a:latin typeface="Arial"/>
                 </a:rPr>
                 <a:t>Logging service?</a:t>
               </a:r>
-              <a:endParaRPr b="0" lang="en-US" sz="1800" spc="-1" strike="noStrike">
-                <a:solidFill>
-                  <a:srgbClr val="ffffff"/>
-                </a:solidFill>
-                <a:latin typeface="Arial"/>
-              </a:endParaRPr>
             </a:p>
           </p:txBody>
         </p:sp>
@@ -6326,15 +7423,21 @@
           </a:prstGeom>
           <a:ln>
             <a:solidFill>
-              <a:srgbClr val="ffffff"/>
+              <a:srgbClr val="FFFFFF"/>
             </a:solidFill>
-            <a:tailEnd len="med" type="triangle" w="med"/>
+            <a:tailEnd type="triangle" w="med" len="med"/>
           </a:ln>
         </p:spPr>
         <p:style>
-          <a:lnRef idx="0"/>
-          <a:fillRef idx="0"/>
-          <a:effectRef idx="0"/>
+          <a:lnRef idx="0">
+            <a:scrgbClr r="0" g="0" b="0"/>
+          </a:lnRef>
+          <a:fillRef idx="0">
+            <a:scrgbClr r="0" g="0" b="0"/>
+          </a:fillRef>
+          <a:effectRef idx="0">
+            <a:scrgbClr r="0" g="0" b="0"/>
+          </a:effectRef>
           <a:fontRef idx="minor"/>
         </p:style>
       </p:sp>
@@ -6354,15 +7457,21 @@
           </a:prstGeom>
           <a:ln>
             <a:solidFill>
-              <a:srgbClr val="ffffff"/>
+              <a:srgbClr val="FFFFFF"/>
             </a:solidFill>
-            <a:tailEnd len="med" type="triangle" w="med"/>
+            <a:tailEnd type="triangle" w="med" len="med"/>
           </a:ln>
         </p:spPr>
         <p:style>
-          <a:lnRef idx="0"/>
-          <a:fillRef idx="0"/>
-          <a:effectRef idx="0"/>
+          <a:lnRef idx="0">
+            <a:scrgbClr r="0" g="0" b="0"/>
+          </a:lnRef>
+          <a:fillRef idx="0">
+            <a:scrgbClr r="0" g="0" b="0"/>
+          </a:fillRef>
+          <a:effectRef idx="0">
+            <a:scrgbClr r="0" g="0" b="0"/>
+          </a:effectRef>
           <a:fontRef idx="minor"/>
         </p:style>
       </p:sp>
@@ -6382,15 +7491,21 @@
           </a:prstGeom>
           <a:ln>
             <a:solidFill>
-              <a:srgbClr val="ffa6a6"/>
+              <a:srgbClr val="FFA6A6"/>
             </a:solidFill>
-            <a:tailEnd len="med" type="triangle" w="med"/>
+            <a:tailEnd type="triangle" w="med" len="med"/>
           </a:ln>
         </p:spPr>
         <p:style>
-          <a:lnRef idx="0"/>
-          <a:fillRef idx="0"/>
-          <a:effectRef idx="0"/>
+          <a:lnRef idx="0">
+            <a:scrgbClr r="0" g="0" b="0"/>
+          </a:lnRef>
+          <a:fillRef idx="0">
+            <a:scrgbClr r="0" g="0" b="0"/>
+          </a:fillRef>
+          <a:effectRef idx="0">
+            <a:scrgbClr r="0" g="0" b="0"/>
+          </a:effectRef>
           <a:fontRef idx="minor"/>
         </p:style>
       </p:sp>
@@ -6410,15 +7525,21 @@
           </a:prstGeom>
           <a:ln>
             <a:solidFill>
-              <a:srgbClr val="ffa6a6"/>
+              <a:srgbClr val="FFA6A6"/>
             </a:solidFill>
-            <a:tailEnd len="med" type="triangle" w="med"/>
+            <a:tailEnd type="triangle" w="med" len="med"/>
           </a:ln>
         </p:spPr>
         <p:style>
-          <a:lnRef idx="0"/>
-          <a:fillRef idx="0"/>
-          <a:effectRef idx="0"/>
+          <a:lnRef idx="0">
+            <a:scrgbClr r="0" g="0" b="0"/>
+          </a:lnRef>
+          <a:fillRef idx="0">
+            <a:scrgbClr r="0" g="0" b="0"/>
+          </a:fillRef>
+          <a:effectRef idx="0">
+            <a:scrgbClr r="0" g="0" b="0"/>
+          </a:effectRef>
           <a:fontRef idx="minor"/>
         </p:style>
       </p:sp>
@@ -6451,18 +7572,24 @@
               <a:avLst/>
             </a:prstGeom>
             <a:solidFill>
-              <a:srgbClr val="ff860d"/>
+              <a:srgbClr val="FF860D"/>
             </a:solidFill>
             <a:ln>
               <a:solidFill>
-                <a:srgbClr val="3465a4"/>
+                <a:srgbClr val="3465A4"/>
               </a:solidFill>
             </a:ln>
           </p:spPr>
           <p:style>
-            <a:lnRef idx="0"/>
-            <a:fillRef idx="0"/>
-            <a:effectRef idx="0"/>
+            <a:lnRef idx="0">
+              <a:scrgbClr r="0" g="0" b="0"/>
+            </a:lnRef>
+            <a:fillRef idx="0">
+              <a:scrgbClr r="0" g="0" b="0"/>
+            </a:fillRef>
+            <a:effectRef idx="0">
+              <a:scrgbClr r="0" g="0" b="0"/>
+            </a:effectRef>
             <a:fontRef idx="minor"/>
           </p:style>
         </p:sp>
@@ -6486,25 +7613,20 @@
             </a:ln>
           </p:spPr>
           <p:txBody>
-            <a:bodyPr lIns="90000" rIns="90000" tIns="45000" bIns="45000">
+            <a:bodyPr lIns="90000" tIns="45000" rIns="90000" bIns="45000">
               <a:noAutofit/>
             </a:bodyPr>
+            <a:lstStyle/>
             <a:p>
               <a:r>
-                <a:rPr b="0" lang="en-US" sz="1800" spc="-1" strike="noStrike">
+                <a:rPr lang="en-US" sz="1800" b="0" strike="noStrike" spc="-1">
                   <a:solidFill>
-                    <a:srgbClr val="ffffff"/>
+                    <a:srgbClr val="FFFFFF"/>
                   </a:solidFill>
                   <a:latin typeface="Arial"/>
                 </a:rPr>
                 <a:t>Auth service?</a:t>
               </a:r>
-              <a:endParaRPr b="0" lang="en-US" sz="1800" spc="-1" strike="noStrike">
-                <a:solidFill>
-                  <a:srgbClr val="ffffff"/>
-                </a:solidFill>
-                <a:latin typeface="Arial"/>
-              </a:endParaRPr>
             </a:p>
           </p:txBody>
         </p:sp>
@@ -6525,15 +7647,21 @@
           </a:prstGeom>
           <a:ln>
             <a:solidFill>
-              <a:srgbClr val="ffffff"/>
+              <a:srgbClr val="FFFFFF"/>
             </a:solidFill>
-            <a:tailEnd len="med" type="triangle" w="med"/>
+            <a:tailEnd type="triangle" w="med" len="med"/>
           </a:ln>
         </p:spPr>
         <p:style>
-          <a:lnRef idx="0"/>
-          <a:fillRef idx="0"/>
-          <a:effectRef idx="0"/>
+          <a:lnRef idx="0">
+            <a:scrgbClr r="0" g="0" b="0"/>
+          </a:lnRef>
+          <a:fillRef idx="0">
+            <a:scrgbClr r="0" g="0" b="0"/>
+          </a:fillRef>
+          <a:effectRef idx="0">
+            <a:scrgbClr r="0" g="0" b="0"/>
+          </a:effectRef>
           <a:fontRef idx="minor"/>
         </p:style>
       </p:sp>
@@ -6553,15 +7681,21 @@
           </a:prstGeom>
           <a:ln>
             <a:solidFill>
-              <a:srgbClr val="ffffff"/>
+              <a:srgbClr val="FFFFFF"/>
             </a:solidFill>
-            <a:tailEnd len="med" type="triangle" w="med"/>
+            <a:tailEnd type="triangle" w="med" len="med"/>
           </a:ln>
         </p:spPr>
         <p:style>
-          <a:lnRef idx="0"/>
-          <a:fillRef idx="0"/>
-          <a:effectRef idx="0"/>
+          <a:lnRef idx="0">
+            <a:scrgbClr r="0" g="0" b="0"/>
+          </a:lnRef>
+          <a:fillRef idx="0">
+            <a:scrgbClr r="0" g="0" b="0"/>
+          </a:fillRef>
+          <a:effectRef idx="0">
+            <a:scrgbClr r="0" g="0" b="0"/>
+          </a:effectRef>
           <a:fontRef idx="minor"/>
         </p:style>
       </p:sp>
@@ -6581,15 +7715,21 @@
           </a:prstGeom>
           <a:ln>
             <a:solidFill>
-              <a:srgbClr val="ffa6a6"/>
+              <a:srgbClr val="FFA6A6"/>
             </a:solidFill>
-            <a:tailEnd len="med" type="triangle" w="med"/>
+            <a:tailEnd type="triangle" w="med" len="med"/>
           </a:ln>
         </p:spPr>
         <p:style>
-          <a:lnRef idx="0"/>
-          <a:fillRef idx="0"/>
-          <a:effectRef idx="0"/>
+          <a:lnRef idx="0">
+            <a:scrgbClr r="0" g="0" b="0"/>
+          </a:lnRef>
+          <a:fillRef idx="0">
+            <a:scrgbClr r="0" g="0" b="0"/>
+          </a:fillRef>
+          <a:effectRef idx="0">
+            <a:scrgbClr r="0" g="0" b="0"/>
+          </a:effectRef>
           <a:fontRef idx="minor"/>
         </p:style>
       </p:sp>
@@ -6609,15 +7749,21 @@
           </a:prstGeom>
           <a:ln>
             <a:solidFill>
-              <a:srgbClr val="ffa6a6"/>
+              <a:srgbClr val="FFA6A6"/>
             </a:solidFill>
-            <a:tailEnd len="med" type="triangle" w="med"/>
+            <a:tailEnd type="triangle" w="med" len="med"/>
           </a:ln>
         </p:spPr>
         <p:style>
-          <a:lnRef idx="0"/>
-          <a:fillRef idx="0"/>
-          <a:effectRef idx="0"/>
+          <a:lnRef idx="0">
+            <a:scrgbClr r="0" g="0" b="0"/>
+          </a:lnRef>
+          <a:fillRef idx="0">
+            <a:scrgbClr r="0" g="0" b="0"/>
+          </a:fillRef>
+          <a:effectRef idx="0">
+            <a:scrgbClr r="0" g="0" b="0"/>
+          </a:effectRef>
           <a:fontRef idx="minor"/>
         </p:style>
       </p:sp>
@@ -6637,16 +7783,22 @@
           </a:prstGeom>
           <a:ln>
             <a:solidFill>
-              <a:srgbClr val="ffffff"/>
+              <a:srgbClr val="FFFFFF"/>
             </a:solidFill>
-            <a:headEnd len="med" type="triangle" w="med"/>
-            <a:tailEnd len="med" type="triangle" w="med"/>
+            <a:headEnd type="triangle" w="med" len="med"/>
+            <a:tailEnd type="triangle" w="med" len="med"/>
           </a:ln>
         </p:spPr>
         <p:style>
-          <a:lnRef idx="0"/>
-          <a:fillRef idx="0"/>
-          <a:effectRef idx="0"/>
+          <a:lnRef idx="0">
+            <a:scrgbClr r="0" g="0" b="0"/>
+          </a:lnRef>
+          <a:fillRef idx="0">
+            <a:scrgbClr r="0" g="0" b="0"/>
+          </a:fillRef>
+          <a:effectRef idx="0">
+            <a:scrgbClr r="0" g="0" b="0"/>
+          </a:effectRef>
           <a:fontRef idx="minor"/>
         </p:style>
       </p:sp>
@@ -6666,34 +7818,35 @@
           </a:prstGeom>
           <a:ln>
             <a:solidFill>
-              <a:srgbClr val="ffffff"/>
+              <a:srgbClr val="FFFFFF"/>
             </a:solidFill>
-            <a:headEnd len="med" type="triangle" w="med"/>
-            <a:tailEnd len="med" type="triangle" w="med"/>
+            <a:headEnd type="triangle" w="med" len="med"/>
+            <a:tailEnd type="triangle" w="med" len="med"/>
           </a:ln>
         </p:spPr>
         <p:style>
-          <a:lnRef idx="0"/>
-          <a:fillRef idx="0"/>
-          <a:effectRef idx="0"/>
+          <a:lnRef idx="0">
+            <a:scrgbClr r="0" g="0" b="0"/>
+          </a:lnRef>
+          <a:fillRef idx="0">
+            <a:scrgbClr r="0" g="0" b="0"/>
+          </a:fillRef>
+          <a:effectRef idx="0">
+            <a:scrgbClr r="0" g="0" b="0"/>
+          </a:effectRef>
           <a:fontRef idx="minor"/>
         </p:style>
       </p:sp>
     </p:spTree>
   </p:cSld>
-  <mc:AlternateContent>
-    <mc:Choice Requires="p14">
-      <p:transition spd="slow" p14:dur="2000"/>
-    </mc:Choice>
-    <mc:Fallback>
-      <p:transition spd="slow"/>
-    </mc:Fallback>
-  </mc:AlternateContent>
+  <p:clrMapOvr>
+    <a:masterClrMapping/>
+  </p:clrMapOvr>
 </p:sld>
 </file>
 
-<file path=ppt/slides/slide14.xml><?xml version="1.0" encoding="utf-8"?>
-<p:sld xmlns:a="http://schemas.openxmlformats.org/drawingml/2006/main" xmlns:p="http://schemas.openxmlformats.org/presentationml/2006/main" xmlns:r="http://schemas.openxmlformats.org/officeDocument/2006/relationships" xmlns:p14="http://schemas.microsoft.com/office/powerpoint/2010/main" xmlns:p15="http://schemas.microsoft.com/office/powerpoint/2012/main" xmlns:mc="http://schemas.openxmlformats.org/markup-compatibility/2006">
+<file path=ppt/slides/slide15.xml><?xml version="1.0" encoding="utf-8"?>
+<p:sld xmlns:a="http://schemas.openxmlformats.org/drawingml/2006/main" xmlns:r="http://schemas.openxmlformats.org/officeDocument/2006/relationships" xmlns:p="http://schemas.openxmlformats.org/presentationml/2006/main">
   <p:cSld>
     <p:spTree>
       <p:nvGrpSpPr>
@@ -6724,7 +7877,7 @@
             <a:avLst/>
           </a:prstGeom>
           <a:blipFill rotWithShape="0">
-            <a:blip r:embed="rId1"/>
+            <a:blip r:embed="rId2"/>
             <a:stretch>
               <a:fillRect/>
             </a:stretch>
@@ -6737,8 +7890,9 @@
           <a:bodyPr anchor="ctr">
             <a:noAutofit/>
           </a:bodyPr>
-          <a:p>
-            <a:endParaRPr b="0" lang="en-US" sz="2800" spc="-1" strike="noStrike">
+          <a:lstStyle/>
+          <a:p>
+            <a:endParaRPr lang="en-US" sz="2800" b="0" strike="noStrike" spc="-1">
               <a:solidFill>
                 <a:srgbClr val="000000"/>
               </a:solidFill>
@@ -6770,6 +7924,7 @@
           <a:bodyPr tIns="0" anchor="ctr">
             <a:noAutofit/>
           </a:bodyPr>
+          <a:lstStyle/>
           <a:p>
             <a:pPr>
               <a:lnSpc>
@@ -6777,15 +7932,15 @@
               </a:lnSpc>
             </a:pPr>
             <a:r>
-              <a:rPr b="0" lang="en-US" sz="4400" spc="-1" strike="noStrike">
+              <a:rPr lang="en-US" sz="4400" b="0" strike="noStrike" spc="-1">
                 <a:solidFill>
-                  <a:srgbClr val="ffffff"/>
+                  <a:srgbClr val="FFFFFF"/>
                 </a:solidFill>
                 <a:latin typeface="Calibri Light"/>
               </a:rPr>
               <a:t>Blocking I/O vs Non-blocking I/O</a:t>
             </a:r>
-            <a:endParaRPr b="0" lang="en-US" sz="4400" spc="-1" strike="noStrike">
+            <a:endParaRPr lang="en-US" sz="4400" b="0" strike="noStrike" spc="-1">
               <a:solidFill>
                 <a:srgbClr val="000000"/>
               </a:solidFill>
@@ -6816,20 +7971,26 @@
           </a:ln>
         </p:spPr>
         <p:style>
-          <a:lnRef idx="0"/>
-          <a:fillRef idx="0"/>
-          <a:effectRef idx="0"/>
+          <a:lnRef idx="0">
+            <a:scrgbClr r="0" g="0" b="0"/>
+          </a:lnRef>
+          <a:fillRef idx="0">
+            <a:scrgbClr r="0" g="0" b="0"/>
+          </a:fillRef>
+          <a:effectRef idx="0">
+            <a:scrgbClr r="0" g="0" b="0"/>
+          </a:effectRef>
           <a:fontRef idx="minor"/>
         </p:style>
       </p:sp>
       <p:pic>
         <p:nvPicPr>
-          <p:cNvPr id="206" name="Picture 2" descr=""/>
+          <p:cNvPr id="206" name="Picture 2"/>
           <p:cNvPicPr/>
           <p:nvPr/>
         </p:nvPicPr>
         <p:blipFill>
-          <a:blip r:embed="rId2"/>
+          <a:blip r:embed="rId3"/>
           <a:stretch/>
         </p:blipFill>
         <p:spPr>
@@ -6865,15 +8026,22 @@
           </a:ln>
         </p:spPr>
         <p:style>
-          <a:lnRef idx="0"/>
-          <a:fillRef idx="0"/>
-          <a:effectRef idx="0"/>
+          <a:lnRef idx="0">
+            <a:scrgbClr r="0" g="0" b="0"/>
+          </a:lnRef>
+          <a:fillRef idx="0">
+            <a:scrgbClr r="0" g="0" b="0"/>
+          </a:fillRef>
+          <a:effectRef idx="0">
+            <a:scrgbClr r="0" g="0" b="0"/>
+          </a:effectRef>
           <a:fontRef idx="minor"/>
         </p:style>
         <p:txBody>
-          <a:bodyPr lIns="90000" rIns="90000" tIns="45000" bIns="45000">
+          <a:bodyPr lIns="90000" tIns="45000" rIns="90000" bIns="45000">
             <a:spAutoFit/>
           </a:bodyPr>
+          <a:lstStyle/>
           <a:p>
             <a:pPr>
               <a:lnSpc>
@@ -6881,15 +8049,15 @@
               </a:lnSpc>
             </a:pPr>
             <a:r>
-              <a:rPr b="0" lang="en-US" sz="3600" spc="-1" strike="noStrike">
+              <a:rPr lang="en-US" sz="3600" b="0" strike="noStrike" spc="-1">
                 <a:solidFill>
-                  <a:srgbClr val="ffffff"/>
+                  <a:srgbClr val="FFFFFF"/>
                 </a:solidFill>
                 <a:latin typeface="Source Sans Pro"/>
               </a:rPr>
               <a:t>I/O is the bottleneck, not computations!</a:t>
             </a:r>
-            <a:endParaRPr b="0" lang="en-US" sz="3600" spc="-1" strike="noStrike">
+            <a:endParaRPr lang="en-US" sz="3600" b="0" strike="noStrike" spc="-1">
               <a:latin typeface="Arial"/>
             </a:endParaRPr>
           </a:p>
@@ -6917,15 +8085,22 @@
           </a:ln>
         </p:spPr>
         <p:style>
-          <a:lnRef idx="0"/>
-          <a:fillRef idx="0"/>
-          <a:effectRef idx="0"/>
+          <a:lnRef idx="0">
+            <a:scrgbClr r="0" g="0" b="0"/>
+          </a:lnRef>
+          <a:fillRef idx="0">
+            <a:scrgbClr r="0" g="0" b="0"/>
+          </a:fillRef>
+          <a:effectRef idx="0">
+            <a:scrgbClr r="0" g="0" b="0"/>
+          </a:effectRef>
           <a:fontRef idx="minor"/>
         </p:style>
         <p:txBody>
-          <a:bodyPr lIns="90000" rIns="90000" tIns="45000" bIns="45000">
+          <a:bodyPr lIns="90000" tIns="45000" rIns="90000" bIns="45000">
             <a:spAutoFit/>
           </a:bodyPr>
+          <a:lstStyle/>
           <a:p>
             <a:pPr>
               <a:lnSpc>
@@ -6933,15 +8108,15 @@
               </a:lnSpc>
             </a:pPr>
             <a:r>
-              <a:rPr b="0" lang="en-US" sz="1800" spc="-1" strike="noStrike">
+              <a:rPr lang="en-US" sz="1800" b="0" strike="noStrike" spc="-1">
                 <a:solidFill>
-                  <a:srgbClr val="ffffff"/>
+                  <a:srgbClr val="FFFFFF"/>
                 </a:solidFill>
                 <a:latin typeface="Calibri"/>
               </a:rPr>
               <a:t>Demo 1</a:t>
             </a:r>
-            <a:endParaRPr b="0" lang="en-US" sz="1800" spc="-1" strike="noStrike">
+            <a:endParaRPr lang="en-US" sz="1800" b="0" strike="noStrike" spc="-1">
               <a:latin typeface="Arial"/>
             </a:endParaRPr>
           </a:p>
@@ -6949,19 +8124,14 @@
       </p:sp>
     </p:spTree>
   </p:cSld>
-  <mc:AlternateContent>
-    <mc:Choice Requires="p14">
-      <p:transition spd="slow" p14:dur="2000"/>
-    </mc:Choice>
-    <mc:Fallback>
-      <p:transition spd="slow"/>
-    </mc:Fallback>
-  </mc:AlternateContent>
+  <p:clrMapOvr>
+    <a:masterClrMapping/>
+  </p:clrMapOvr>
 </p:sld>
 </file>
 
-<file path=ppt/slides/slide15.xml><?xml version="1.0" encoding="utf-8"?>
-<p:sld xmlns:a="http://schemas.openxmlformats.org/drawingml/2006/main" xmlns:p="http://schemas.openxmlformats.org/presentationml/2006/main" xmlns:r="http://schemas.openxmlformats.org/officeDocument/2006/relationships" xmlns:p14="http://schemas.microsoft.com/office/powerpoint/2010/main" xmlns:p15="http://schemas.microsoft.com/office/powerpoint/2012/main" xmlns:mc="http://schemas.openxmlformats.org/markup-compatibility/2006">
+<file path=ppt/slides/slide16.xml><?xml version="1.0" encoding="utf-8"?>
+<p:sld xmlns:a="http://schemas.openxmlformats.org/drawingml/2006/main" xmlns:r="http://schemas.openxmlformats.org/officeDocument/2006/relationships" xmlns:p="http://schemas.openxmlformats.org/presentationml/2006/main">
   <p:cSld>
     <p:spTree>
       <p:nvGrpSpPr>
@@ -6992,7 +8162,7 @@
             <a:avLst/>
           </a:prstGeom>
           <a:blipFill rotWithShape="0">
-            <a:blip r:embed="rId1"/>
+            <a:blip r:embed="rId2"/>
             <a:stretch>
               <a:fillRect/>
             </a:stretch>
@@ -7005,8 +8175,9 @@
           <a:bodyPr anchor="ctr">
             <a:noAutofit/>
           </a:bodyPr>
-          <a:p>
-            <a:endParaRPr b="0" lang="en-US" sz="2800" spc="-1" strike="noStrike">
+          <a:lstStyle/>
+          <a:p>
+            <a:endParaRPr lang="en-US" sz="2800" b="0" strike="noStrike" spc="-1">
               <a:solidFill>
                 <a:srgbClr val="000000"/>
               </a:solidFill>
@@ -7036,8 +8207,9 @@
         </p:spPr>
         <p:txBody>
           <a:bodyPr tIns="0" anchor="ctr">
-            <a:normAutofit fontScale="37000"/>
-          </a:bodyPr>
+            <a:normAutofit fontScale="89500" lnSpcReduction="10000"/>
+          </a:bodyPr>
+          <a:lstStyle/>
           <a:p>
             <a:pPr>
               <a:lnSpc>
@@ -7045,15 +8217,15 @@
               </a:lnSpc>
             </a:pPr>
             <a:r>
-              <a:rPr b="0" lang="en-US" sz="6000" spc="-1" strike="noStrike">
+              <a:rPr lang="en-US" sz="6000" b="0" strike="noStrike" spc="-1">
                 <a:solidFill>
-                  <a:srgbClr val="ffffff"/>
+                  <a:srgbClr val="FFFFFF"/>
                 </a:solidFill>
                 <a:latin typeface="Calibri Light"/>
               </a:rPr>
               <a:t>Is Node JS totally single threaded?</a:t>
             </a:r>
-            <a:endParaRPr b="0" lang="en-US" sz="6000" spc="-1" strike="noStrike">
+            <a:endParaRPr lang="en-US" sz="6000" b="0" strike="noStrike" spc="-1">
               <a:solidFill>
                 <a:srgbClr val="000000"/>
               </a:solidFill>
@@ -7082,15 +8254,22 @@
           </a:ln>
         </p:spPr>
         <p:style>
-          <a:lnRef idx="0"/>
-          <a:fillRef idx="0"/>
-          <a:effectRef idx="0"/>
+          <a:lnRef idx="0">
+            <a:scrgbClr r="0" g="0" b="0"/>
+          </a:lnRef>
+          <a:fillRef idx="0">
+            <a:scrgbClr r="0" g="0" b="0"/>
+          </a:fillRef>
+          <a:effectRef idx="0">
+            <a:scrgbClr r="0" g="0" b="0"/>
+          </a:effectRef>
           <a:fontRef idx="minor"/>
         </p:style>
         <p:txBody>
-          <a:bodyPr lIns="90000" rIns="90000" tIns="45000" bIns="45000">
+          <a:bodyPr lIns="90000" tIns="45000" rIns="90000" bIns="45000">
             <a:spAutoFit/>
           </a:bodyPr>
+          <a:lstStyle/>
           <a:p>
             <a:pPr>
               <a:lnSpc>
@@ -7098,15 +8277,15 @@
               </a:lnSpc>
             </a:pPr>
             <a:r>
-              <a:rPr b="0" lang="en-US" sz="2400" spc="-1" strike="noStrike">
+              <a:rPr lang="en-US" sz="2400" b="0" strike="noStrike" spc="-1">
                 <a:solidFill>
-                  <a:srgbClr val="ffffff"/>
+                  <a:srgbClr val="FFFFFF"/>
                 </a:solidFill>
                 <a:latin typeface="Source Sans Pro"/>
               </a:rPr>
               <a:t>Not really...</a:t>
             </a:r>
-            <a:endParaRPr b="0" lang="en-US" sz="2400" spc="-1" strike="noStrike">
+            <a:endParaRPr lang="en-US" sz="2400" b="0" strike="noStrike" spc="-1">
               <a:latin typeface="Arial"/>
             </a:endParaRPr>
           </a:p>
@@ -7116,7 +8295,7 @@
                 <a:spcPct val="100000"/>
               </a:lnSpc>
             </a:pPr>
-            <a:endParaRPr b="0" lang="en-US" sz="2400" spc="-1" strike="noStrike">
+            <a:endParaRPr lang="en-US" sz="2400" b="0" strike="noStrike" spc="-1">
               <a:latin typeface="Arial"/>
             </a:endParaRPr>
           </a:p>
@@ -7127,15 +8306,15 @@
               </a:lnSpc>
             </a:pPr>
             <a:r>
-              <a:rPr b="0" lang="en-US" sz="2400" spc="-1" strike="noStrike">
+              <a:rPr lang="en-US" sz="2400" b="0" strike="noStrike" spc="-1">
                 <a:solidFill>
-                  <a:srgbClr val="ffffff"/>
+                  <a:srgbClr val="FFFFFF"/>
                 </a:solidFill>
                 <a:latin typeface="Source Sans Pro"/>
               </a:rPr>
               <a:t>We can create Worker threads for long running, blocking operations.</a:t>
             </a:r>
-            <a:endParaRPr b="0" lang="en-US" sz="2400" spc="-1" strike="noStrike">
+            <a:endParaRPr lang="en-US" sz="2400" b="0" strike="noStrike" spc="-1">
               <a:latin typeface="Arial"/>
             </a:endParaRPr>
           </a:p>
@@ -7145,7 +8324,7 @@
                 <a:spcPct val="100000"/>
               </a:lnSpc>
             </a:pPr>
-            <a:endParaRPr b="0" lang="en-US" sz="2400" spc="-1" strike="noStrike">
+            <a:endParaRPr lang="en-US" sz="2400" b="0" strike="noStrike" spc="-1">
               <a:latin typeface="Arial"/>
             </a:endParaRPr>
           </a:p>
@@ -7156,17 +8335,17 @@
               </a:lnSpc>
             </a:pPr>
             <a:r>
-              <a:rPr b="0" lang="en-US" sz="1800" spc="-1" strike="noStrike" u="sng">
+              <a:rPr lang="en-US" sz="1800" b="0" u="sng" strike="noStrike" spc="-1">
                 <a:solidFill>
-                  <a:srgbClr val="0563c1"/>
+                  <a:srgbClr val="0563C1"/>
                 </a:solidFill>
                 <a:uFillTx/>
                 <a:latin typeface="Source Sans Pro"/>
-                <a:hlinkClick r:id="rId2"/>
+                <a:hlinkClick r:id="rId3"/>
               </a:rPr>
               <a:t>https://nodejs.org/api/worker_threads.html</a:t>
             </a:r>
-            <a:endParaRPr b="0" lang="en-US" sz="1800" spc="-1" strike="noStrike">
+            <a:endParaRPr lang="en-US" sz="1800" b="0" strike="noStrike" spc="-1">
               <a:latin typeface="Arial"/>
             </a:endParaRPr>
           </a:p>
@@ -7177,17 +8356,17 @@
               </a:lnSpc>
             </a:pPr>
             <a:r>
-              <a:rPr b="0" lang="en-US" sz="1800" spc="-1" strike="noStrike" u="sng">
+              <a:rPr lang="en-US" sz="1800" b="0" u="sng" strike="noStrike" spc="-1">
                 <a:solidFill>
-                  <a:srgbClr val="0563c1"/>
+                  <a:srgbClr val="0563C1"/>
                 </a:solidFill>
                 <a:uFillTx/>
                 <a:latin typeface="Source Sans Pro"/>
-                <a:hlinkClick r:id="rId3"/>
+                <a:hlinkClick r:id="rId4"/>
               </a:rPr>
               <a:t>https://developer.mozilla.org/en-US/docs/Web/API/Web_Workers_API/Using_web_workers</a:t>
             </a:r>
-            <a:endParaRPr b="0" lang="en-US" sz="1800" spc="-1" strike="noStrike">
+            <a:endParaRPr lang="en-US" sz="1800" b="0" strike="noStrike" spc="-1">
               <a:latin typeface="Arial"/>
             </a:endParaRPr>
           </a:p>
@@ -7197,7 +8376,7 @@
                 <a:spcPct val="100000"/>
               </a:lnSpc>
             </a:pPr>
-            <a:endParaRPr b="0" lang="en-US" sz="1800" spc="-1" strike="noStrike">
+            <a:endParaRPr lang="en-US" sz="1800" b="0" strike="noStrike" spc="-1">
               <a:latin typeface="Arial"/>
             </a:endParaRPr>
           </a:p>
@@ -7225,15 +8404,22 @@
           </a:ln>
         </p:spPr>
         <p:style>
-          <a:lnRef idx="0"/>
-          <a:fillRef idx="0"/>
-          <a:effectRef idx="0"/>
+          <a:lnRef idx="0">
+            <a:scrgbClr r="0" g="0" b="0"/>
+          </a:lnRef>
+          <a:fillRef idx="0">
+            <a:scrgbClr r="0" g="0" b="0"/>
+          </a:fillRef>
+          <a:effectRef idx="0">
+            <a:scrgbClr r="0" g="0" b="0"/>
+          </a:effectRef>
           <a:fontRef idx="minor"/>
         </p:style>
         <p:txBody>
-          <a:bodyPr lIns="90000" rIns="90000" tIns="45000" bIns="45000">
+          <a:bodyPr lIns="90000" tIns="45000" rIns="90000" bIns="45000">
             <a:spAutoFit/>
           </a:bodyPr>
+          <a:lstStyle/>
           <a:p>
             <a:pPr>
               <a:lnSpc>
@@ -7241,15 +8427,15 @@
               </a:lnSpc>
             </a:pPr>
             <a:r>
-              <a:rPr b="0" lang="en-US" sz="1800" spc="-1" strike="noStrike">
+              <a:rPr lang="en-US" sz="1800" b="0" strike="noStrike" spc="-1">
                 <a:solidFill>
-                  <a:srgbClr val="ffffff"/>
+                  <a:srgbClr val="FFFFFF"/>
                 </a:solidFill>
                 <a:latin typeface="Calibri"/>
               </a:rPr>
               <a:t>Demo 2</a:t>
             </a:r>
-            <a:endParaRPr b="0" lang="en-US" sz="1800" spc="-1" strike="noStrike">
+            <a:endParaRPr lang="en-US" sz="1800" b="0" strike="noStrike" spc="-1">
               <a:latin typeface="Arial"/>
             </a:endParaRPr>
           </a:p>
@@ -7257,14 +8443,9 @@
       </p:sp>
     </p:spTree>
   </p:cSld>
-  <mc:AlternateContent>
-    <mc:Choice Requires="p14">
-      <p:transition spd="slow" p14:dur="2000"/>
-    </mc:Choice>
-    <mc:Fallback>
-      <p:transition spd="slow"/>
-    </mc:Fallback>
-  </mc:AlternateContent>
+  <p:clrMapOvr>
+    <a:masterClrMapping/>
+  </p:clrMapOvr>
   <p:timing>
     <p:tnLst>
       <p:par>
@@ -7286,7 +8467,7 @@
                             </p:stCondLst>
                             <p:childTnLst>
                               <p:par>
-                                <p:cTn id="5" nodeType="clickEffect" fill="hold" presetClass="entr" presetID="1">
+                                <p:cTn id="5" presetID="1" presetClass="entr" fill="hold" nodeType="clickEffect">
                                   <p:stCondLst>
                                     <p:cond delay="0"/>
                                   </p:stCondLst>
@@ -7321,14 +8502,14 @@
                 </p:childTnLst>
               </p:cTn>
               <p:prevCondLst>
-                <p:cond evt="onPrev">
+                <p:cond evt="onPrev" delay="0">
                   <p:tgtEl>
                     <p:sldTgt/>
                   </p:tgtEl>
                 </p:cond>
               </p:prevCondLst>
               <p:nextCondLst>
-                <p:cond evt="onNext">
+                <p:cond evt="onNext" delay="0">
                   <p:tgtEl>
                     <p:sldTgt/>
                   </p:tgtEl>
@@ -7343,8 +8524,8 @@
 </p:sld>
 </file>
 
-<file path=ppt/slides/slide16.xml><?xml version="1.0" encoding="utf-8"?>
-<p:sld xmlns:a="http://schemas.openxmlformats.org/drawingml/2006/main" xmlns:p="http://schemas.openxmlformats.org/presentationml/2006/main" xmlns:r="http://schemas.openxmlformats.org/officeDocument/2006/relationships" xmlns:p14="http://schemas.microsoft.com/office/powerpoint/2010/main" xmlns:p15="http://schemas.microsoft.com/office/powerpoint/2012/main" xmlns:mc="http://schemas.openxmlformats.org/markup-compatibility/2006">
+<file path=ppt/slides/slide17.xml><?xml version="1.0" encoding="utf-8"?>
+<p:sld xmlns:a="http://schemas.openxmlformats.org/drawingml/2006/main" xmlns:r="http://schemas.openxmlformats.org/officeDocument/2006/relationships" xmlns:p="http://schemas.openxmlformats.org/presentationml/2006/main">
   <p:cSld>
     <p:spTree>
       <p:nvGrpSpPr>
@@ -7375,7 +8556,7 @@
             <a:avLst/>
           </a:prstGeom>
           <a:blipFill rotWithShape="0">
-            <a:blip r:embed="rId1"/>
+            <a:blip r:embed="rId2"/>
             <a:stretch>
               <a:fillRect/>
             </a:stretch>
@@ -7388,8 +8569,9 @@
           <a:bodyPr anchor="ctr">
             <a:noAutofit/>
           </a:bodyPr>
-          <a:p>
-            <a:endParaRPr b="0" lang="en-US" sz="2800" spc="-1" strike="noStrike">
+          <a:lstStyle/>
+          <a:p>
+            <a:endParaRPr lang="en-US" sz="2800" b="0" strike="noStrike" spc="-1">
               <a:solidFill>
                 <a:srgbClr val="000000"/>
               </a:solidFill>
@@ -7421,6 +8603,7 @@
           <a:bodyPr tIns="0" anchor="ctr">
             <a:noAutofit/>
           </a:bodyPr>
+          <a:lstStyle/>
           <a:p>
             <a:pPr>
               <a:lnSpc>
@@ -7428,15 +8611,15 @@
               </a:lnSpc>
             </a:pPr>
             <a:r>
-              <a:rPr b="0" lang="en-US" sz="4800" spc="-1" strike="noStrike">
+              <a:rPr lang="en-US" sz="4800" b="0" strike="noStrike" spc="-1">
                 <a:solidFill>
-                  <a:srgbClr val="ffffff"/>
+                  <a:srgbClr val="FFFFFF"/>
                 </a:solidFill>
                 <a:latin typeface="Calibri Light"/>
               </a:rPr>
               <a:t>Async calls also enable long-polling</a:t>
             </a:r>
-            <a:endParaRPr b="0" lang="en-US" sz="4800" spc="-1" strike="noStrike">
+            <a:endParaRPr lang="en-US" sz="4800" b="0" strike="noStrike" spc="-1">
               <a:solidFill>
                 <a:srgbClr val="000000"/>
               </a:solidFill>
@@ -7465,15 +8648,22 @@
           </a:ln>
         </p:spPr>
         <p:style>
-          <a:lnRef idx="0"/>
-          <a:fillRef idx="0"/>
-          <a:effectRef idx="0"/>
+          <a:lnRef idx="0">
+            <a:scrgbClr r="0" g="0" b="0"/>
+          </a:lnRef>
+          <a:fillRef idx="0">
+            <a:scrgbClr r="0" g="0" b="0"/>
+          </a:fillRef>
+          <a:effectRef idx="0">
+            <a:scrgbClr r="0" g="0" b="0"/>
+          </a:effectRef>
           <a:fontRef idx="minor"/>
         </p:style>
         <p:txBody>
-          <a:bodyPr lIns="90000" rIns="90000" tIns="45000" bIns="45000">
+          <a:bodyPr lIns="90000" tIns="45000" rIns="90000" bIns="45000">
             <a:spAutoFit/>
           </a:bodyPr>
+          <a:lstStyle/>
           <a:p>
             <a:pPr>
               <a:lnSpc>
@@ -7481,15 +8671,15 @@
               </a:lnSpc>
             </a:pPr>
             <a:r>
-              <a:rPr b="0" lang="en-US" sz="2400" spc="-1" strike="noStrike">
+              <a:rPr lang="en-US" sz="2400" b="0" strike="noStrike" spc="-1">
                 <a:solidFill>
-                  <a:srgbClr val="ffffff"/>
+                  <a:srgbClr val="FFFFFF"/>
                 </a:solidFill>
                 <a:latin typeface="Source Sans Pro"/>
               </a:rPr>
               <a:t>This is a kind of alternative to Websockets.</a:t>
             </a:r>
-            <a:endParaRPr b="0" lang="en-US" sz="2400" spc="-1" strike="noStrike">
+            <a:endParaRPr lang="en-US" sz="2400" b="0" strike="noStrike" spc="-1">
               <a:latin typeface="Arial"/>
             </a:endParaRPr>
           </a:p>
@@ -7499,7 +8689,7 @@
                 <a:spcPct val="100000"/>
               </a:lnSpc>
             </a:pPr>
-            <a:endParaRPr b="0" lang="en-US" sz="2400" spc="-1" strike="noStrike">
+            <a:endParaRPr lang="en-US" sz="2400" b="0" strike="noStrike" spc="-1">
               <a:latin typeface="Arial"/>
             </a:endParaRPr>
           </a:p>
@@ -7510,15 +8700,15 @@
               </a:lnSpc>
             </a:pPr>
             <a:r>
-              <a:rPr b="0" lang="en-US" sz="2400" spc="-1" strike="noStrike">
+              <a:rPr lang="en-US" sz="2400" b="0" strike="noStrike" spc="-1">
                 <a:solidFill>
-                  <a:srgbClr val="ffffff"/>
+                  <a:srgbClr val="FFFFFF"/>
                 </a:solidFill>
                 <a:latin typeface="Source Sans Pro"/>
               </a:rPr>
               <a:t>Client makes a request and waits for response. It might take a while…</a:t>
             </a:r>
-            <a:endParaRPr b="0" lang="en-US" sz="2400" spc="-1" strike="noStrike">
+            <a:endParaRPr lang="en-US" sz="2400" b="0" strike="noStrike" spc="-1">
               <a:latin typeface="Arial"/>
             </a:endParaRPr>
           </a:p>
@@ -7546,15 +8736,22 @@
           </a:ln>
         </p:spPr>
         <p:style>
-          <a:lnRef idx="0"/>
-          <a:fillRef idx="0"/>
-          <a:effectRef idx="0"/>
+          <a:lnRef idx="0">
+            <a:scrgbClr r="0" g="0" b="0"/>
+          </a:lnRef>
+          <a:fillRef idx="0">
+            <a:scrgbClr r="0" g="0" b="0"/>
+          </a:fillRef>
+          <a:effectRef idx="0">
+            <a:scrgbClr r="0" g="0" b="0"/>
+          </a:effectRef>
           <a:fontRef idx="minor"/>
         </p:style>
         <p:txBody>
-          <a:bodyPr lIns="90000" rIns="90000" tIns="45000" bIns="45000">
+          <a:bodyPr lIns="90000" tIns="45000" rIns="90000" bIns="45000">
             <a:spAutoFit/>
           </a:bodyPr>
+          <a:lstStyle/>
           <a:p>
             <a:pPr>
               <a:lnSpc>
@@ -7562,15 +8759,15 @@
               </a:lnSpc>
             </a:pPr>
             <a:r>
-              <a:rPr b="0" lang="en-US" sz="1800" spc="-1" strike="noStrike">
+              <a:rPr lang="en-US" sz="1800" b="0" strike="noStrike" spc="-1">
                 <a:solidFill>
-                  <a:srgbClr val="ffffff"/>
+                  <a:srgbClr val="FFFFFF"/>
                 </a:solidFill>
                 <a:latin typeface="Calibri"/>
               </a:rPr>
               <a:t>Demo 3</a:t>
             </a:r>
-            <a:endParaRPr b="0" lang="en-US" sz="1800" spc="-1" strike="noStrike">
+            <a:endParaRPr lang="en-US" sz="1800" b="0" strike="noStrike" spc="-1">
               <a:latin typeface="Arial"/>
             </a:endParaRPr>
           </a:p>
@@ -7578,43 +8775,38 @@
       </p:sp>
     </p:spTree>
   </p:cSld>
-  <mc:AlternateContent>
-    <mc:Choice Requires="p14">
-      <p:transition spd="slow" p14:dur="2000"/>
-    </mc:Choice>
-    <mc:Fallback>
-      <p:transition spd="slow"/>
-    </mc:Fallback>
-  </mc:AlternateContent>
+  <p:clrMapOvr>
+    <a:masterClrMapping/>
+  </p:clrMapOvr>
   <p:timing>
     <p:tnLst>
       <p:par>
-        <p:cTn id="7" dur="indefinite" restart="never" nodeType="tmRoot">
+        <p:cTn id="1" dur="indefinite" restart="never" nodeType="tmRoot">
           <p:childTnLst>
             <p:seq>
-              <p:cTn id="8" dur="indefinite" nodeType="mainSeq">
+              <p:cTn id="2" dur="indefinite" nodeType="mainSeq">
                 <p:childTnLst>
                   <p:par>
-                    <p:cTn id="9" fill="hold">
+                    <p:cTn id="3" fill="hold">
                       <p:stCondLst>
                         <p:cond delay="indefinite"/>
                       </p:stCondLst>
                       <p:childTnLst>
                         <p:par>
-                          <p:cTn id="10" fill="hold">
+                          <p:cTn id="4" fill="hold">
                             <p:stCondLst>
                               <p:cond delay="0"/>
                             </p:stCondLst>
                             <p:childTnLst>
                               <p:par>
-                                <p:cTn id="11" nodeType="clickEffect" fill="hold" presetClass="entr" presetID="1">
+                                <p:cTn id="5" presetID="1" presetClass="entr" fill="hold" nodeType="clickEffect">
                                   <p:stCondLst>
                                     <p:cond delay="0"/>
                                   </p:stCondLst>
                                   <p:childTnLst>
                                     <p:set>
                                       <p:cBhvr>
-                                        <p:cTn id="12" dur="1" fill="hold">
+                                        <p:cTn id="6" dur="1" fill="hold">
                                           <p:stCondLst>
                                             <p:cond delay="0"/>
                                           </p:stCondLst>
@@ -7642,14 +8834,14 @@
                 </p:childTnLst>
               </p:cTn>
               <p:prevCondLst>
-                <p:cond evt="onPrev">
+                <p:cond evt="onPrev" delay="0">
                   <p:tgtEl>
                     <p:sldTgt/>
                   </p:tgtEl>
                 </p:cond>
               </p:prevCondLst>
               <p:nextCondLst>
-                <p:cond evt="onNext">
+                <p:cond evt="onNext" delay="0">
                   <p:tgtEl>
                     <p:sldTgt/>
                   </p:tgtEl>
@@ -7664,8 +8856,8 @@
 </p:sld>
 </file>
 
-<file path=ppt/slides/slide17.xml><?xml version="1.0" encoding="utf-8"?>
-<p:sld xmlns:a="http://schemas.openxmlformats.org/drawingml/2006/main" xmlns:p="http://schemas.openxmlformats.org/presentationml/2006/main" xmlns:r="http://schemas.openxmlformats.org/officeDocument/2006/relationships" xmlns:p14="http://schemas.microsoft.com/office/powerpoint/2010/main" xmlns:p15="http://schemas.microsoft.com/office/powerpoint/2012/main" xmlns:mc="http://schemas.openxmlformats.org/markup-compatibility/2006">
+<file path=ppt/slides/slide18.xml><?xml version="1.0" encoding="utf-8"?>
+<p:sld xmlns:a="http://schemas.openxmlformats.org/drawingml/2006/main" xmlns:r="http://schemas.openxmlformats.org/officeDocument/2006/relationships" xmlns:p="http://schemas.openxmlformats.org/presentationml/2006/main">
   <p:cSld>
     <p:spTree>
       <p:nvGrpSpPr>
@@ -7696,7 +8888,7 @@
             <a:avLst/>
           </a:prstGeom>
           <a:blipFill rotWithShape="0">
-            <a:blip r:embed="rId1"/>
+            <a:blip r:embed="rId2"/>
             <a:stretch>
               <a:fillRect/>
             </a:stretch>
@@ -7709,8 +8901,9 @@
           <a:bodyPr anchor="ctr">
             <a:noAutofit/>
           </a:bodyPr>
-          <a:p>
-            <a:endParaRPr b="0" lang="en-US" sz="2800" spc="-1" strike="noStrike">
+          <a:lstStyle/>
+          <a:p>
+            <a:endParaRPr lang="en-US" sz="2800" b="0" strike="noStrike" spc="-1">
               <a:solidFill>
                 <a:srgbClr val="000000"/>
               </a:solidFill>
@@ -7742,6 +8935,7 @@
           <a:bodyPr tIns="0" anchor="ctr">
             <a:noAutofit/>
           </a:bodyPr>
+          <a:lstStyle/>
           <a:p>
             <a:pPr>
               <a:lnSpc>
@@ -7749,15 +8943,15 @@
               </a:lnSpc>
             </a:pPr>
             <a:r>
-              <a:rPr b="0" lang="en-US" sz="4400" spc="-1" strike="noStrike">
+              <a:rPr lang="en-US" sz="4400" b="0" strike="noStrike" spc="-1">
                 <a:solidFill>
-                  <a:srgbClr val="ffffff"/>
+                  <a:srgbClr val="FFFFFF"/>
                 </a:solidFill>
                 <a:latin typeface="Calibri Light"/>
               </a:rPr>
               <a:t>My CPU has like 100 cores, how do I make them all work?</a:t>
             </a:r>
-            <a:endParaRPr b="0" lang="en-US" sz="4400" spc="-1" strike="noStrike">
+            <a:endParaRPr lang="en-US" sz="4400" b="0" strike="noStrike" spc="-1">
               <a:solidFill>
                 <a:srgbClr val="000000"/>
               </a:solidFill>
@@ -7786,15 +8980,22 @@
           </a:ln>
         </p:spPr>
         <p:style>
-          <a:lnRef idx="0"/>
-          <a:fillRef idx="0"/>
-          <a:effectRef idx="0"/>
+          <a:lnRef idx="0">
+            <a:scrgbClr r="0" g="0" b="0"/>
+          </a:lnRef>
+          <a:fillRef idx="0">
+            <a:scrgbClr r="0" g="0" b="0"/>
+          </a:fillRef>
+          <a:effectRef idx="0">
+            <a:scrgbClr r="0" g="0" b="0"/>
+          </a:effectRef>
           <a:fontRef idx="minor"/>
         </p:style>
         <p:txBody>
-          <a:bodyPr lIns="90000" rIns="90000" tIns="45000" bIns="45000">
+          <a:bodyPr lIns="90000" tIns="45000" rIns="90000" bIns="45000">
             <a:spAutoFit/>
           </a:bodyPr>
+          <a:lstStyle/>
           <a:p>
             <a:pPr>
               <a:lnSpc>
@@ -7802,15 +9003,15 @@
               </a:lnSpc>
             </a:pPr>
             <a:r>
-              <a:rPr b="0" lang="en-US" sz="2400" spc="-1" strike="noStrike">
+              <a:rPr lang="en-US" sz="2400" b="0" strike="noStrike" spc="-1">
                 <a:solidFill>
-                  <a:srgbClr val="ffffff"/>
+                  <a:srgbClr val="FFFFFF"/>
                 </a:solidFill>
                 <a:latin typeface="Source Sans Pro"/>
               </a:rPr>
               <a:t>Clusters!</a:t>
             </a:r>
-            <a:endParaRPr b="0" lang="en-US" sz="2400" spc="-1" strike="noStrike">
+            <a:endParaRPr lang="en-US" sz="2400" b="0" strike="noStrike" spc="-1">
               <a:latin typeface="Arial"/>
             </a:endParaRPr>
           </a:p>
@@ -7820,7 +9021,7 @@
                 <a:spcPct val="100000"/>
               </a:lnSpc>
             </a:pPr>
-            <a:endParaRPr b="0" lang="en-US" sz="2400" spc="-1" strike="noStrike">
+            <a:endParaRPr lang="en-US" sz="2400" b="0" strike="noStrike" spc="-1">
               <a:latin typeface="Arial"/>
             </a:endParaRPr>
           </a:p>
@@ -7831,17 +9032,17 @@
               </a:lnSpc>
             </a:pPr>
             <a:r>
-              <a:rPr b="0" lang="en-US" sz="2400" spc="-1" strike="noStrike" u="sng">
+              <a:rPr lang="en-US" sz="2400" b="0" u="sng" strike="noStrike" spc="-1">
                 <a:solidFill>
-                  <a:srgbClr val="0563c1"/>
+                  <a:srgbClr val="0563C1"/>
                 </a:solidFill>
                 <a:uFillTx/>
                 <a:latin typeface="Calibri"/>
-                <a:hlinkClick r:id="rId2"/>
+                <a:hlinkClick r:id="rId3"/>
               </a:rPr>
               <a:t>https://nodejs.org/api/cluster.html</a:t>
             </a:r>
-            <a:endParaRPr b="0" lang="en-US" sz="2400" spc="-1" strike="noStrike">
+            <a:endParaRPr lang="en-US" sz="2400" b="0" strike="noStrike" spc="-1">
               <a:latin typeface="Arial"/>
             </a:endParaRPr>
           </a:p>
@@ -7869,15 +9070,22 @@
           </a:ln>
         </p:spPr>
         <p:style>
-          <a:lnRef idx="0"/>
-          <a:fillRef idx="0"/>
-          <a:effectRef idx="0"/>
+          <a:lnRef idx="0">
+            <a:scrgbClr r="0" g="0" b="0"/>
+          </a:lnRef>
+          <a:fillRef idx="0">
+            <a:scrgbClr r="0" g="0" b="0"/>
+          </a:fillRef>
+          <a:effectRef idx="0">
+            <a:scrgbClr r="0" g="0" b="0"/>
+          </a:effectRef>
           <a:fontRef idx="minor"/>
         </p:style>
         <p:txBody>
-          <a:bodyPr lIns="90000" rIns="90000" tIns="45000" bIns="45000">
+          <a:bodyPr lIns="90000" tIns="45000" rIns="90000" bIns="45000">
             <a:spAutoFit/>
           </a:bodyPr>
+          <a:lstStyle/>
           <a:p>
             <a:pPr>
               <a:lnSpc>
@@ -7885,15 +9093,15 @@
               </a:lnSpc>
             </a:pPr>
             <a:r>
-              <a:rPr b="0" lang="en-US" sz="1800" spc="-1" strike="noStrike">
+              <a:rPr lang="en-US" sz="1800" b="0" strike="noStrike" spc="-1">
                 <a:solidFill>
-                  <a:srgbClr val="ffffff"/>
+                  <a:srgbClr val="FFFFFF"/>
                 </a:solidFill>
                 <a:latin typeface="Calibri"/>
               </a:rPr>
               <a:t>Demo 4</a:t>
             </a:r>
-            <a:endParaRPr b="0" lang="en-US" sz="1800" spc="-1" strike="noStrike">
+            <a:endParaRPr lang="en-US" sz="1800" b="0" strike="noStrike" spc="-1">
               <a:latin typeface="Arial"/>
             </a:endParaRPr>
           </a:p>
@@ -7901,43 +9109,38 @@
       </p:sp>
     </p:spTree>
   </p:cSld>
-  <mc:AlternateContent>
-    <mc:Choice Requires="p14">
-      <p:transition spd="slow" p14:dur="2000"/>
-    </mc:Choice>
-    <mc:Fallback>
-      <p:transition spd="slow"/>
-    </mc:Fallback>
-  </mc:AlternateContent>
+  <p:clrMapOvr>
+    <a:masterClrMapping/>
+  </p:clrMapOvr>
   <p:timing>
     <p:tnLst>
       <p:par>
-        <p:cTn id="13" dur="indefinite" restart="never" nodeType="tmRoot">
+        <p:cTn id="1" dur="indefinite" restart="never" nodeType="tmRoot">
           <p:childTnLst>
             <p:seq>
-              <p:cTn id="14" dur="indefinite" nodeType="mainSeq">
+              <p:cTn id="2" dur="indefinite" nodeType="mainSeq">
                 <p:childTnLst>
                   <p:par>
-                    <p:cTn id="15" fill="hold">
+                    <p:cTn id="3" fill="hold">
                       <p:stCondLst>
                         <p:cond delay="indefinite"/>
                       </p:stCondLst>
                       <p:childTnLst>
                         <p:par>
-                          <p:cTn id="16" fill="hold">
+                          <p:cTn id="4" fill="hold">
                             <p:stCondLst>
                               <p:cond delay="0"/>
                             </p:stCondLst>
                             <p:childTnLst>
                               <p:par>
-                                <p:cTn id="17" nodeType="clickEffect" fill="hold" presetClass="entr" presetID="1">
+                                <p:cTn id="5" presetID="1" presetClass="entr" fill="hold" nodeType="clickEffect">
                                   <p:stCondLst>
                                     <p:cond delay="0"/>
                                   </p:stCondLst>
                                   <p:childTnLst>
                                     <p:set>
                                       <p:cBhvr>
-                                        <p:cTn id="18" dur="1" fill="hold">
+                                        <p:cTn id="6" dur="1" fill="hold">
                                           <p:stCondLst>
                                             <p:cond delay="0"/>
                                           </p:stCondLst>
@@ -7965,14 +9168,14 @@
                 </p:childTnLst>
               </p:cTn>
               <p:prevCondLst>
-                <p:cond evt="onPrev">
+                <p:cond evt="onPrev" delay="0">
                   <p:tgtEl>
                     <p:sldTgt/>
                   </p:tgtEl>
                 </p:cond>
               </p:prevCondLst>
               <p:nextCondLst>
-                <p:cond evt="onNext">
+                <p:cond evt="onNext" delay="0">
                   <p:tgtEl>
                     <p:sldTgt/>
                   </p:tgtEl>
@@ -7987,8 +9190,8 @@
 </p:sld>
 </file>
 
-<file path=ppt/slides/slide18.xml><?xml version="1.0" encoding="utf-8"?>
-<p:sld xmlns:a="http://schemas.openxmlformats.org/drawingml/2006/main" xmlns:p="http://schemas.openxmlformats.org/presentationml/2006/main" xmlns:r="http://schemas.openxmlformats.org/officeDocument/2006/relationships" xmlns:p14="http://schemas.microsoft.com/office/powerpoint/2010/main" xmlns:p15="http://schemas.microsoft.com/office/powerpoint/2012/main" xmlns:mc="http://schemas.openxmlformats.org/markup-compatibility/2006">
+<file path=ppt/slides/slide19.xml><?xml version="1.0" encoding="utf-8"?>
+<p:sld xmlns:a="http://schemas.openxmlformats.org/drawingml/2006/main" xmlns:r="http://schemas.openxmlformats.org/officeDocument/2006/relationships" xmlns:p="http://schemas.openxmlformats.org/presentationml/2006/main">
   <p:cSld>
     <p:spTree>
       <p:nvGrpSpPr>
@@ -8019,7 +9222,7 @@
             <a:avLst/>
           </a:prstGeom>
           <a:blipFill rotWithShape="0">
-            <a:blip r:embed="rId1"/>
+            <a:blip r:embed="rId2"/>
             <a:stretch>
               <a:fillRect/>
             </a:stretch>
@@ -8032,8 +9235,9 @@
           <a:bodyPr anchor="ctr">
             <a:noAutofit/>
           </a:bodyPr>
-          <a:p>
-            <a:endParaRPr b="0" lang="en-US" sz="2800" spc="-1" strike="noStrike">
+          <a:lstStyle/>
+          <a:p>
+            <a:endParaRPr lang="en-US" sz="2800" b="0" strike="noStrike" spc="-1">
               <a:solidFill>
                 <a:srgbClr val="000000"/>
               </a:solidFill>
@@ -8063,8 +9267,9 @@
         </p:spPr>
         <p:txBody>
           <a:bodyPr tIns="0" anchor="ctr">
-            <a:normAutofit/>
-          </a:bodyPr>
+            <a:normAutofit fontScale="92500" lnSpcReduction="10000"/>
+          </a:bodyPr>
+          <a:lstStyle/>
           <a:p>
             <a:pPr>
               <a:lnSpc>
@@ -8072,15 +9277,15 @@
               </a:lnSpc>
             </a:pPr>
             <a:r>
-              <a:rPr b="0" lang="en-US" sz="6000" spc="-1" strike="noStrike">
+              <a:rPr lang="en-US" sz="6000" b="0" strike="noStrike" spc="-1">
                 <a:solidFill>
-                  <a:srgbClr val="ffffff"/>
+                  <a:srgbClr val="FFFFFF"/>
                 </a:solidFill>
                 <a:latin typeface="Calibri Light"/>
               </a:rPr>
               <a:t>Real programmers code in C++</a:t>
             </a:r>
-            <a:endParaRPr b="0" lang="en-US" sz="6000" spc="-1" strike="noStrike">
+            <a:endParaRPr lang="en-US" sz="6000" b="0" strike="noStrike" spc="-1">
               <a:solidFill>
                 <a:srgbClr val="000000"/>
               </a:solidFill>
@@ -8109,15 +9314,22 @@
           </a:ln>
         </p:spPr>
         <p:style>
-          <a:lnRef idx="0"/>
-          <a:fillRef idx="0"/>
-          <a:effectRef idx="0"/>
+          <a:lnRef idx="0">
+            <a:scrgbClr r="0" g="0" b="0"/>
+          </a:lnRef>
+          <a:fillRef idx="0">
+            <a:scrgbClr r="0" g="0" b="0"/>
+          </a:fillRef>
+          <a:effectRef idx="0">
+            <a:scrgbClr r="0" g="0" b="0"/>
+          </a:effectRef>
           <a:fontRef idx="minor"/>
         </p:style>
         <p:txBody>
-          <a:bodyPr lIns="90000" rIns="90000" tIns="45000" bIns="45000">
+          <a:bodyPr lIns="90000" tIns="45000" rIns="90000" bIns="45000">
             <a:spAutoFit/>
           </a:bodyPr>
+          <a:lstStyle/>
           <a:p>
             <a:pPr>
               <a:lnSpc>
@@ -8125,15 +9337,15 @@
               </a:lnSpc>
             </a:pPr>
             <a:r>
-              <a:rPr b="0" lang="en-US" sz="2400" spc="-1" strike="noStrike">
+              <a:rPr lang="en-US" sz="2400" b="0" strike="noStrike" spc="-1">
                 <a:solidFill>
-                  <a:srgbClr val="ffffff"/>
+                  <a:srgbClr val="FFFFFF"/>
                 </a:solidFill>
                 <a:latin typeface="Source Sans Pro"/>
               </a:rPr>
               <a:t>If you want something to run REALLY fast, you can always write native modules with C++!</a:t>
             </a:r>
-            <a:endParaRPr b="0" lang="en-US" sz="2400" spc="-1" strike="noStrike">
+            <a:endParaRPr lang="en-US" sz="2400" b="0" strike="noStrike" spc="-1">
               <a:latin typeface="Arial"/>
             </a:endParaRPr>
           </a:p>
@@ -8143,7 +9355,7 @@
                 <a:spcPct val="100000"/>
               </a:lnSpc>
             </a:pPr>
-            <a:endParaRPr b="0" lang="en-US" sz="2400" spc="-1" strike="noStrike">
+            <a:endParaRPr lang="en-US" sz="2400" b="0" strike="noStrike" spc="-1">
               <a:latin typeface="Arial"/>
             </a:endParaRPr>
           </a:p>
@@ -8154,15 +9366,15 @@
               </a:lnSpc>
             </a:pPr>
             <a:r>
-              <a:rPr b="0" lang="en-US" sz="2400" spc="-1" strike="noStrike">
+              <a:rPr lang="en-US" sz="2400" b="0" strike="noStrike" spc="-1">
                 <a:solidFill>
-                  <a:srgbClr val="ffffff"/>
+                  <a:srgbClr val="FFFFFF"/>
                 </a:solidFill>
                 <a:latin typeface="Source Sans Pro"/>
               </a:rPr>
               <a:t>Node-gyp – “Generate Your Project” – python tool for generating projects, used in building native libs.</a:t>
             </a:r>
-            <a:endParaRPr b="0" lang="en-US" sz="2400" spc="-1" strike="noStrike">
+            <a:endParaRPr lang="en-US" sz="2400" b="0" strike="noStrike" spc="-1">
               <a:latin typeface="Arial"/>
             </a:endParaRPr>
           </a:p>
@@ -8172,7 +9384,7 @@
                 <a:spcPct val="100000"/>
               </a:lnSpc>
             </a:pPr>
-            <a:endParaRPr b="0" lang="en-US" sz="2400" spc="-1" strike="noStrike">
+            <a:endParaRPr lang="en-US" sz="2400" b="0" strike="noStrike" spc="-1">
               <a:latin typeface="Arial"/>
             </a:endParaRPr>
           </a:p>
@@ -8183,42 +9395,42 @@
               </a:lnSpc>
             </a:pPr>
             <a:r>
-              <a:rPr b="0" lang="lt-LT" sz="2400" spc="-1" strike="noStrike">
+              <a:rPr lang="lt-LT" sz="2400" b="0" strike="noStrike" spc="-1">
                 <a:solidFill>
-                  <a:srgbClr val="ffffff"/>
+                  <a:srgbClr val="FFFFFF"/>
                 </a:solidFill>
                 <a:latin typeface="Source Sans Pro"/>
               </a:rPr>
               <a:t>A good example is </a:t>
             </a:r>
             <a:r>
-              <a:rPr b="0" lang="en-US" sz="2400" spc="-1" strike="noStrike">
+              <a:rPr lang="en-US" sz="2400" b="0" strike="noStrike" spc="-1">
                 <a:solidFill>
-                  <a:srgbClr val="ffffff"/>
+                  <a:srgbClr val="FFFFFF"/>
                 </a:solidFill>
                 <a:latin typeface="Source Sans Pro"/>
               </a:rPr>
               <a:t>“</a:t>
             </a:r>
             <a:r>
-              <a:rPr b="0" lang="lt-LT" sz="2400" spc="-1" strike="noStrike">
+              <a:rPr lang="lt-LT" sz="2400" b="0" strike="noStrike" spc="-1">
                 <a:solidFill>
-                  <a:srgbClr val="ffffff"/>
+                  <a:srgbClr val="FFFFFF"/>
                 </a:solidFill>
                 <a:latin typeface="Source Sans Pro"/>
               </a:rPr>
               <a:t>node-sass</a:t>
             </a:r>
             <a:r>
-              <a:rPr b="0" lang="en-US" sz="2400" spc="-1" strike="noStrike">
+              <a:rPr lang="en-US" sz="2400" b="0" strike="noStrike" spc="-1">
                 <a:solidFill>
-                  <a:srgbClr val="ffffff"/>
+                  <a:srgbClr val="FFFFFF"/>
                 </a:solidFill>
                 <a:latin typeface="Source Sans Pro"/>
               </a:rPr>
               <a:t>” library.</a:t>
             </a:r>
-            <a:endParaRPr b="0" lang="en-US" sz="2400" spc="-1" strike="noStrike">
+            <a:endParaRPr lang="en-US" sz="2400" b="0" strike="noStrike" spc="-1">
               <a:latin typeface="Arial"/>
             </a:endParaRPr>
           </a:p>
@@ -8246,15 +9458,22 @@
           </a:ln>
         </p:spPr>
         <p:style>
-          <a:lnRef idx="0"/>
-          <a:fillRef idx="0"/>
-          <a:effectRef idx="0"/>
+          <a:lnRef idx="0">
+            <a:scrgbClr r="0" g="0" b="0"/>
+          </a:lnRef>
+          <a:fillRef idx="0">
+            <a:scrgbClr r="0" g="0" b="0"/>
+          </a:fillRef>
+          <a:effectRef idx="0">
+            <a:scrgbClr r="0" g="0" b="0"/>
+          </a:effectRef>
           <a:fontRef idx="minor"/>
         </p:style>
         <p:txBody>
-          <a:bodyPr lIns="90000" rIns="90000" tIns="45000" bIns="45000">
+          <a:bodyPr lIns="90000" tIns="45000" rIns="90000" bIns="45000">
             <a:spAutoFit/>
           </a:bodyPr>
+          <a:lstStyle/>
           <a:p>
             <a:pPr>
               <a:lnSpc>
@@ -8262,15 +9481,15 @@
               </a:lnSpc>
             </a:pPr>
             <a:r>
-              <a:rPr b="0" lang="en-US" sz="1800" spc="-1" strike="noStrike">
+              <a:rPr lang="en-US" sz="1800" b="0" strike="noStrike" spc="-1">
                 <a:solidFill>
-                  <a:srgbClr val="ffffff"/>
+                  <a:srgbClr val="FFFFFF"/>
                 </a:solidFill>
                 <a:latin typeface="Calibri"/>
               </a:rPr>
               <a:t>Demo 5</a:t>
             </a:r>
-            <a:endParaRPr b="0" lang="en-US" sz="1800" spc="-1" strike="noStrike">
+            <a:endParaRPr lang="en-US" sz="1800" b="0" strike="noStrike" spc="-1">
               <a:latin typeface="Arial"/>
             </a:endParaRPr>
           </a:p>
@@ -8278,222 +9497,14 @@
       </p:sp>
     </p:spTree>
   </p:cSld>
-  <mc:AlternateContent>
-    <mc:Choice Requires="p14">
-      <p:transition spd="slow" p14:dur="2000"/>
-    </mc:Choice>
-    <mc:Fallback>
-      <p:transition spd="slow"/>
-    </mc:Fallback>
-  </mc:AlternateContent>
-</p:sld>
-</file>
-
-<file path=ppt/slides/slide19.xml><?xml version="1.0" encoding="utf-8"?>
-<p:sld xmlns:a="http://schemas.openxmlformats.org/drawingml/2006/main" xmlns:p="http://schemas.openxmlformats.org/presentationml/2006/main" xmlns:r="http://schemas.openxmlformats.org/officeDocument/2006/relationships" xmlns:p14="http://schemas.microsoft.com/office/powerpoint/2010/main" xmlns:p15="http://schemas.microsoft.com/office/powerpoint/2012/main" xmlns:mc="http://schemas.openxmlformats.org/markup-compatibility/2006">
-  <p:cSld>
-    <p:spTree>
-      <p:nvGrpSpPr>
-        <p:cNvPr id="1" name=""/>
-        <p:cNvGrpSpPr/>
-        <p:nvPr/>
-      </p:nvGrpSpPr>
-      <p:grpSpPr>
-        <a:xfrm>
-          <a:off x="0" y="0"/>
-          <a:ext cx="0" cy="0"/>
-          <a:chOff x="0" y="0"/>
-          <a:chExt cx="0" cy="0"/>
-        </a:xfrm>
-      </p:grpSpPr>
-      <p:sp>
-        <p:nvSpPr>
-          <p:cNvPr id="225" name="TextShape 1"/>
-          <p:cNvSpPr txBox="1"/>
-          <p:nvPr/>
-        </p:nvSpPr>
-        <p:spPr>
-          <a:xfrm>
-            <a:off x="10671120" y="0"/>
-            <a:ext cx="1520640" cy="1520640"/>
-          </a:xfrm>
-          <a:prstGeom prst="rect">
-            <a:avLst/>
-          </a:prstGeom>
-          <a:blipFill rotWithShape="0">
-            <a:blip r:embed="rId1"/>
-            <a:stretch>
-              <a:fillRect/>
-            </a:stretch>
-          </a:blipFill>
-          <a:ln>
-            <a:noFill/>
-          </a:ln>
-        </p:spPr>
-        <p:txBody>
-          <a:bodyPr anchor="ctr">
-            <a:noAutofit/>
-          </a:bodyPr>
-          <a:p>
-            <a:endParaRPr b="0" lang="en-US" sz="2800" spc="-1" strike="noStrike">
-              <a:solidFill>
-                <a:srgbClr val="000000"/>
-              </a:solidFill>
-              <a:latin typeface="Calibri"/>
-            </a:endParaRPr>
-          </a:p>
-        </p:txBody>
-      </p:sp>
-      <p:sp>
-        <p:nvSpPr>
-          <p:cNvPr id="226" name="TextShape 2"/>
-          <p:cNvSpPr txBox="1"/>
-          <p:nvPr/>
-        </p:nvSpPr>
-        <p:spPr>
-          <a:xfrm>
-            <a:off x="198360" y="379800"/>
-            <a:ext cx="10300320" cy="761040"/>
-          </a:xfrm>
-          <a:prstGeom prst="rect">
-            <a:avLst/>
-          </a:prstGeom>
-          <a:noFill/>
-          <a:ln>
-            <a:noFill/>
-          </a:ln>
-        </p:spPr>
-        <p:txBody>
-          <a:bodyPr tIns="0" anchor="ctr">
-            <a:normAutofit/>
-          </a:bodyPr>
-          <a:p>
-            <a:pPr>
-              <a:lnSpc>
-                <a:spcPct val="90000"/>
-              </a:lnSpc>
-            </a:pPr>
-            <a:r>
-              <a:rPr b="0" lang="lt-LT" sz="6000" spc="-1" strike="noStrike">
-                <a:solidFill>
-                  <a:srgbClr val="ffffff"/>
-                </a:solidFill>
-                <a:latin typeface="Calibri Light"/>
-              </a:rPr>
-              <a:t>Fun fact</a:t>
-            </a:r>
-            <a:endParaRPr b="0" lang="en-US" sz="6000" spc="-1" strike="noStrike">
-              <a:solidFill>
-                <a:srgbClr val="000000"/>
-              </a:solidFill>
-              <a:latin typeface="Calibri"/>
-            </a:endParaRPr>
-          </a:p>
-        </p:txBody>
-      </p:sp>
-      <p:sp>
-        <p:nvSpPr>
-          <p:cNvPr id="227" name="CustomShape 3"/>
-          <p:cNvSpPr/>
-          <p:nvPr/>
-        </p:nvSpPr>
-        <p:spPr>
-          <a:xfrm>
-            <a:off x="537480" y="1620720"/>
-            <a:ext cx="9817200" cy="1187640"/>
-          </a:xfrm>
-          <a:prstGeom prst="rect">
-            <a:avLst/>
-          </a:prstGeom>
-          <a:noFill/>
-          <a:ln>
-            <a:noFill/>
-          </a:ln>
-        </p:spPr>
-        <p:style>
-          <a:lnRef idx="0"/>
-          <a:fillRef idx="0"/>
-          <a:effectRef idx="0"/>
-          <a:fontRef idx="minor"/>
-        </p:style>
-        <p:txBody>
-          <a:bodyPr lIns="90000" rIns="90000" tIns="45000" bIns="45000">
-            <a:spAutoFit/>
-          </a:bodyPr>
-          <a:p>
-            <a:pPr>
-              <a:lnSpc>
-                <a:spcPct val="100000"/>
-              </a:lnSpc>
-            </a:pPr>
-            <a:r>
-              <a:rPr b="0" lang="en-US" sz="2400" spc="-1" strike="noStrike">
-                <a:solidFill>
-                  <a:srgbClr val="ffffff"/>
-                </a:solidFill>
-                <a:latin typeface="Source Sans Pro"/>
-              </a:rPr>
-              <a:t>JavaScript was released on December 4th, 1995</a:t>
-            </a:r>
-            <a:endParaRPr b="0" lang="en-US" sz="2400" spc="-1" strike="noStrike">
-              <a:latin typeface="Arial"/>
-            </a:endParaRPr>
-          </a:p>
-          <a:p>
-            <a:pPr>
-              <a:lnSpc>
-                <a:spcPct val="100000"/>
-              </a:lnSpc>
-            </a:pPr>
-            <a:endParaRPr b="0" lang="en-US" sz="2400" spc="-1" strike="noStrike">
-              <a:latin typeface="Arial"/>
-            </a:endParaRPr>
-          </a:p>
-          <a:p>
-            <a:pPr>
-              <a:lnSpc>
-                <a:spcPct val="100000"/>
-              </a:lnSpc>
-            </a:pPr>
-            <a:r>
-              <a:rPr b="0" lang="lt-LT" sz="2400" spc="-1" strike="noStrike">
-                <a:solidFill>
-                  <a:srgbClr val="ffffff"/>
-                </a:solidFill>
-                <a:latin typeface="Source Sans Pro"/>
-              </a:rPr>
-              <a:t>So it just turned 25 years old</a:t>
-            </a:r>
-            <a:r>
-              <a:rPr b="0" lang="en-US" sz="2400" spc="-1" strike="noStrike">
-                <a:solidFill>
-                  <a:srgbClr val="ffffff"/>
-                </a:solidFill>
-                <a:latin typeface="Source Sans Pro"/>
-              </a:rPr>
-              <a:t>!</a:t>
-            </a:r>
-            <a:endParaRPr b="0" lang="en-US" sz="2400" spc="-1" strike="noStrike">
-              <a:latin typeface="Arial"/>
-            </a:endParaRPr>
-          </a:p>
-        </p:txBody>
-      </p:sp>
-    </p:spTree>
-  </p:cSld>
-  <mc:AlternateContent>
-    <mc:Choice Requires="p14">
-      <p:transition spd="slow" p14:dur="2000"/>
-    </mc:Choice>
-    <mc:Fallback>
-      <p:transition spd="slow"/>
-    </mc:Fallback>
-  </mc:AlternateContent>
+  <p:clrMapOvr>
+    <a:masterClrMapping/>
+  </p:clrMapOvr>
 </p:sld>
 </file>
 
 <file path=ppt/slides/slide2.xml><?xml version="1.0" encoding="utf-8"?>
-<p:sld xmlns:a="http://schemas.openxmlformats.org/drawingml/2006/main" xmlns:p="http://schemas.openxmlformats.org/presentationml/2006/main" xmlns:r="http://schemas.openxmlformats.org/officeDocument/2006/relationships" xmlns:p14="http://schemas.microsoft.com/office/powerpoint/2010/main" xmlns:p15="http://schemas.microsoft.com/office/powerpoint/2012/main" xmlns:mc="http://schemas.openxmlformats.org/markup-compatibility/2006">
+<p:sld xmlns:a="http://schemas.openxmlformats.org/drawingml/2006/main" xmlns:r="http://schemas.openxmlformats.org/officeDocument/2006/relationships" xmlns:p="http://schemas.openxmlformats.org/presentationml/2006/main">
   <p:cSld>
     <p:spTree>
       <p:nvGrpSpPr>
@@ -8516,7 +9527,7 @@
           <p:nvPr/>
         </p:nvPicPr>
         <p:blipFill>
-          <a:blip r:embed="rId1"/>
+          <a:blip r:embed="rId2"/>
           <a:stretch/>
         </p:blipFill>
         <p:spPr>
@@ -8547,7 +9558,7 @@
             <a:avLst/>
           </a:prstGeom>
           <a:blipFill rotWithShape="0">
-            <a:blip r:embed="rId2"/>
+            <a:blip r:embed="rId3"/>
             <a:stretch>
               <a:fillRect/>
             </a:stretch>
@@ -8560,8 +9571,9 @@
           <a:bodyPr anchor="ctr">
             <a:noAutofit/>
           </a:bodyPr>
-          <a:p>
-            <a:endParaRPr b="0" lang="en-US" sz="2800" spc="-1" strike="noStrike">
+          <a:lstStyle/>
+          <a:p>
+            <a:endParaRPr lang="en-US" sz="2800" b="0" strike="noStrike" spc="-1">
               <a:solidFill>
                 <a:srgbClr val="000000"/>
               </a:solidFill>
@@ -8591,8 +9603,9 @@
         </p:spPr>
         <p:txBody>
           <a:bodyPr tIns="0" anchor="ctr">
-            <a:normAutofit/>
-          </a:bodyPr>
+            <a:normAutofit fontScale="92500" lnSpcReduction="10000"/>
+          </a:bodyPr>
+          <a:lstStyle/>
           <a:p>
             <a:pPr>
               <a:lnSpc>
@@ -8600,15 +9613,15 @@
               </a:lnSpc>
             </a:pPr>
             <a:r>
-              <a:rPr b="0" lang="en-US" sz="6000" spc="-1" strike="noStrike">
+              <a:rPr lang="en-US" sz="6000" b="0" strike="noStrike" spc="-1">
                 <a:solidFill>
-                  <a:srgbClr val="ffffff"/>
+                  <a:srgbClr val="FFFFFF"/>
                 </a:solidFill>
                 <a:latin typeface="Calibri Light"/>
               </a:rPr>
               <a:t>Me</a:t>
             </a:r>
-            <a:endParaRPr b="0" lang="en-US" sz="6000" spc="-1" strike="noStrike">
+            <a:endParaRPr lang="en-US" sz="6000" b="0" strike="noStrike" spc="-1">
               <a:solidFill>
                 <a:srgbClr val="000000"/>
               </a:solidFill>
@@ -8624,7 +9637,7 @@
           <p:nvPr/>
         </p:nvPicPr>
         <p:blipFill>
-          <a:blip r:embed="rId3"/>
+          <a:blip r:embed="rId4"/>
           <a:stretch/>
         </p:blipFill>
         <p:spPr>
@@ -8647,7 +9660,7 @@
           <p:nvPr/>
         </p:nvPicPr>
         <p:blipFill>
-          <a:blip r:embed="rId4"/>
+          <a:blip r:embed="rId5"/>
           <a:stretch/>
         </p:blipFill>
         <p:spPr>
@@ -8683,36 +9696,43 @@
           </a:ln>
         </p:spPr>
         <p:style>
-          <a:lnRef idx="0"/>
-          <a:fillRef idx="0"/>
-          <a:effectRef idx="0"/>
+          <a:lnRef idx="0">
+            <a:scrgbClr r="0" g="0" b="0"/>
+          </a:lnRef>
+          <a:fillRef idx="0">
+            <a:scrgbClr r="0" g="0" b="0"/>
+          </a:fillRef>
+          <a:effectRef idx="0">
+            <a:scrgbClr r="0" g="0" b="0"/>
+          </a:effectRef>
           <a:fontRef idx="minor"/>
         </p:style>
         <p:txBody>
-          <a:bodyPr lIns="90000" rIns="90000" tIns="45000" bIns="45000">
+          <a:bodyPr lIns="90000" tIns="45000" rIns="90000" bIns="45000">
             <a:spAutoFit/>
           </a:bodyPr>
+          <a:lstStyle/>
           <a:p>
             <a:pPr marL="285840" indent="-285480">
               <a:lnSpc>
                 <a:spcPct val="150000"/>
               </a:lnSpc>
               <a:buClr>
-                <a:srgbClr val="ffffff"/>
+                <a:srgbClr val="FFFFFF"/>
               </a:buClr>
               <a:buFont typeface="Arial"/>
               <a:buChar char="•"/>
             </a:pPr>
             <a:r>
-              <a:rPr b="0" lang="lt-LT" sz="1800" spc="-1" strike="noStrike">
+              <a:rPr lang="lt-LT" sz="1800" b="0" strike="noStrike" spc="-1">
                 <a:solidFill>
-                  <a:srgbClr val="ffffff"/>
+                  <a:srgbClr val="FFFFFF"/>
                 </a:solidFill>
                 <a:latin typeface="Calibri"/>
               </a:rPr>
               <a:t>Karolis Jocevičius</a:t>
             </a:r>
-            <a:endParaRPr b="0" lang="en-US" sz="1800" spc="-1" strike="noStrike">
+            <a:endParaRPr lang="en-US" sz="1800" b="0" strike="noStrike" spc="-1">
               <a:latin typeface="Arial"/>
             </a:endParaRPr>
           </a:p>
@@ -8722,21 +9742,21 @@
                 <a:spcPct val="150000"/>
               </a:lnSpc>
               <a:buClr>
-                <a:srgbClr val="ffffff"/>
+                <a:srgbClr val="FFFFFF"/>
               </a:buClr>
               <a:buFont typeface="Arial"/>
               <a:buChar char="•"/>
             </a:pPr>
             <a:r>
-              <a:rPr b="0" lang="lt-LT" sz="1800" spc="-1" strike="noStrike">
+              <a:rPr lang="lt-LT" sz="1800" b="0" strike="noStrike" spc="-1">
                 <a:solidFill>
-                  <a:srgbClr val="ffffff"/>
+                  <a:srgbClr val="FFFFFF"/>
                 </a:solidFill>
                 <a:latin typeface="Calibri"/>
               </a:rPr>
               <a:t>Studied Software Engineering in VU MIF 5 years ago</a:t>
             </a:r>
-            <a:endParaRPr b="0" lang="en-US" sz="1800" spc="-1" strike="noStrike">
+            <a:endParaRPr lang="en-US" sz="1800" b="0" strike="noStrike" spc="-1">
               <a:latin typeface="Arial"/>
             </a:endParaRPr>
           </a:p>
@@ -8746,21 +9766,21 @@
                 <a:spcPct val="150000"/>
               </a:lnSpc>
               <a:buClr>
-                <a:srgbClr val="ffffff"/>
+                <a:srgbClr val="FFFFFF"/>
               </a:buClr>
               <a:buFont typeface="Arial"/>
               <a:buChar char="•"/>
             </a:pPr>
             <a:r>
-              <a:rPr b="0" lang="en-US" sz="1800" spc="-1" strike="noStrike">
+              <a:rPr lang="en-US" sz="1800" b="0" strike="noStrike" spc="-1">
                 <a:solidFill>
-                  <a:srgbClr val="ffffff"/>
+                  <a:srgbClr val="FFFFFF"/>
                 </a:solidFill>
                 <a:latin typeface="Calibri"/>
               </a:rPr>
               <a:t>Developing software for 7 years</a:t>
             </a:r>
-            <a:endParaRPr b="0" lang="en-US" sz="1800" spc="-1" strike="noStrike">
+            <a:endParaRPr lang="en-US" sz="1800" b="0" strike="noStrike" spc="-1">
               <a:latin typeface="Arial"/>
             </a:endParaRPr>
           </a:p>
@@ -8770,21 +9790,21 @@
                 <a:spcPct val="150000"/>
               </a:lnSpc>
               <a:buClr>
-                <a:srgbClr val="ffffff"/>
+                <a:srgbClr val="FFFFFF"/>
               </a:buClr>
               <a:buFont typeface="Arial"/>
               <a:buChar char="•"/>
             </a:pPr>
             <a:r>
-              <a:rPr b="0" lang="en-US" sz="1800" spc="-1" strike="noStrike">
+              <a:rPr lang="en-US" sz="1800" b="0" strike="noStrike" spc="-1">
                 <a:solidFill>
-                  <a:srgbClr val="ffffff"/>
+                  <a:srgbClr val="FFFFFF"/>
                 </a:solidFill>
                 <a:latin typeface="Calibri"/>
               </a:rPr>
               <a:t>Currently senior software developer in SEB</a:t>
             </a:r>
-            <a:endParaRPr b="0" lang="en-US" sz="1800" spc="-1" strike="noStrike">
+            <a:endParaRPr lang="en-US" sz="1800" b="0" strike="noStrike" spc="-1">
               <a:latin typeface="Arial"/>
             </a:endParaRPr>
           </a:p>
@@ -8794,21 +9814,21 @@
                 <a:spcPct val="150000"/>
               </a:lnSpc>
               <a:buClr>
-                <a:srgbClr val="ffffff"/>
+                <a:srgbClr val="FFFFFF"/>
               </a:buClr>
               <a:buFont typeface="Arial"/>
               <a:buChar char="•"/>
             </a:pPr>
             <a:r>
-              <a:rPr b="0" lang="en-US" sz="1800" spc="-1" strike="noStrike">
+              <a:rPr lang="en-US" sz="1800" b="0" strike="noStrike" spc="-1">
                 <a:solidFill>
-                  <a:srgbClr val="ffffff"/>
+                  <a:srgbClr val="FFFFFF"/>
                 </a:solidFill>
                 <a:latin typeface="Calibri"/>
               </a:rPr>
               <a:t>Went from Java to .NET and Node.JS</a:t>
             </a:r>
-            <a:endParaRPr b="0" lang="en-US" sz="1800" spc="-1" strike="noStrike">
+            <a:endParaRPr lang="en-US" sz="1800" b="0" strike="noStrike" spc="-1">
               <a:latin typeface="Arial"/>
             </a:endParaRPr>
           </a:p>
@@ -8818,21 +9838,21 @@
                 <a:spcPct val="150000"/>
               </a:lnSpc>
               <a:buClr>
-                <a:srgbClr val="ffffff"/>
+                <a:srgbClr val="FFFFFF"/>
               </a:buClr>
               <a:buFont typeface="Arial"/>
               <a:buChar char="•"/>
             </a:pPr>
             <a:r>
-              <a:rPr b="0" lang="en-US" sz="1800" spc="-1" strike="noStrike">
+              <a:rPr lang="en-US" sz="1800" b="0" strike="noStrike" spc="-1">
                 <a:solidFill>
-                  <a:srgbClr val="ffffff"/>
+                  <a:srgbClr val="FFFFFF"/>
                 </a:solidFill>
                 <a:latin typeface="Calibri"/>
               </a:rPr>
               <a:t>Twitter: @kjocevicius</a:t>
             </a:r>
-            <a:endParaRPr b="0" lang="en-US" sz="1800" spc="-1" strike="noStrike">
+            <a:endParaRPr lang="en-US" sz="1800" b="0" strike="noStrike" spc="-1">
               <a:latin typeface="Arial"/>
             </a:endParaRPr>
           </a:p>
@@ -8842,23 +9862,23 @@
                 <a:spcPct val="150000"/>
               </a:lnSpc>
               <a:buClr>
-                <a:srgbClr val="ffffff"/>
+                <a:srgbClr val="FFFFFF"/>
               </a:buClr>
               <a:buFont typeface="Arial"/>
               <a:buChar char="•"/>
             </a:pPr>
             <a:r>
-              <a:rPr b="0" lang="en-US" sz="1800" spc="-1" strike="noStrike" u="sng">
+              <a:rPr lang="en-US" sz="1800" b="0" u="sng" strike="noStrike" spc="-1">
                 <a:solidFill>
-                  <a:srgbClr val="0563c1"/>
+                  <a:srgbClr val="0563C1"/>
                 </a:solidFill>
                 <a:uFillTx/>
                 <a:latin typeface="Calibri"/>
-                <a:hlinkClick r:id="rId5"/>
+                <a:hlinkClick r:id="rId6"/>
               </a:rPr>
               <a:t>https://github.com/teraxas</a:t>
             </a:r>
-            <a:endParaRPr b="0" lang="en-US" sz="1800" spc="-1" strike="noStrike">
+            <a:endParaRPr lang="en-US" sz="1800" b="0" strike="noStrike" spc="-1">
               <a:latin typeface="Arial"/>
             </a:endParaRPr>
           </a:p>
@@ -8866,19 +9886,14 @@
       </p:sp>
     </p:spTree>
   </p:cSld>
-  <mc:AlternateContent>
-    <mc:Choice Requires="p14">
-      <p:transition spd="slow" p14:dur="2000"/>
-    </mc:Choice>
-    <mc:Fallback>
-      <p:transition spd="slow"/>
-    </mc:Fallback>
-  </mc:AlternateContent>
+  <p:clrMapOvr>
+    <a:masterClrMapping/>
+  </p:clrMapOvr>
 </p:sld>
 </file>
 
 <file path=ppt/slides/slide20.xml><?xml version="1.0" encoding="utf-8"?>
-<p:sld xmlns:a="http://schemas.openxmlformats.org/drawingml/2006/main" xmlns:p="http://schemas.openxmlformats.org/presentationml/2006/main" xmlns:r="http://schemas.openxmlformats.org/officeDocument/2006/relationships" xmlns:p14="http://schemas.microsoft.com/office/powerpoint/2010/main" xmlns:p15="http://schemas.microsoft.com/office/powerpoint/2012/main" xmlns:mc="http://schemas.openxmlformats.org/markup-compatibility/2006">
+<p:sld xmlns:a="http://schemas.openxmlformats.org/drawingml/2006/main" xmlns:r="http://schemas.openxmlformats.org/officeDocument/2006/relationships" xmlns:p="http://schemas.openxmlformats.org/presentationml/2006/main">
   <p:cSld>
     <p:spTree>
       <p:nvGrpSpPr>
@@ -8896,7 +9911,7 @@
       </p:grpSpPr>
       <p:sp>
         <p:nvSpPr>
-          <p:cNvPr id="228" name="TextShape 1"/>
+          <p:cNvPr id="225" name="TextShape 1"/>
           <p:cNvSpPr txBox="1"/>
           <p:nvPr/>
         </p:nvSpPr>
@@ -8909,7 +9924,7 @@
             <a:avLst/>
           </a:prstGeom>
           <a:blipFill rotWithShape="0">
-            <a:blip r:embed="rId1"/>
+            <a:blip r:embed="rId2"/>
             <a:stretch>
               <a:fillRect/>
             </a:stretch>
@@ -8922,8 +9937,9 @@
           <a:bodyPr anchor="ctr">
             <a:noAutofit/>
           </a:bodyPr>
-          <a:p>
-            <a:endParaRPr b="0" lang="en-US" sz="2800" spc="-1" strike="noStrike">
+          <a:lstStyle/>
+          <a:p>
+            <a:endParaRPr lang="en-US" sz="2800" b="0" strike="noStrike" spc="-1">
               <a:solidFill>
                 <a:srgbClr val="000000"/>
               </a:solidFill>
@@ -8934,7 +9950,7 @@
       </p:sp>
       <p:sp>
         <p:nvSpPr>
-          <p:cNvPr id="229" name="TextShape 2"/>
+          <p:cNvPr id="226" name="TextShape 2"/>
           <p:cNvSpPr txBox="1"/>
           <p:nvPr/>
         </p:nvSpPr>
@@ -8953,8 +9969,9 @@
         </p:spPr>
         <p:txBody>
           <a:bodyPr tIns="0" anchor="ctr">
-            <a:normAutofit fontScale="37000"/>
-          </a:bodyPr>
+            <a:normAutofit fontScale="92500" lnSpcReduction="10000"/>
+          </a:bodyPr>
+          <a:lstStyle/>
           <a:p>
             <a:pPr>
               <a:lnSpc>
@@ -8962,15 +9979,15 @@
               </a:lnSpc>
             </a:pPr>
             <a:r>
-              <a:rPr b="0" lang="en-US" sz="6000" spc="-1" strike="noStrike">
+              <a:rPr lang="lt-LT" sz="6000" b="0" strike="noStrike" spc="-1">
                 <a:solidFill>
-                  <a:srgbClr val="ffffff"/>
+                  <a:srgbClr val="FFFFFF"/>
                 </a:solidFill>
                 <a:latin typeface="Calibri Light"/>
               </a:rPr>
-              <a:t>Would you like to ask something?</a:t>
+              <a:t>Fun fact</a:t>
             </a:r>
-            <a:endParaRPr b="0" lang="en-US" sz="6000" spc="-1" strike="noStrike">
+            <a:endParaRPr lang="en-US" sz="6000" b="0" strike="noStrike" spc="-1">
               <a:solidFill>
                 <a:srgbClr val="000000"/>
               </a:solidFill>
@@ -8979,45 +9996,111 @@
           </a:p>
         </p:txBody>
       </p:sp>
-      <p:pic>
-        <p:nvPicPr>
-          <p:cNvPr id="230" name="Picture 5" descr="A cat that is looking at the camera&#10;&#10;Description automatically generated"/>
-          <p:cNvPicPr/>
-          <p:nvPr/>
-        </p:nvPicPr>
-        <p:blipFill>
-          <a:blip r:embed="rId2"/>
-          <a:srcRect l="25260" t="0" r="0" b="0"/>
-          <a:stretch/>
-        </p:blipFill>
-        <p:spPr>
-          <a:xfrm>
-            <a:off x="7851960" y="2506320"/>
-            <a:ext cx="4336560" cy="4351320"/>
-          </a:xfrm>
-          <a:prstGeom prst="rect">
-            <a:avLst/>
-          </a:prstGeom>
+      <p:sp>
+        <p:nvSpPr>
+          <p:cNvPr id="227" name="CustomShape 3"/>
+          <p:cNvSpPr/>
+          <p:nvPr/>
+        </p:nvSpPr>
+        <p:spPr>
+          <a:xfrm>
+            <a:off x="537480" y="1620720"/>
+            <a:ext cx="9817200" cy="1187640"/>
+          </a:xfrm>
+          <a:prstGeom prst="rect">
+            <a:avLst/>
+          </a:prstGeom>
+          <a:noFill/>
           <a:ln>
             <a:noFill/>
           </a:ln>
         </p:spPr>
-      </p:pic>
+        <p:style>
+          <a:lnRef idx="0">
+            <a:scrgbClr r="0" g="0" b="0"/>
+          </a:lnRef>
+          <a:fillRef idx="0">
+            <a:scrgbClr r="0" g="0" b="0"/>
+          </a:fillRef>
+          <a:effectRef idx="0">
+            <a:scrgbClr r="0" g="0" b="0"/>
+          </a:effectRef>
+          <a:fontRef idx="minor"/>
+        </p:style>
+        <p:txBody>
+          <a:bodyPr lIns="90000" tIns="45000" rIns="90000" bIns="45000">
+            <a:spAutoFit/>
+          </a:bodyPr>
+          <a:lstStyle/>
+          <a:p>
+            <a:pPr>
+              <a:lnSpc>
+                <a:spcPct val="100000"/>
+              </a:lnSpc>
+            </a:pPr>
+            <a:r>
+              <a:rPr lang="en-US" sz="2400" b="0" strike="noStrike" spc="-1">
+                <a:solidFill>
+                  <a:srgbClr val="FFFFFF"/>
+                </a:solidFill>
+                <a:latin typeface="Source Sans Pro"/>
+              </a:rPr>
+              <a:t>JavaScript was released on December 4th, 1995</a:t>
+            </a:r>
+            <a:endParaRPr lang="en-US" sz="2400" b="0" strike="noStrike" spc="-1">
+              <a:latin typeface="Arial"/>
+            </a:endParaRPr>
+          </a:p>
+          <a:p>
+            <a:pPr>
+              <a:lnSpc>
+                <a:spcPct val="100000"/>
+              </a:lnSpc>
+            </a:pPr>
+            <a:endParaRPr lang="en-US" sz="2400" b="0" strike="noStrike" spc="-1">
+              <a:latin typeface="Arial"/>
+            </a:endParaRPr>
+          </a:p>
+          <a:p>
+            <a:pPr>
+              <a:lnSpc>
+                <a:spcPct val="100000"/>
+              </a:lnSpc>
+            </a:pPr>
+            <a:r>
+              <a:rPr lang="lt-LT" sz="2400" b="0" strike="noStrike" spc="-1">
+                <a:solidFill>
+                  <a:srgbClr val="FFFFFF"/>
+                </a:solidFill>
+                <a:latin typeface="Source Sans Pro"/>
+              </a:rPr>
+              <a:t>So it just turned 25 years old</a:t>
+            </a:r>
+            <a:r>
+              <a:rPr lang="en-US" sz="2400" b="0" strike="noStrike" spc="-1">
+                <a:solidFill>
+                  <a:srgbClr val="FFFFFF"/>
+                </a:solidFill>
+                <a:latin typeface="Source Sans Pro"/>
+              </a:rPr>
+              <a:t>!</a:t>
+            </a:r>
+            <a:endParaRPr lang="en-US" sz="2400" b="0" strike="noStrike" spc="-1">
+              <a:latin typeface="Arial"/>
+            </a:endParaRPr>
+          </a:p>
+        </p:txBody>
+      </p:sp>
     </p:spTree>
   </p:cSld>
-  <mc:AlternateContent>
-    <mc:Choice Requires="p14">
-      <p:transition spd="slow" p14:dur="2000"/>
-    </mc:Choice>
-    <mc:Fallback>
-      <p:transition spd="slow"/>
-    </mc:Fallback>
-  </mc:AlternateContent>
+  <p:clrMapOvr>
+    <a:masterClrMapping/>
+  </p:clrMapOvr>
 </p:sld>
 </file>
 
 <file path=ppt/slides/slide21.xml><?xml version="1.0" encoding="utf-8"?>
-<p:sld xmlns:a="http://schemas.openxmlformats.org/drawingml/2006/main" xmlns:p="http://schemas.openxmlformats.org/presentationml/2006/main" xmlns:r="http://schemas.openxmlformats.org/officeDocument/2006/relationships" xmlns:p14="http://schemas.microsoft.com/office/powerpoint/2010/main" xmlns:p15="http://schemas.microsoft.com/office/powerpoint/2012/main" xmlns:mc="http://schemas.openxmlformats.org/markup-compatibility/2006">
+<p:sld xmlns:a="http://schemas.openxmlformats.org/drawingml/2006/main" xmlns:r="http://schemas.openxmlformats.org/officeDocument/2006/relationships" xmlns:p="http://schemas.openxmlformats.org/presentationml/2006/main">
   <p:cSld>
     <p:spTree>
       <p:nvGrpSpPr>
@@ -9035,7 +10118,7 @@
       </p:grpSpPr>
       <p:sp>
         <p:nvSpPr>
-          <p:cNvPr id="231" name="TextShape 1"/>
+          <p:cNvPr id="228" name="TextShape 1"/>
           <p:cNvSpPr txBox="1"/>
           <p:nvPr/>
         </p:nvSpPr>
@@ -9048,7 +10131,7 @@
             <a:avLst/>
           </a:prstGeom>
           <a:blipFill rotWithShape="0">
-            <a:blip r:embed="rId1"/>
+            <a:blip r:embed="rId2"/>
             <a:stretch>
               <a:fillRect/>
             </a:stretch>
@@ -9061,8 +10144,9 @@
           <a:bodyPr anchor="ctr">
             <a:noAutofit/>
           </a:bodyPr>
-          <a:p>
-            <a:endParaRPr b="0" lang="en-US" sz="2800" spc="-1" strike="noStrike">
+          <a:lstStyle/>
+          <a:p>
+            <a:endParaRPr lang="en-US" sz="2800" b="0" strike="noStrike" spc="-1">
               <a:solidFill>
                 <a:srgbClr val="000000"/>
               </a:solidFill>
@@ -9073,7 +10157,7 @@
       </p:sp>
       <p:sp>
         <p:nvSpPr>
-          <p:cNvPr id="232" name="TextShape 2"/>
+          <p:cNvPr id="229" name="TextShape 2"/>
           <p:cNvSpPr txBox="1"/>
           <p:nvPr/>
         </p:nvSpPr>
@@ -9092,8 +10176,9 @@
         </p:spPr>
         <p:txBody>
           <a:bodyPr tIns="0" anchor="ctr">
-            <a:normAutofit/>
-          </a:bodyPr>
+            <a:normAutofit fontScale="89500" lnSpcReduction="10000"/>
+          </a:bodyPr>
+          <a:lstStyle/>
           <a:p>
             <a:pPr>
               <a:lnSpc>
@@ -9101,15 +10186,15 @@
               </a:lnSpc>
             </a:pPr>
             <a:r>
-              <a:rPr b="0" lang="lt-LT" sz="6000" spc="-1" strike="noStrike">
+              <a:rPr lang="en-US" sz="6000" b="0" strike="noStrike" spc="-1">
                 <a:solidFill>
-                  <a:srgbClr val="ffffff"/>
+                  <a:srgbClr val="FFFFFF"/>
                 </a:solidFill>
                 <a:latin typeface="Calibri Light"/>
               </a:rPr>
-              <a:t>Links</a:t>
+              <a:t>Would you like to ask something?</a:t>
             </a:r>
-            <a:endParaRPr b="0" lang="en-US" sz="6000" spc="-1" strike="noStrike">
+            <a:endParaRPr lang="en-US" sz="6000" b="0" strike="noStrike" spc="-1">
               <a:solidFill>
                 <a:srgbClr val="000000"/>
               </a:solidFill>
@@ -9118,235 +10203,40 @@
           </a:p>
         </p:txBody>
       </p:sp>
-      <p:sp>
-        <p:nvSpPr>
-          <p:cNvPr id="233" name="CustomShape 3"/>
-          <p:cNvSpPr/>
-          <p:nvPr/>
-        </p:nvSpPr>
-        <p:spPr>
-          <a:xfrm>
-            <a:off x="681840" y="1545480"/>
-            <a:ext cx="9817200" cy="3812040"/>
-          </a:xfrm>
-          <a:prstGeom prst="rect">
-            <a:avLst/>
-          </a:prstGeom>
-          <a:noFill/>
+      <p:pic>
+        <p:nvPicPr>
+          <p:cNvPr id="230" name="Picture 5" descr="A cat that is looking at the camera&#10;&#10;Description automatically generated"/>
+          <p:cNvPicPr/>
+          <p:nvPr/>
+        </p:nvPicPr>
+        <p:blipFill>
+          <a:blip r:embed="rId3"/>
+          <a:srcRect l="25260"/>
+          <a:stretch/>
+        </p:blipFill>
+        <p:spPr>
+          <a:xfrm>
+            <a:off x="7851960" y="2506320"/>
+            <a:ext cx="4336560" cy="4351320"/>
+          </a:xfrm>
+          <a:prstGeom prst="rect">
+            <a:avLst/>
+          </a:prstGeom>
           <a:ln>
             <a:noFill/>
           </a:ln>
         </p:spPr>
-        <p:style>
-          <a:lnRef idx="0"/>
-          <a:fillRef idx="0"/>
-          <a:effectRef idx="0"/>
-          <a:fontRef idx="minor"/>
-        </p:style>
-        <p:txBody>
-          <a:bodyPr lIns="90000" rIns="90000" tIns="45000" bIns="45000">
-            <a:spAutoFit/>
-          </a:bodyPr>
-          <a:p>
-            <a:pPr marL="343080" indent="-342720">
-              <a:lnSpc>
-                <a:spcPct val="100000"/>
-              </a:lnSpc>
-              <a:spcAft>
-                <a:spcPts val="1800"/>
-              </a:spcAft>
-              <a:buClr>
-                <a:srgbClr val="00b0f0"/>
-              </a:buClr>
-              <a:buFont typeface="Arial"/>
-              <a:buChar char="•"/>
-            </a:pPr>
-            <a:r>
-              <a:rPr b="0" lang="en-US" sz="2400" spc="-1" strike="noStrike" u="sng">
-                <a:solidFill>
-                  <a:srgbClr val="0563c1"/>
-                </a:solidFill>
-                <a:uFillTx/>
-                <a:latin typeface="Calibri"/>
-                <a:hlinkClick r:id="rId2"/>
-              </a:rPr>
-              <a:t>https://github.com/teraxas/nodejs-demo</a:t>
-            </a:r>
-            <a:endParaRPr b="0" lang="en-US" sz="2400" spc="-1" strike="noStrike">
-              <a:latin typeface="Arial"/>
-            </a:endParaRPr>
-          </a:p>
-          <a:p>
-            <a:pPr marL="343080" indent="-342720">
-              <a:lnSpc>
-                <a:spcPct val="100000"/>
-              </a:lnSpc>
-              <a:spcAft>
-                <a:spcPts val="1800"/>
-              </a:spcAft>
-              <a:buClr>
-                <a:srgbClr val="00b0f0"/>
-              </a:buClr>
-              <a:buFont typeface="Arial"/>
-              <a:buChar char="•"/>
-            </a:pPr>
-            <a:r>
-              <a:rPr b="0" lang="en-US" sz="2400" spc="-1" strike="noStrike" u="sng">
-                <a:solidFill>
-                  <a:srgbClr val="0563c1"/>
-                </a:solidFill>
-                <a:uFillTx/>
-                <a:latin typeface="Calibri"/>
-                <a:hlinkClick r:id="rId3"/>
-              </a:rPr>
-              <a:t>https://dev.to/khaosdoctor/node-js-under-the-hood-1-getting-to-know-our-tools-1465</a:t>
-            </a:r>
-            <a:endParaRPr b="0" lang="en-US" sz="2400" spc="-1" strike="noStrike">
-              <a:latin typeface="Arial"/>
-            </a:endParaRPr>
-          </a:p>
-          <a:p>
-            <a:pPr marL="343080" indent="-342720">
-              <a:lnSpc>
-                <a:spcPct val="100000"/>
-              </a:lnSpc>
-              <a:spcAft>
-                <a:spcPts val="1800"/>
-              </a:spcAft>
-              <a:buClr>
-                <a:srgbClr val="00b0f0"/>
-              </a:buClr>
-              <a:buFont typeface="Arial"/>
-              <a:buChar char="•"/>
-            </a:pPr>
-            <a:r>
-              <a:rPr b="0" lang="en-US" sz="2400" spc="-1" strike="noStrike">
-                <a:solidFill>
-                  <a:srgbClr val="0563c1"/>
-                </a:solidFill>
-                <a:latin typeface="Source Sans Pro"/>
-                <a:hlinkClick r:id="rId4"/>
-              </a:rPr>
-              <a:t>https://medium.com/@mattmazzola/comparing-asynchronous-patterns-between-c-and-javascript-2137793d7e37</a:t>
-            </a:r>
-            <a:endParaRPr b="0" lang="en-US" sz="2400" spc="-1" strike="noStrike">
-              <a:latin typeface="Arial"/>
-            </a:endParaRPr>
-          </a:p>
-          <a:p>
-            <a:pPr marL="343080" indent="-342720">
-              <a:lnSpc>
-                <a:spcPct val="100000"/>
-              </a:lnSpc>
-              <a:spcAft>
-                <a:spcPts val="1800"/>
-              </a:spcAft>
-              <a:buClr>
-                <a:srgbClr val="00b0f0"/>
-              </a:buClr>
-              <a:buFont typeface="Arial"/>
-              <a:buChar char="•"/>
-            </a:pPr>
-            <a:r>
-              <a:rPr b="0" lang="en-US" sz="2400" spc="-1" strike="noStrike" u="sng">
-                <a:solidFill>
-                  <a:srgbClr val="0563c1"/>
-                </a:solidFill>
-                <a:uFillTx/>
-                <a:latin typeface="Calibri"/>
-                <a:hlinkClick r:id="rId5"/>
-              </a:rPr>
-              <a:t>https://medium.com/jspoint/a-simple-guide-to-load-c-c-code-into-node-js-javascript-applications-3fcccf54fd32</a:t>
-            </a:r>
-            <a:endParaRPr b="0" lang="en-US" sz="2400" spc="-1" strike="noStrike">
-              <a:latin typeface="Arial"/>
-            </a:endParaRPr>
-          </a:p>
-          <a:p>
-            <a:pPr marL="343080" indent="-342720">
-              <a:lnSpc>
-                <a:spcPct val="100000"/>
-              </a:lnSpc>
-              <a:spcAft>
-                <a:spcPts val="1800"/>
-              </a:spcAft>
-              <a:buClr>
-                <a:srgbClr val="00b0f0"/>
-              </a:buClr>
-              <a:buFont typeface="Arial"/>
-              <a:buChar char="•"/>
-            </a:pPr>
-            <a:r>
-              <a:rPr b="0" lang="en-US" sz="2400" spc="-1" strike="noStrike" u="sng">
-                <a:solidFill>
-                  <a:srgbClr val="0563c1"/>
-                </a:solidFill>
-                <a:uFillTx/>
-                <a:latin typeface="Calibri"/>
-                <a:hlinkClick r:id="rId6"/>
-              </a:rPr>
-              <a:t>https://developpaper.com/install-node-gyp-offline/</a:t>
-            </a:r>
-            <a:endParaRPr b="0" lang="en-US" sz="2400" spc="-1" strike="noStrike">
-              <a:latin typeface="Arial"/>
-            </a:endParaRPr>
-          </a:p>
-          <a:p>
-            <a:pPr marL="343080" indent="-342720">
-              <a:lnSpc>
-                <a:spcPct val="100000"/>
-              </a:lnSpc>
-              <a:spcAft>
-                <a:spcPts val="1800"/>
-              </a:spcAft>
-              <a:buClr>
-                <a:srgbClr val="00b0f0"/>
-              </a:buClr>
-              <a:buFont typeface="Arial"/>
-              <a:buChar char="•"/>
-            </a:pPr>
-            <a:r>
-              <a:rPr b="0" lang="en-US" sz="2400" spc="-1" strike="noStrike" u="sng">
-                <a:solidFill>
-                  <a:srgbClr val="0563c1"/>
-                </a:solidFill>
-                <a:uFillTx/>
-                <a:latin typeface="Calibri"/>
-                <a:hlinkClick r:id="rId7"/>
-              </a:rPr>
-              <a:t>https://github.com/sindresorhus/awesome-nodejs</a:t>
-            </a:r>
-            <a:br/>
-            <a:r>
-              <a:rPr b="0" lang="en-US" sz="2400" spc="-1" strike="noStrike">
-                <a:solidFill>
-                  <a:srgbClr val="ffffff"/>
-                </a:solidFill>
-                <a:latin typeface="Source Sans Pro"/>
-              </a:rPr>
-              <a:t> </a:t>
-            </a:r>
-            <a:endParaRPr b="0" lang="en-US" sz="2400" spc="-1" strike="noStrike">
-              <a:latin typeface="Arial"/>
-            </a:endParaRPr>
-          </a:p>
-        </p:txBody>
-      </p:sp>
+      </p:pic>
     </p:spTree>
   </p:cSld>
-  <mc:AlternateContent>
-    <mc:Choice Requires="p14">
-      <p:transition spd="slow" p14:dur="2000"/>
-    </mc:Choice>
-    <mc:Fallback>
-      <p:transition spd="slow"/>
-    </mc:Fallback>
-  </mc:AlternateContent>
+  <p:clrMapOvr>
+    <a:masterClrMapping/>
+  </p:clrMapOvr>
 </p:sld>
 </file>
 
-<file path=ppt/slides/slide3.xml><?xml version="1.0" encoding="utf-8"?>
-<p:sld xmlns:a="http://schemas.openxmlformats.org/drawingml/2006/main" xmlns:p="http://schemas.openxmlformats.org/presentationml/2006/main" xmlns:r="http://schemas.openxmlformats.org/officeDocument/2006/relationships" xmlns:p14="http://schemas.microsoft.com/office/powerpoint/2010/main" xmlns:p15="http://schemas.microsoft.com/office/powerpoint/2012/main" xmlns:mc="http://schemas.openxmlformats.org/markup-compatibility/2006">
+<file path=ppt/slides/slide22.xml><?xml version="1.0" encoding="utf-8"?>
+<p:sld xmlns:a="http://schemas.openxmlformats.org/drawingml/2006/main" xmlns:r="http://schemas.openxmlformats.org/officeDocument/2006/relationships" xmlns:p="http://schemas.openxmlformats.org/presentationml/2006/main">
   <p:cSld>
     <p:spTree>
       <p:nvGrpSpPr>
@@ -9364,7 +10254,7 @@
       </p:grpSpPr>
       <p:sp>
         <p:nvSpPr>
-          <p:cNvPr id="102" name="TextShape 1"/>
+          <p:cNvPr id="231" name="TextShape 1"/>
           <p:cNvSpPr txBox="1"/>
           <p:nvPr/>
         </p:nvSpPr>
@@ -9377,7 +10267,7 @@
             <a:avLst/>
           </a:prstGeom>
           <a:blipFill rotWithShape="0">
-            <a:blip r:embed="rId1"/>
+            <a:blip r:embed="rId2"/>
             <a:stretch>
               <a:fillRect/>
             </a:stretch>
@@ -9390,8 +10280,9 @@
           <a:bodyPr anchor="ctr">
             <a:noAutofit/>
           </a:bodyPr>
-          <a:p>
-            <a:endParaRPr b="0" lang="en-US" sz="2800" spc="-1" strike="noStrike">
+          <a:lstStyle/>
+          <a:p>
+            <a:endParaRPr lang="en-US" sz="2800" b="0" strike="noStrike" spc="-1">
               <a:solidFill>
                 <a:srgbClr val="000000"/>
               </a:solidFill>
@@ -9402,7 +10293,7 @@
       </p:sp>
       <p:sp>
         <p:nvSpPr>
-          <p:cNvPr id="103" name="TextShape 2"/>
+          <p:cNvPr id="232" name="TextShape 2"/>
           <p:cNvSpPr txBox="1"/>
           <p:nvPr/>
         </p:nvSpPr>
@@ -9421,8 +10312,9 @@
         </p:spPr>
         <p:txBody>
           <a:bodyPr tIns="0" anchor="ctr">
-            <a:normAutofit/>
-          </a:bodyPr>
+            <a:normAutofit fontScale="92500" lnSpcReduction="10000"/>
+          </a:bodyPr>
+          <a:lstStyle/>
           <a:p>
             <a:pPr>
               <a:lnSpc>
@@ -9430,15 +10322,15 @@
               </a:lnSpc>
             </a:pPr>
             <a:r>
-              <a:rPr b="0" lang="lt-LT" sz="6000" spc="-1" strike="noStrike">
+              <a:rPr lang="lt-LT" sz="6000" b="0" strike="noStrike" spc="-1">
                 <a:solidFill>
-                  <a:srgbClr val="ffffff"/>
+                  <a:srgbClr val="FFFFFF"/>
                 </a:solidFill>
                 <a:latin typeface="Calibri Light"/>
               </a:rPr>
-              <a:t>Node JS</a:t>
+              <a:t>Links</a:t>
             </a:r>
-            <a:endParaRPr b="0" lang="en-US" sz="6000" spc="-1" strike="noStrike">
+            <a:endParaRPr lang="en-US" sz="6000" b="0" strike="noStrike" spc="-1">
               <a:solidFill>
                 <a:srgbClr val="000000"/>
               </a:solidFill>
@@ -9449,14 +10341,14 @@
       </p:sp>
       <p:sp>
         <p:nvSpPr>
-          <p:cNvPr id="104" name="CustomShape 3"/>
+          <p:cNvPr id="233" name="CustomShape 3"/>
           <p:cNvSpPr/>
           <p:nvPr/>
         </p:nvSpPr>
         <p:spPr>
           <a:xfrm>
-            <a:off x="537480" y="1620720"/>
-            <a:ext cx="9817200" cy="1552680"/>
+            <a:off x="681840" y="1545480"/>
+            <a:ext cx="9817200" cy="3812040"/>
           </a:xfrm>
           <a:prstGeom prst="rect">
             <a:avLst/>
@@ -9467,112 +10359,202 @@
           </a:ln>
         </p:spPr>
         <p:style>
-          <a:lnRef idx="0"/>
-          <a:fillRef idx="0"/>
-          <a:effectRef idx="0"/>
+          <a:lnRef idx="0">
+            <a:scrgbClr r="0" g="0" b="0"/>
+          </a:lnRef>
+          <a:fillRef idx="0">
+            <a:scrgbClr r="0" g="0" b="0"/>
+          </a:fillRef>
+          <a:effectRef idx="0">
+            <a:scrgbClr r="0" g="0" b="0"/>
+          </a:effectRef>
           <a:fontRef idx="minor"/>
         </p:style>
         <p:txBody>
-          <a:bodyPr lIns="90000" rIns="90000" tIns="45000" bIns="45000">
+          <a:bodyPr lIns="90000" tIns="45000" rIns="90000" bIns="45000">
             <a:spAutoFit/>
           </a:bodyPr>
-          <a:p>
-            <a:pPr marL="216000" indent="-216000">
+          <a:lstStyle/>
+          <a:p>
+            <a:pPr marL="343080" indent="-342720">
               <a:lnSpc>
                 <a:spcPct val="100000"/>
               </a:lnSpc>
+              <a:spcAft>
+                <a:spcPts val="1800"/>
+              </a:spcAft>
               <a:buClr>
-                <a:srgbClr val="ffffff"/>
+                <a:srgbClr val="00B0F0"/>
               </a:buClr>
-              <a:buSzPct val="65000"/>
-              <a:buFont typeface="Wingdings" charset="2"/>
-              <a:buChar char=""/>
+              <a:buFont typeface="Arial"/>
+              <a:buChar char="•"/>
             </a:pPr>
             <a:r>
-              <a:rPr b="0" lang="en-US" sz="2400" spc="-1" strike="noStrike">
+              <a:rPr lang="en-US" sz="2400" b="0" u="sng" strike="noStrike" spc="-1">
                 <a:solidFill>
-                  <a:srgbClr val="ffffff"/>
+                  <a:srgbClr val="0563C1"/>
+                </a:solidFill>
+                <a:uFillTx/>
+                <a:latin typeface="Calibri"/>
+                <a:hlinkClick r:id="rId3"/>
+              </a:rPr>
+              <a:t>https://github.com/teraxas/nodejs-demo</a:t>
+            </a:r>
+            <a:endParaRPr lang="en-US" sz="2400" b="0" strike="noStrike" spc="-1">
+              <a:latin typeface="Arial"/>
+            </a:endParaRPr>
+          </a:p>
+          <a:p>
+            <a:pPr marL="343080" indent="-342720">
+              <a:lnSpc>
+                <a:spcPct val="100000"/>
+              </a:lnSpc>
+              <a:spcAft>
+                <a:spcPts val="1800"/>
+              </a:spcAft>
+              <a:buClr>
+                <a:srgbClr val="00B0F0"/>
+              </a:buClr>
+              <a:buFont typeface="Arial"/>
+              <a:buChar char="•"/>
+            </a:pPr>
+            <a:r>
+              <a:rPr lang="en-US" sz="2400" b="0" u="sng" strike="noStrike" spc="-1">
+                <a:solidFill>
+                  <a:srgbClr val="0563C1"/>
+                </a:solidFill>
+                <a:uFillTx/>
+                <a:latin typeface="Calibri"/>
+                <a:hlinkClick r:id="rId4"/>
+              </a:rPr>
+              <a:t>https://dev.to/khaosdoctor/node-js-under-the-hood-1-getting-to-know-our-tools-1465</a:t>
+            </a:r>
+            <a:endParaRPr lang="en-US" sz="2400" b="0" strike="noStrike" spc="-1">
+              <a:latin typeface="Arial"/>
+            </a:endParaRPr>
+          </a:p>
+          <a:p>
+            <a:pPr marL="343080" indent="-342720">
+              <a:lnSpc>
+                <a:spcPct val="100000"/>
+              </a:lnSpc>
+              <a:spcAft>
+                <a:spcPts val="1800"/>
+              </a:spcAft>
+              <a:buClr>
+                <a:srgbClr val="00B0F0"/>
+              </a:buClr>
+              <a:buFont typeface="Arial"/>
+              <a:buChar char="•"/>
+            </a:pPr>
+            <a:r>
+              <a:rPr lang="en-US" sz="2400" b="0" strike="noStrike" spc="-1">
+                <a:solidFill>
+                  <a:srgbClr val="0563C1"/>
+                </a:solidFill>
+                <a:latin typeface="Source Sans Pro"/>
+                <a:hlinkClick r:id="rId5"/>
+              </a:rPr>
+              <a:t>https://medium.com/@mattmazzola/comparing-asynchronous-patterns-between-c-and-javascript-2137793d7e37</a:t>
+            </a:r>
+            <a:endParaRPr lang="en-US" sz="2400" b="0" strike="noStrike" spc="-1">
+              <a:latin typeface="Arial"/>
+            </a:endParaRPr>
+          </a:p>
+          <a:p>
+            <a:pPr marL="343080" indent="-342720">
+              <a:lnSpc>
+                <a:spcPct val="100000"/>
+              </a:lnSpc>
+              <a:spcAft>
+                <a:spcPts val="1800"/>
+              </a:spcAft>
+              <a:buClr>
+                <a:srgbClr val="00B0F0"/>
+              </a:buClr>
+              <a:buFont typeface="Arial"/>
+              <a:buChar char="•"/>
+            </a:pPr>
+            <a:r>
+              <a:rPr lang="en-US" sz="2400" b="0" u="sng" strike="noStrike" spc="-1">
+                <a:solidFill>
+                  <a:srgbClr val="0563C1"/>
+                </a:solidFill>
+                <a:uFillTx/>
+                <a:latin typeface="Calibri"/>
+                <a:hlinkClick r:id="rId6"/>
+              </a:rPr>
+              <a:t>https://medium.com/jspoint/a-simple-guide-to-load-c-c-code-into-node-js-javascript-applications-3fcccf54fd32</a:t>
+            </a:r>
+            <a:endParaRPr lang="en-US" sz="2400" b="0" strike="noStrike" spc="-1">
+              <a:latin typeface="Arial"/>
+            </a:endParaRPr>
+          </a:p>
+          <a:p>
+            <a:pPr marL="343080" indent="-342720">
+              <a:lnSpc>
+                <a:spcPct val="100000"/>
+              </a:lnSpc>
+              <a:spcAft>
+                <a:spcPts val="1800"/>
+              </a:spcAft>
+              <a:buClr>
+                <a:srgbClr val="00B0F0"/>
+              </a:buClr>
+              <a:buFont typeface="Arial"/>
+              <a:buChar char="•"/>
+            </a:pPr>
+            <a:r>
+              <a:rPr lang="en-US" sz="2400" b="0" u="sng" strike="noStrike" spc="-1">
+                <a:solidFill>
+                  <a:srgbClr val="0563C1"/>
+                </a:solidFill>
+                <a:uFillTx/>
+                <a:latin typeface="Calibri"/>
+                <a:hlinkClick r:id="rId7"/>
+              </a:rPr>
+              <a:t>https://developpaper.com/install-node-gyp-offline/</a:t>
+            </a:r>
+            <a:endParaRPr lang="en-US" sz="2400" b="0" strike="noStrike" spc="-1">
+              <a:latin typeface="Arial"/>
+            </a:endParaRPr>
+          </a:p>
+          <a:p>
+            <a:pPr marL="343080" indent="-342720">
+              <a:lnSpc>
+                <a:spcPct val="100000"/>
+              </a:lnSpc>
+              <a:spcAft>
+                <a:spcPts val="1800"/>
+              </a:spcAft>
+              <a:buClr>
+                <a:srgbClr val="00B0F0"/>
+              </a:buClr>
+              <a:buFont typeface="Arial"/>
+              <a:buChar char="•"/>
+            </a:pPr>
+            <a:r>
+              <a:rPr lang="en-US" sz="2400" b="0" u="sng" strike="noStrike" spc="-1">
+                <a:solidFill>
+                  <a:srgbClr val="0563C1"/>
+                </a:solidFill>
+                <a:uFillTx/>
+                <a:latin typeface="Calibri"/>
+                <a:hlinkClick r:id="rId8"/>
+              </a:rPr>
+              <a:t>https://github.com/sindresorhus/awesome-nodejs</a:t>
+            </a:r>
+            <a:br/>
+            <a:r>
+              <a:rPr lang="en-US" sz="2400" b="0" strike="noStrike" spc="-1">
+                <a:solidFill>
+                  <a:srgbClr val="FFFFFF"/>
                 </a:solidFill>
                 <a:latin typeface="Source Sans Pro"/>
               </a:rPr>
-              <a:t>What Node JS is made of?</a:t>
+              <a:t> </a:t>
             </a:r>
-            <a:endParaRPr b="0" lang="en-US" sz="2400" spc="-1" strike="noStrike">
-              <a:latin typeface="Arial"/>
-            </a:endParaRPr>
-          </a:p>
-          <a:p>
-            <a:pPr marL="216000" indent="-216000">
-              <a:lnSpc>
-                <a:spcPct val="100000"/>
-              </a:lnSpc>
-              <a:buClr>
-                <a:srgbClr val="ffffff"/>
-              </a:buClr>
-              <a:buSzPct val="65000"/>
-              <a:buFont typeface="Wingdings" charset="2"/>
-              <a:buChar char=""/>
-            </a:pPr>
-            <a:r>
-              <a:rPr b="0" lang="en-US" sz="2400" spc="-1" strike="noStrike">
-                <a:solidFill>
-                  <a:srgbClr val="ffffff"/>
-                </a:solidFill>
-                <a:latin typeface="Source Sans Pro"/>
-              </a:rPr>
-              <a:t>How it works?</a:t>
-            </a:r>
-            <a:endParaRPr b="0" lang="en-US" sz="2400" spc="-1" strike="noStrike">
-              <a:latin typeface="Arial"/>
-            </a:endParaRPr>
-          </a:p>
-          <a:p>
-            <a:pPr marL="216000" indent="-216000">
-              <a:lnSpc>
-                <a:spcPct val="100000"/>
-              </a:lnSpc>
-              <a:buClr>
-                <a:srgbClr val="ffffff"/>
-              </a:buClr>
-              <a:buSzPct val="65000"/>
-              <a:buFont typeface="Wingdings" charset="2"/>
-              <a:buChar char=""/>
-            </a:pPr>
-            <a:r>
-              <a:rPr b="0" lang="en-US" sz="2400" spc="-1" strike="noStrike">
-                <a:solidFill>
-                  <a:srgbClr val="ffffff"/>
-                </a:solidFill>
-                <a:latin typeface="Source Sans Pro"/>
-              </a:rPr>
-              <a:t>Why is it used?</a:t>
-            </a:r>
-            <a:endParaRPr b="0" lang="en-US" sz="2400" spc="-1" strike="noStrike">
-              <a:latin typeface="Arial"/>
-            </a:endParaRPr>
-          </a:p>
-          <a:p>
-            <a:pPr marL="216000" indent="-216000">
-              <a:lnSpc>
-                <a:spcPct val="100000"/>
-              </a:lnSpc>
-              <a:buClr>
-                <a:srgbClr val="ffffff"/>
-              </a:buClr>
-              <a:buSzPct val="65000"/>
-              <a:buFont typeface="Wingdings" charset="2"/>
-              <a:buChar char=""/>
-            </a:pPr>
-            <a:r>
-              <a:rPr b="0" lang="en-US" sz="2400" spc="-1" strike="noStrike">
-                <a:solidFill>
-                  <a:srgbClr val="ffffff"/>
-                </a:solidFill>
-                <a:latin typeface="Source Sans Pro"/>
-              </a:rPr>
-              <a:t>Some demos of more interesting features</a:t>
-            </a:r>
-            <a:endParaRPr b="0" lang="en-US" sz="2400" spc="-1" strike="noStrike">
+            <a:endParaRPr lang="en-US" sz="2400" b="0" strike="noStrike" spc="-1">
               <a:latin typeface="Arial"/>
             </a:endParaRPr>
           </a:p>
@@ -9580,19 +10562,14 @@
       </p:sp>
     </p:spTree>
   </p:cSld>
-  <mc:AlternateContent>
-    <mc:Choice Requires="p14">
-      <p:transition spd="slow" p14:dur="2000"/>
-    </mc:Choice>
-    <mc:Fallback>
-      <p:transition spd="slow"/>
-    </mc:Fallback>
-  </mc:AlternateContent>
+  <p:clrMapOvr>
+    <a:masterClrMapping/>
+  </p:clrMapOvr>
 </p:sld>
 </file>
 
-<file path=ppt/slides/slide4.xml><?xml version="1.0" encoding="utf-8"?>
-<p:sld xmlns:a="http://schemas.openxmlformats.org/drawingml/2006/main" xmlns:p="http://schemas.openxmlformats.org/presentationml/2006/main" xmlns:r="http://schemas.openxmlformats.org/officeDocument/2006/relationships" xmlns:p14="http://schemas.microsoft.com/office/powerpoint/2010/main" xmlns:p15="http://schemas.microsoft.com/office/powerpoint/2012/main" xmlns:mc="http://schemas.openxmlformats.org/markup-compatibility/2006">
+<file path=ppt/slides/slide3.xml><?xml version="1.0" encoding="utf-8"?>
+<p:sld xmlns:a="http://schemas.openxmlformats.org/drawingml/2006/main" xmlns:r="http://schemas.openxmlformats.org/officeDocument/2006/relationships" xmlns:p="http://schemas.openxmlformats.org/presentationml/2006/main">
   <p:cSld>
     <p:spTree>
       <p:nvGrpSpPr>
@@ -9610,7 +10587,7 @@
       </p:grpSpPr>
       <p:sp>
         <p:nvSpPr>
-          <p:cNvPr id="105" name="TextShape 1"/>
+          <p:cNvPr id="102" name="TextShape 1"/>
           <p:cNvSpPr txBox="1"/>
           <p:nvPr/>
         </p:nvSpPr>
@@ -9623,7 +10600,7 @@
             <a:avLst/>
           </a:prstGeom>
           <a:blipFill rotWithShape="0">
-            <a:blip r:embed="rId1"/>
+            <a:blip r:embed="rId2"/>
             <a:stretch>
               <a:fillRect/>
             </a:stretch>
@@ -9636,8 +10613,9 @@
           <a:bodyPr anchor="ctr">
             <a:noAutofit/>
           </a:bodyPr>
-          <a:p>
-            <a:endParaRPr b="0" lang="en-US" sz="2800" spc="-1" strike="noStrike">
+          <a:lstStyle/>
+          <a:p>
+            <a:endParaRPr lang="en-US" sz="2800" b="0" strike="noStrike" spc="-1">
               <a:solidFill>
                 <a:srgbClr val="000000"/>
               </a:solidFill>
@@ -9648,7 +10626,7 @@
       </p:sp>
       <p:sp>
         <p:nvSpPr>
-          <p:cNvPr id="106" name="TextShape 2"/>
+          <p:cNvPr id="103" name="TextShape 2"/>
           <p:cNvSpPr txBox="1"/>
           <p:nvPr/>
         </p:nvSpPr>
@@ -9667,8 +10645,9 @@
         </p:spPr>
         <p:txBody>
           <a:bodyPr tIns="0" anchor="ctr">
-            <a:normAutofit/>
-          </a:bodyPr>
+            <a:normAutofit fontScale="92500" lnSpcReduction="10000"/>
+          </a:bodyPr>
+          <a:lstStyle/>
           <a:p>
             <a:pPr>
               <a:lnSpc>
@@ -9676,15 +10655,15 @@
               </a:lnSpc>
             </a:pPr>
             <a:r>
-              <a:rPr b="0" lang="en-US" sz="6000" spc="-1" strike="noStrike">
+              <a:rPr lang="lt-LT" sz="6000" b="0" strike="noStrike" spc="-1">
                 <a:solidFill>
-                  <a:srgbClr val="ffffff"/>
+                  <a:srgbClr val="FFFFFF"/>
                 </a:solidFill>
                 <a:latin typeface="Calibri Light"/>
               </a:rPr>
-              <a:t>What is Node JS?</a:t>
+              <a:t>Node JS</a:t>
             </a:r>
-            <a:endParaRPr b="0" lang="en-US" sz="6000" spc="-1" strike="noStrike">
+            <a:endParaRPr lang="en-US" sz="6000" b="0" strike="noStrike" spc="-1">
               <a:solidFill>
                 <a:srgbClr val="000000"/>
               </a:solidFill>
@@ -9693,44 +10672,154 @@
           </a:p>
         </p:txBody>
       </p:sp>
-      <p:pic>
-        <p:nvPicPr>
-          <p:cNvPr id="107" name="Picture 2" descr="Image for post"/>
-          <p:cNvPicPr/>
-          <p:nvPr/>
-        </p:nvPicPr>
-        <p:blipFill>
-          <a:blip r:embed="rId2"/>
-          <a:stretch/>
-        </p:blipFill>
-        <p:spPr>
-          <a:xfrm>
-            <a:off x="2567160" y="1795320"/>
-            <a:ext cx="6771960" cy="4009680"/>
-          </a:xfrm>
-          <a:prstGeom prst="rect">
-            <a:avLst/>
-          </a:prstGeom>
+      <p:sp>
+        <p:nvSpPr>
+          <p:cNvPr id="104" name="CustomShape 3"/>
+          <p:cNvSpPr/>
+          <p:nvPr/>
+        </p:nvSpPr>
+        <p:spPr>
+          <a:xfrm>
+            <a:off x="537480" y="1620720"/>
+            <a:ext cx="9817200" cy="1552680"/>
+          </a:xfrm>
+          <a:prstGeom prst="rect">
+            <a:avLst/>
+          </a:prstGeom>
+          <a:noFill/>
           <a:ln>
             <a:noFill/>
           </a:ln>
         </p:spPr>
-      </p:pic>
+        <p:style>
+          <a:lnRef idx="0">
+            <a:scrgbClr r="0" g="0" b="0"/>
+          </a:lnRef>
+          <a:fillRef idx="0">
+            <a:scrgbClr r="0" g="0" b="0"/>
+          </a:fillRef>
+          <a:effectRef idx="0">
+            <a:scrgbClr r="0" g="0" b="0"/>
+          </a:effectRef>
+          <a:fontRef idx="minor"/>
+        </p:style>
+        <p:txBody>
+          <a:bodyPr lIns="90000" tIns="45000" rIns="90000" bIns="45000">
+            <a:spAutoFit/>
+          </a:bodyPr>
+          <a:lstStyle/>
+          <a:p>
+            <a:pPr marL="216000" indent="-216000">
+              <a:lnSpc>
+                <a:spcPct val="100000"/>
+              </a:lnSpc>
+              <a:buClr>
+                <a:srgbClr val="FFFFFF"/>
+              </a:buClr>
+              <a:buSzPct val="65000"/>
+              <a:buFont typeface="Wingdings" charset="2"/>
+              <a:buChar char=""/>
+            </a:pPr>
+            <a:r>
+              <a:rPr lang="en-US" sz="2400" b="0" strike="noStrike" spc="-1">
+                <a:solidFill>
+                  <a:srgbClr val="FFFFFF"/>
+                </a:solidFill>
+                <a:latin typeface="Source Sans Pro"/>
+              </a:rPr>
+              <a:t>What Node JS is made of?</a:t>
+            </a:r>
+            <a:endParaRPr lang="en-US" sz="2400" b="0" strike="noStrike" spc="-1">
+              <a:latin typeface="Arial"/>
+            </a:endParaRPr>
+          </a:p>
+          <a:p>
+            <a:pPr marL="216000" indent="-216000">
+              <a:lnSpc>
+                <a:spcPct val="100000"/>
+              </a:lnSpc>
+              <a:buClr>
+                <a:srgbClr val="FFFFFF"/>
+              </a:buClr>
+              <a:buSzPct val="65000"/>
+              <a:buFont typeface="Wingdings" charset="2"/>
+              <a:buChar char=""/>
+            </a:pPr>
+            <a:r>
+              <a:rPr lang="en-US" sz="2400" b="0" strike="noStrike" spc="-1">
+                <a:solidFill>
+                  <a:srgbClr val="FFFFFF"/>
+                </a:solidFill>
+                <a:latin typeface="Source Sans Pro"/>
+              </a:rPr>
+              <a:t>How it works?</a:t>
+            </a:r>
+            <a:endParaRPr lang="en-US" sz="2400" b="0" strike="noStrike" spc="-1">
+              <a:latin typeface="Arial"/>
+            </a:endParaRPr>
+          </a:p>
+          <a:p>
+            <a:pPr marL="216000" indent="-216000">
+              <a:lnSpc>
+                <a:spcPct val="100000"/>
+              </a:lnSpc>
+              <a:buClr>
+                <a:srgbClr val="FFFFFF"/>
+              </a:buClr>
+              <a:buSzPct val="65000"/>
+              <a:buFont typeface="Wingdings" charset="2"/>
+              <a:buChar char=""/>
+            </a:pPr>
+            <a:r>
+              <a:rPr lang="en-US" sz="2400" b="0" strike="noStrike" spc="-1">
+                <a:solidFill>
+                  <a:srgbClr val="FFFFFF"/>
+                </a:solidFill>
+                <a:latin typeface="Source Sans Pro"/>
+              </a:rPr>
+              <a:t>Why is it used?</a:t>
+            </a:r>
+            <a:endParaRPr lang="en-US" sz="2400" b="0" strike="noStrike" spc="-1">
+              <a:latin typeface="Arial"/>
+            </a:endParaRPr>
+          </a:p>
+          <a:p>
+            <a:pPr marL="216000" indent="-216000">
+              <a:lnSpc>
+                <a:spcPct val="100000"/>
+              </a:lnSpc>
+              <a:buClr>
+                <a:srgbClr val="FFFFFF"/>
+              </a:buClr>
+              <a:buSzPct val="65000"/>
+              <a:buFont typeface="Wingdings" charset="2"/>
+              <a:buChar char=""/>
+            </a:pPr>
+            <a:r>
+              <a:rPr lang="en-US" sz="2400" b="0" strike="noStrike" spc="-1">
+                <a:solidFill>
+                  <a:srgbClr val="FFFFFF"/>
+                </a:solidFill>
+                <a:latin typeface="Source Sans Pro"/>
+              </a:rPr>
+              <a:t>Some demos of more interesting features</a:t>
+            </a:r>
+            <a:endParaRPr lang="en-US" sz="2400" b="0" strike="noStrike" spc="-1">
+              <a:latin typeface="Arial"/>
+            </a:endParaRPr>
+          </a:p>
+        </p:txBody>
+      </p:sp>
     </p:spTree>
   </p:cSld>
-  <mc:AlternateContent>
-    <mc:Choice Requires="p14">
-      <p:transition spd="slow" p14:dur="2000"/>
-    </mc:Choice>
-    <mc:Fallback>
-      <p:transition spd="slow"/>
-    </mc:Fallback>
-  </mc:AlternateContent>
+  <p:clrMapOvr>
+    <a:masterClrMapping/>
+  </p:clrMapOvr>
 </p:sld>
 </file>
 
-<file path=ppt/slides/slide5.xml><?xml version="1.0" encoding="utf-8"?>
-<p:sld xmlns:a="http://schemas.openxmlformats.org/drawingml/2006/main" xmlns:p="http://schemas.openxmlformats.org/presentationml/2006/main" xmlns:r="http://schemas.openxmlformats.org/officeDocument/2006/relationships" xmlns:p14="http://schemas.microsoft.com/office/powerpoint/2010/main" xmlns:p15="http://schemas.microsoft.com/office/powerpoint/2012/main" xmlns:mc="http://schemas.openxmlformats.org/markup-compatibility/2006">
+<file path=ppt/slides/slide4.xml><?xml version="1.0" encoding="utf-8"?>
+<p:sld xmlns:a="http://schemas.openxmlformats.org/drawingml/2006/main" xmlns:r="http://schemas.openxmlformats.org/officeDocument/2006/relationships" xmlns:p="http://schemas.openxmlformats.org/presentationml/2006/main">
   <p:cSld>
     <p:spTree>
       <p:nvGrpSpPr>
@@ -9748,7 +10837,7 @@
       </p:grpSpPr>
       <p:sp>
         <p:nvSpPr>
-          <p:cNvPr id="108" name="TextShape 1"/>
+          <p:cNvPr id="105" name="TextShape 1"/>
           <p:cNvSpPr txBox="1"/>
           <p:nvPr/>
         </p:nvSpPr>
@@ -9761,7 +10850,7 @@
             <a:avLst/>
           </a:prstGeom>
           <a:blipFill rotWithShape="0">
-            <a:blip r:embed="rId1"/>
+            <a:blip r:embed="rId2"/>
             <a:stretch>
               <a:fillRect/>
             </a:stretch>
@@ -9774,8 +10863,9 @@
           <a:bodyPr anchor="ctr">
             <a:noAutofit/>
           </a:bodyPr>
-          <a:p>
-            <a:endParaRPr b="0" lang="en-US" sz="2800" spc="-1" strike="noStrike">
+          <a:lstStyle/>
+          <a:p>
+            <a:endParaRPr lang="en-US" sz="2800" b="0" strike="noStrike" spc="-1">
               <a:solidFill>
                 <a:srgbClr val="000000"/>
               </a:solidFill>
@@ -9786,7 +10876,7 @@
       </p:sp>
       <p:sp>
         <p:nvSpPr>
-          <p:cNvPr id="109" name="TextShape 2"/>
+          <p:cNvPr id="106" name="TextShape 2"/>
           <p:cNvSpPr txBox="1"/>
           <p:nvPr/>
         </p:nvSpPr>
@@ -9805,8 +10895,9 @@
         </p:spPr>
         <p:txBody>
           <a:bodyPr tIns="0" anchor="ctr">
-            <a:normAutofit/>
-          </a:bodyPr>
+            <a:normAutofit fontScale="92500" lnSpcReduction="10000"/>
+          </a:bodyPr>
+          <a:lstStyle/>
           <a:p>
             <a:pPr>
               <a:lnSpc>
@@ -9814,15 +10905,15 @@
               </a:lnSpc>
             </a:pPr>
             <a:r>
-              <a:rPr b="0" lang="en-US" sz="6000" spc="-1" strike="noStrike">
+              <a:rPr lang="en-US" sz="6000" b="0" strike="noStrike" spc="-1">
                 <a:solidFill>
-                  <a:srgbClr val="ffffff"/>
+                  <a:srgbClr val="FFFFFF"/>
                 </a:solidFill>
                 <a:latin typeface="Calibri Light"/>
               </a:rPr>
               <a:t>What is Node JS?</a:t>
             </a:r>
-            <a:endParaRPr b="0" lang="en-US" sz="6000" spc="-1" strike="noStrike">
+            <a:endParaRPr lang="en-US" sz="6000" b="0" strike="noStrike" spc="-1">
               <a:solidFill>
                 <a:srgbClr val="000000"/>
               </a:solidFill>
@@ -9833,30 +10924,7 @@
       </p:sp>
       <p:pic>
         <p:nvPicPr>
-          <p:cNvPr id="110" name="Picture 2" descr="Image for post"/>
-          <p:cNvPicPr/>
-          <p:nvPr/>
-        </p:nvPicPr>
-        <p:blipFill>
-          <a:blip r:embed="rId2"/>
-          <a:stretch/>
-        </p:blipFill>
-        <p:spPr>
-          <a:xfrm>
-            <a:off x="2948040" y="1424160"/>
-            <a:ext cx="6295680" cy="4009680"/>
-          </a:xfrm>
-          <a:prstGeom prst="rect">
-            <a:avLst/>
-          </a:prstGeom>
-          <a:ln>
-            <a:noFill/>
-          </a:ln>
-        </p:spPr>
-      </p:pic>
-      <p:pic>
-        <p:nvPicPr>
-          <p:cNvPr id="111" name="Picture 4" descr="libuv"/>
+          <p:cNvPr id="107" name="Picture 2" descr="Image for post"/>
           <p:cNvPicPr/>
           <p:nvPr/>
         </p:nvPicPr>
@@ -9866,8 +10934,8 @@
         </p:blipFill>
         <p:spPr>
           <a:xfrm>
-            <a:off x="7186680" y="4662360"/>
-            <a:ext cx="4114440" cy="1542600"/>
+            <a:off x="2567160" y="1795320"/>
+            <a:ext cx="6771960" cy="4009680"/>
           </a:xfrm>
           <a:prstGeom prst="rect">
             <a:avLst/>
@@ -9877,44 +10945,16 @@
           </a:ln>
         </p:spPr>
       </p:pic>
-      <p:pic>
-        <p:nvPicPr>
-          <p:cNvPr id="112" name="Graphic 2" descr=""/>
-          <p:cNvPicPr/>
-          <p:nvPr/>
-        </p:nvPicPr>
-        <p:blipFill>
-          <a:blip r:embed="rId4"/>
-          <a:stretch/>
-        </p:blipFill>
-        <p:spPr>
-          <a:xfrm>
-            <a:off x="2422440" y="4248360"/>
-            <a:ext cx="2370600" cy="2370600"/>
-          </a:xfrm>
-          <a:prstGeom prst="rect">
-            <a:avLst/>
-          </a:prstGeom>
-          <a:ln>
-            <a:noFill/>
-          </a:ln>
-        </p:spPr>
-      </p:pic>
     </p:spTree>
   </p:cSld>
-  <mc:AlternateContent>
-    <mc:Choice Requires="p14">
-      <p:transition spd="slow" p14:dur="2000"/>
-    </mc:Choice>
-    <mc:Fallback>
-      <p:transition spd="slow"/>
-    </mc:Fallback>
-  </mc:AlternateContent>
+  <p:clrMapOvr>
+    <a:masterClrMapping/>
+  </p:clrMapOvr>
 </p:sld>
 </file>
 
-<file path=ppt/slides/slide6.xml><?xml version="1.0" encoding="utf-8"?>
-<p:sld xmlns:a="http://schemas.openxmlformats.org/drawingml/2006/main" xmlns:p="http://schemas.openxmlformats.org/presentationml/2006/main" xmlns:r="http://schemas.openxmlformats.org/officeDocument/2006/relationships" xmlns:p14="http://schemas.microsoft.com/office/powerpoint/2010/main" xmlns:p15="http://schemas.microsoft.com/office/powerpoint/2012/main" xmlns:mc="http://schemas.openxmlformats.org/markup-compatibility/2006">
+<file path=ppt/slides/slide5.xml><?xml version="1.0" encoding="utf-8"?>
+<p:sld xmlns:a="http://schemas.openxmlformats.org/drawingml/2006/main" xmlns:r="http://schemas.openxmlformats.org/officeDocument/2006/relationships" xmlns:p="http://schemas.openxmlformats.org/presentationml/2006/main">
   <p:cSld>
     <p:spTree>
       <p:nvGrpSpPr>
@@ -9932,7 +10972,7 @@
       </p:grpSpPr>
       <p:sp>
         <p:nvSpPr>
-          <p:cNvPr id="113" name="TextShape 1"/>
+          <p:cNvPr id="108" name="TextShape 1"/>
           <p:cNvSpPr txBox="1"/>
           <p:nvPr/>
         </p:nvSpPr>
@@ -9945,7 +10985,7 @@
             <a:avLst/>
           </a:prstGeom>
           <a:blipFill rotWithShape="0">
-            <a:blip r:embed="rId1"/>
+            <a:blip r:embed="rId2"/>
             <a:stretch>
               <a:fillRect/>
             </a:stretch>
@@ -9958,8 +10998,9 @@
           <a:bodyPr anchor="ctr">
             <a:noAutofit/>
           </a:bodyPr>
-          <a:p>
-            <a:endParaRPr b="0" lang="en-US" sz="2800" spc="-1" strike="noStrike">
+          <a:lstStyle/>
+          <a:p>
+            <a:endParaRPr lang="en-US" sz="2800" b="0" strike="noStrike" spc="-1">
               <a:solidFill>
                 <a:srgbClr val="000000"/>
               </a:solidFill>
@@ -9970,7 +11011,7 @@
       </p:sp>
       <p:sp>
         <p:nvSpPr>
-          <p:cNvPr id="114" name="TextShape 2"/>
+          <p:cNvPr id="109" name="TextShape 2"/>
           <p:cNvSpPr txBox="1"/>
           <p:nvPr/>
         </p:nvSpPr>
@@ -9989,8 +11030,9 @@
         </p:spPr>
         <p:txBody>
           <a:bodyPr tIns="0" anchor="ctr">
-            <a:normAutofit/>
-          </a:bodyPr>
+            <a:normAutofit fontScale="92500" lnSpcReduction="10000"/>
+          </a:bodyPr>
+          <a:lstStyle/>
           <a:p>
             <a:pPr>
               <a:lnSpc>
@@ -9998,15 +11040,15 @@
               </a:lnSpc>
             </a:pPr>
             <a:r>
-              <a:rPr b="0" lang="lt-LT" sz="6000" spc="-1" strike="noStrike">
+              <a:rPr lang="en-US" sz="6000" b="0" strike="noStrike" spc="-1">
                 <a:solidFill>
-                  <a:srgbClr val="ffffff"/>
+                  <a:srgbClr val="FFFFFF"/>
                 </a:solidFill>
                 <a:latin typeface="Calibri Light"/>
               </a:rPr>
-              <a:t>V8 and libuv</a:t>
+              <a:t>What is Node JS?</a:t>
             </a:r>
-            <a:endParaRPr b="0" lang="en-US" sz="6000" spc="-1" strike="noStrike">
+            <a:endParaRPr lang="en-US" sz="6000" b="0" strike="noStrike" spc="-1">
               <a:solidFill>
                 <a:srgbClr val="000000"/>
               </a:solidFill>
@@ -10017,31 +11059,7 @@
       </p:sp>
       <p:pic>
         <p:nvPicPr>
-          <p:cNvPr id="115" name="Picture 4" descr="libuv"/>
-          <p:cNvPicPr/>
-          <p:nvPr/>
-        </p:nvPicPr>
-        <p:blipFill>
-          <a:blip r:embed="rId2"/>
-          <a:srcRect l="0" t="0" r="59664" b="436"/>
-          <a:stretch/>
-        </p:blipFill>
-        <p:spPr>
-          <a:xfrm>
-            <a:off x="1376640" y="4131000"/>
-            <a:ext cx="2268000" cy="2099520"/>
-          </a:xfrm>
-          <a:prstGeom prst="rect">
-            <a:avLst/>
-          </a:prstGeom>
-          <a:ln>
-            <a:noFill/>
-          </a:ln>
-        </p:spPr>
-      </p:pic>
-      <p:pic>
-        <p:nvPicPr>
-          <p:cNvPr id="116" name="Graphic 2" descr=""/>
+          <p:cNvPr id="110" name="Picture 2" descr="Image for post"/>
           <p:cNvPicPr/>
           <p:nvPr/>
         </p:nvPicPr>
@@ -10051,8 +11069,8 @@
         </p:blipFill>
         <p:spPr>
           <a:xfrm>
-            <a:off x="1274040" y="1345680"/>
-            <a:ext cx="2370600" cy="2370600"/>
+            <a:off x="2948040" y="1424160"/>
+            <a:ext cx="6295680" cy="4009680"/>
           </a:xfrm>
           <a:prstGeom prst="rect">
             <a:avLst/>
@@ -10062,121 +11080,62 @@
           </a:ln>
         </p:spPr>
       </p:pic>
-      <p:sp>
-        <p:nvSpPr>
-          <p:cNvPr id="117" name="CustomShape 3"/>
-          <p:cNvSpPr/>
-          <p:nvPr/>
-        </p:nvSpPr>
-        <p:spPr>
-          <a:xfrm>
-            <a:off x="4529520" y="1521000"/>
-            <a:ext cx="6141240" cy="1796760"/>
-          </a:xfrm>
-          <a:prstGeom prst="rect">
-            <a:avLst/>
-          </a:prstGeom>
-          <a:noFill/>
+      <p:pic>
+        <p:nvPicPr>
+          <p:cNvPr id="111" name="Picture 4" descr="libuv"/>
+          <p:cNvPicPr/>
+          <p:nvPr/>
+        </p:nvPicPr>
+        <p:blipFill>
+          <a:blip r:embed="rId4"/>
+          <a:stretch/>
+        </p:blipFill>
+        <p:spPr>
+          <a:xfrm>
+            <a:off x="7186680" y="4662360"/>
+            <a:ext cx="4114440" cy="1542600"/>
+          </a:xfrm>
+          <a:prstGeom prst="rect">
+            <a:avLst/>
+          </a:prstGeom>
           <a:ln>
             <a:noFill/>
           </a:ln>
         </p:spPr>
-        <p:style>
-          <a:lnRef idx="0"/>
-          <a:fillRef idx="0"/>
-          <a:effectRef idx="0"/>
-          <a:fontRef idx="minor"/>
-        </p:style>
-        <p:txBody>
-          <a:bodyPr lIns="90000" rIns="90000" tIns="45000" bIns="45000">
-            <a:spAutoFit/>
-          </a:bodyPr>
-          <a:p>
-            <a:pPr>
-              <a:lnSpc>
-                <a:spcPct val="100000"/>
-              </a:lnSpc>
-            </a:pPr>
-            <a:r>
-              <a:rPr b="0" lang="en-US" sz="2800" spc="-1" strike="noStrike">
-                <a:solidFill>
-                  <a:srgbClr val="ffffff"/>
-                </a:solidFill>
-                <a:latin typeface="Calibri"/>
-              </a:rPr>
-              <a:t>Google’s open source high-performance JavaScript and WebAssembly engine. It is used in Chrome and in Node.js, among others.</a:t>
-            </a:r>
-            <a:endParaRPr b="0" lang="en-US" sz="2800" spc="-1" strike="noStrike">
-              <a:latin typeface="Arial"/>
-            </a:endParaRPr>
-          </a:p>
-        </p:txBody>
-      </p:sp>
-      <p:sp>
-        <p:nvSpPr>
-          <p:cNvPr id="118" name="CustomShape 4"/>
-          <p:cNvSpPr/>
-          <p:nvPr/>
-        </p:nvSpPr>
-        <p:spPr>
-          <a:xfrm>
-            <a:off x="4529520" y="4131000"/>
-            <a:ext cx="6141240" cy="2223360"/>
-          </a:xfrm>
-          <a:prstGeom prst="rect">
-            <a:avLst/>
-          </a:prstGeom>
-          <a:noFill/>
+      </p:pic>
+      <p:pic>
+        <p:nvPicPr>
+          <p:cNvPr id="112" name="Graphic 2"/>
+          <p:cNvPicPr/>
+          <p:nvPr/>
+        </p:nvPicPr>
+        <p:blipFill>
+          <a:blip r:embed="rId5"/>
+          <a:stretch/>
+        </p:blipFill>
+        <p:spPr>
+          <a:xfrm>
+            <a:off x="2422440" y="4248360"/>
+            <a:ext cx="2370600" cy="2370600"/>
+          </a:xfrm>
+          <a:prstGeom prst="rect">
+            <a:avLst/>
+          </a:prstGeom>
           <a:ln>
             <a:noFill/>
           </a:ln>
         </p:spPr>
-        <p:style>
-          <a:lnRef idx="0"/>
-          <a:fillRef idx="0"/>
-          <a:effectRef idx="0"/>
-          <a:fontRef idx="minor"/>
-        </p:style>
-        <p:txBody>
-          <a:bodyPr lIns="90000" rIns="90000" tIns="45000" bIns="45000">
-            <a:spAutoFit/>
-          </a:bodyPr>
-          <a:p>
-            <a:pPr>
-              <a:lnSpc>
-                <a:spcPct val="100000"/>
-              </a:lnSpc>
-            </a:pPr>
-            <a:r>
-              <a:rPr b="0" lang="en-US" sz="2800" spc="-1" strike="noStrike">
-                <a:solidFill>
-                  <a:srgbClr val="ffffff"/>
-                </a:solidFill>
-                <a:latin typeface="Calibri"/>
-              </a:rPr>
-              <a:t>Multi-platform support library with a focus on asynchronous I/O. It was primarily developed for use by Node.js, but it's also used by Luvit, Julia, pyuv, and others.</a:t>
-            </a:r>
-            <a:endParaRPr b="0" lang="en-US" sz="2800" spc="-1" strike="noStrike">
-              <a:latin typeface="Arial"/>
-            </a:endParaRPr>
-          </a:p>
-        </p:txBody>
-      </p:sp>
+      </p:pic>
     </p:spTree>
   </p:cSld>
-  <mc:AlternateContent>
-    <mc:Choice Requires="p14">
-      <p:transition spd="slow" p14:dur="2000"/>
-    </mc:Choice>
-    <mc:Fallback>
-      <p:transition spd="slow"/>
-    </mc:Fallback>
-  </mc:AlternateContent>
+  <p:clrMapOvr>
+    <a:masterClrMapping/>
+  </p:clrMapOvr>
 </p:sld>
 </file>
 
-<file path=ppt/slides/slide7.xml><?xml version="1.0" encoding="utf-8"?>
-<p:sld xmlns:a="http://schemas.openxmlformats.org/drawingml/2006/main" xmlns:p="http://schemas.openxmlformats.org/presentationml/2006/main" xmlns:r="http://schemas.openxmlformats.org/officeDocument/2006/relationships" xmlns:p14="http://schemas.microsoft.com/office/powerpoint/2010/main" xmlns:p15="http://schemas.microsoft.com/office/powerpoint/2012/main" xmlns:mc="http://schemas.openxmlformats.org/markup-compatibility/2006">
+<file path=ppt/slides/slide6.xml><?xml version="1.0" encoding="utf-8"?>
+<p:sld xmlns:a="http://schemas.openxmlformats.org/drawingml/2006/main" xmlns:r="http://schemas.openxmlformats.org/officeDocument/2006/relationships" xmlns:p="http://schemas.openxmlformats.org/presentationml/2006/main">
   <p:cSld>
     <p:spTree>
       <p:nvGrpSpPr>
@@ -10194,7 +11153,7 @@
       </p:grpSpPr>
       <p:sp>
         <p:nvSpPr>
-          <p:cNvPr id="119" name="TextShape 1"/>
+          <p:cNvPr id="113" name="TextShape 1"/>
           <p:cNvSpPr txBox="1"/>
           <p:nvPr/>
         </p:nvSpPr>
@@ -10207,7 +11166,7 @@
             <a:avLst/>
           </a:prstGeom>
           <a:blipFill rotWithShape="0">
-            <a:blip r:embed="rId1"/>
+            <a:blip r:embed="rId2"/>
             <a:stretch>
               <a:fillRect/>
             </a:stretch>
@@ -10220,8 +11179,9 @@
           <a:bodyPr anchor="ctr">
             <a:noAutofit/>
           </a:bodyPr>
-          <a:p>
-            <a:endParaRPr b="0" lang="en-US" sz="2800" spc="-1" strike="noStrike">
+          <a:lstStyle/>
+          <a:p>
+            <a:endParaRPr lang="en-US" sz="2800" b="0" strike="noStrike" spc="-1">
               <a:solidFill>
                 <a:srgbClr val="000000"/>
               </a:solidFill>
@@ -10232,7 +11192,7 @@
       </p:sp>
       <p:sp>
         <p:nvSpPr>
-          <p:cNvPr id="120" name="TextShape 2"/>
+          <p:cNvPr id="114" name="TextShape 2"/>
           <p:cNvSpPr txBox="1"/>
           <p:nvPr/>
         </p:nvSpPr>
@@ -10251,8 +11211,9 @@
         </p:spPr>
         <p:txBody>
           <a:bodyPr tIns="0" anchor="ctr">
-            <a:normAutofit/>
-          </a:bodyPr>
+            <a:normAutofit fontScale="92500" lnSpcReduction="10000"/>
+          </a:bodyPr>
+          <a:lstStyle/>
           <a:p>
             <a:pPr>
               <a:lnSpc>
@@ -10260,15 +11221,15 @@
               </a:lnSpc>
             </a:pPr>
             <a:r>
-              <a:rPr b="0" lang="lt-LT" sz="6000" spc="-1" strike="noStrike">
+              <a:rPr lang="lt-LT" sz="6000" b="0" strike="noStrike" spc="-1">
                 <a:solidFill>
-                  <a:srgbClr val="ffffff"/>
+                  <a:srgbClr val="FFFFFF"/>
                 </a:solidFill>
                 <a:latin typeface="Calibri Light"/>
               </a:rPr>
               <a:t>V8 and libuv</a:t>
             </a:r>
-            <a:endParaRPr b="0" lang="en-US" sz="6000" spc="-1" strike="noStrike">
+            <a:endParaRPr lang="en-US" sz="6000" b="0" strike="noStrike" spc="-1">
               <a:solidFill>
                 <a:srgbClr val="000000"/>
               </a:solidFill>
@@ -10279,13 +11240,13 @@
       </p:sp>
       <p:pic>
         <p:nvPicPr>
-          <p:cNvPr id="121" name="Picture 4" descr="libuv"/>
+          <p:cNvPr id="115" name="Picture 4" descr="libuv"/>
           <p:cNvPicPr/>
           <p:nvPr/>
         </p:nvPicPr>
         <p:blipFill>
-          <a:blip r:embed="rId2"/>
-          <a:srcRect l="0" t="0" r="59664" b="436"/>
+          <a:blip r:embed="rId3"/>
+          <a:srcRect r="59664" b="436"/>
           <a:stretch/>
         </p:blipFill>
         <p:spPr>
@@ -10303,12 +11264,12 @@
       </p:pic>
       <p:pic>
         <p:nvPicPr>
-          <p:cNvPr id="122" name="Graphic 2" descr=""/>
+          <p:cNvPr id="116" name="Graphic 2"/>
           <p:cNvPicPr/>
           <p:nvPr/>
         </p:nvPicPr>
         <p:blipFill>
-          <a:blip r:embed="rId3"/>
+          <a:blip r:embed="rId4"/>
           <a:stretch/>
         </p:blipFill>
         <p:spPr>
@@ -10326,14 +11287,14 @@
       </p:pic>
       <p:sp>
         <p:nvSpPr>
-          <p:cNvPr id="123" name="CustomShape 3"/>
+          <p:cNvPr id="117" name="CustomShape 3"/>
           <p:cNvSpPr/>
           <p:nvPr/>
         </p:nvSpPr>
         <p:spPr>
           <a:xfrm>
-            <a:off x="4529520" y="1658520"/>
-            <a:ext cx="6141240" cy="943560"/>
+            <a:off x="4529520" y="1521000"/>
+            <a:ext cx="6141240" cy="1796760"/>
           </a:xfrm>
           <a:prstGeom prst="rect">
             <a:avLst/>
@@ -10344,15 +11305,22 @@
           </a:ln>
         </p:spPr>
         <p:style>
-          <a:lnRef idx="0"/>
-          <a:fillRef idx="0"/>
-          <a:effectRef idx="0"/>
+          <a:lnRef idx="0">
+            <a:scrgbClr r="0" g="0" b="0"/>
+          </a:lnRef>
+          <a:fillRef idx="0">
+            <a:scrgbClr r="0" g="0" b="0"/>
+          </a:fillRef>
+          <a:effectRef idx="0">
+            <a:scrgbClr r="0" g="0" b="0"/>
+          </a:effectRef>
           <a:fontRef idx="minor"/>
         </p:style>
         <p:txBody>
-          <a:bodyPr lIns="90000" rIns="90000" tIns="45000" bIns="45000">
+          <a:bodyPr lIns="90000" tIns="45000" rIns="90000" bIns="45000">
             <a:spAutoFit/>
           </a:bodyPr>
+          <a:lstStyle/>
           <a:p>
             <a:pPr>
               <a:lnSpc>
@@ -10360,15 +11328,15 @@
               </a:lnSpc>
             </a:pPr>
             <a:r>
-              <a:rPr b="0" lang="lt-LT" sz="2800" spc="-1" strike="noStrike">
+              <a:rPr lang="en-US" sz="2800" b="0" strike="noStrike" spc="-1">
                 <a:solidFill>
-                  <a:srgbClr val="ffffff"/>
+                  <a:srgbClr val="FFFFFF"/>
                 </a:solidFill>
                 <a:latin typeface="Calibri"/>
               </a:rPr>
-              <a:t>Takes care of code execution and concurency in Node JS.</a:t>
+              <a:t>Google’s open source high-performance JavaScript and WebAssembly engine. It is used in Chrome and in Node.js, among others.</a:t>
             </a:r>
-            <a:endParaRPr b="0" lang="en-US" sz="2800" spc="-1" strike="noStrike">
+            <a:endParaRPr lang="en-US" sz="2800" b="0" strike="noStrike" spc="-1">
               <a:latin typeface="Arial"/>
             </a:endParaRPr>
           </a:p>
@@ -10376,14 +11344,14 @@
       </p:sp>
       <p:sp>
         <p:nvSpPr>
-          <p:cNvPr id="124" name="CustomShape 4"/>
+          <p:cNvPr id="118" name="CustomShape 4"/>
           <p:cNvSpPr/>
           <p:nvPr/>
         </p:nvSpPr>
         <p:spPr>
           <a:xfrm>
             <a:off x="4529520" y="4131000"/>
-            <a:ext cx="6141240" cy="1796760"/>
+            <a:ext cx="6141240" cy="2223360"/>
           </a:xfrm>
           <a:prstGeom prst="rect">
             <a:avLst/>
@@ -10394,15 +11362,22 @@
           </a:ln>
         </p:spPr>
         <p:style>
-          <a:lnRef idx="0"/>
-          <a:fillRef idx="0"/>
-          <a:effectRef idx="0"/>
+          <a:lnRef idx="0">
+            <a:scrgbClr r="0" g="0" b="0"/>
+          </a:lnRef>
+          <a:fillRef idx="0">
+            <a:scrgbClr r="0" g="0" b="0"/>
+          </a:fillRef>
+          <a:effectRef idx="0">
+            <a:scrgbClr r="0" g="0" b="0"/>
+          </a:effectRef>
           <a:fontRef idx="minor"/>
         </p:style>
         <p:txBody>
-          <a:bodyPr lIns="90000" rIns="90000" tIns="45000" bIns="45000">
+          <a:bodyPr lIns="90000" tIns="45000" rIns="90000" bIns="45000">
             <a:spAutoFit/>
           </a:bodyPr>
+          <a:lstStyle/>
           <a:p>
             <a:pPr>
               <a:lnSpc>
@@ -10410,15 +11385,15 @@
               </a:lnSpc>
             </a:pPr>
             <a:r>
-              <a:rPr b="0" lang="lt-LT" sz="2800" spc="-1" strike="noStrike">
+              <a:rPr lang="en-US" sz="2800" b="0" strike="noStrike" spc="-1">
                 <a:solidFill>
-                  <a:srgbClr val="ffffff"/>
+                  <a:srgbClr val="FFFFFF"/>
                 </a:solidFill>
                 <a:latin typeface="Calibri"/>
               </a:rPr>
-              <a:t>Handles I/O operations (file, TCP – everything) asynchronously, child processess, thread pool, signal handling, clock...</a:t>
+              <a:t>Multi-platform support library with a focus on asynchronous I/O. It was primarily developed for use by Node.js, but it's also used by Luvit, Julia, pyuv, and others.</a:t>
             </a:r>
-            <a:endParaRPr b="0" lang="en-US" sz="2800" spc="-1" strike="noStrike">
+            <a:endParaRPr lang="en-US" sz="2800" b="0" strike="noStrike" spc="-1">
               <a:latin typeface="Arial"/>
             </a:endParaRPr>
           </a:p>
@@ -10426,19 +11401,14 @@
       </p:sp>
     </p:spTree>
   </p:cSld>
-  <mc:AlternateContent>
-    <mc:Choice Requires="p14">
-      <p:transition spd="slow" p14:dur="2000"/>
-    </mc:Choice>
-    <mc:Fallback>
-      <p:transition spd="slow"/>
-    </mc:Fallback>
-  </mc:AlternateContent>
+  <p:clrMapOvr>
+    <a:masterClrMapping/>
+  </p:clrMapOvr>
 </p:sld>
 </file>
 
-<file path=ppt/slides/slide8.xml><?xml version="1.0" encoding="utf-8"?>
-<p:sld xmlns:a="http://schemas.openxmlformats.org/drawingml/2006/main" xmlns:p="http://schemas.openxmlformats.org/presentationml/2006/main" xmlns:r="http://schemas.openxmlformats.org/officeDocument/2006/relationships" xmlns:p14="http://schemas.microsoft.com/office/powerpoint/2010/main" xmlns:p15="http://schemas.microsoft.com/office/powerpoint/2012/main" xmlns:mc="http://schemas.openxmlformats.org/markup-compatibility/2006">
+<file path=ppt/slides/slide7.xml><?xml version="1.0" encoding="utf-8"?>
+<p:sld xmlns:a="http://schemas.openxmlformats.org/drawingml/2006/main" xmlns:r="http://schemas.openxmlformats.org/officeDocument/2006/relationships" xmlns:p="http://schemas.openxmlformats.org/presentationml/2006/main">
   <p:cSld>
     <p:spTree>
       <p:nvGrpSpPr>
@@ -10456,7 +11426,7 @@
       </p:grpSpPr>
       <p:sp>
         <p:nvSpPr>
-          <p:cNvPr id="125" name="TextShape 1"/>
+          <p:cNvPr id="119" name="TextShape 1"/>
           <p:cNvSpPr txBox="1"/>
           <p:nvPr/>
         </p:nvSpPr>
@@ -10469,7 +11439,7 @@
             <a:avLst/>
           </a:prstGeom>
           <a:blipFill rotWithShape="0">
-            <a:blip r:embed="rId1"/>
+            <a:blip r:embed="rId2"/>
             <a:stretch>
               <a:fillRect/>
             </a:stretch>
@@ -10482,8 +11452,9 @@
           <a:bodyPr anchor="ctr">
             <a:noAutofit/>
           </a:bodyPr>
-          <a:p>
-            <a:endParaRPr b="0" lang="en-US" sz="2800" spc="-1" strike="noStrike">
+          <a:lstStyle/>
+          <a:p>
+            <a:endParaRPr lang="en-US" sz="2800" b="0" strike="noStrike" spc="-1">
               <a:solidFill>
                 <a:srgbClr val="000000"/>
               </a:solidFill>
@@ -10494,14 +11465,14 @@
       </p:sp>
       <p:sp>
         <p:nvSpPr>
-          <p:cNvPr id="126" name="CustomShape 2"/>
-          <p:cNvSpPr/>
-          <p:nvPr/>
-        </p:nvSpPr>
-        <p:spPr>
-          <a:xfrm>
-            <a:off x="4529520" y="1658520"/>
-            <a:ext cx="6141240" cy="1370160"/>
+          <p:cNvPr id="120" name="TextShape 2"/>
+          <p:cNvSpPr txBox="1"/>
+          <p:nvPr/>
+        </p:nvSpPr>
+        <p:spPr>
+          <a:xfrm>
+            <a:off x="198360" y="379800"/>
+            <a:ext cx="10300320" cy="761040"/>
           </a:xfrm>
           <a:prstGeom prst="rect">
             <a:avLst/>
@@ -10511,16 +11482,118 @@
             <a:noFill/>
           </a:ln>
         </p:spPr>
+        <p:txBody>
+          <a:bodyPr tIns="0" anchor="ctr">
+            <a:normAutofit fontScale="92500" lnSpcReduction="10000"/>
+          </a:bodyPr>
+          <a:lstStyle/>
+          <a:p>
+            <a:pPr>
+              <a:lnSpc>
+                <a:spcPct val="90000"/>
+              </a:lnSpc>
+            </a:pPr>
+            <a:r>
+              <a:rPr lang="lt-LT" sz="6000" b="0" strike="noStrike" spc="-1">
+                <a:solidFill>
+                  <a:srgbClr val="FFFFFF"/>
+                </a:solidFill>
+                <a:latin typeface="Calibri Light"/>
+              </a:rPr>
+              <a:t>V8 and libuv</a:t>
+            </a:r>
+            <a:endParaRPr lang="en-US" sz="6000" b="0" strike="noStrike" spc="-1">
+              <a:solidFill>
+                <a:srgbClr val="000000"/>
+              </a:solidFill>
+              <a:latin typeface="Calibri"/>
+            </a:endParaRPr>
+          </a:p>
+        </p:txBody>
+      </p:sp>
+      <p:pic>
+        <p:nvPicPr>
+          <p:cNvPr id="121" name="Picture 4" descr="libuv"/>
+          <p:cNvPicPr/>
+          <p:nvPr/>
+        </p:nvPicPr>
+        <p:blipFill>
+          <a:blip r:embed="rId3"/>
+          <a:srcRect r="59664" b="436"/>
+          <a:stretch/>
+        </p:blipFill>
+        <p:spPr>
+          <a:xfrm>
+            <a:off x="1376640" y="4131000"/>
+            <a:ext cx="2268000" cy="2099520"/>
+          </a:xfrm>
+          <a:prstGeom prst="rect">
+            <a:avLst/>
+          </a:prstGeom>
+          <a:ln>
+            <a:noFill/>
+          </a:ln>
+        </p:spPr>
+      </p:pic>
+      <p:pic>
+        <p:nvPicPr>
+          <p:cNvPr id="122" name="Graphic 2"/>
+          <p:cNvPicPr/>
+          <p:nvPr/>
+        </p:nvPicPr>
+        <p:blipFill>
+          <a:blip r:embed="rId4"/>
+          <a:stretch/>
+        </p:blipFill>
+        <p:spPr>
+          <a:xfrm>
+            <a:off x="1274040" y="1345680"/>
+            <a:ext cx="2370600" cy="2370600"/>
+          </a:xfrm>
+          <a:prstGeom prst="rect">
+            <a:avLst/>
+          </a:prstGeom>
+          <a:ln>
+            <a:noFill/>
+          </a:ln>
+        </p:spPr>
+      </p:pic>
+      <p:sp>
+        <p:nvSpPr>
+          <p:cNvPr id="123" name="CustomShape 3"/>
+          <p:cNvSpPr/>
+          <p:nvPr/>
+        </p:nvSpPr>
+        <p:spPr>
+          <a:xfrm>
+            <a:off x="4529520" y="1658520"/>
+            <a:ext cx="6141240" cy="943560"/>
+          </a:xfrm>
+          <a:prstGeom prst="rect">
+            <a:avLst/>
+          </a:prstGeom>
+          <a:noFill/>
+          <a:ln>
+            <a:noFill/>
+          </a:ln>
+        </p:spPr>
         <p:style>
-          <a:lnRef idx="0"/>
-          <a:fillRef idx="0"/>
-          <a:effectRef idx="0"/>
+          <a:lnRef idx="0">
+            <a:scrgbClr r="0" g="0" b="0"/>
+          </a:lnRef>
+          <a:fillRef idx="0">
+            <a:scrgbClr r="0" g="0" b="0"/>
+          </a:fillRef>
+          <a:effectRef idx="0">
+            <a:scrgbClr r="0" g="0" b="0"/>
+          </a:effectRef>
           <a:fontRef idx="minor"/>
         </p:style>
         <p:txBody>
-          <a:bodyPr lIns="90000" rIns="90000" tIns="45000" bIns="45000">
+          <a:bodyPr lIns="90000" tIns="45000" rIns="90000" bIns="45000">
             <a:spAutoFit/>
           </a:bodyPr>
+          <a:lstStyle/>
           <a:p>
             <a:pPr>
               <a:lnSpc>
@@ -10528,67 +11601,87 @@
               </a:lnSpc>
             </a:pPr>
             <a:r>
-              <a:rPr b="0" lang="lt-LT" sz="2800" spc="-1" strike="noStrike">
+              <a:rPr lang="lt-LT" sz="2800" b="0" strike="noStrike" spc="-1">
                 <a:solidFill>
-                  <a:srgbClr val="ffffff"/>
+                  <a:srgbClr val="FFFFFF"/>
                 </a:solidFill>
                 <a:latin typeface="Calibri"/>
               </a:rPr>
-              <a:t>A</a:t>
+              <a:t>Takes care of code execution and concurency in Node JS.</a:t>
             </a:r>
+            <a:endParaRPr lang="en-US" sz="2800" b="0" strike="noStrike" spc="-1">
+              <a:latin typeface="Arial"/>
+            </a:endParaRPr>
+          </a:p>
+        </p:txBody>
+      </p:sp>
+      <p:sp>
+        <p:nvSpPr>
+          <p:cNvPr id="124" name="CustomShape 4"/>
+          <p:cNvSpPr/>
+          <p:nvPr/>
+        </p:nvSpPr>
+        <p:spPr>
+          <a:xfrm>
+            <a:off x="4529520" y="4131000"/>
+            <a:ext cx="6141240" cy="1796760"/>
+          </a:xfrm>
+          <a:prstGeom prst="rect">
+            <a:avLst/>
+          </a:prstGeom>
+          <a:noFill/>
+          <a:ln>
+            <a:noFill/>
+          </a:ln>
+        </p:spPr>
+        <p:style>
+          <a:lnRef idx="0">
+            <a:scrgbClr r="0" g="0" b="0"/>
+          </a:lnRef>
+          <a:fillRef idx="0">
+            <a:scrgbClr r="0" g="0" b="0"/>
+          </a:fillRef>
+          <a:effectRef idx="0">
+            <a:scrgbClr r="0" g="0" b="0"/>
+          </a:effectRef>
+          <a:fontRef idx="minor"/>
+        </p:style>
+        <p:txBody>
+          <a:bodyPr lIns="90000" tIns="45000" rIns="90000" bIns="45000">
+            <a:spAutoFit/>
+          </a:bodyPr>
+          <a:lstStyle/>
+          <a:p>
+            <a:pPr>
+              <a:lnSpc>
+                <a:spcPct val="100000"/>
+              </a:lnSpc>
+            </a:pPr>
             <a:r>
-              <a:rPr b="0" lang="en-US" sz="2800" spc="-1" strike="noStrike">
+              <a:rPr lang="lt-LT" sz="2800" b="0" strike="noStrike" spc="-1">
                 <a:solidFill>
-                  <a:srgbClr val="ffffff"/>
+                  <a:srgbClr val="FFFFFF"/>
                 </a:solidFill>
                 <a:latin typeface="Calibri"/>
               </a:rPr>
-              <a:t>n asynchronous event-driven JavaScript runtime, designed to build scalable network applications.</a:t>
+              <a:t>Handles I/O operations (file, TCP – everything) asynchronously, child processess, thread pool, signal handling, clock...</a:t>
             </a:r>
-            <a:endParaRPr b="0" lang="en-US" sz="2800" spc="-1" strike="noStrike">
+            <a:endParaRPr lang="en-US" sz="2800" b="0" strike="noStrike" spc="-1">
               <a:latin typeface="Arial"/>
             </a:endParaRPr>
           </a:p>
         </p:txBody>
       </p:sp>
-      <p:pic>
-        <p:nvPicPr>
-          <p:cNvPr id="127" name="Graphic 11" descr=""/>
-          <p:cNvPicPr/>
-          <p:nvPr/>
-        </p:nvPicPr>
-        <p:blipFill>
-          <a:blip r:embed="rId2"/>
-          <a:stretch/>
-        </p:blipFill>
-        <p:spPr>
-          <a:xfrm>
-            <a:off x="649080" y="1364400"/>
-            <a:ext cx="3373920" cy="2064240"/>
-          </a:xfrm>
-          <a:prstGeom prst="rect">
-            <a:avLst/>
-          </a:prstGeom>
-          <a:ln>
-            <a:noFill/>
-          </a:ln>
-        </p:spPr>
-      </p:pic>
     </p:spTree>
   </p:cSld>
-  <mc:AlternateContent>
-    <mc:Choice Requires="p14">
-      <p:transition spd="slow" p14:dur="2000"/>
-    </mc:Choice>
-    <mc:Fallback>
-      <p:transition spd="slow"/>
-    </mc:Fallback>
-  </mc:AlternateContent>
+  <p:clrMapOvr>
+    <a:masterClrMapping/>
+  </p:clrMapOvr>
 </p:sld>
 </file>
 
-<file path=ppt/slides/slide9.xml><?xml version="1.0" encoding="utf-8"?>
-<p:sld xmlns:a="http://schemas.openxmlformats.org/drawingml/2006/main" xmlns:p="http://schemas.openxmlformats.org/presentationml/2006/main" xmlns:r="http://schemas.openxmlformats.org/officeDocument/2006/relationships" xmlns:p14="http://schemas.microsoft.com/office/powerpoint/2010/main" xmlns:p15="http://schemas.microsoft.com/office/powerpoint/2012/main" xmlns:mc="http://schemas.openxmlformats.org/markup-compatibility/2006">
+<file path=ppt/slides/slide8.xml><?xml version="1.0" encoding="utf-8"?>
+<p:sld xmlns:a="http://schemas.openxmlformats.org/drawingml/2006/main" xmlns:r="http://schemas.openxmlformats.org/officeDocument/2006/relationships" xmlns:p="http://schemas.openxmlformats.org/presentationml/2006/main">
   <p:cSld>
     <p:spTree>
       <p:nvGrpSpPr>
@@ -10606,7 +11699,7 @@
       </p:grpSpPr>
       <p:sp>
         <p:nvSpPr>
-          <p:cNvPr id="128" name="TextShape 1"/>
+          <p:cNvPr id="119" name="TextShape 1"/>
           <p:cNvSpPr txBox="1"/>
           <p:nvPr/>
         </p:nvSpPr>
@@ -10619,7 +11712,7 @@
             <a:avLst/>
           </a:prstGeom>
           <a:blipFill rotWithShape="0">
-            <a:blip r:embed="rId1"/>
+            <a:blip r:embed="rId2"/>
             <a:stretch>
               <a:fillRect/>
             </a:stretch>
@@ -10632,8 +11725,9 @@
           <a:bodyPr anchor="ctr">
             <a:noAutofit/>
           </a:bodyPr>
-          <a:p>
-            <a:endParaRPr b="0" lang="en-US" sz="2800" spc="-1" strike="noStrike">
+          <a:lstStyle/>
+          <a:p>
+            <a:endParaRPr lang="en-US" sz="2800" b="0" strike="noStrike" spc="-1">
               <a:solidFill>
                 <a:srgbClr val="000000"/>
               </a:solidFill>
@@ -10642,109 +11736,450 @@
           </a:p>
         </p:txBody>
       </p:sp>
-      <p:pic>
-        <p:nvPicPr>
-          <p:cNvPr id="129" name="Picture 2" descr="Y U So Fast? by theletlirutaner - Meme Center"/>
-          <p:cNvPicPr/>
-          <p:nvPr/>
-        </p:nvPicPr>
-        <p:blipFill>
-          <a:blip r:embed="rId2"/>
-          <a:srcRect l="2117" t="-2275" r="2411" b="7280"/>
-          <a:stretch/>
-        </p:blipFill>
-        <p:spPr>
-          <a:xfrm>
-            <a:off x="2232000" y="868320"/>
-            <a:ext cx="4501080" cy="3470400"/>
-          </a:xfrm>
-          <a:prstGeom prst="rect">
-            <a:avLst/>
-          </a:prstGeom>
+      <p:sp>
+        <p:nvSpPr>
+          <p:cNvPr id="120" name="TextShape 2"/>
+          <p:cNvSpPr txBox="1"/>
+          <p:nvPr/>
+        </p:nvSpPr>
+        <p:spPr>
+          <a:xfrm>
+            <a:off x="198360" y="379800"/>
+            <a:ext cx="10300320" cy="761040"/>
+          </a:xfrm>
+          <a:prstGeom prst="rect">
+            <a:avLst/>
+          </a:prstGeom>
+          <a:noFill/>
           <a:ln>
             <a:noFill/>
           </a:ln>
         </p:spPr>
+        <p:txBody>
+          <a:bodyPr tIns="0" anchor="ctr">
+            <a:normAutofit fontScale="92500" lnSpcReduction="10000"/>
+          </a:bodyPr>
+          <a:lstStyle/>
+          <a:p>
+            <a:pPr>
+              <a:lnSpc>
+                <a:spcPct val="90000"/>
+              </a:lnSpc>
+            </a:pPr>
+            <a:r>
+              <a:rPr lang="lt-LT" sz="6000" b="0" strike="noStrike" spc="-1">
+                <a:solidFill>
+                  <a:srgbClr val="FFFFFF"/>
+                </a:solidFill>
+                <a:latin typeface="Calibri Light"/>
+              </a:rPr>
+              <a:t>V8 and libuv</a:t>
+            </a:r>
+            <a:endParaRPr lang="en-US" sz="6000" b="0" strike="noStrike" spc="-1">
+              <a:solidFill>
+                <a:srgbClr val="000000"/>
+              </a:solidFill>
+              <a:latin typeface="Calibri"/>
+            </a:endParaRPr>
+          </a:p>
+        </p:txBody>
+      </p:sp>
+      <p:pic>
+        <p:nvPicPr>
+          <p:cNvPr id="121" name="Picture 4" descr="libuv"/>
+          <p:cNvPicPr/>
+          <p:nvPr/>
+        </p:nvPicPr>
+        <p:blipFill>
+          <a:blip r:embed="rId3"/>
+          <a:srcRect r="59664" b="436"/>
+          <a:stretch/>
+        </p:blipFill>
+        <p:spPr>
+          <a:xfrm>
+            <a:off x="1376640" y="4131000"/>
+            <a:ext cx="2268000" cy="2099520"/>
+          </a:xfrm>
+          <a:prstGeom prst="rect">
+            <a:avLst/>
+          </a:prstGeom>
+          <a:ln>
+            <a:noFill/>
+          </a:ln>
+        </p:spPr>
       </p:pic>
-      <p:grpSp>
-        <p:nvGrpSpPr>
-          <p:cNvPr id="130" name="Group 2"/>
-          <p:cNvGrpSpPr/>
-          <p:nvPr/>
-        </p:nvGrpSpPr>
-        <p:grpSpPr>
-          <a:xfrm>
-            <a:off x="6498000" y="3153600"/>
-            <a:ext cx="3590640" cy="2228040"/>
-            <a:chOff x="6498000" y="3153600"/>
-            <a:chExt cx="3590640" cy="2228040"/>
-          </a:xfrm>
-        </p:grpSpPr>
-        <p:sp>
-          <p:nvSpPr>
-            <p:cNvPr id="131" name="CustomShape 3"/>
-            <p:cNvSpPr/>
-            <p:nvPr/>
-          </p:nvSpPr>
-          <p:spPr>
-            <a:xfrm>
-              <a:off x="6498000" y="3153600"/>
-              <a:ext cx="3590640" cy="2228040"/>
-            </a:xfrm>
-            <a:prstGeom prst="rect">
-              <a:avLst/>
-            </a:prstGeom>
-            <a:ln/>
-          </p:spPr>
-          <p:style>
-            <a:lnRef idx="2">
-              <a:schemeClr val="accent1">
-                <a:shade val="50000"/>
-              </a:schemeClr>
-            </a:lnRef>
-            <a:fillRef idx="1">
-              <a:schemeClr val="accent1"/>
-            </a:fillRef>
-            <a:effectRef idx="0">
-              <a:schemeClr val="accent1"/>
-            </a:effectRef>
-            <a:fontRef idx="minor"/>
-          </p:style>
-        </p:sp>
-        <p:pic>
-          <p:nvPicPr>
-            <p:cNvPr id="132" name="Graphic 11" descr=""/>
-            <p:cNvPicPr/>
-            <p:nvPr/>
-          </p:nvPicPr>
-          <p:blipFill>
-            <a:blip r:embed="rId3"/>
-            <a:stretch/>
-          </p:blipFill>
-          <p:spPr>
-            <a:xfrm>
-              <a:off x="6652440" y="3235320"/>
-              <a:ext cx="3373920" cy="2064240"/>
-            </a:xfrm>
-            <a:prstGeom prst="rect">
-              <a:avLst/>
-            </a:prstGeom>
-            <a:ln>
-              <a:noFill/>
-            </a:ln>
-          </p:spPr>
-        </p:pic>
-      </p:grpSp>
+      <p:pic>
+        <p:nvPicPr>
+          <p:cNvPr id="122" name="Graphic 2"/>
+          <p:cNvPicPr/>
+          <p:nvPr/>
+        </p:nvPicPr>
+        <p:blipFill>
+          <a:blip r:embed="rId4"/>
+          <a:stretch/>
+        </p:blipFill>
+        <p:spPr>
+          <a:xfrm>
+            <a:off x="1274040" y="1345680"/>
+            <a:ext cx="2370600" cy="2370600"/>
+          </a:xfrm>
+          <a:prstGeom prst="rect">
+            <a:avLst/>
+          </a:prstGeom>
+          <a:ln>
+            <a:noFill/>
+          </a:ln>
+        </p:spPr>
+      </p:pic>
+      <p:sp>
+        <p:nvSpPr>
+          <p:cNvPr id="123" name="CustomShape 3"/>
+          <p:cNvSpPr/>
+          <p:nvPr/>
+        </p:nvSpPr>
+        <p:spPr>
+          <a:xfrm>
+            <a:off x="4529520" y="1658520"/>
+            <a:ext cx="6141240" cy="952653"/>
+          </a:xfrm>
+          <a:prstGeom prst="rect">
+            <a:avLst/>
+          </a:prstGeom>
+          <a:noFill/>
+          <a:ln>
+            <a:noFill/>
+          </a:ln>
+        </p:spPr>
+        <p:style>
+          <a:lnRef idx="0">
+            <a:scrgbClr r="0" g="0" b="0"/>
+          </a:lnRef>
+          <a:fillRef idx="0">
+            <a:scrgbClr r="0" g="0" b="0"/>
+          </a:fillRef>
+          <a:effectRef idx="0">
+            <a:scrgbClr r="0" g="0" b="0"/>
+          </a:effectRef>
+          <a:fontRef idx="minor"/>
+        </p:style>
+        <p:txBody>
+          <a:bodyPr lIns="90000" tIns="45000" rIns="90000" bIns="45000">
+            <a:spAutoFit/>
+          </a:bodyPr>
+          <a:lstStyle/>
+          <a:p>
+            <a:pPr>
+              <a:lnSpc>
+                <a:spcPct val="100000"/>
+              </a:lnSpc>
+            </a:pPr>
+            <a:r>
+              <a:rPr lang="en-US" sz="2800" b="0" strike="noStrike" spc="-1" dirty="0">
+                <a:solidFill>
+                  <a:srgbClr val="FFFFFF"/>
+                </a:solidFill>
+                <a:latin typeface="Calibri"/>
+              </a:rPr>
+              <a:t>Converts </a:t>
+            </a:r>
+            <a:r>
+              <a:rPr lang="en-US" sz="2800" b="0" strike="noStrike" spc="-1" dirty="0" err="1">
+                <a:solidFill>
+                  <a:srgbClr val="FFFFFF"/>
+                </a:solidFill>
+                <a:latin typeface="Calibri"/>
+              </a:rPr>
+              <a:t>Javascript</a:t>
+            </a:r>
+            <a:r>
+              <a:rPr lang="en-US" sz="2800" b="0" strike="noStrike" spc="-1" dirty="0">
+                <a:solidFill>
+                  <a:srgbClr val="FFFFFF"/>
+                </a:solidFill>
+                <a:latin typeface="Calibri"/>
+              </a:rPr>
+              <a:t> code to machine code and executes it</a:t>
+            </a:r>
+            <a:endParaRPr lang="en-US" sz="2800" b="0" strike="noStrike" spc="-1" dirty="0">
+              <a:latin typeface="Arial"/>
+            </a:endParaRPr>
+          </a:p>
+        </p:txBody>
+      </p:sp>
+      <p:sp>
+        <p:nvSpPr>
+          <p:cNvPr id="124" name="CustomShape 4"/>
+          <p:cNvSpPr/>
+          <p:nvPr/>
+        </p:nvSpPr>
+        <p:spPr>
+          <a:xfrm>
+            <a:off x="4529520" y="4131000"/>
+            <a:ext cx="6141240" cy="2245315"/>
+          </a:xfrm>
+          <a:prstGeom prst="rect">
+            <a:avLst/>
+          </a:prstGeom>
+          <a:noFill/>
+          <a:ln>
+            <a:noFill/>
+          </a:ln>
+        </p:spPr>
+        <p:style>
+          <a:lnRef idx="0">
+            <a:scrgbClr r="0" g="0" b="0"/>
+          </a:lnRef>
+          <a:fillRef idx="0">
+            <a:scrgbClr r="0" g="0" b="0"/>
+          </a:fillRef>
+          <a:effectRef idx="0">
+            <a:scrgbClr r="0" g="0" b="0"/>
+          </a:effectRef>
+          <a:fontRef idx="minor"/>
+        </p:style>
+        <p:txBody>
+          <a:bodyPr lIns="90000" tIns="45000" rIns="90000" bIns="45000">
+            <a:spAutoFit/>
+          </a:bodyPr>
+          <a:lstStyle/>
+          <a:p>
+            <a:pPr>
+              <a:lnSpc>
+                <a:spcPct val="100000"/>
+              </a:lnSpc>
+            </a:pPr>
+            <a:r>
+              <a:rPr lang="en-US" sz="2800" b="0" strike="noStrike" spc="-1" dirty="0">
+                <a:solidFill>
+                  <a:schemeClr val="bg1"/>
+                </a:solidFill>
+                <a:latin typeface="Arial"/>
+              </a:rPr>
+              <a:t>Basically, creates events, instead of blocking operations, such as:</a:t>
+            </a:r>
+          </a:p>
+          <a:p>
+            <a:pPr marL="457200" indent="-457200">
+              <a:lnSpc>
+                <a:spcPct val="100000"/>
+              </a:lnSpc>
+              <a:buFont typeface="Arial" panose="020B0604020202020204" pitchFamily="34" charset="0"/>
+              <a:buChar char="•"/>
+            </a:pPr>
+            <a:r>
+              <a:rPr lang="en-US" sz="2800" spc="-1" dirty="0">
+                <a:solidFill>
+                  <a:schemeClr val="bg1"/>
+                </a:solidFill>
+              </a:rPr>
+              <a:t>File is ready for writing</a:t>
+            </a:r>
+          </a:p>
+          <a:p>
+            <a:pPr marL="457200" indent="-457200">
+              <a:lnSpc>
+                <a:spcPct val="100000"/>
+              </a:lnSpc>
+              <a:buFont typeface="Arial" panose="020B0604020202020204" pitchFamily="34" charset="0"/>
+              <a:buChar char="•"/>
+            </a:pPr>
+            <a:r>
+              <a:rPr lang="en-US" sz="2800" spc="-1" dirty="0">
+                <a:solidFill>
+                  <a:schemeClr val="bg1"/>
+                </a:solidFill>
+              </a:rPr>
+              <a:t>A socket has data ready to be read</a:t>
+            </a:r>
+          </a:p>
+          <a:p>
+            <a:pPr marL="457200" indent="-457200">
+              <a:lnSpc>
+                <a:spcPct val="100000"/>
+              </a:lnSpc>
+              <a:buFont typeface="Arial" panose="020B0604020202020204" pitchFamily="34" charset="0"/>
+              <a:buChar char="•"/>
+            </a:pPr>
+            <a:r>
+              <a:rPr lang="en-US" sz="2800" spc="-1" dirty="0">
+                <a:solidFill>
+                  <a:schemeClr val="bg1"/>
+                </a:solidFill>
+              </a:rPr>
+              <a:t>A timer has timed out</a:t>
+            </a:r>
+            <a:endParaRPr lang="en-US" sz="2800" b="0" strike="noStrike" spc="-1" dirty="0">
+              <a:solidFill>
+                <a:schemeClr val="bg1"/>
+              </a:solidFill>
+              <a:latin typeface="Arial"/>
+            </a:endParaRPr>
+          </a:p>
+        </p:txBody>
+      </p:sp>
+    </p:spTree>
+    <p:extLst>
+      <p:ext uri="{BB962C8B-B14F-4D97-AF65-F5344CB8AC3E}">
+        <p14:creationId xmlns:p14="http://schemas.microsoft.com/office/powerpoint/2010/main" val="3144349052"/>
+      </p:ext>
+    </p:extLst>
+  </p:cSld>
+  <p:clrMapOvr>
+    <a:masterClrMapping/>
+  </p:clrMapOvr>
+</p:sld>
+</file>
+
+<file path=ppt/slides/slide9.xml><?xml version="1.0" encoding="utf-8"?>
+<p:sld xmlns:a="http://schemas.openxmlformats.org/drawingml/2006/main" xmlns:r="http://schemas.openxmlformats.org/officeDocument/2006/relationships" xmlns:p="http://schemas.openxmlformats.org/presentationml/2006/main">
+  <p:cSld>
+    <p:spTree>
+      <p:nvGrpSpPr>
+        <p:cNvPr id="1" name=""/>
+        <p:cNvGrpSpPr/>
+        <p:nvPr/>
+      </p:nvGrpSpPr>
+      <p:grpSpPr>
+        <a:xfrm>
+          <a:off x="0" y="0"/>
+          <a:ext cx="0" cy="0"/>
+          <a:chOff x="0" y="0"/>
+          <a:chExt cx="0" cy="0"/>
+        </a:xfrm>
+      </p:grpSpPr>
+      <p:sp>
+        <p:nvSpPr>
+          <p:cNvPr id="125" name="TextShape 1"/>
+          <p:cNvSpPr txBox="1"/>
+          <p:nvPr/>
+        </p:nvSpPr>
+        <p:spPr>
+          <a:xfrm>
+            <a:off x="10671120" y="0"/>
+            <a:ext cx="1520640" cy="1520640"/>
+          </a:xfrm>
+          <a:prstGeom prst="rect">
+            <a:avLst/>
+          </a:prstGeom>
+          <a:blipFill rotWithShape="0">
+            <a:blip r:embed="rId2"/>
+            <a:stretch>
+              <a:fillRect/>
+            </a:stretch>
+          </a:blipFill>
+          <a:ln>
+            <a:noFill/>
+          </a:ln>
+        </p:spPr>
+        <p:txBody>
+          <a:bodyPr anchor="ctr">
+            <a:noAutofit/>
+          </a:bodyPr>
+          <a:lstStyle/>
+          <a:p>
+            <a:endParaRPr lang="en-US" sz="2800" b="0" strike="noStrike" spc="-1">
+              <a:solidFill>
+                <a:srgbClr val="000000"/>
+              </a:solidFill>
+              <a:latin typeface="Calibri"/>
+            </a:endParaRPr>
+          </a:p>
+        </p:txBody>
+      </p:sp>
+      <p:sp>
+        <p:nvSpPr>
+          <p:cNvPr id="126" name="CustomShape 2"/>
+          <p:cNvSpPr/>
+          <p:nvPr/>
+        </p:nvSpPr>
+        <p:spPr>
+          <a:xfrm>
+            <a:off x="4529520" y="1658520"/>
+            <a:ext cx="6141240" cy="1370160"/>
+          </a:xfrm>
+          <a:prstGeom prst="rect">
+            <a:avLst/>
+          </a:prstGeom>
+          <a:noFill/>
+          <a:ln>
+            <a:noFill/>
+          </a:ln>
+        </p:spPr>
+        <p:style>
+          <a:lnRef idx="0">
+            <a:scrgbClr r="0" g="0" b="0"/>
+          </a:lnRef>
+          <a:fillRef idx="0">
+            <a:scrgbClr r="0" g="0" b="0"/>
+          </a:fillRef>
+          <a:effectRef idx="0">
+            <a:scrgbClr r="0" g="0" b="0"/>
+          </a:effectRef>
+          <a:fontRef idx="minor"/>
+        </p:style>
+        <p:txBody>
+          <a:bodyPr lIns="90000" tIns="45000" rIns="90000" bIns="45000">
+            <a:spAutoFit/>
+          </a:bodyPr>
+          <a:lstStyle/>
+          <a:p>
+            <a:pPr>
+              <a:lnSpc>
+                <a:spcPct val="100000"/>
+              </a:lnSpc>
+            </a:pPr>
+            <a:r>
+              <a:rPr lang="lt-LT" sz="2800" b="0" strike="noStrike" spc="-1">
+                <a:solidFill>
+                  <a:srgbClr val="FFFFFF"/>
+                </a:solidFill>
+                <a:latin typeface="Calibri"/>
+              </a:rPr>
+              <a:t>A</a:t>
+            </a:r>
+            <a:r>
+              <a:rPr lang="en-US" sz="2800" b="0" strike="noStrike" spc="-1">
+                <a:solidFill>
+                  <a:srgbClr val="FFFFFF"/>
+                </a:solidFill>
+                <a:latin typeface="Calibri"/>
+              </a:rPr>
+              <a:t>n asynchronous event-driven JavaScript runtime, designed to build scalable network applications.</a:t>
+            </a:r>
+            <a:endParaRPr lang="en-US" sz="2800" b="0" strike="noStrike" spc="-1">
+              <a:latin typeface="Arial"/>
+            </a:endParaRPr>
+          </a:p>
+        </p:txBody>
+      </p:sp>
+      <p:pic>
+        <p:nvPicPr>
+          <p:cNvPr id="127" name="Graphic 11"/>
+          <p:cNvPicPr/>
+          <p:nvPr/>
+        </p:nvPicPr>
+        <p:blipFill>
+          <a:blip r:embed="rId3"/>
+          <a:stretch/>
+        </p:blipFill>
+        <p:spPr>
+          <a:xfrm>
+            <a:off x="649080" y="1364400"/>
+            <a:ext cx="3373920" cy="2064240"/>
+          </a:xfrm>
+          <a:prstGeom prst="rect">
+            <a:avLst/>
+          </a:prstGeom>
+          <a:ln>
+            <a:noFill/>
+          </a:ln>
+        </p:spPr>
+      </p:pic>
     </p:spTree>
   </p:cSld>
-  <mc:AlternateContent>
-    <mc:Choice Requires="p14">
-      <p:transition spd="slow" p14:dur="2000"/>
-    </mc:Choice>
-    <mc:Fallback>
-      <p:transition spd="slow"/>
-    </mc:Fallback>
-  </mc:AlternateContent>
+  <p:clrMapOvr>
+    <a:masterClrMapping/>
+  </p:clrMapOvr>
 </p:sld>
 </file>
 
@@ -10759,34 +12194,34 @@
         <a:sysClr val="window" lastClr="FFFFFF"/>
       </a:lt1>
       <a:dk2>
-        <a:srgbClr val="44546a"/>
+        <a:srgbClr val="44546A"/>
       </a:dk2>
       <a:lt2>
-        <a:srgbClr val="e7e6e6"/>
+        <a:srgbClr val="E7E6E6"/>
       </a:lt2>
       <a:accent1>
-        <a:srgbClr val="4472c4"/>
+        <a:srgbClr val="4472C4"/>
       </a:accent1>
       <a:accent2>
-        <a:srgbClr val="ed7d31"/>
+        <a:srgbClr val="ED7D31"/>
       </a:accent2>
       <a:accent3>
-        <a:srgbClr val="a5a5a5"/>
+        <a:srgbClr val="A5A5A5"/>
       </a:accent3>
       <a:accent4>
-        <a:srgbClr val="ffc000"/>
+        <a:srgbClr val="FFC000"/>
       </a:accent4>
       <a:accent5>
-        <a:srgbClr val="5b9bd5"/>
+        <a:srgbClr val="5B9BD5"/>
       </a:accent5>
       <a:accent6>
-        <a:srgbClr val="70ad47"/>
+        <a:srgbClr val="70AD47"/>
       </a:accent6>
       <a:hlink>
-        <a:srgbClr val="0563c1"/>
+        <a:srgbClr val="0563C1"/>
       </a:hlink>
       <a:folHlink>
-        <a:srgbClr val="954f72"/>
+        <a:srgbClr val="954F72"/>
       </a:folHlink>
     </a:clrScheme>
     <a:fontScheme name="Office">
@@ -10971,6 +12406,8 @@
       </a:bgFillStyleLst>
     </a:fmtScheme>
   </a:themeElements>
+  <a:objectDefaults/>
+  <a:extraClrSchemeLst/>
 </a:theme>
 </file>
 
@@ -10985,34 +12422,34 @@
         <a:sysClr val="window" lastClr="FFFFFF"/>
       </a:lt1>
       <a:dk2>
-        <a:srgbClr val="44546a"/>
+        <a:srgbClr val="44546A"/>
       </a:dk2>
       <a:lt2>
-        <a:srgbClr val="e7e6e6"/>
+        <a:srgbClr val="E7E6E6"/>
       </a:lt2>
       <a:accent1>
-        <a:srgbClr val="4472c4"/>
+        <a:srgbClr val="4472C4"/>
       </a:accent1>
       <a:accent2>
-        <a:srgbClr val="ed7d31"/>
+        <a:srgbClr val="ED7D31"/>
       </a:accent2>
       <a:accent3>
-        <a:srgbClr val="a5a5a5"/>
+        <a:srgbClr val="A5A5A5"/>
       </a:accent3>
       <a:accent4>
-        <a:srgbClr val="ffc000"/>
+        <a:srgbClr val="FFC000"/>
       </a:accent4>
       <a:accent5>
-        <a:srgbClr val="5b9bd5"/>
+        <a:srgbClr val="5B9BD5"/>
       </a:accent5>
       <a:accent6>
-        <a:srgbClr val="70ad47"/>
+        <a:srgbClr val="70AD47"/>
       </a:accent6>
       <a:hlink>
-        <a:srgbClr val="0563c1"/>
+        <a:srgbClr val="0563C1"/>
       </a:hlink>
       <a:folHlink>
-        <a:srgbClr val="954f72"/>
+        <a:srgbClr val="954F72"/>
       </a:folHlink>
     </a:clrScheme>
     <a:fontScheme name="Office">
@@ -11197,5 +12634,7 @@
       </a:bgFillStyleLst>
     </a:fmtScheme>
   </a:themeElements>
+  <a:objectDefaults/>
+  <a:extraClrSchemeLst/>
 </a:theme>
 </file>